--- a/doc/MidTerm.pptx
+++ b/doc/MidTerm.pptx
@@ -2,7 +2,7 @@
 <file path=ppt/presentation.xml><?xml version="1.0" encoding="utf-8"?>
 <p:presentation xmlns:a="http://schemas.openxmlformats.org/drawingml/2006/main" xmlns:r="http://schemas.openxmlformats.org/officeDocument/2006/relationships" xmlns:p="http://schemas.openxmlformats.org/presentationml/2006/main" saveSubsetFonts="1">
   <p:sldMasterIdLst>
-    <p:sldMasterId id="2147483648" r:id="rId1"/>
+    <p:sldMasterId id="2147483660" r:id="rId1"/>
   </p:sldMasterIdLst>
   <p:sldIdLst>
     <p:sldId id="256" r:id="rId2"/>
@@ -13,8 +13,8 @@
     <p:sldId id="262" r:id="rId7"/>
     <p:sldId id="263" r:id="rId8"/>
     <p:sldId id="265" r:id="rId9"/>
-    <p:sldId id="257" r:id="rId10"/>
-    <p:sldId id="264" r:id="rId11"/>
+    <p:sldId id="264" r:id="rId10"/>
+    <p:sldId id="257" r:id="rId11"/>
     <p:sldId id="267" r:id="rId12"/>
   </p:sldIdLst>
   <p:sldSz cx="12192000" cy="6858000"/>
@@ -114,11 +114,16 @@
       </a:defRPr>
     </a:lvl9pPr>
   </p:defaultTextStyle>
+  <p:extLst>
+    <p:ext uri="{EFAFB233-063F-42B5-8137-9DF3F51BA10A}">
+      <p15:sldGuideLst xmlns:p15="http://schemas.microsoft.com/office/powerpoint/2012/main"/>
+    </p:ext>
+  </p:extLst>
 </p:presentation>
 </file>
 
 <file path=ppt/slideLayouts/slideLayout1.xml><?xml version="1.0" encoding="utf-8"?>
-<p:sldLayout xmlns:a="http://schemas.openxmlformats.org/drawingml/2006/main" xmlns:r="http://schemas.openxmlformats.org/officeDocument/2006/relationships" xmlns:p="http://schemas.openxmlformats.org/presentationml/2006/main" type="title" preserve="1">
+<p:sldLayout xmlns:a="http://schemas.openxmlformats.org/drawingml/2006/main" xmlns:r="http://schemas.openxmlformats.org/officeDocument/2006/relationships" xmlns:p="http://schemas.openxmlformats.org/presentationml/2006/main" showMasterSp="0" type="title" preserve="1">
   <p:cSld name="Titelfolie">
     <p:spTree>
       <p:nvGrpSpPr>
@@ -136,25 +141,113 @@
       </p:grpSpPr>
       <p:sp>
         <p:nvSpPr>
-          <p:cNvPr id="2" name="Titel 1"/>
-          <p:cNvSpPr>
-            <a:spLocks noGrp="1"/>
-          </p:cNvSpPr>
-          <p:nvPr>
-            <p:ph type="ctrTitle"/>
-          </p:nvPr>
+          <p:cNvPr id="7" name="Rectangle 6"/>
+          <p:cNvSpPr/>
+          <p:nvPr/>
         </p:nvSpPr>
         <p:spPr>
           <a:xfrm>
-            <a:off x="1524000" y="1122363"/>
-            <a:ext cx="9144000" cy="2387600"/>
+            <a:off x="3175" y="6400800"/>
+            <a:ext cx="12188825" cy="457200"/>
+          </a:xfrm>
+          <a:prstGeom prst="rect">
+            <a:avLst/>
+          </a:prstGeom>
+          <a:solidFill>
+            <a:schemeClr val="accent2"/>
+          </a:solidFill>
+          <a:ln>
+            <a:noFill/>
+          </a:ln>
+        </p:spPr>
+        <p:style>
+          <a:lnRef idx="2">
+            <a:schemeClr val="accent1">
+              <a:shade val="50000"/>
+            </a:schemeClr>
+          </a:lnRef>
+          <a:fillRef idx="1">
+            <a:schemeClr val="accent1"/>
+          </a:fillRef>
+          <a:effectRef idx="0">
+            <a:schemeClr val="accent1"/>
+          </a:effectRef>
+          <a:fontRef idx="minor">
+            <a:schemeClr val="lt1"/>
+          </a:fontRef>
+        </p:style>
+      </p:sp>
+      <p:sp>
+        <p:nvSpPr>
+          <p:cNvPr id="8" name="Rectangle 7"/>
+          <p:cNvSpPr/>
+          <p:nvPr/>
+        </p:nvSpPr>
+        <p:spPr>
+          <a:xfrm>
+            <a:off x="15" y="6334316"/>
+            <a:ext cx="12188825" cy="64008"/>
+          </a:xfrm>
+          <a:prstGeom prst="rect">
+            <a:avLst/>
+          </a:prstGeom>
+          <a:solidFill>
+            <a:schemeClr val="accent1"/>
+          </a:solidFill>
+          <a:ln>
+            <a:noFill/>
+          </a:ln>
+        </p:spPr>
+        <p:style>
+          <a:lnRef idx="2">
+            <a:schemeClr val="accent1">
+              <a:shade val="50000"/>
+            </a:schemeClr>
+          </a:lnRef>
+          <a:fillRef idx="1">
+            <a:schemeClr val="accent1"/>
+          </a:fillRef>
+          <a:effectRef idx="0">
+            <a:schemeClr val="accent1"/>
+          </a:effectRef>
+          <a:fontRef idx="minor">
+            <a:schemeClr val="lt1"/>
+          </a:fontRef>
+        </p:style>
+      </p:sp>
+      <p:sp>
+        <p:nvSpPr>
+          <p:cNvPr id="2" name="Title 1"/>
+          <p:cNvSpPr>
+            <a:spLocks noGrp="1"/>
+          </p:cNvSpPr>
+          <p:nvPr>
+            <p:ph type="ctrTitle"/>
+          </p:nvPr>
+        </p:nvSpPr>
+        <p:spPr>
+          <a:xfrm>
+            <a:off x="1097280" y="758952"/>
+            <a:ext cx="10058400" cy="3566160"/>
           </a:xfrm>
         </p:spPr>
         <p:txBody>
-          <a:bodyPr anchor="b"/>
+          <a:bodyPr anchor="b">
+            <a:normAutofit/>
+          </a:bodyPr>
           <a:lstStyle>
-            <a:lvl1pPr algn="ctr">
-              <a:defRPr sz="6000"/>
+            <a:lvl1pPr algn="l">
+              <a:lnSpc>
+                <a:spcPct val="85000"/>
+              </a:lnSpc>
+              <a:defRPr sz="8000" spc="-50" baseline="0">
+                <a:solidFill>
+                  <a:schemeClr val="tx1">
+                    <a:lumMod val="85000"/>
+                    <a:lumOff val="15000"/>
+                  </a:schemeClr>
+                </a:solidFill>
+              </a:defRPr>
             </a:lvl1pPr>
           </a:lstStyle>
           <a:p>
@@ -162,13 +255,13 @@
               <a:rPr lang="de-DE" smtClean="0"/>
               <a:t>Titelmasterformat durch Klicken bearbeiten</a:t>
             </a:r>
-            <a:endParaRPr lang="de-DE"/>
-          </a:p>
-        </p:txBody>
-      </p:sp>
-      <p:sp>
-        <p:nvSpPr>
-          <p:cNvPr id="3" name="Untertitel 2"/>
+            <a:endParaRPr lang="en-US" dirty="0"/>
+          </a:p>
+        </p:txBody>
+      </p:sp>
+      <p:sp>
+        <p:nvSpPr>
+          <p:cNvPr id="3" name="Subtitle 2"/>
           <p:cNvSpPr>
             <a:spLocks noGrp="1"/>
           </p:cNvSpPr>
@@ -178,48 +271,55 @@
         </p:nvSpPr>
         <p:spPr>
           <a:xfrm>
-            <a:off x="1524000" y="3602038"/>
-            <a:ext cx="9144000" cy="1655762"/>
+            <a:off x="1100051" y="4455620"/>
+            <a:ext cx="10058400" cy="1143000"/>
           </a:xfrm>
         </p:spPr>
         <p:txBody>
-          <a:bodyPr/>
+          <a:bodyPr lIns="91440" rIns="91440">
+            <a:normAutofit/>
+          </a:bodyPr>
           <a:lstStyle>
-            <a:lvl1pPr marL="0" indent="0" algn="ctr">
+            <a:lvl1pPr marL="0" indent="0" algn="l">
               <a:buNone/>
-              <a:defRPr sz="2400"/>
+              <a:defRPr sz="2400" cap="all" spc="200" baseline="0">
+                <a:solidFill>
+                  <a:schemeClr val="tx2"/>
+                </a:solidFill>
+                <a:latin typeface="+mj-lt"/>
+              </a:defRPr>
             </a:lvl1pPr>
             <a:lvl2pPr marL="457200" indent="0" algn="ctr">
               <a:buNone/>
-              <a:defRPr sz="2000"/>
+              <a:defRPr sz="2400"/>
             </a:lvl2pPr>
             <a:lvl3pPr marL="914400" indent="0" algn="ctr">
               <a:buNone/>
-              <a:defRPr sz="1800"/>
+              <a:defRPr sz="2400"/>
             </a:lvl3pPr>
             <a:lvl4pPr marL="1371600" indent="0" algn="ctr">
               <a:buNone/>
-              <a:defRPr sz="1600"/>
+              <a:defRPr sz="2000"/>
             </a:lvl4pPr>
             <a:lvl5pPr marL="1828800" indent="0" algn="ctr">
               <a:buNone/>
-              <a:defRPr sz="1600"/>
+              <a:defRPr sz="2000"/>
             </a:lvl5pPr>
             <a:lvl6pPr marL="2286000" indent="0" algn="ctr">
               <a:buNone/>
-              <a:defRPr sz="1600"/>
+              <a:defRPr sz="2000"/>
             </a:lvl6pPr>
             <a:lvl7pPr marL="2743200" indent="0" algn="ctr">
               <a:buNone/>
-              <a:defRPr sz="1600"/>
+              <a:defRPr sz="2000"/>
             </a:lvl7pPr>
             <a:lvl8pPr marL="3200400" indent="0" algn="ctr">
               <a:buNone/>
-              <a:defRPr sz="1600"/>
+              <a:defRPr sz="2000"/>
             </a:lvl8pPr>
             <a:lvl9pPr marL="3657600" indent="0" algn="ctr">
               <a:buNone/>
-              <a:defRPr sz="1600"/>
+              <a:defRPr sz="2000"/>
             </a:lvl9pPr>
           </a:lstStyle>
           <a:p>
@@ -227,13 +327,13 @@
               <a:rPr lang="de-DE" smtClean="0"/>
               <a:t>Formatvorlage des Untertitelmasters durch Klicken bearbeiten</a:t>
             </a:r>
-            <a:endParaRPr lang="de-DE"/>
-          </a:p>
-        </p:txBody>
-      </p:sp>
-      <p:sp>
-        <p:nvSpPr>
-          <p:cNvPr id="4" name="Datumsplatzhalter 3"/>
+            <a:endParaRPr lang="en-US" dirty="0"/>
+          </a:p>
+        </p:txBody>
+      </p:sp>
+      <p:sp>
+        <p:nvSpPr>
+          <p:cNvPr id="4" name="Date Placeholder 3"/>
           <p:cNvSpPr>
             <a:spLocks noGrp="1"/>
           </p:cNvSpPr>
@@ -248,7 +348,7 @@
           <a:p>
             <a:fld id="{7D245CBA-5440-4E3A-93BD-41E2FFACF6C3}" type="datetimeFigureOut">
               <a:rPr lang="de-DE" smtClean="0"/>
-              <a:t>22.05.2014</a:t>
+              <a:t>25.05.2014</a:t>
             </a:fld>
             <a:endParaRPr lang="de-DE"/>
           </a:p>
@@ -256,7 +356,7 @@
       </p:sp>
       <p:sp>
         <p:nvSpPr>
-          <p:cNvPr id="5" name="Fußzeilenplatzhalter 4"/>
+          <p:cNvPr id="5" name="Footer Placeholder 4"/>
           <p:cNvSpPr>
             <a:spLocks noGrp="1"/>
           </p:cNvSpPr>
@@ -275,7 +375,7 @@
       </p:sp>
       <p:sp>
         <p:nvSpPr>
-          <p:cNvPr id="6" name="Foliennummernplatzhalter 5"/>
+          <p:cNvPr id="6" name="Slide Number Placeholder 5"/>
           <p:cNvSpPr>
             <a:spLocks noGrp="1"/>
           </p:cNvSpPr>
@@ -296,10 +396,48 @@
           </a:p>
         </p:txBody>
       </p:sp>
+      <p:cxnSp>
+        <p:nvCxnSpPr>
+          <p:cNvPr id="9" name="Straight Connector 8"/>
+          <p:cNvCxnSpPr/>
+          <p:nvPr/>
+        </p:nvCxnSpPr>
+        <p:spPr>
+          <a:xfrm>
+            <a:off x="1207658" y="4343400"/>
+            <a:ext cx="9875520" cy="0"/>
+          </a:xfrm>
+          <a:prstGeom prst="line">
+            <a:avLst/>
+          </a:prstGeom>
+          <a:ln w="6350">
+            <a:solidFill>
+              <a:schemeClr val="tx1">
+                <a:lumMod val="50000"/>
+                <a:lumOff val="50000"/>
+              </a:schemeClr>
+            </a:solidFill>
+          </a:ln>
+        </p:spPr>
+        <p:style>
+          <a:lnRef idx="1">
+            <a:schemeClr val="accent1"/>
+          </a:lnRef>
+          <a:fillRef idx="0">
+            <a:schemeClr val="accent1"/>
+          </a:fillRef>
+          <a:effectRef idx="0">
+            <a:schemeClr val="accent1"/>
+          </a:effectRef>
+          <a:fontRef idx="minor">
+            <a:schemeClr val="tx1"/>
+          </a:fontRef>
+        </p:style>
+      </p:cxnSp>
     </p:spTree>
     <p:extLst>
       <p:ext uri="{BB962C8B-B14F-4D97-AF65-F5344CB8AC3E}">
-        <p14:creationId xmlns:p14="http://schemas.microsoft.com/office/powerpoint/2010/main" val="3709457655"/>
+        <p14:creationId xmlns:p14="http://schemas.microsoft.com/office/powerpoint/2010/main" val="2306302272"/>
       </p:ext>
     </p:extLst>
   </p:cSld>
@@ -328,7 +466,7 @@
       </p:grpSpPr>
       <p:sp>
         <p:nvSpPr>
-          <p:cNvPr id="2" name="Titel 1"/>
+          <p:cNvPr id="2" name="Title 1"/>
           <p:cNvSpPr>
             <a:spLocks noGrp="1"/>
           </p:cNvSpPr>
@@ -345,13 +483,13 @@
               <a:rPr lang="de-DE" smtClean="0"/>
               <a:t>Titelmasterformat durch Klicken bearbeiten</a:t>
             </a:r>
-            <a:endParaRPr lang="de-DE"/>
-          </a:p>
-        </p:txBody>
-      </p:sp>
-      <p:sp>
-        <p:nvSpPr>
-          <p:cNvPr id="3" name="Vertikaler Textplatzhalter 2"/>
+            <a:endParaRPr lang="en-US" dirty="0"/>
+          </a:p>
+        </p:txBody>
+      </p:sp>
+      <p:sp>
+        <p:nvSpPr>
+          <p:cNvPr id="3" name="Vertical Text Placeholder 2"/>
           <p:cNvSpPr>
             <a:spLocks noGrp="1"/>
           </p:cNvSpPr>
@@ -361,7 +499,7 @@
         </p:nvSpPr>
         <p:spPr/>
         <p:txBody>
-          <a:bodyPr vert="eaVert"/>
+          <a:bodyPr vert="eaVert" lIns="45720" tIns="0" rIns="45720" bIns="0"/>
           <a:lstStyle/>
           <a:p>
             <a:pPr lvl="0"/>
@@ -397,13 +535,13 @@
               <a:rPr lang="de-DE" smtClean="0"/>
               <a:t>Fünfte Ebene</a:t>
             </a:r>
-            <a:endParaRPr lang="de-DE"/>
-          </a:p>
-        </p:txBody>
-      </p:sp>
-      <p:sp>
-        <p:nvSpPr>
-          <p:cNvPr id="4" name="Datumsplatzhalter 3"/>
+            <a:endParaRPr lang="en-US" dirty="0"/>
+          </a:p>
+        </p:txBody>
+      </p:sp>
+      <p:sp>
+        <p:nvSpPr>
+          <p:cNvPr id="4" name="Date Placeholder 3"/>
           <p:cNvSpPr>
             <a:spLocks noGrp="1"/>
           </p:cNvSpPr>
@@ -418,7 +556,7 @@
           <a:p>
             <a:fld id="{7D245CBA-5440-4E3A-93BD-41E2FFACF6C3}" type="datetimeFigureOut">
               <a:rPr lang="de-DE" smtClean="0"/>
-              <a:t>22.05.2014</a:t>
+              <a:t>25.05.2014</a:t>
             </a:fld>
             <a:endParaRPr lang="de-DE"/>
           </a:p>
@@ -426,7 +564,7 @@
       </p:sp>
       <p:sp>
         <p:nvSpPr>
-          <p:cNvPr id="5" name="Fußzeilenplatzhalter 4"/>
+          <p:cNvPr id="5" name="Footer Placeholder 4"/>
           <p:cNvSpPr>
             <a:spLocks noGrp="1"/>
           </p:cNvSpPr>
@@ -445,7 +583,7 @@
       </p:sp>
       <p:sp>
         <p:nvSpPr>
-          <p:cNvPr id="6" name="Foliennummernplatzhalter 5"/>
+          <p:cNvPr id="6" name="Slide Number Placeholder 5"/>
           <p:cNvSpPr>
             <a:spLocks noGrp="1"/>
           </p:cNvSpPr>
@@ -469,7 +607,7 @@
     </p:spTree>
     <p:extLst>
       <p:ext uri="{BB962C8B-B14F-4D97-AF65-F5344CB8AC3E}">
-        <p14:creationId xmlns:p14="http://schemas.microsoft.com/office/powerpoint/2010/main" val="3241986859"/>
+        <p14:creationId xmlns:p14="http://schemas.microsoft.com/office/powerpoint/2010/main" val="1865755460"/>
       </p:ext>
     </p:extLst>
   </p:cSld>
@@ -480,7 +618,7 @@
 </file>
 
 <file path=ppt/slideLayouts/slideLayout11.xml><?xml version="1.0" encoding="utf-8"?>
-<p:sldLayout xmlns:a="http://schemas.openxmlformats.org/drawingml/2006/main" xmlns:r="http://schemas.openxmlformats.org/officeDocument/2006/relationships" xmlns:p="http://schemas.openxmlformats.org/presentationml/2006/main" type="vertTitleAndTx" preserve="1">
+<p:sldLayout xmlns:a="http://schemas.openxmlformats.org/drawingml/2006/main" xmlns:r="http://schemas.openxmlformats.org/officeDocument/2006/relationships" xmlns:p="http://schemas.openxmlformats.org/presentationml/2006/main" showMasterSp="0" type="vertTitleAndTx" preserve="1">
   <p:cSld name="Vertikaler Titel und Text">
     <p:spTree>
       <p:nvGrpSpPr>
@@ -498,18 +636,94 @@
       </p:grpSpPr>
       <p:sp>
         <p:nvSpPr>
-          <p:cNvPr id="2" name="Vertikaler Titel 1"/>
-          <p:cNvSpPr>
-            <a:spLocks noGrp="1"/>
-          </p:cNvSpPr>
-          <p:nvPr>
-            <p:ph type="title" orient="vert"/>
-          </p:nvPr>
+          <p:cNvPr id="7" name="Rectangle 6"/>
+          <p:cNvSpPr/>
+          <p:nvPr/>
         </p:nvSpPr>
         <p:spPr>
           <a:xfrm>
-            <a:off x="8724900" y="365125"/>
-            <a:ext cx="2628900" cy="5811838"/>
+            <a:off x="3175" y="6400800"/>
+            <a:ext cx="12188825" cy="457200"/>
+          </a:xfrm>
+          <a:prstGeom prst="rect">
+            <a:avLst/>
+          </a:prstGeom>
+          <a:solidFill>
+            <a:schemeClr val="accent2"/>
+          </a:solidFill>
+          <a:ln>
+            <a:noFill/>
+          </a:ln>
+        </p:spPr>
+        <p:style>
+          <a:lnRef idx="2">
+            <a:schemeClr val="accent1">
+              <a:shade val="50000"/>
+            </a:schemeClr>
+          </a:lnRef>
+          <a:fillRef idx="1">
+            <a:schemeClr val="accent1"/>
+          </a:fillRef>
+          <a:effectRef idx="0">
+            <a:schemeClr val="accent1"/>
+          </a:effectRef>
+          <a:fontRef idx="minor">
+            <a:schemeClr val="lt1"/>
+          </a:fontRef>
+        </p:style>
+      </p:sp>
+      <p:sp>
+        <p:nvSpPr>
+          <p:cNvPr id="8" name="Rectangle 7"/>
+          <p:cNvSpPr/>
+          <p:nvPr/>
+        </p:nvSpPr>
+        <p:spPr>
+          <a:xfrm>
+            <a:off x="15" y="6334316"/>
+            <a:ext cx="12188825" cy="64008"/>
+          </a:xfrm>
+          <a:prstGeom prst="rect">
+            <a:avLst/>
+          </a:prstGeom>
+          <a:solidFill>
+            <a:schemeClr val="accent1"/>
+          </a:solidFill>
+          <a:ln>
+            <a:noFill/>
+          </a:ln>
+        </p:spPr>
+        <p:style>
+          <a:lnRef idx="2">
+            <a:schemeClr val="accent1">
+              <a:shade val="50000"/>
+            </a:schemeClr>
+          </a:lnRef>
+          <a:fillRef idx="1">
+            <a:schemeClr val="accent1"/>
+          </a:fillRef>
+          <a:effectRef idx="0">
+            <a:schemeClr val="accent1"/>
+          </a:effectRef>
+          <a:fontRef idx="minor">
+            <a:schemeClr val="lt1"/>
+          </a:fontRef>
+        </p:style>
+      </p:sp>
+      <p:sp>
+        <p:nvSpPr>
+          <p:cNvPr id="2" name="Vertical Title 1"/>
+          <p:cNvSpPr>
+            <a:spLocks noGrp="1"/>
+          </p:cNvSpPr>
+          <p:nvPr>
+            <p:ph type="title" orient="vert"/>
+          </p:nvPr>
+        </p:nvSpPr>
+        <p:spPr>
+          <a:xfrm>
+            <a:off x="8724900" y="414778"/>
+            <a:ext cx="2628900" cy="5757421"/>
           </a:xfrm>
         </p:spPr>
         <p:txBody>
@@ -520,13 +734,13 @@
               <a:rPr lang="de-DE" smtClean="0"/>
               <a:t>Titelmasterformat durch Klicken bearbeiten</a:t>
             </a:r>
-            <a:endParaRPr lang="de-DE"/>
-          </a:p>
-        </p:txBody>
-      </p:sp>
-      <p:sp>
-        <p:nvSpPr>
-          <p:cNvPr id="3" name="Vertikaler Textplatzhalter 2"/>
+            <a:endParaRPr lang="en-US" dirty="0"/>
+          </a:p>
+        </p:txBody>
+      </p:sp>
+      <p:sp>
+        <p:nvSpPr>
+          <p:cNvPr id="3" name="Vertical Text Placeholder 2"/>
           <p:cNvSpPr>
             <a:spLocks noGrp="1"/>
           </p:cNvSpPr>
@@ -536,12 +750,12 @@
         </p:nvSpPr>
         <p:spPr>
           <a:xfrm>
-            <a:off x="838200" y="365125"/>
-            <a:ext cx="7734300" cy="5811838"/>
+            <a:off x="838200" y="414778"/>
+            <a:ext cx="7734300" cy="5757422"/>
           </a:xfrm>
         </p:spPr>
         <p:txBody>
-          <a:bodyPr vert="eaVert"/>
+          <a:bodyPr vert="eaVert" lIns="45720" tIns="0" rIns="45720" bIns="0"/>
           <a:lstStyle/>
           <a:p>
             <a:pPr lvl="0"/>
@@ -577,13 +791,13 @@
               <a:rPr lang="de-DE" smtClean="0"/>
               <a:t>Fünfte Ebene</a:t>
             </a:r>
-            <a:endParaRPr lang="de-DE"/>
-          </a:p>
-        </p:txBody>
-      </p:sp>
-      <p:sp>
-        <p:nvSpPr>
-          <p:cNvPr id="4" name="Datumsplatzhalter 3"/>
+            <a:endParaRPr lang="en-US" dirty="0"/>
+          </a:p>
+        </p:txBody>
+      </p:sp>
+      <p:sp>
+        <p:nvSpPr>
+          <p:cNvPr id="4" name="Date Placeholder 3"/>
           <p:cNvSpPr>
             <a:spLocks noGrp="1"/>
           </p:cNvSpPr>
@@ -598,7 +812,7 @@
           <a:p>
             <a:fld id="{7D245CBA-5440-4E3A-93BD-41E2FFACF6C3}" type="datetimeFigureOut">
               <a:rPr lang="de-DE" smtClean="0"/>
-              <a:t>22.05.2014</a:t>
+              <a:t>25.05.2014</a:t>
             </a:fld>
             <a:endParaRPr lang="de-DE"/>
           </a:p>
@@ -606,7 +820,7 @@
       </p:sp>
       <p:sp>
         <p:nvSpPr>
-          <p:cNvPr id="5" name="Fußzeilenplatzhalter 4"/>
+          <p:cNvPr id="5" name="Footer Placeholder 4"/>
           <p:cNvSpPr>
             <a:spLocks noGrp="1"/>
           </p:cNvSpPr>
@@ -625,7 +839,7 @@
       </p:sp>
       <p:sp>
         <p:nvSpPr>
-          <p:cNvPr id="6" name="Foliennummernplatzhalter 5"/>
+          <p:cNvPr id="6" name="Slide Number Placeholder 5"/>
           <p:cNvSpPr>
             <a:spLocks noGrp="1"/>
           </p:cNvSpPr>
@@ -649,7 +863,7 @@
     </p:spTree>
     <p:extLst>
       <p:ext uri="{BB962C8B-B14F-4D97-AF65-F5344CB8AC3E}">
-        <p14:creationId xmlns:p14="http://schemas.microsoft.com/office/powerpoint/2010/main" val="3737516904"/>
+        <p14:creationId xmlns:p14="http://schemas.microsoft.com/office/powerpoint/2010/main" val="114139543"/>
       </p:ext>
     </p:extLst>
   </p:cSld>
@@ -678,12 +892,39 @@
       </p:grpSpPr>
       <p:sp>
         <p:nvSpPr>
-          <p:cNvPr id="2" name="Titel 1"/>
+          <p:cNvPr id="2" name="Title 1"/>
           <p:cNvSpPr>
             <a:spLocks noGrp="1"/>
           </p:cNvSpPr>
           <p:nvPr>
             <p:ph type="title"/>
+          </p:nvPr>
+        </p:nvSpPr>
+        <p:spPr/>
+        <p:txBody>
+          <a:bodyPr/>
+          <a:lstStyle>
+            <a:lvl1pPr marL="0">
+              <a:defRPr/>
+            </a:lvl1pPr>
+          </a:lstStyle>
+          <a:p>
+            <a:r>
+              <a:rPr lang="de-DE" smtClean="0"/>
+              <a:t>Titelmasterformat durch Klicken bearbeiten</a:t>
+            </a:r>
+            <a:endParaRPr lang="en-US" dirty="0"/>
+          </a:p>
+        </p:txBody>
+      </p:sp>
+      <p:sp>
+        <p:nvSpPr>
+          <p:cNvPr id="3" name="Content Placeholder 2"/>
+          <p:cNvSpPr>
+            <a:spLocks noGrp="1"/>
+          </p:cNvSpPr>
+          <p:nvPr>
+            <p:ph idx="1"/>
           </p:nvPr>
         </p:nvSpPr>
         <p:spPr/>
@@ -691,22 +932,51 @@
           <a:bodyPr/>
           <a:lstStyle/>
           <a:p>
-            <a:r>
-              <a:rPr lang="de-DE" smtClean="0"/>
-              <a:t>Titelmasterformat durch Klicken bearbeiten</a:t>
-            </a:r>
-            <a:endParaRPr lang="de-DE"/>
-          </a:p>
-        </p:txBody>
-      </p:sp>
-      <p:sp>
-        <p:nvSpPr>
-          <p:cNvPr id="3" name="Inhaltsplatzhalter 2"/>
-          <p:cNvSpPr>
-            <a:spLocks noGrp="1"/>
-          </p:cNvSpPr>
-          <p:nvPr>
-            <p:ph idx="1"/>
+            <a:pPr lvl="0"/>
+            <a:r>
+              <a:rPr lang="de-DE" smtClean="0"/>
+              <a:t>Textmasterformat bearbeiten</a:t>
+            </a:r>
+          </a:p>
+          <a:p>
+            <a:pPr lvl="1"/>
+            <a:r>
+              <a:rPr lang="de-DE" smtClean="0"/>
+              <a:t>Zweite Ebene</a:t>
+            </a:r>
+          </a:p>
+          <a:p>
+            <a:pPr lvl="2"/>
+            <a:r>
+              <a:rPr lang="de-DE" smtClean="0"/>
+              <a:t>Dritte Ebene</a:t>
+            </a:r>
+          </a:p>
+          <a:p>
+            <a:pPr lvl="3"/>
+            <a:r>
+              <a:rPr lang="de-DE" smtClean="0"/>
+              <a:t>Vierte Ebene</a:t>
+            </a:r>
+          </a:p>
+          <a:p>
+            <a:pPr lvl="4"/>
+            <a:r>
+              <a:rPr lang="de-DE" smtClean="0"/>
+              <a:t>Fünfte Ebene</a:t>
+            </a:r>
+            <a:endParaRPr lang="en-US" dirty="0"/>
+          </a:p>
+        </p:txBody>
+      </p:sp>
+      <p:sp>
+        <p:nvSpPr>
+          <p:cNvPr id="4" name="Date Placeholder 3"/>
+          <p:cNvSpPr>
+            <a:spLocks noGrp="1"/>
+          </p:cNvSpPr>
+          <p:nvPr>
+            <p:ph type="dt" sz="half" idx="10"/>
           </p:nvPr>
         </p:nvSpPr>
         <p:spPr/>
@@ -714,51 +984,22 @@
           <a:bodyPr/>
           <a:lstStyle/>
           <a:p>
-            <a:pPr lvl="0"/>
-            <a:r>
-              <a:rPr lang="de-DE" smtClean="0"/>
-              <a:t>Textmasterformat bearbeiten</a:t>
-            </a:r>
-          </a:p>
-          <a:p>
-            <a:pPr lvl="1"/>
-            <a:r>
-              <a:rPr lang="de-DE" smtClean="0"/>
-              <a:t>Zweite Ebene</a:t>
-            </a:r>
-          </a:p>
-          <a:p>
-            <a:pPr lvl="2"/>
-            <a:r>
-              <a:rPr lang="de-DE" smtClean="0"/>
-              <a:t>Dritte Ebene</a:t>
-            </a:r>
-          </a:p>
-          <a:p>
-            <a:pPr lvl="3"/>
-            <a:r>
-              <a:rPr lang="de-DE" smtClean="0"/>
-              <a:t>Vierte Ebene</a:t>
-            </a:r>
-          </a:p>
-          <a:p>
-            <a:pPr lvl="4"/>
-            <a:r>
-              <a:rPr lang="de-DE" smtClean="0"/>
-              <a:t>Fünfte Ebene</a:t>
-            </a:r>
+            <a:fld id="{7D245CBA-5440-4E3A-93BD-41E2FFACF6C3}" type="datetimeFigureOut">
+              <a:rPr lang="de-DE" smtClean="0"/>
+              <a:t>25.05.2014</a:t>
+            </a:fld>
             <a:endParaRPr lang="de-DE"/>
           </a:p>
         </p:txBody>
       </p:sp>
       <p:sp>
         <p:nvSpPr>
-          <p:cNvPr id="4" name="Datumsplatzhalter 3"/>
-          <p:cNvSpPr>
-            <a:spLocks noGrp="1"/>
-          </p:cNvSpPr>
-          <p:nvPr>
-            <p:ph type="dt" sz="half" idx="10"/>
+          <p:cNvPr id="5" name="Footer Placeholder 4"/>
+          <p:cNvSpPr>
+            <a:spLocks noGrp="1"/>
+          </p:cNvSpPr>
+          <p:nvPr>
+            <p:ph type="ftr" sz="quarter" idx="11"/>
           </p:nvPr>
         </p:nvSpPr>
         <p:spPr/>
@@ -766,36 +1007,13 @@
           <a:bodyPr/>
           <a:lstStyle/>
           <a:p>
-            <a:fld id="{7D245CBA-5440-4E3A-93BD-41E2FFACF6C3}" type="datetimeFigureOut">
-              <a:rPr lang="de-DE" smtClean="0"/>
-              <a:t>22.05.2014</a:t>
-            </a:fld>
             <a:endParaRPr lang="de-DE"/>
           </a:p>
         </p:txBody>
       </p:sp>
       <p:sp>
         <p:nvSpPr>
-          <p:cNvPr id="5" name="Fußzeilenplatzhalter 4"/>
-          <p:cNvSpPr>
-            <a:spLocks noGrp="1"/>
-          </p:cNvSpPr>
-          <p:nvPr>
-            <p:ph type="ftr" sz="quarter" idx="11"/>
-          </p:nvPr>
-        </p:nvSpPr>
-        <p:spPr/>
-        <p:txBody>
-          <a:bodyPr/>
-          <a:lstStyle/>
-          <a:p>
-            <a:endParaRPr lang="de-DE"/>
-          </a:p>
-        </p:txBody>
-      </p:sp>
-      <p:sp>
-        <p:nvSpPr>
-          <p:cNvPr id="6" name="Foliennummernplatzhalter 5"/>
+          <p:cNvPr id="6" name="Slide Number Placeholder 5"/>
           <p:cNvSpPr>
             <a:spLocks noGrp="1"/>
           </p:cNvSpPr>
@@ -819,7 +1037,7 @@
     </p:spTree>
     <p:extLst>
       <p:ext uri="{BB962C8B-B14F-4D97-AF65-F5344CB8AC3E}">
-        <p14:creationId xmlns:p14="http://schemas.microsoft.com/office/powerpoint/2010/main" val="2383531177"/>
+        <p14:creationId xmlns:p14="http://schemas.microsoft.com/office/powerpoint/2010/main" val="3873961521"/>
       </p:ext>
     </p:extLst>
   </p:cSld>
@@ -830,8 +1048,16 @@
 </file>
 
 <file path=ppt/slideLayouts/slideLayout3.xml><?xml version="1.0" encoding="utf-8"?>
-<p:sldLayout xmlns:a="http://schemas.openxmlformats.org/drawingml/2006/main" xmlns:r="http://schemas.openxmlformats.org/officeDocument/2006/relationships" xmlns:p="http://schemas.openxmlformats.org/presentationml/2006/main" type="secHead" preserve="1">
+<p:sldLayout xmlns:a="http://schemas.openxmlformats.org/drawingml/2006/main" xmlns:r="http://schemas.openxmlformats.org/officeDocument/2006/relationships" xmlns:p="http://schemas.openxmlformats.org/presentationml/2006/main" showMasterSp="0" type="secHead" preserve="1">
   <p:cSld name="Abschnitts-&#10;überschrift">
+    <p:bg>
+      <p:bgPr>
+        <a:solidFill>
+          <a:schemeClr val="bg1"/>
+        </a:solidFill>
+        <a:effectLst/>
+      </p:bgPr>
+    </p:bg>
     <p:spTree>
       <p:nvGrpSpPr>
         <p:cNvPr id="1" name=""/>
@@ -848,68 +1074,157 @@
       </p:grpSpPr>
       <p:sp>
         <p:nvSpPr>
-          <p:cNvPr id="2" name="Titel 1"/>
-          <p:cNvSpPr>
-            <a:spLocks noGrp="1"/>
-          </p:cNvSpPr>
-          <p:nvPr>
-            <p:ph type="title"/>
-          </p:nvPr>
+          <p:cNvPr id="7" name="Rectangle 6"/>
+          <p:cNvSpPr/>
+          <p:nvPr/>
         </p:nvSpPr>
         <p:spPr>
           <a:xfrm>
-            <a:off x="831850" y="1709738"/>
-            <a:ext cx="10515600" cy="2852737"/>
+            <a:off x="3175" y="6400800"/>
+            <a:ext cx="12188825" cy="457200"/>
+          </a:xfrm>
+          <a:prstGeom prst="rect">
+            <a:avLst/>
+          </a:prstGeom>
+          <a:solidFill>
+            <a:schemeClr val="accent2"/>
+          </a:solidFill>
+          <a:ln>
+            <a:noFill/>
+          </a:ln>
+        </p:spPr>
+        <p:style>
+          <a:lnRef idx="2">
+            <a:schemeClr val="accent1">
+              <a:shade val="50000"/>
+            </a:schemeClr>
+          </a:lnRef>
+          <a:fillRef idx="1">
+            <a:schemeClr val="accent1"/>
+          </a:fillRef>
+          <a:effectRef idx="0">
+            <a:schemeClr val="accent1"/>
+          </a:effectRef>
+          <a:fontRef idx="minor">
+            <a:schemeClr val="lt1"/>
+          </a:fontRef>
+        </p:style>
+      </p:sp>
+      <p:sp>
+        <p:nvSpPr>
+          <p:cNvPr id="8" name="Rectangle 7"/>
+          <p:cNvSpPr/>
+          <p:nvPr/>
+        </p:nvSpPr>
+        <p:spPr>
+          <a:xfrm>
+            <a:off x="15" y="6334316"/>
+            <a:ext cx="12188825" cy="64008"/>
+          </a:xfrm>
+          <a:prstGeom prst="rect">
+            <a:avLst/>
+          </a:prstGeom>
+          <a:solidFill>
+            <a:schemeClr val="accent1"/>
+          </a:solidFill>
+          <a:ln>
+            <a:noFill/>
+          </a:ln>
+        </p:spPr>
+        <p:style>
+          <a:lnRef idx="2">
+            <a:schemeClr val="accent1">
+              <a:shade val="50000"/>
+            </a:schemeClr>
+          </a:lnRef>
+          <a:fillRef idx="1">
+            <a:schemeClr val="accent1"/>
+          </a:fillRef>
+          <a:effectRef idx="0">
+            <a:schemeClr val="accent1"/>
+          </a:effectRef>
+          <a:fontRef idx="minor">
+            <a:schemeClr val="lt1"/>
+          </a:fontRef>
+        </p:style>
+      </p:sp>
+      <p:sp>
+        <p:nvSpPr>
+          <p:cNvPr id="2" name="Title 1"/>
+          <p:cNvSpPr>
+            <a:spLocks noGrp="1"/>
+          </p:cNvSpPr>
+          <p:nvPr>
+            <p:ph type="title"/>
+          </p:nvPr>
+        </p:nvSpPr>
+        <p:spPr>
+          <a:xfrm>
+            <a:off x="1097280" y="758952"/>
+            <a:ext cx="10058400" cy="3566160"/>
           </a:xfrm>
         </p:spPr>
         <p:txBody>
-          <a:bodyPr anchor="b"/>
+          <a:bodyPr anchor="b" anchorCtr="0">
+            <a:normAutofit/>
+          </a:bodyPr>
           <a:lstStyle>
             <a:lvl1pPr>
-              <a:defRPr sz="6000"/>
-            </a:lvl1pPr>
-          </a:lstStyle>
-          <a:p>
-            <a:r>
-              <a:rPr lang="de-DE" smtClean="0"/>
-              <a:t>Titelmasterformat durch Klicken bearbeiten</a:t>
-            </a:r>
-            <a:endParaRPr lang="de-DE"/>
-          </a:p>
-        </p:txBody>
-      </p:sp>
-      <p:sp>
-        <p:nvSpPr>
-          <p:cNvPr id="3" name="Textplatzhalter 2"/>
-          <p:cNvSpPr>
-            <a:spLocks noGrp="1"/>
-          </p:cNvSpPr>
-          <p:nvPr>
-            <p:ph type="body" idx="1"/>
-          </p:nvPr>
-        </p:nvSpPr>
-        <p:spPr>
-          <a:xfrm>
-            <a:off x="831850" y="4589463"/>
-            <a:ext cx="10515600" cy="1500187"/>
-          </a:xfrm>
-        </p:spPr>
-        <p:txBody>
-          <a:bodyPr/>
-          <a:lstStyle>
-            <a:lvl1pPr marL="0" indent="0">
-              <a:buNone/>
-              <a:defRPr sz="2400">
+              <a:lnSpc>
+                <a:spcPct val="85000"/>
+              </a:lnSpc>
+              <a:defRPr sz="8000" b="0">
                 <a:solidFill>
                   <a:schemeClr val="tx1">
-                    <a:tint val="75000"/>
+                    <a:lumMod val="85000"/>
+                    <a:lumOff val="15000"/>
                   </a:schemeClr>
                 </a:solidFill>
               </a:defRPr>
             </a:lvl1pPr>
+          </a:lstStyle>
+          <a:p>
+            <a:r>
+              <a:rPr lang="de-DE" smtClean="0"/>
+              <a:t>Titelmasterformat durch Klicken bearbeiten</a:t>
+            </a:r>
+            <a:endParaRPr lang="en-US" dirty="0"/>
+          </a:p>
+        </p:txBody>
+      </p:sp>
+      <p:sp>
+        <p:nvSpPr>
+          <p:cNvPr id="3" name="Text Placeholder 2"/>
+          <p:cNvSpPr>
+            <a:spLocks noGrp="1"/>
+          </p:cNvSpPr>
+          <p:nvPr>
+            <p:ph type="body" idx="1"/>
+          </p:nvPr>
+        </p:nvSpPr>
+        <p:spPr>
+          <a:xfrm>
+            <a:off x="1097280" y="4453128"/>
+            <a:ext cx="10058400" cy="1143000"/>
+          </a:xfrm>
+        </p:spPr>
+        <p:txBody>
+          <a:bodyPr lIns="91440" rIns="91440" anchor="t" anchorCtr="0">
+            <a:normAutofit/>
+          </a:bodyPr>
+          <a:lstStyle>
+            <a:lvl1pPr marL="0" indent="0">
+              <a:buNone/>
+              <a:defRPr sz="2400" cap="all" spc="200" baseline="0">
+                <a:solidFill>
+                  <a:schemeClr val="tx2"/>
+                </a:solidFill>
+                <a:latin typeface="+mj-lt"/>
+              </a:defRPr>
+            </a:lvl1pPr>
             <a:lvl2pPr marL="457200" indent="0">
               <a:buNone/>
-              <a:defRPr sz="2000">
+              <a:defRPr sz="1800">
                 <a:solidFill>
                   <a:schemeClr val="tx1">
                     <a:tint val="75000"/>
@@ -919,7 +1234,7 @@
             </a:lvl2pPr>
             <a:lvl3pPr marL="914400" indent="0">
               <a:buNone/>
-              <a:defRPr sz="1800">
+              <a:defRPr sz="1600">
                 <a:solidFill>
                   <a:schemeClr val="tx1">
                     <a:tint val="75000"/>
@@ -929,7 +1244,7 @@
             </a:lvl3pPr>
             <a:lvl4pPr marL="1371600" indent="0">
               <a:buNone/>
-              <a:defRPr sz="1600">
+              <a:defRPr sz="1400">
                 <a:solidFill>
                   <a:schemeClr val="tx1">
                     <a:tint val="75000"/>
@@ -939,7 +1254,7 @@
             </a:lvl4pPr>
             <a:lvl5pPr marL="1828800" indent="0">
               <a:buNone/>
-              <a:defRPr sz="1600">
+              <a:defRPr sz="1400">
                 <a:solidFill>
                   <a:schemeClr val="tx1">
                     <a:tint val="75000"/>
@@ -949,7 +1264,7 @@
             </a:lvl5pPr>
             <a:lvl6pPr marL="2286000" indent="0">
               <a:buNone/>
-              <a:defRPr sz="1600">
+              <a:defRPr sz="1400">
                 <a:solidFill>
                   <a:schemeClr val="tx1">
                     <a:tint val="75000"/>
@@ -959,7 +1274,7 @@
             </a:lvl6pPr>
             <a:lvl7pPr marL="2743200" indent="0">
               <a:buNone/>
-              <a:defRPr sz="1600">
+              <a:defRPr sz="1400">
                 <a:solidFill>
                   <a:schemeClr val="tx1">
                     <a:tint val="75000"/>
@@ -969,7 +1284,7 @@
             </a:lvl7pPr>
             <a:lvl8pPr marL="3200400" indent="0">
               <a:buNone/>
-              <a:defRPr sz="1600">
+              <a:defRPr sz="1400">
                 <a:solidFill>
                   <a:schemeClr val="tx1">
                     <a:tint val="75000"/>
@@ -979,7 +1294,7 @@
             </a:lvl8pPr>
             <a:lvl9pPr marL="3657600" indent="0">
               <a:buNone/>
-              <a:defRPr sz="1600">
+              <a:defRPr sz="1400">
                 <a:solidFill>
                   <a:schemeClr val="tx1">
                     <a:tint val="75000"/>
@@ -999,7 +1314,7 @@
       </p:sp>
       <p:sp>
         <p:nvSpPr>
-          <p:cNvPr id="4" name="Datumsplatzhalter 3"/>
+          <p:cNvPr id="4" name="Date Placeholder 3"/>
           <p:cNvSpPr>
             <a:spLocks noGrp="1"/>
           </p:cNvSpPr>
@@ -1014,7 +1329,7 @@
           <a:p>
             <a:fld id="{7D245CBA-5440-4E3A-93BD-41E2FFACF6C3}" type="datetimeFigureOut">
               <a:rPr lang="de-DE" smtClean="0"/>
-              <a:t>22.05.2014</a:t>
+              <a:t>25.05.2014</a:t>
             </a:fld>
             <a:endParaRPr lang="de-DE"/>
           </a:p>
@@ -1022,7 +1337,7 @@
       </p:sp>
       <p:sp>
         <p:nvSpPr>
-          <p:cNvPr id="5" name="Fußzeilenplatzhalter 4"/>
+          <p:cNvPr id="5" name="Footer Placeholder 4"/>
           <p:cNvSpPr>
             <a:spLocks noGrp="1"/>
           </p:cNvSpPr>
@@ -1041,7 +1356,7 @@
       </p:sp>
       <p:sp>
         <p:nvSpPr>
-          <p:cNvPr id="6" name="Foliennummernplatzhalter 5"/>
+          <p:cNvPr id="6" name="Slide Number Placeholder 5"/>
           <p:cNvSpPr>
             <a:spLocks noGrp="1"/>
           </p:cNvSpPr>
@@ -1062,10 +1377,48 @@
           </a:p>
         </p:txBody>
       </p:sp>
+      <p:cxnSp>
+        <p:nvCxnSpPr>
+          <p:cNvPr id="9" name="Straight Connector 8"/>
+          <p:cNvCxnSpPr/>
+          <p:nvPr/>
+        </p:nvCxnSpPr>
+        <p:spPr>
+          <a:xfrm>
+            <a:off x="1207658" y="4343400"/>
+            <a:ext cx="9875520" cy="0"/>
+          </a:xfrm>
+          <a:prstGeom prst="line">
+            <a:avLst/>
+          </a:prstGeom>
+          <a:ln w="6350">
+            <a:solidFill>
+              <a:schemeClr val="tx1">
+                <a:lumMod val="50000"/>
+                <a:lumOff val="50000"/>
+              </a:schemeClr>
+            </a:solidFill>
+          </a:ln>
+        </p:spPr>
+        <p:style>
+          <a:lnRef idx="1">
+            <a:schemeClr val="accent1"/>
+          </a:lnRef>
+          <a:fillRef idx="0">
+            <a:schemeClr val="accent1"/>
+          </a:fillRef>
+          <a:effectRef idx="0">
+            <a:schemeClr val="accent1"/>
+          </a:effectRef>
+          <a:fontRef idx="minor">
+            <a:schemeClr val="tx1"/>
+          </a:fontRef>
+        </p:style>
+      </p:cxnSp>
     </p:spTree>
     <p:extLst>
       <p:ext uri="{BB962C8B-B14F-4D97-AF65-F5344CB8AC3E}">
-        <p14:creationId xmlns:p14="http://schemas.microsoft.com/office/powerpoint/2010/main" val="155389024"/>
+        <p14:creationId xmlns:p14="http://schemas.microsoft.com/office/powerpoint/2010/main" val="3871601313"/>
       </p:ext>
     </p:extLst>
   </p:cSld>
@@ -1094,7 +1447,7 @@
       </p:grpSpPr>
       <p:sp>
         <p:nvSpPr>
-          <p:cNvPr id="2" name="Titel 1"/>
+          <p:cNvPr id="8" name="Title 7"/>
           <p:cNvSpPr>
             <a:spLocks noGrp="1"/>
           </p:cNvSpPr>
@@ -1102,7 +1455,12 @@
             <p:ph type="title"/>
           </p:nvPr>
         </p:nvSpPr>
-        <p:spPr/>
+        <p:spPr>
+          <a:xfrm>
+            <a:off x="1097280" y="286603"/>
+            <a:ext cx="10058400" cy="1450757"/>
+          </a:xfrm>
+        </p:spPr>
         <p:txBody>
           <a:bodyPr/>
           <a:lstStyle/>
@@ -1111,13 +1469,13 @@
               <a:rPr lang="de-DE" smtClean="0"/>
               <a:t>Titelmasterformat durch Klicken bearbeiten</a:t>
             </a:r>
-            <a:endParaRPr lang="de-DE"/>
-          </a:p>
-        </p:txBody>
-      </p:sp>
-      <p:sp>
-        <p:nvSpPr>
-          <p:cNvPr id="3" name="Inhaltsplatzhalter 2"/>
+            <a:endParaRPr lang="en-US" dirty="0"/>
+          </a:p>
+        </p:txBody>
+      </p:sp>
+      <p:sp>
+        <p:nvSpPr>
+          <p:cNvPr id="3" name="Content Placeholder 2"/>
           <p:cNvSpPr>
             <a:spLocks noGrp="1"/>
           </p:cNvSpPr>
@@ -1127,8 +1485,8 @@
         </p:nvSpPr>
         <p:spPr>
           <a:xfrm>
-            <a:off x="838200" y="1825625"/>
-            <a:ext cx="5181600" cy="4351338"/>
+            <a:off x="1097279" y="1845734"/>
+            <a:ext cx="4937760" cy="4023360"/>
           </a:xfrm>
         </p:spPr>
         <p:txBody>
@@ -1168,13 +1526,13 @@
               <a:rPr lang="de-DE" smtClean="0"/>
               <a:t>Fünfte Ebene</a:t>
             </a:r>
-            <a:endParaRPr lang="de-DE"/>
-          </a:p>
-        </p:txBody>
-      </p:sp>
-      <p:sp>
-        <p:nvSpPr>
-          <p:cNvPr id="4" name="Inhaltsplatzhalter 3"/>
+            <a:endParaRPr lang="en-US" dirty="0"/>
+          </a:p>
+        </p:txBody>
+      </p:sp>
+      <p:sp>
+        <p:nvSpPr>
+          <p:cNvPr id="4" name="Content Placeholder 3"/>
           <p:cNvSpPr>
             <a:spLocks noGrp="1"/>
           </p:cNvSpPr>
@@ -1184,8 +1542,8 @@
         </p:nvSpPr>
         <p:spPr>
           <a:xfrm>
-            <a:off x="6172200" y="1825625"/>
-            <a:ext cx="5181600" cy="4351338"/>
+            <a:off x="6217920" y="1845735"/>
+            <a:ext cx="4937760" cy="4023360"/>
           </a:xfrm>
         </p:spPr>
         <p:txBody>
@@ -1225,13 +1583,13 @@
               <a:rPr lang="de-DE" smtClean="0"/>
               <a:t>Fünfte Ebene</a:t>
             </a:r>
-            <a:endParaRPr lang="de-DE"/>
-          </a:p>
-        </p:txBody>
-      </p:sp>
-      <p:sp>
-        <p:nvSpPr>
-          <p:cNvPr id="5" name="Datumsplatzhalter 4"/>
+            <a:endParaRPr lang="en-US" dirty="0"/>
+          </a:p>
+        </p:txBody>
+      </p:sp>
+      <p:sp>
+        <p:nvSpPr>
+          <p:cNvPr id="5" name="Date Placeholder 4"/>
           <p:cNvSpPr>
             <a:spLocks noGrp="1"/>
           </p:cNvSpPr>
@@ -1246,7 +1604,7 @@
           <a:p>
             <a:fld id="{7D245CBA-5440-4E3A-93BD-41E2FFACF6C3}" type="datetimeFigureOut">
               <a:rPr lang="de-DE" smtClean="0"/>
-              <a:t>22.05.2014</a:t>
+              <a:t>25.05.2014</a:t>
             </a:fld>
             <a:endParaRPr lang="de-DE"/>
           </a:p>
@@ -1254,7 +1612,7 @@
       </p:sp>
       <p:sp>
         <p:nvSpPr>
-          <p:cNvPr id="6" name="Fußzeilenplatzhalter 5"/>
+          <p:cNvPr id="6" name="Footer Placeholder 5"/>
           <p:cNvSpPr>
             <a:spLocks noGrp="1"/>
           </p:cNvSpPr>
@@ -1273,7 +1631,7 @@
       </p:sp>
       <p:sp>
         <p:nvSpPr>
-          <p:cNvPr id="7" name="Foliennummernplatzhalter 6"/>
+          <p:cNvPr id="7" name="Slide Number Placeholder 6"/>
           <p:cNvSpPr>
             <a:spLocks noGrp="1"/>
           </p:cNvSpPr>
@@ -1297,7 +1655,7 @@
     </p:spTree>
     <p:extLst>
       <p:ext uri="{BB962C8B-B14F-4D97-AF65-F5344CB8AC3E}">
-        <p14:creationId xmlns:p14="http://schemas.microsoft.com/office/powerpoint/2010/main" val="1899538734"/>
+        <p14:creationId xmlns:p14="http://schemas.microsoft.com/office/powerpoint/2010/main" val="2446148750"/>
       </p:ext>
     </p:extLst>
   </p:cSld>
@@ -1326,7 +1684,7 @@
       </p:grpSpPr>
       <p:sp>
         <p:nvSpPr>
-          <p:cNvPr id="2" name="Titel 1"/>
+          <p:cNvPr id="10" name="Title 9"/>
           <p:cNvSpPr>
             <a:spLocks noGrp="1"/>
           </p:cNvSpPr>
@@ -1336,8 +1694,8 @@
         </p:nvSpPr>
         <p:spPr>
           <a:xfrm>
-            <a:off x="839788" y="365125"/>
-            <a:ext cx="10515600" cy="1325563"/>
+            <a:off x="1097280" y="286603"/>
+            <a:ext cx="10058400" cy="1450757"/>
           </a:xfrm>
         </p:spPr>
         <p:txBody>
@@ -1348,13 +1706,13 @@
               <a:rPr lang="de-DE" smtClean="0"/>
               <a:t>Titelmasterformat durch Klicken bearbeiten</a:t>
             </a:r>
-            <a:endParaRPr lang="de-DE"/>
-          </a:p>
-        </p:txBody>
-      </p:sp>
-      <p:sp>
-        <p:nvSpPr>
-          <p:cNvPr id="3" name="Textplatzhalter 2"/>
+            <a:endParaRPr lang="en-US" dirty="0"/>
+          </a:p>
+        </p:txBody>
+      </p:sp>
+      <p:sp>
+        <p:nvSpPr>
+          <p:cNvPr id="3" name="Text Placeholder 2"/>
           <p:cNvSpPr>
             <a:spLocks noGrp="1"/>
           </p:cNvSpPr>
@@ -1364,16 +1722,22 @@
         </p:nvSpPr>
         <p:spPr>
           <a:xfrm>
-            <a:off x="839788" y="1681163"/>
-            <a:ext cx="5157787" cy="823912"/>
+            <a:off x="1097280" y="1846052"/>
+            <a:ext cx="4937760" cy="736282"/>
           </a:xfrm>
         </p:spPr>
         <p:txBody>
-          <a:bodyPr anchor="b"/>
+          <a:bodyPr lIns="91440" rIns="91440" anchor="ctr">
+            <a:normAutofit/>
+          </a:bodyPr>
           <a:lstStyle>
             <a:lvl1pPr marL="0" indent="0">
               <a:buNone/>
-              <a:defRPr sz="2400" b="1"/>
+              <a:defRPr sz="2000" b="0" cap="all" baseline="0">
+                <a:solidFill>
+                  <a:schemeClr val="tx2"/>
+                </a:solidFill>
+              </a:defRPr>
             </a:lvl1pPr>
             <a:lvl2pPr marL="457200" indent="0">
               <a:buNone/>
@@ -1419,7 +1783,7 @@
       </p:sp>
       <p:sp>
         <p:nvSpPr>
-          <p:cNvPr id="4" name="Inhaltsplatzhalter 3"/>
+          <p:cNvPr id="4" name="Content Placeholder 3"/>
           <p:cNvSpPr>
             <a:spLocks noGrp="1"/>
           </p:cNvSpPr>
@@ -1429,8 +1793,8 @@
         </p:nvSpPr>
         <p:spPr>
           <a:xfrm>
-            <a:off x="839788" y="2505075"/>
-            <a:ext cx="5157787" cy="3684588"/>
+            <a:off x="1097280" y="2582334"/>
+            <a:ext cx="4937760" cy="3378200"/>
           </a:xfrm>
         </p:spPr>
         <p:txBody>
@@ -1470,13 +1834,13 @@
               <a:rPr lang="de-DE" smtClean="0"/>
               <a:t>Fünfte Ebene</a:t>
             </a:r>
-            <a:endParaRPr lang="de-DE"/>
-          </a:p>
-        </p:txBody>
-      </p:sp>
-      <p:sp>
-        <p:nvSpPr>
-          <p:cNvPr id="5" name="Textplatzhalter 4"/>
+            <a:endParaRPr lang="en-US" dirty="0"/>
+          </a:p>
+        </p:txBody>
+      </p:sp>
+      <p:sp>
+        <p:nvSpPr>
+          <p:cNvPr id="5" name="Text Placeholder 4"/>
           <p:cNvSpPr>
             <a:spLocks noGrp="1"/>
           </p:cNvSpPr>
@@ -1486,16 +1850,22 @@
         </p:nvSpPr>
         <p:spPr>
           <a:xfrm>
-            <a:off x="6172200" y="1681163"/>
-            <a:ext cx="5183188" cy="823912"/>
+            <a:off x="6217920" y="1846052"/>
+            <a:ext cx="4937760" cy="736282"/>
           </a:xfrm>
         </p:spPr>
         <p:txBody>
-          <a:bodyPr anchor="b"/>
+          <a:bodyPr lIns="91440" rIns="91440" anchor="ctr">
+            <a:normAutofit/>
+          </a:bodyPr>
           <a:lstStyle>
             <a:lvl1pPr marL="0" indent="0">
               <a:buNone/>
-              <a:defRPr sz="2400" b="1"/>
+              <a:defRPr sz="2000" b="0" cap="all" baseline="0">
+                <a:solidFill>
+                  <a:schemeClr val="tx2"/>
+                </a:solidFill>
+              </a:defRPr>
             </a:lvl1pPr>
             <a:lvl2pPr marL="457200" indent="0">
               <a:buNone/>
@@ -1541,7 +1911,7 @@
       </p:sp>
       <p:sp>
         <p:nvSpPr>
-          <p:cNvPr id="6" name="Inhaltsplatzhalter 5"/>
+          <p:cNvPr id="6" name="Content Placeholder 5"/>
           <p:cNvSpPr>
             <a:spLocks noGrp="1"/>
           </p:cNvSpPr>
@@ -1551,8 +1921,8 @@
         </p:nvSpPr>
         <p:spPr>
           <a:xfrm>
-            <a:off x="6172200" y="2505075"/>
-            <a:ext cx="5183188" cy="3684588"/>
+            <a:off x="6217920" y="2582334"/>
+            <a:ext cx="4937760" cy="3378200"/>
           </a:xfrm>
         </p:spPr>
         <p:txBody>
@@ -1592,13 +1962,13 @@
               <a:rPr lang="de-DE" smtClean="0"/>
               <a:t>Fünfte Ebene</a:t>
             </a:r>
-            <a:endParaRPr lang="de-DE"/>
-          </a:p>
-        </p:txBody>
-      </p:sp>
-      <p:sp>
-        <p:nvSpPr>
-          <p:cNvPr id="7" name="Datumsplatzhalter 6"/>
+            <a:endParaRPr lang="en-US" dirty="0"/>
+          </a:p>
+        </p:txBody>
+      </p:sp>
+      <p:sp>
+        <p:nvSpPr>
+          <p:cNvPr id="7" name="Date Placeholder 6"/>
           <p:cNvSpPr>
             <a:spLocks noGrp="1"/>
           </p:cNvSpPr>
@@ -1613,7 +1983,7 @@
           <a:p>
             <a:fld id="{7D245CBA-5440-4E3A-93BD-41E2FFACF6C3}" type="datetimeFigureOut">
               <a:rPr lang="de-DE" smtClean="0"/>
-              <a:t>22.05.2014</a:t>
+              <a:t>25.05.2014</a:t>
             </a:fld>
             <a:endParaRPr lang="de-DE"/>
           </a:p>
@@ -1621,7 +1991,7 @@
       </p:sp>
       <p:sp>
         <p:nvSpPr>
-          <p:cNvPr id="8" name="Fußzeilenplatzhalter 7"/>
+          <p:cNvPr id="8" name="Footer Placeholder 7"/>
           <p:cNvSpPr>
             <a:spLocks noGrp="1"/>
           </p:cNvSpPr>
@@ -1640,7 +2010,7 @@
       </p:sp>
       <p:sp>
         <p:nvSpPr>
-          <p:cNvPr id="9" name="Foliennummernplatzhalter 8"/>
+          <p:cNvPr id="9" name="Slide Number Placeholder 8"/>
           <p:cNvSpPr>
             <a:spLocks noGrp="1"/>
           </p:cNvSpPr>
@@ -1664,7 +2034,7 @@
     </p:spTree>
     <p:extLst>
       <p:ext uri="{BB962C8B-B14F-4D97-AF65-F5344CB8AC3E}">
-        <p14:creationId xmlns:p14="http://schemas.microsoft.com/office/powerpoint/2010/main" val="2945811972"/>
+        <p14:creationId xmlns:p14="http://schemas.microsoft.com/office/powerpoint/2010/main" val="3841482097"/>
       </p:ext>
     </p:extLst>
   </p:cSld>
@@ -1693,7 +2063,7 @@
       </p:grpSpPr>
       <p:sp>
         <p:nvSpPr>
-          <p:cNvPr id="2" name="Titel 1"/>
+          <p:cNvPr id="2" name="Title 1"/>
           <p:cNvSpPr>
             <a:spLocks noGrp="1"/>
           </p:cNvSpPr>
@@ -1710,13 +2080,13 @@
               <a:rPr lang="de-DE" smtClean="0"/>
               <a:t>Titelmasterformat durch Klicken bearbeiten</a:t>
             </a:r>
-            <a:endParaRPr lang="de-DE"/>
-          </a:p>
-        </p:txBody>
-      </p:sp>
-      <p:sp>
-        <p:nvSpPr>
-          <p:cNvPr id="3" name="Datumsplatzhalter 2"/>
+            <a:endParaRPr lang="en-US" dirty="0"/>
+          </a:p>
+        </p:txBody>
+      </p:sp>
+      <p:sp>
+        <p:nvSpPr>
+          <p:cNvPr id="3" name="Date Placeholder 2"/>
           <p:cNvSpPr>
             <a:spLocks noGrp="1"/>
           </p:cNvSpPr>
@@ -1731,7 +2101,7 @@
           <a:p>
             <a:fld id="{7D245CBA-5440-4E3A-93BD-41E2FFACF6C3}" type="datetimeFigureOut">
               <a:rPr lang="de-DE" smtClean="0"/>
-              <a:t>22.05.2014</a:t>
+              <a:t>25.05.2014</a:t>
             </a:fld>
             <a:endParaRPr lang="de-DE"/>
           </a:p>
@@ -1739,7 +2109,7 @@
       </p:sp>
       <p:sp>
         <p:nvSpPr>
-          <p:cNvPr id="4" name="Fußzeilenplatzhalter 3"/>
+          <p:cNvPr id="4" name="Footer Placeholder 3"/>
           <p:cNvSpPr>
             <a:spLocks noGrp="1"/>
           </p:cNvSpPr>
@@ -1758,7 +2128,7 @@
       </p:sp>
       <p:sp>
         <p:nvSpPr>
-          <p:cNvPr id="5" name="Foliennummernplatzhalter 4"/>
+          <p:cNvPr id="5" name="Slide Number Placeholder 4"/>
           <p:cNvSpPr>
             <a:spLocks noGrp="1"/>
           </p:cNvSpPr>
@@ -1782,7 +2152,7 @@
     </p:spTree>
     <p:extLst>
       <p:ext uri="{BB962C8B-B14F-4D97-AF65-F5344CB8AC3E}">
-        <p14:creationId xmlns:p14="http://schemas.microsoft.com/office/powerpoint/2010/main" val="2824506466"/>
+        <p14:creationId xmlns:p14="http://schemas.microsoft.com/office/powerpoint/2010/main" val="843522683"/>
       </p:ext>
     </p:extLst>
   </p:cSld>
@@ -1793,7 +2163,7 @@
 </file>
 
 <file path=ppt/slideLayouts/slideLayout7.xml><?xml version="1.0" encoding="utf-8"?>
-<p:sldLayout xmlns:a="http://schemas.openxmlformats.org/drawingml/2006/main" xmlns:r="http://schemas.openxmlformats.org/officeDocument/2006/relationships" xmlns:p="http://schemas.openxmlformats.org/presentationml/2006/main" type="blank" preserve="1">
+<p:sldLayout xmlns:a="http://schemas.openxmlformats.org/drawingml/2006/main" xmlns:r="http://schemas.openxmlformats.org/officeDocument/2006/relationships" xmlns:p="http://schemas.openxmlformats.org/presentationml/2006/main" showMasterSp="0" type="blank" preserve="1">
   <p:cSld name="Leer">
     <p:spTree>
       <p:nvGrpSpPr>
@@ -1811,7 +2181,83 @@
       </p:grpSpPr>
       <p:sp>
         <p:nvSpPr>
-          <p:cNvPr id="2" name="Datumsplatzhalter 1"/>
+          <p:cNvPr id="5" name="Rectangle 4"/>
+          <p:cNvSpPr/>
+          <p:nvPr/>
+        </p:nvSpPr>
+        <p:spPr>
+          <a:xfrm>
+            <a:off x="3175" y="6400800"/>
+            <a:ext cx="12188825" cy="457200"/>
+          </a:xfrm>
+          <a:prstGeom prst="rect">
+            <a:avLst/>
+          </a:prstGeom>
+          <a:solidFill>
+            <a:schemeClr val="accent2"/>
+          </a:solidFill>
+          <a:ln>
+            <a:noFill/>
+          </a:ln>
+        </p:spPr>
+        <p:style>
+          <a:lnRef idx="2">
+            <a:schemeClr val="accent1">
+              <a:shade val="50000"/>
+            </a:schemeClr>
+          </a:lnRef>
+          <a:fillRef idx="1">
+            <a:schemeClr val="accent1"/>
+          </a:fillRef>
+          <a:effectRef idx="0">
+            <a:schemeClr val="accent1"/>
+          </a:effectRef>
+          <a:fontRef idx="minor">
+            <a:schemeClr val="lt1"/>
+          </a:fontRef>
+        </p:style>
+      </p:sp>
+      <p:sp>
+        <p:nvSpPr>
+          <p:cNvPr id="6" name="Rectangle 5"/>
+          <p:cNvSpPr/>
+          <p:nvPr/>
+        </p:nvSpPr>
+        <p:spPr>
+          <a:xfrm>
+            <a:off x="15" y="6334316"/>
+            <a:ext cx="12188825" cy="64008"/>
+          </a:xfrm>
+          <a:prstGeom prst="rect">
+            <a:avLst/>
+          </a:prstGeom>
+          <a:solidFill>
+            <a:schemeClr val="accent1"/>
+          </a:solidFill>
+          <a:ln>
+            <a:noFill/>
+          </a:ln>
+        </p:spPr>
+        <p:style>
+          <a:lnRef idx="2">
+            <a:schemeClr val="accent1">
+              <a:shade val="50000"/>
+            </a:schemeClr>
+          </a:lnRef>
+          <a:fillRef idx="1">
+            <a:schemeClr val="accent1"/>
+          </a:fillRef>
+          <a:effectRef idx="0">
+            <a:schemeClr val="accent1"/>
+          </a:effectRef>
+          <a:fontRef idx="minor">
+            <a:schemeClr val="lt1"/>
+          </a:fontRef>
+        </p:style>
+      </p:sp>
+      <p:sp>
+        <p:nvSpPr>
+          <p:cNvPr id="7" name="Date Placeholder 6"/>
           <p:cNvSpPr>
             <a:spLocks noGrp="1"/>
           </p:cNvSpPr>
@@ -1826,7 +2272,7 @@
           <a:p>
             <a:fld id="{7D245CBA-5440-4E3A-93BD-41E2FFACF6C3}" type="datetimeFigureOut">
               <a:rPr lang="de-DE" smtClean="0"/>
-              <a:t>22.05.2014</a:t>
+              <a:t>25.05.2014</a:t>
             </a:fld>
             <a:endParaRPr lang="de-DE"/>
           </a:p>
@@ -1834,7 +2280,7 @@
       </p:sp>
       <p:sp>
         <p:nvSpPr>
-          <p:cNvPr id="3" name="Fußzeilenplatzhalter 2"/>
+          <p:cNvPr id="8" name="Footer Placeholder 7"/>
           <p:cNvSpPr>
             <a:spLocks noGrp="1"/>
           </p:cNvSpPr>
@@ -1845,7 +2291,15 @@
         <p:spPr/>
         <p:txBody>
           <a:bodyPr/>
-          <a:lstStyle/>
+          <a:lstStyle>
+            <a:lvl1pPr>
+              <a:defRPr>
+                <a:solidFill>
+                  <a:srgbClr val="FFFFFF"/>
+                </a:solidFill>
+              </a:defRPr>
+            </a:lvl1pPr>
+          </a:lstStyle>
           <a:p>
             <a:endParaRPr lang="de-DE"/>
           </a:p>
@@ -1853,7 +2307,7 @@
       </p:sp>
       <p:sp>
         <p:nvSpPr>
-          <p:cNvPr id="4" name="Foliennummernplatzhalter 3"/>
+          <p:cNvPr id="9" name="Slide Number Placeholder 8"/>
           <p:cNvSpPr>
             <a:spLocks noGrp="1"/>
           </p:cNvSpPr>
@@ -1877,7 +2331,7 @@
     </p:spTree>
     <p:extLst>
       <p:ext uri="{BB962C8B-B14F-4D97-AF65-F5344CB8AC3E}">
-        <p14:creationId xmlns:p14="http://schemas.microsoft.com/office/powerpoint/2010/main" val="2522684304"/>
+        <p14:creationId xmlns:p14="http://schemas.microsoft.com/office/powerpoint/2010/main" val="3537119882"/>
       </p:ext>
     </p:extLst>
   </p:cSld>
@@ -1888,7 +2342,7 @@
 </file>
 
 <file path=ppt/slideLayouts/slideLayout8.xml><?xml version="1.0" encoding="utf-8"?>
-<p:sldLayout xmlns:a="http://schemas.openxmlformats.org/drawingml/2006/main" xmlns:r="http://schemas.openxmlformats.org/officeDocument/2006/relationships" xmlns:p="http://schemas.openxmlformats.org/presentationml/2006/main" type="objTx" preserve="1">
+<p:sldLayout xmlns:a="http://schemas.openxmlformats.org/drawingml/2006/main" xmlns:r="http://schemas.openxmlformats.org/officeDocument/2006/relationships" xmlns:p="http://schemas.openxmlformats.org/presentationml/2006/main" showMasterSp="0" type="objTx" preserve="1">
   <p:cSld name="Inhalt mit Überschrift">
     <p:spTree>
       <p:nvGrpSpPr>
@@ -1906,25 +2360,107 @@
       </p:grpSpPr>
       <p:sp>
         <p:nvSpPr>
-          <p:cNvPr id="2" name="Titel 1"/>
-          <p:cNvSpPr>
-            <a:spLocks noGrp="1"/>
-          </p:cNvSpPr>
-          <p:nvPr>
-            <p:ph type="title"/>
-          </p:nvPr>
+          <p:cNvPr id="8" name="Rectangle 7"/>
+          <p:cNvSpPr/>
+          <p:nvPr/>
         </p:nvSpPr>
         <p:spPr>
           <a:xfrm>
-            <a:off x="839788" y="457200"/>
-            <a:ext cx="3932237" cy="1600200"/>
+            <a:off x="16" y="0"/>
+            <a:ext cx="4050791" cy="6858000"/>
+          </a:xfrm>
+          <a:prstGeom prst="rect">
+            <a:avLst/>
+          </a:prstGeom>
+          <a:solidFill>
+            <a:schemeClr val="accent2"/>
+          </a:solidFill>
+          <a:ln>
+            <a:noFill/>
+          </a:ln>
+        </p:spPr>
+        <p:style>
+          <a:lnRef idx="2">
+            <a:schemeClr val="accent1">
+              <a:shade val="50000"/>
+            </a:schemeClr>
+          </a:lnRef>
+          <a:fillRef idx="1">
+            <a:schemeClr val="accent1"/>
+          </a:fillRef>
+          <a:effectRef idx="0">
+            <a:schemeClr val="accent1"/>
+          </a:effectRef>
+          <a:fontRef idx="minor">
+            <a:schemeClr val="lt1"/>
+          </a:fontRef>
+        </p:style>
+      </p:sp>
+      <p:sp>
+        <p:nvSpPr>
+          <p:cNvPr id="9" name="Rectangle 8"/>
+          <p:cNvSpPr/>
+          <p:nvPr/>
+        </p:nvSpPr>
+        <p:spPr>
+          <a:xfrm>
+            <a:off x="4040071" y="0"/>
+            <a:ext cx="64008" cy="6858000"/>
+          </a:xfrm>
+          <a:prstGeom prst="rect">
+            <a:avLst/>
+          </a:prstGeom>
+          <a:solidFill>
+            <a:schemeClr val="accent1"/>
+          </a:solidFill>
+          <a:ln>
+            <a:noFill/>
+          </a:ln>
+        </p:spPr>
+        <p:style>
+          <a:lnRef idx="2">
+            <a:schemeClr val="accent1">
+              <a:shade val="50000"/>
+            </a:schemeClr>
+          </a:lnRef>
+          <a:fillRef idx="1">
+            <a:schemeClr val="accent1"/>
+          </a:fillRef>
+          <a:effectRef idx="0">
+            <a:schemeClr val="accent1"/>
+          </a:effectRef>
+          <a:fontRef idx="minor">
+            <a:schemeClr val="lt1"/>
+          </a:fontRef>
+        </p:style>
+      </p:sp>
+      <p:sp>
+        <p:nvSpPr>
+          <p:cNvPr id="2" name="Title 1"/>
+          <p:cNvSpPr>
+            <a:spLocks noGrp="1"/>
+          </p:cNvSpPr>
+          <p:nvPr>
+            <p:ph type="title"/>
+          </p:nvPr>
+        </p:nvSpPr>
+        <p:spPr>
+          <a:xfrm>
+            <a:off x="457200" y="594359"/>
+            <a:ext cx="3200400" cy="2286000"/>
           </a:xfrm>
         </p:spPr>
         <p:txBody>
-          <a:bodyPr anchor="b"/>
+          <a:bodyPr anchor="b">
+            <a:normAutofit/>
+          </a:bodyPr>
           <a:lstStyle>
             <a:lvl1pPr>
-              <a:defRPr sz="3200"/>
+              <a:defRPr sz="3600" b="0">
+                <a:solidFill>
+                  <a:srgbClr val="FFFFFF"/>
+                </a:solidFill>
+              </a:defRPr>
             </a:lvl1pPr>
           </a:lstStyle>
           <a:p>
@@ -1932,13 +2468,13 @@
               <a:rPr lang="de-DE" smtClean="0"/>
               <a:t>Titelmasterformat durch Klicken bearbeiten</a:t>
             </a:r>
-            <a:endParaRPr lang="de-DE"/>
-          </a:p>
-        </p:txBody>
-      </p:sp>
-      <p:sp>
-        <p:nvSpPr>
-          <p:cNvPr id="3" name="Inhaltsplatzhalter 2"/>
+            <a:endParaRPr lang="en-US" dirty="0"/>
+          </a:p>
+        </p:txBody>
+      </p:sp>
+      <p:sp>
+        <p:nvSpPr>
+          <p:cNvPr id="3" name="Content Placeholder 2"/>
           <p:cNvSpPr>
             <a:spLocks noGrp="1"/>
           </p:cNvSpPr>
@@ -1948,200 +2484,208 @@
         </p:nvSpPr>
         <p:spPr>
           <a:xfrm>
-            <a:off x="5183188" y="987425"/>
-            <a:ext cx="6172200" cy="4873625"/>
+            <a:off x="4800600" y="731520"/>
+            <a:ext cx="6492240" cy="5257800"/>
           </a:xfrm>
         </p:spPr>
+        <p:txBody>
+          <a:bodyPr/>
+          <a:lstStyle/>
+          <a:p>
+            <a:pPr lvl="0"/>
+            <a:r>
+              <a:rPr lang="de-DE" smtClean="0"/>
+              <a:t>Textmasterformat bearbeiten</a:t>
+            </a:r>
+          </a:p>
+          <a:p>
+            <a:pPr lvl="1"/>
+            <a:r>
+              <a:rPr lang="de-DE" smtClean="0"/>
+              <a:t>Zweite Ebene</a:t>
+            </a:r>
+          </a:p>
+          <a:p>
+            <a:pPr lvl="2"/>
+            <a:r>
+              <a:rPr lang="de-DE" smtClean="0"/>
+              <a:t>Dritte Ebene</a:t>
+            </a:r>
+          </a:p>
+          <a:p>
+            <a:pPr lvl="3"/>
+            <a:r>
+              <a:rPr lang="de-DE" smtClean="0"/>
+              <a:t>Vierte Ebene</a:t>
+            </a:r>
+          </a:p>
+          <a:p>
+            <a:pPr lvl="4"/>
+            <a:r>
+              <a:rPr lang="de-DE" smtClean="0"/>
+              <a:t>Fünfte Ebene</a:t>
+            </a:r>
+            <a:endParaRPr lang="en-US" dirty="0"/>
+          </a:p>
+        </p:txBody>
+      </p:sp>
+      <p:sp>
+        <p:nvSpPr>
+          <p:cNvPr id="4" name="Text Placeholder 3"/>
+          <p:cNvSpPr>
+            <a:spLocks noGrp="1"/>
+          </p:cNvSpPr>
+          <p:nvPr>
+            <p:ph type="body" sz="half" idx="2"/>
+          </p:nvPr>
+        </p:nvSpPr>
+        <p:spPr>
+          <a:xfrm>
+            <a:off x="457200" y="2926080"/>
+            <a:ext cx="3200400" cy="3379124"/>
+          </a:xfrm>
+        </p:spPr>
+        <p:txBody>
+          <a:bodyPr lIns="91440" rIns="91440">
+            <a:normAutofit/>
+          </a:bodyPr>
+          <a:lstStyle>
+            <a:lvl1pPr marL="0" indent="0">
+              <a:buNone/>
+              <a:defRPr sz="1500">
+                <a:solidFill>
+                  <a:srgbClr val="FFFFFF"/>
+                </a:solidFill>
+              </a:defRPr>
+            </a:lvl1pPr>
+            <a:lvl2pPr marL="457200" indent="0">
+              <a:buNone/>
+              <a:defRPr sz="1200"/>
+            </a:lvl2pPr>
+            <a:lvl3pPr marL="914400" indent="0">
+              <a:buNone/>
+              <a:defRPr sz="1000"/>
+            </a:lvl3pPr>
+            <a:lvl4pPr marL="1371600" indent="0">
+              <a:buNone/>
+              <a:defRPr sz="900"/>
+            </a:lvl4pPr>
+            <a:lvl5pPr marL="1828800" indent="0">
+              <a:buNone/>
+              <a:defRPr sz="900"/>
+            </a:lvl5pPr>
+            <a:lvl6pPr marL="2286000" indent="0">
+              <a:buNone/>
+              <a:defRPr sz="900"/>
+            </a:lvl6pPr>
+            <a:lvl7pPr marL="2743200" indent="0">
+              <a:buNone/>
+              <a:defRPr sz="900"/>
+            </a:lvl7pPr>
+            <a:lvl8pPr marL="3200400" indent="0">
+              <a:buNone/>
+              <a:defRPr sz="900"/>
+            </a:lvl8pPr>
+            <a:lvl9pPr marL="3657600" indent="0">
+              <a:buNone/>
+              <a:defRPr sz="900"/>
+            </a:lvl9pPr>
+          </a:lstStyle>
+          <a:p>
+            <a:pPr lvl="0"/>
+            <a:r>
+              <a:rPr lang="de-DE" smtClean="0"/>
+              <a:t>Textmasterformat bearbeiten</a:t>
+            </a:r>
+          </a:p>
+        </p:txBody>
+      </p:sp>
+      <p:sp>
+        <p:nvSpPr>
+          <p:cNvPr id="5" name="Date Placeholder 4"/>
+          <p:cNvSpPr>
+            <a:spLocks noGrp="1"/>
+          </p:cNvSpPr>
+          <p:nvPr>
+            <p:ph type="dt" sz="half" idx="10"/>
+          </p:nvPr>
+        </p:nvSpPr>
+        <p:spPr>
+          <a:xfrm>
+            <a:off x="465512" y="6459785"/>
+            <a:ext cx="2618510" cy="365125"/>
+          </a:xfrm>
+        </p:spPr>
+        <p:txBody>
+          <a:bodyPr/>
+          <a:lstStyle>
+            <a:lvl1pPr algn="l">
+              <a:defRPr/>
+            </a:lvl1pPr>
+          </a:lstStyle>
+          <a:p>
+            <a:fld id="{7D245CBA-5440-4E3A-93BD-41E2FFACF6C3}" type="datetimeFigureOut">
+              <a:rPr lang="de-DE" smtClean="0"/>
+              <a:t>25.05.2014</a:t>
+            </a:fld>
+            <a:endParaRPr lang="de-DE"/>
+          </a:p>
+        </p:txBody>
+      </p:sp>
+      <p:sp>
+        <p:nvSpPr>
+          <p:cNvPr id="6" name="Footer Placeholder 5"/>
+          <p:cNvSpPr>
+            <a:spLocks noGrp="1"/>
+          </p:cNvSpPr>
+          <p:nvPr>
+            <p:ph type="ftr" sz="quarter" idx="11"/>
+          </p:nvPr>
+        </p:nvSpPr>
+        <p:spPr>
+          <a:xfrm>
+            <a:off x="4800600" y="6459785"/>
+            <a:ext cx="4648200" cy="365125"/>
+          </a:xfrm>
+        </p:spPr>
+        <p:txBody>
+          <a:bodyPr/>
+          <a:lstStyle>
+            <a:lvl1pPr algn="l">
+              <a:defRPr>
+                <a:solidFill>
+                  <a:schemeClr val="tx2"/>
+                </a:solidFill>
+              </a:defRPr>
+            </a:lvl1pPr>
+          </a:lstStyle>
+          <a:p>
+            <a:endParaRPr lang="de-DE"/>
+          </a:p>
+        </p:txBody>
+      </p:sp>
+      <p:sp>
+        <p:nvSpPr>
+          <p:cNvPr id="7" name="Slide Number Placeholder 6"/>
+          <p:cNvSpPr>
+            <a:spLocks noGrp="1"/>
+          </p:cNvSpPr>
+          <p:nvPr>
+            <p:ph type="sldNum" sz="quarter" idx="12"/>
+          </p:nvPr>
+        </p:nvSpPr>
+        <p:spPr/>
         <p:txBody>
           <a:bodyPr/>
           <a:lstStyle>
             <a:lvl1pPr>
-              <a:defRPr sz="3200"/>
+              <a:defRPr>
+                <a:solidFill>
+                  <a:schemeClr val="tx2"/>
+                </a:solidFill>
+              </a:defRPr>
             </a:lvl1pPr>
-            <a:lvl2pPr>
-              <a:defRPr sz="2800"/>
-            </a:lvl2pPr>
-            <a:lvl3pPr>
-              <a:defRPr sz="2400"/>
-            </a:lvl3pPr>
-            <a:lvl4pPr>
-              <a:defRPr sz="2000"/>
-            </a:lvl4pPr>
-            <a:lvl5pPr>
-              <a:defRPr sz="2000"/>
-            </a:lvl5pPr>
-            <a:lvl6pPr>
-              <a:defRPr sz="2000"/>
-            </a:lvl6pPr>
-            <a:lvl7pPr>
-              <a:defRPr sz="2000"/>
-            </a:lvl7pPr>
-            <a:lvl8pPr>
-              <a:defRPr sz="2000"/>
-            </a:lvl8pPr>
-            <a:lvl9pPr>
-              <a:defRPr sz="2000"/>
-            </a:lvl9pPr>
           </a:lstStyle>
-          <a:p>
-            <a:pPr lvl="0"/>
-            <a:r>
-              <a:rPr lang="de-DE" smtClean="0"/>
-              <a:t>Textmasterformat bearbeiten</a:t>
-            </a:r>
-          </a:p>
-          <a:p>
-            <a:pPr lvl="1"/>
-            <a:r>
-              <a:rPr lang="de-DE" smtClean="0"/>
-              <a:t>Zweite Ebene</a:t>
-            </a:r>
-          </a:p>
-          <a:p>
-            <a:pPr lvl="2"/>
-            <a:r>
-              <a:rPr lang="de-DE" smtClean="0"/>
-              <a:t>Dritte Ebene</a:t>
-            </a:r>
-          </a:p>
-          <a:p>
-            <a:pPr lvl="3"/>
-            <a:r>
-              <a:rPr lang="de-DE" smtClean="0"/>
-              <a:t>Vierte Ebene</a:t>
-            </a:r>
-          </a:p>
-          <a:p>
-            <a:pPr lvl="4"/>
-            <a:r>
-              <a:rPr lang="de-DE" smtClean="0"/>
-              <a:t>Fünfte Ebene</a:t>
-            </a:r>
-            <a:endParaRPr lang="de-DE"/>
-          </a:p>
-        </p:txBody>
-      </p:sp>
-      <p:sp>
-        <p:nvSpPr>
-          <p:cNvPr id="4" name="Textplatzhalter 3"/>
-          <p:cNvSpPr>
-            <a:spLocks noGrp="1"/>
-          </p:cNvSpPr>
-          <p:nvPr>
-            <p:ph type="body" sz="half" idx="2"/>
-          </p:nvPr>
-        </p:nvSpPr>
-        <p:spPr>
-          <a:xfrm>
-            <a:off x="839788" y="2057400"/>
-            <a:ext cx="3932237" cy="3811588"/>
-          </a:xfrm>
-        </p:spPr>
-        <p:txBody>
-          <a:bodyPr/>
-          <a:lstStyle>
-            <a:lvl1pPr marL="0" indent="0">
-              <a:buNone/>
-              <a:defRPr sz="1600"/>
-            </a:lvl1pPr>
-            <a:lvl2pPr marL="457200" indent="0">
-              <a:buNone/>
-              <a:defRPr sz="1400"/>
-            </a:lvl2pPr>
-            <a:lvl3pPr marL="914400" indent="0">
-              <a:buNone/>
-              <a:defRPr sz="1200"/>
-            </a:lvl3pPr>
-            <a:lvl4pPr marL="1371600" indent="0">
-              <a:buNone/>
-              <a:defRPr sz="1000"/>
-            </a:lvl4pPr>
-            <a:lvl5pPr marL="1828800" indent="0">
-              <a:buNone/>
-              <a:defRPr sz="1000"/>
-            </a:lvl5pPr>
-            <a:lvl6pPr marL="2286000" indent="0">
-              <a:buNone/>
-              <a:defRPr sz="1000"/>
-            </a:lvl6pPr>
-            <a:lvl7pPr marL="2743200" indent="0">
-              <a:buNone/>
-              <a:defRPr sz="1000"/>
-            </a:lvl7pPr>
-            <a:lvl8pPr marL="3200400" indent="0">
-              <a:buNone/>
-              <a:defRPr sz="1000"/>
-            </a:lvl8pPr>
-            <a:lvl9pPr marL="3657600" indent="0">
-              <a:buNone/>
-              <a:defRPr sz="1000"/>
-            </a:lvl9pPr>
-          </a:lstStyle>
-          <a:p>
-            <a:pPr lvl="0"/>
-            <a:r>
-              <a:rPr lang="de-DE" smtClean="0"/>
-              <a:t>Textmasterformat bearbeiten</a:t>
-            </a:r>
-          </a:p>
-        </p:txBody>
-      </p:sp>
-      <p:sp>
-        <p:nvSpPr>
-          <p:cNvPr id="5" name="Datumsplatzhalter 4"/>
-          <p:cNvSpPr>
-            <a:spLocks noGrp="1"/>
-          </p:cNvSpPr>
-          <p:nvPr>
-            <p:ph type="dt" sz="half" idx="10"/>
-          </p:nvPr>
-        </p:nvSpPr>
-        <p:spPr/>
-        <p:txBody>
-          <a:bodyPr/>
-          <a:lstStyle/>
-          <a:p>
-            <a:fld id="{7D245CBA-5440-4E3A-93BD-41E2FFACF6C3}" type="datetimeFigureOut">
-              <a:rPr lang="de-DE" smtClean="0"/>
-              <a:t>22.05.2014</a:t>
-            </a:fld>
-            <a:endParaRPr lang="de-DE"/>
-          </a:p>
-        </p:txBody>
-      </p:sp>
-      <p:sp>
-        <p:nvSpPr>
-          <p:cNvPr id="6" name="Fußzeilenplatzhalter 5"/>
-          <p:cNvSpPr>
-            <a:spLocks noGrp="1"/>
-          </p:cNvSpPr>
-          <p:nvPr>
-            <p:ph type="ftr" sz="quarter" idx="11"/>
-          </p:nvPr>
-        </p:nvSpPr>
-        <p:spPr/>
-        <p:txBody>
-          <a:bodyPr/>
-          <a:lstStyle/>
-          <a:p>
-            <a:endParaRPr lang="de-DE"/>
-          </a:p>
-        </p:txBody>
-      </p:sp>
-      <p:sp>
-        <p:nvSpPr>
-          <p:cNvPr id="7" name="Foliennummernplatzhalter 6"/>
-          <p:cNvSpPr>
-            <a:spLocks noGrp="1"/>
-          </p:cNvSpPr>
-          <p:nvPr>
-            <p:ph type="sldNum" sz="quarter" idx="12"/>
-          </p:nvPr>
-        </p:nvSpPr>
-        <p:spPr/>
-        <p:txBody>
-          <a:bodyPr/>
-          <a:lstStyle/>
           <a:p>
             <a:fld id="{19A2A861-15C4-4629-B6A2-6C8A398F0482}" type="slidenum">
               <a:rPr lang="de-DE" smtClean="0"/>
@@ -2154,7 +2698,7 @@
     </p:spTree>
     <p:extLst>
       <p:ext uri="{BB962C8B-B14F-4D97-AF65-F5344CB8AC3E}">
-        <p14:creationId xmlns:p14="http://schemas.microsoft.com/office/powerpoint/2010/main" val="1991363607"/>
+        <p14:creationId xmlns:p14="http://schemas.microsoft.com/office/powerpoint/2010/main" val="895340975"/>
       </p:ext>
     </p:extLst>
   </p:cSld>
@@ -2165,7 +2709,7 @@
 </file>
 
 <file path=ppt/slideLayouts/slideLayout9.xml><?xml version="1.0" encoding="utf-8"?>
-<p:sldLayout xmlns:a="http://schemas.openxmlformats.org/drawingml/2006/main" xmlns:r="http://schemas.openxmlformats.org/officeDocument/2006/relationships" xmlns:p="http://schemas.openxmlformats.org/presentationml/2006/main" type="picTx" preserve="1">
+<p:sldLayout xmlns:a="http://schemas.openxmlformats.org/drawingml/2006/main" xmlns:r="http://schemas.openxmlformats.org/officeDocument/2006/relationships" xmlns:p="http://schemas.openxmlformats.org/presentationml/2006/main" showMasterSp="0" type="picTx" preserve="1">
   <p:cSld name="Bild mit Überschrift">
     <p:spTree>
       <p:nvGrpSpPr>
@@ -2183,25 +2727,107 @@
       </p:grpSpPr>
       <p:sp>
         <p:nvSpPr>
-          <p:cNvPr id="2" name="Titel 1"/>
-          <p:cNvSpPr>
-            <a:spLocks noGrp="1"/>
-          </p:cNvSpPr>
-          <p:nvPr>
-            <p:ph type="title"/>
-          </p:nvPr>
+          <p:cNvPr id="8" name="Rectangle 7"/>
+          <p:cNvSpPr/>
+          <p:nvPr/>
         </p:nvSpPr>
         <p:spPr>
           <a:xfrm>
-            <a:off x="839788" y="457200"/>
-            <a:ext cx="3932237" cy="1600200"/>
+            <a:off x="0" y="4953000"/>
+            <a:ext cx="12188825" cy="1905000"/>
+          </a:xfrm>
+          <a:prstGeom prst="rect">
+            <a:avLst/>
+          </a:prstGeom>
+          <a:solidFill>
+            <a:schemeClr val="accent2"/>
+          </a:solidFill>
+          <a:ln>
+            <a:noFill/>
+          </a:ln>
+        </p:spPr>
+        <p:style>
+          <a:lnRef idx="2">
+            <a:schemeClr val="accent1">
+              <a:shade val="50000"/>
+            </a:schemeClr>
+          </a:lnRef>
+          <a:fillRef idx="1">
+            <a:schemeClr val="accent1"/>
+          </a:fillRef>
+          <a:effectRef idx="0">
+            <a:schemeClr val="accent1"/>
+          </a:effectRef>
+          <a:fontRef idx="minor">
+            <a:schemeClr val="lt1"/>
+          </a:fontRef>
+        </p:style>
+      </p:sp>
+      <p:sp>
+        <p:nvSpPr>
+          <p:cNvPr id="9" name="Rectangle 8"/>
+          <p:cNvSpPr/>
+          <p:nvPr/>
+        </p:nvSpPr>
+        <p:spPr>
+          <a:xfrm>
+            <a:off x="15" y="4915076"/>
+            <a:ext cx="12188825" cy="64008"/>
+          </a:xfrm>
+          <a:prstGeom prst="rect">
+            <a:avLst/>
+          </a:prstGeom>
+          <a:solidFill>
+            <a:schemeClr val="accent1"/>
+          </a:solidFill>
+          <a:ln>
+            <a:noFill/>
+          </a:ln>
+        </p:spPr>
+        <p:style>
+          <a:lnRef idx="2">
+            <a:schemeClr val="accent1">
+              <a:shade val="50000"/>
+            </a:schemeClr>
+          </a:lnRef>
+          <a:fillRef idx="1">
+            <a:schemeClr val="accent1"/>
+          </a:fillRef>
+          <a:effectRef idx="0">
+            <a:schemeClr val="accent1"/>
+          </a:effectRef>
+          <a:fontRef idx="minor">
+            <a:schemeClr val="lt1"/>
+          </a:fontRef>
+        </p:style>
+      </p:sp>
+      <p:sp>
+        <p:nvSpPr>
+          <p:cNvPr id="2" name="Title 1"/>
+          <p:cNvSpPr>
+            <a:spLocks noGrp="1"/>
+          </p:cNvSpPr>
+          <p:nvPr>
+            <p:ph type="title"/>
+          </p:nvPr>
+        </p:nvSpPr>
+        <p:spPr>
+          <a:xfrm>
+            <a:off x="1097280" y="5074920"/>
+            <a:ext cx="10113264" cy="822960"/>
           </a:xfrm>
         </p:spPr>
         <p:txBody>
-          <a:bodyPr anchor="b"/>
+          <a:bodyPr lIns="91440" tIns="0" rIns="91440" bIns="0" anchor="b">
+            <a:noAutofit/>
+          </a:bodyPr>
           <a:lstStyle>
             <a:lvl1pPr>
-              <a:defRPr sz="3200"/>
+              <a:defRPr sz="3600" b="0">
+                <a:solidFill>
+                  <a:srgbClr val="FFFFFF"/>
+                </a:solidFill>
+              </a:defRPr>
             </a:lvl1pPr>
           </a:lstStyle>
           <a:p>
@@ -2209,15 +2835,15 @@
               <a:rPr lang="de-DE" smtClean="0"/>
               <a:t>Titelmasterformat durch Klicken bearbeiten</a:t>
             </a:r>
-            <a:endParaRPr lang="de-DE"/>
-          </a:p>
-        </p:txBody>
-      </p:sp>
-      <p:sp>
-        <p:nvSpPr>
-          <p:cNvPr id="3" name="Bildplatzhalter 2"/>
-          <p:cNvSpPr>
-            <a:spLocks noGrp="1"/>
+            <a:endParaRPr lang="en-US" dirty="0"/>
+          </a:p>
+        </p:txBody>
+      </p:sp>
+      <p:sp>
+        <p:nvSpPr>
+          <p:cNvPr id="3" name="Picture Placeholder 2"/>
+          <p:cNvSpPr>
+            <a:spLocks noGrp="1" noChangeAspect="1"/>
           </p:cNvSpPr>
           <p:nvPr>
             <p:ph type="pic" idx="1"/>
@@ -2225,16 +2851,26 @@
         </p:nvSpPr>
         <p:spPr>
           <a:xfrm>
-            <a:off x="5183188" y="987425"/>
-            <a:ext cx="6172200" cy="4873625"/>
+            <a:off x="15" y="0"/>
+            <a:ext cx="12191985" cy="4915076"/>
           </a:xfrm>
+          <a:blipFill>
+            <a:blip r:embed="rId2"/>
+            <a:stretch>
+              <a:fillRect/>
+            </a:stretch>
+          </a:blipFill>
         </p:spPr>
         <p:txBody>
-          <a:bodyPr/>
+          <a:bodyPr lIns="457200" tIns="457200" anchor="t"/>
           <a:lstStyle>
             <a:lvl1pPr marL="0" indent="0">
               <a:buNone/>
-              <a:defRPr sz="3200"/>
+              <a:defRPr sz="3200">
+                <a:solidFill>
+                  <a:schemeClr val="bg1"/>
+                </a:solidFill>
+              </a:defRPr>
             </a:lvl1pPr>
             <a:lvl2pPr marL="457200" indent="0">
               <a:buNone/>
@@ -2270,13 +2906,17 @@
             </a:lvl9pPr>
           </a:lstStyle>
           <a:p>
-            <a:endParaRPr lang="de-DE"/>
-          </a:p>
-        </p:txBody>
-      </p:sp>
-      <p:sp>
-        <p:nvSpPr>
-          <p:cNvPr id="4" name="Textplatzhalter 3"/>
+            <a:r>
+              <a:rPr lang="de-DE" smtClean="0"/>
+              <a:t>Bild durch Klicken auf Symbol hinzufügen</a:t>
+            </a:r>
+            <a:endParaRPr lang="en-US" dirty="0"/>
+          </a:p>
+        </p:txBody>
+      </p:sp>
+      <p:sp>
+        <p:nvSpPr>
+          <p:cNvPr id="4" name="Text Placeholder 3"/>
           <p:cNvSpPr>
             <a:spLocks noGrp="1"/>
           </p:cNvSpPr>
@@ -2286,48 +2926,60 @@
         </p:nvSpPr>
         <p:spPr>
           <a:xfrm>
-            <a:off x="839788" y="2057400"/>
-            <a:ext cx="3932237" cy="3811588"/>
+            <a:off x="1097280" y="5907023"/>
+            <a:ext cx="10113264" cy="594360"/>
           </a:xfrm>
         </p:spPr>
         <p:txBody>
-          <a:bodyPr/>
+          <a:bodyPr lIns="91440" tIns="0" rIns="91440" bIns="0">
+            <a:normAutofit/>
+          </a:bodyPr>
           <a:lstStyle>
             <a:lvl1pPr marL="0" indent="0">
+              <a:spcBef>
+                <a:spcPts val="0"/>
+              </a:spcBef>
+              <a:spcAft>
+                <a:spcPts val="600"/>
+              </a:spcAft>
               <a:buNone/>
-              <a:defRPr sz="1600"/>
+              <a:defRPr sz="1500">
+                <a:solidFill>
+                  <a:srgbClr val="FFFFFF"/>
+                </a:solidFill>
+              </a:defRPr>
             </a:lvl1pPr>
             <a:lvl2pPr marL="457200" indent="0">
               <a:buNone/>
-              <a:defRPr sz="1400"/>
+              <a:defRPr sz="1200"/>
             </a:lvl2pPr>
             <a:lvl3pPr marL="914400" indent="0">
               <a:buNone/>
-              <a:defRPr sz="1200"/>
+              <a:defRPr sz="1000"/>
             </a:lvl3pPr>
             <a:lvl4pPr marL="1371600" indent="0">
               <a:buNone/>
-              <a:defRPr sz="1000"/>
+              <a:defRPr sz="900"/>
             </a:lvl4pPr>
             <a:lvl5pPr marL="1828800" indent="0">
               <a:buNone/>
-              <a:defRPr sz="1000"/>
+              <a:defRPr sz="900"/>
             </a:lvl5pPr>
             <a:lvl6pPr marL="2286000" indent="0">
               <a:buNone/>
-              <a:defRPr sz="1000"/>
+              <a:defRPr sz="900"/>
             </a:lvl6pPr>
             <a:lvl7pPr marL="2743200" indent="0">
               <a:buNone/>
-              <a:defRPr sz="1000"/>
+              <a:defRPr sz="900"/>
             </a:lvl7pPr>
             <a:lvl8pPr marL="3200400" indent="0">
               <a:buNone/>
-              <a:defRPr sz="1000"/>
+              <a:defRPr sz="900"/>
             </a:lvl8pPr>
             <a:lvl9pPr marL="3657600" indent="0">
               <a:buNone/>
-              <a:defRPr sz="1000"/>
+              <a:defRPr sz="900"/>
             </a:lvl9pPr>
           </a:lstStyle>
           <a:p>
@@ -2341,7 +2993,7 @@
       </p:sp>
       <p:sp>
         <p:nvSpPr>
-          <p:cNvPr id="5" name="Datumsplatzhalter 4"/>
+          <p:cNvPr id="5" name="Date Placeholder 4"/>
           <p:cNvSpPr>
             <a:spLocks noGrp="1"/>
           </p:cNvSpPr>
@@ -2356,7 +3008,7 @@
           <a:p>
             <a:fld id="{7D245CBA-5440-4E3A-93BD-41E2FFACF6C3}" type="datetimeFigureOut">
               <a:rPr lang="de-DE" smtClean="0"/>
-              <a:t>22.05.2014</a:t>
+              <a:t>25.05.2014</a:t>
             </a:fld>
             <a:endParaRPr lang="de-DE"/>
           </a:p>
@@ -2364,7 +3016,7 @@
       </p:sp>
       <p:sp>
         <p:nvSpPr>
-          <p:cNvPr id="6" name="Fußzeilenplatzhalter 5"/>
+          <p:cNvPr id="6" name="Footer Placeholder 5"/>
           <p:cNvSpPr>
             <a:spLocks noGrp="1"/>
           </p:cNvSpPr>
@@ -2383,7 +3035,7 @@
       </p:sp>
       <p:sp>
         <p:nvSpPr>
-          <p:cNvPr id="7" name="Foliennummernplatzhalter 6"/>
+          <p:cNvPr id="7" name="Slide Number Placeholder 6"/>
           <p:cNvSpPr>
             <a:spLocks noGrp="1"/>
           </p:cNvSpPr>
@@ -2407,7 +3059,7 @@
     </p:spTree>
     <p:extLst>
       <p:ext uri="{BB962C8B-B14F-4D97-AF65-F5344CB8AC3E}">
-        <p14:creationId xmlns:p14="http://schemas.microsoft.com/office/powerpoint/2010/main" val="753862554"/>
+        <p14:creationId xmlns:p14="http://schemas.microsoft.com/office/powerpoint/2010/main" val="3189845846"/>
       </p:ext>
     </p:extLst>
   </p:cSld>
@@ -2441,25 +3093,101 @@
       </p:grpSpPr>
       <p:sp>
         <p:nvSpPr>
-          <p:cNvPr id="2" name="Titelplatzhalter 1"/>
-          <p:cNvSpPr>
-            <a:spLocks noGrp="1"/>
-          </p:cNvSpPr>
-          <p:nvPr>
-            <p:ph type="title"/>
-          </p:nvPr>
+          <p:cNvPr id="7" name="Rectangle 6"/>
+          <p:cNvSpPr/>
+          <p:nvPr/>
         </p:nvSpPr>
         <p:spPr>
           <a:xfrm>
-            <a:off x="838200" y="365125"/>
-            <a:ext cx="10515600" cy="1325563"/>
+            <a:off x="1" y="6400800"/>
+            <a:ext cx="12192000" cy="457200"/>
+          </a:xfrm>
+          <a:prstGeom prst="rect">
+            <a:avLst/>
+          </a:prstGeom>
+          <a:solidFill>
+            <a:schemeClr val="accent2"/>
+          </a:solidFill>
+          <a:ln>
+            <a:noFill/>
+          </a:ln>
+        </p:spPr>
+        <p:style>
+          <a:lnRef idx="2">
+            <a:schemeClr val="accent1">
+              <a:shade val="50000"/>
+            </a:schemeClr>
+          </a:lnRef>
+          <a:fillRef idx="1">
+            <a:schemeClr val="accent1"/>
+          </a:fillRef>
+          <a:effectRef idx="0">
+            <a:schemeClr val="accent1"/>
+          </a:effectRef>
+          <a:fontRef idx="minor">
+            <a:schemeClr val="lt1"/>
+          </a:fontRef>
+        </p:style>
+      </p:sp>
+      <p:sp>
+        <p:nvSpPr>
+          <p:cNvPr id="9" name="Rectangle 8"/>
+          <p:cNvSpPr/>
+          <p:nvPr/>
+        </p:nvSpPr>
+        <p:spPr>
+          <a:xfrm>
+            <a:off x="0" y="6334316"/>
+            <a:ext cx="12192001" cy="65998"/>
+          </a:xfrm>
+          <a:prstGeom prst="rect">
+            <a:avLst/>
+          </a:prstGeom>
+          <a:solidFill>
+            <a:schemeClr val="accent1"/>
+          </a:solidFill>
+          <a:ln>
+            <a:noFill/>
+          </a:ln>
+        </p:spPr>
+        <p:style>
+          <a:lnRef idx="2">
+            <a:schemeClr val="accent1">
+              <a:shade val="50000"/>
+            </a:schemeClr>
+          </a:lnRef>
+          <a:fillRef idx="1">
+            <a:schemeClr val="accent1"/>
+          </a:fillRef>
+          <a:effectRef idx="0">
+            <a:schemeClr val="accent1"/>
+          </a:effectRef>
+          <a:fontRef idx="minor">
+            <a:schemeClr val="lt1"/>
+          </a:fontRef>
+        </p:style>
+      </p:sp>
+      <p:sp>
+        <p:nvSpPr>
+          <p:cNvPr id="2" name="Title Placeholder 1"/>
+          <p:cNvSpPr>
+            <a:spLocks noGrp="1"/>
+          </p:cNvSpPr>
+          <p:nvPr>
+            <p:ph type="title"/>
+          </p:nvPr>
+        </p:nvSpPr>
+        <p:spPr>
+          <a:xfrm>
+            <a:off x="1097280" y="286603"/>
+            <a:ext cx="10058400" cy="1450757"/>
           </a:xfrm>
           <a:prstGeom prst="rect">
             <a:avLst/>
           </a:prstGeom>
         </p:spPr>
         <p:txBody>
-          <a:bodyPr vert="horz" lIns="91440" tIns="45720" rIns="91440" bIns="45720" rtlCol="0" anchor="ctr">
+          <a:bodyPr vert="horz" lIns="91440" tIns="45720" rIns="91440" bIns="45720" rtlCol="0" anchor="b">
             <a:normAutofit/>
           </a:bodyPr>
           <a:lstStyle/>
@@ -2468,13 +3196,13 @@
               <a:rPr lang="de-DE" smtClean="0"/>
               <a:t>Titelmasterformat durch Klicken bearbeiten</a:t>
             </a:r>
-            <a:endParaRPr lang="de-DE"/>
-          </a:p>
-        </p:txBody>
-      </p:sp>
-      <p:sp>
-        <p:nvSpPr>
-          <p:cNvPr id="3" name="Textplatzhalter 2"/>
+            <a:endParaRPr lang="en-US" dirty="0"/>
+          </a:p>
+        </p:txBody>
+      </p:sp>
+      <p:sp>
+        <p:nvSpPr>
+          <p:cNvPr id="3" name="Text Placeholder 2"/>
           <p:cNvSpPr>
             <a:spLocks noGrp="1"/>
           </p:cNvSpPr>
@@ -2484,15 +3212,15 @@
         </p:nvSpPr>
         <p:spPr>
           <a:xfrm>
-            <a:off x="838200" y="1825625"/>
-            <a:ext cx="10515600" cy="4351338"/>
+            <a:off x="1097280" y="1845734"/>
+            <a:ext cx="10058400" cy="4023360"/>
           </a:xfrm>
           <a:prstGeom prst="rect">
             <a:avLst/>
           </a:prstGeom>
         </p:spPr>
         <p:txBody>
-          <a:bodyPr vert="horz" lIns="91440" tIns="45720" rIns="91440" bIns="45720" rtlCol="0">
+          <a:bodyPr vert="horz" lIns="0" tIns="45720" rIns="0" bIns="45720" rtlCol="0">
             <a:normAutofit/>
           </a:bodyPr>
           <a:lstStyle/>
@@ -2530,13 +3258,13 @@
               <a:rPr lang="de-DE" smtClean="0"/>
               <a:t>Fünfte Ebene</a:t>
             </a:r>
-            <a:endParaRPr lang="de-DE"/>
-          </a:p>
-        </p:txBody>
-      </p:sp>
-      <p:sp>
-        <p:nvSpPr>
-          <p:cNvPr id="4" name="Datumsplatzhalter 3"/>
+            <a:endParaRPr lang="en-US" dirty="0"/>
+          </a:p>
+        </p:txBody>
+      </p:sp>
+      <p:sp>
+        <p:nvSpPr>
+          <p:cNvPr id="4" name="Date Placeholder 3"/>
           <p:cNvSpPr>
             <a:spLocks noGrp="1"/>
           </p:cNvSpPr>
@@ -2546,8 +3274,8 @@
         </p:nvSpPr>
         <p:spPr>
           <a:xfrm>
-            <a:off x="838200" y="6356350"/>
-            <a:ext cx="2743200" cy="365125"/>
+            <a:off x="1097280" y="6459785"/>
+            <a:ext cx="2472271" cy="365125"/>
           </a:xfrm>
           <a:prstGeom prst="rect">
             <a:avLst/>
@@ -2557,11 +3285,9 @@
           <a:bodyPr vert="horz" lIns="91440" tIns="45720" rIns="91440" bIns="45720" rtlCol="0" anchor="ctr"/>
           <a:lstStyle>
             <a:lvl1pPr algn="l">
-              <a:defRPr sz="1200">
+              <a:defRPr sz="900">
                 <a:solidFill>
-                  <a:schemeClr val="tx1">
-                    <a:tint val="75000"/>
-                  </a:schemeClr>
+                  <a:srgbClr val="FFFFFF"/>
                 </a:solidFill>
               </a:defRPr>
             </a:lvl1pPr>
@@ -2569,7 +3295,7 @@
           <a:p>
             <a:fld id="{7D245CBA-5440-4E3A-93BD-41E2FFACF6C3}" type="datetimeFigureOut">
               <a:rPr lang="de-DE" smtClean="0"/>
-              <a:t>22.05.2014</a:t>
+              <a:t>25.05.2014</a:t>
             </a:fld>
             <a:endParaRPr lang="de-DE"/>
           </a:p>
@@ -2577,7 +3303,7 @@
       </p:sp>
       <p:sp>
         <p:nvSpPr>
-          <p:cNvPr id="5" name="Fußzeilenplatzhalter 4"/>
+          <p:cNvPr id="5" name="Footer Placeholder 4"/>
           <p:cNvSpPr>
             <a:spLocks noGrp="1"/>
           </p:cNvSpPr>
@@ -2587,8 +3313,8 @@
         </p:nvSpPr>
         <p:spPr>
           <a:xfrm>
-            <a:off x="4038600" y="6356350"/>
-            <a:ext cx="4114800" cy="365125"/>
+            <a:off x="3686185" y="6459785"/>
+            <a:ext cx="4822804" cy="365125"/>
           </a:xfrm>
           <a:prstGeom prst="rect">
             <a:avLst/>
@@ -2598,11 +3324,9 @@
           <a:bodyPr vert="horz" lIns="91440" tIns="45720" rIns="91440" bIns="45720" rtlCol="0" anchor="ctr"/>
           <a:lstStyle>
             <a:lvl1pPr algn="ctr">
-              <a:defRPr sz="1200">
+              <a:defRPr sz="900" cap="all" baseline="0">
                 <a:solidFill>
-                  <a:schemeClr val="tx1">
-                    <a:tint val="75000"/>
-                  </a:schemeClr>
+                  <a:srgbClr val="FFFFFF"/>
                 </a:solidFill>
               </a:defRPr>
             </a:lvl1pPr>
@@ -2614,7 +3338,7 @@
       </p:sp>
       <p:sp>
         <p:nvSpPr>
-          <p:cNvPr id="6" name="Foliennummernplatzhalter 5"/>
+          <p:cNvPr id="6" name="Slide Number Placeholder 5"/>
           <p:cNvSpPr>
             <a:spLocks noGrp="1"/>
           </p:cNvSpPr>
@@ -2624,8 +3348,8 @@
         </p:nvSpPr>
         <p:spPr>
           <a:xfrm>
-            <a:off x="8610600" y="6356350"/>
-            <a:ext cx="2743200" cy="365125"/>
+            <a:off x="9900458" y="6459785"/>
+            <a:ext cx="1312025" cy="365125"/>
           </a:xfrm>
           <a:prstGeom prst="rect">
             <a:avLst/>
@@ -2635,11 +3359,9 @@
           <a:bodyPr vert="horz" lIns="91440" tIns="45720" rIns="91440" bIns="45720" rtlCol="0" anchor="ctr"/>
           <a:lstStyle>
             <a:lvl1pPr algn="r">
-              <a:defRPr sz="1200">
+              <a:defRPr sz="1050">
                 <a:solidFill>
-                  <a:schemeClr val="tx1">
-                    <a:tint val="75000"/>
-                  </a:schemeClr>
+                  <a:srgbClr val="FFFFFF"/>
                 </a:solidFill>
               </a:defRPr>
             </a:lvl1pPr>
@@ -2653,40 +3375,81 @@
           </a:p>
         </p:txBody>
       </p:sp>
+      <p:cxnSp>
+        <p:nvCxnSpPr>
+          <p:cNvPr id="10" name="Straight Connector 9"/>
+          <p:cNvCxnSpPr/>
+          <p:nvPr/>
+        </p:nvCxnSpPr>
+        <p:spPr>
+          <a:xfrm>
+            <a:off x="1193532" y="1737845"/>
+            <a:ext cx="9966960" cy="0"/>
+          </a:xfrm>
+          <a:prstGeom prst="line">
+            <a:avLst/>
+          </a:prstGeom>
+          <a:ln w="6350">
+            <a:solidFill>
+              <a:schemeClr val="tx1">
+                <a:lumMod val="50000"/>
+                <a:lumOff val="50000"/>
+              </a:schemeClr>
+            </a:solidFill>
+          </a:ln>
+        </p:spPr>
+        <p:style>
+          <a:lnRef idx="1">
+            <a:schemeClr val="accent1"/>
+          </a:lnRef>
+          <a:fillRef idx="0">
+            <a:schemeClr val="accent1"/>
+          </a:fillRef>
+          <a:effectRef idx="0">
+            <a:schemeClr val="accent1"/>
+          </a:effectRef>
+          <a:fontRef idx="minor">
+            <a:schemeClr val="tx1"/>
+          </a:fontRef>
+        </p:style>
+      </p:cxnSp>
     </p:spTree>
     <p:extLst>
       <p:ext uri="{BB962C8B-B14F-4D97-AF65-F5344CB8AC3E}">
-        <p14:creationId xmlns:p14="http://schemas.microsoft.com/office/powerpoint/2010/main" val="2821245772"/>
+        <p14:creationId xmlns:p14="http://schemas.microsoft.com/office/powerpoint/2010/main" val="3708258823"/>
       </p:ext>
     </p:extLst>
   </p:cSld>
   <p:clrMap bg1="lt1" tx1="dk1" bg2="lt2" tx2="dk2" accent1="accent1" accent2="accent2" accent3="accent3" accent4="accent4" accent5="accent5" accent6="accent6" hlink="hlink" folHlink="folHlink"/>
   <p:sldLayoutIdLst>
-    <p:sldLayoutId id="2147483649" r:id="rId1"/>
-    <p:sldLayoutId id="2147483650" r:id="rId2"/>
-    <p:sldLayoutId id="2147483651" r:id="rId3"/>
-    <p:sldLayoutId id="2147483652" r:id="rId4"/>
-    <p:sldLayoutId id="2147483653" r:id="rId5"/>
-    <p:sldLayoutId id="2147483654" r:id="rId6"/>
-    <p:sldLayoutId id="2147483655" r:id="rId7"/>
-    <p:sldLayoutId id="2147483656" r:id="rId8"/>
-    <p:sldLayoutId id="2147483657" r:id="rId9"/>
-    <p:sldLayoutId id="2147483658" r:id="rId10"/>
-    <p:sldLayoutId id="2147483659" r:id="rId11"/>
+    <p:sldLayoutId id="2147483661" r:id="rId1"/>
+    <p:sldLayoutId id="2147483662" r:id="rId2"/>
+    <p:sldLayoutId id="2147483663" r:id="rId3"/>
+    <p:sldLayoutId id="2147483664" r:id="rId4"/>
+    <p:sldLayoutId id="2147483665" r:id="rId5"/>
+    <p:sldLayoutId id="2147483666" r:id="rId6"/>
+    <p:sldLayoutId id="2147483667" r:id="rId7"/>
+    <p:sldLayoutId id="2147483668" r:id="rId8"/>
+    <p:sldLayoutId id="2147483669" r:id="rId9"/>
+    <p:sldLayoutId id="2147483670" r:id="rId10"/>
+    <p:sldLayoutId id="2147483671" r:id="rId11"/>
   </p:sldLayoutIdLst>
   <p:txStyles>
     <p:titleStyle>
       <a:lvl1pPr algn="l" defTabSz="914400" rtl="0" eaLnBrk="1" latinLnBrk="0" hangingPunct="1">
         <a:lnSpc>
-          <a:spcPct val="90000"/>
+          <a:spcPct val="85000"/>
         </a:lnSpc>
         <a:spcBef>
           <a:spcPct val="0"/>
         </a:spcBef>
         <a:buNone/>
-        <a:defRPr sz="4400" kern="1200">
+        <a:defRPr sz="4800" kern="1200" spc="-50" baseline="0">
           <a:solidFill>
-            <a:schemeClr val="tx1"/>
+            <a:schemeClr val="tx1">
+              <a:lumMod val="75000"/>
+              <a:lumOff val="25000"/>
+            </a:schemeClr>
           </a:solidFill>
           <a:latin typeface="+mj-lt"/>
           <a:ea typeface="+mj-ea"/>
@@ -2695,162 +3458,244 @@
       </a:lvl1pPr>
     </p:titleStyle>
     <p:bodyStyle>
-      <a:lvl1pPr marL="228600" indent="-228600" algn="l" defTabSz="914400" rtl="0" eaLnBrk="1" latinLnBrk="0" hangingPunct="1">
+      <a:lvl1pPr marL="91440" indent="-91440" algn="l" defTabSz="914400" rtl="0" eaLnBrk="1" latinLnBrk="0" hangingPunct="1">
         <a:lnSpc>
           <a:spcPct val="90000"/>
         </a:lnSpc>
         <a:spcBef>
-          <a:spcPts val="1000"/>
+          <a:spcPts val="1200"/>
         </a:spcBef>
-        <a:buFont typeface="Arial" panose="020B0604020202020204" pitchFamily="34" charset="0"/>
-        <a:buChar char="•"/>
-        <a:defRPr sz="2800" kern="1200">
+        <a:spcAft>
+          <a:spcPts val="200"/>
+        </a:spcAft>
+        <a:buClr>
+          <a:schemeClr val="accent1"/>
+        </a:buClr>
+        <a:buSzPct val="100000"/>
+        <a:buFont typeface="Calibri" panose="020F0502020204030204" pitchFamily="34" charset="0"/>
+        <a:buChar char=" "/>
+        <a:defRPr sz="2000" kern="1200">
           <a:solidFill>
-            <a:schemeClr val="tx1"/>
+            <a:schemeClr val="tx1">
+              <a:lumMod val="75000"/>
+              <a:lumOff val="25000"/>
+            </a:schemeClr>
           </a:solidFill>
           <a:latin typeface="+mn-lt"/>
           <a:ea typeface="+mn-ea"/>
           <a:cs typeface="+mn-cs"/>
         </a:defRPr>
       </a:lvl1pPr>
-      <a:lvl2pPr marL="685800" indent="-228600" algn="l" defTabSz="914400" rtl="0" eaLnBrk="1" latinLnBrk="0" hangingPunct="1">
+      <a:lvl2pPr marL="384048" indent="-182880" algn="l" defTabSz="914400" rtl="0" eaLnBrk="1" latinLnBrk="0" hangingPunct="1">
         <a:lnSpc>
           <a:spcPct val="90000"/>
         </a:lnSpc>
         <a:spcBef>
-          <a:spcPts val="500"/>
+          <a:spcPts val="200"/>
         </a:spcBef>
-        <a:buFont typeface="Arial" panose="020B0604020202020204" pitchFamily="34" charset="0"/>
-        <a:buChar char="•"/>
-        <a:defRPr sz="2400" kern="1200">
+        <a:spcAft>
+          <a:spcPts val="400"/>
+        </a:spcAft>
+        <a:buClr>
+          <a:schemeClr val="accent1"/>
+        </a:buClr>
+        <a:buFont typeface="Calibri" pitchFamily="34" charset="0"/>
+        <a:buChar char="◦"/>
+        <a:defRPr sz="1800" kern="1200">
           <a:solidFill>
-            <a:schemeClr val="tx1"/>
+            <a:schemeClr val="tx1">
+              <a:lumMod val="75000"/>
+              <a:lumOff val="25000"/>
+            </a:schemeClr>
           </a:solidFill>
           <a:latin typeface="+mn-lt"/>
           <a:ea typeface="+mn-ea"/>
           <a:cs typeface="+mn-cs"/>
         </a:defRPr>
       </a:lvl2pPr>
-      <a:lvl3pPr marL="1143000" indent="-228600" algn="l" defTabSz="914400" rtl="0" eaLnBrk="1" latinLnBrk="0" hangingPunct="1">
+      <a:lvl3pPr marL="566928" indent="-182880" algn="l" defTabSz="914400" rtl="0" eaLnBrk="1" latinLnBrk="0" hangingPunct="1">
         <a:lnSpc>
           <a:spcPct val="90000"/>
         </a:lnSpc>
         <a:spcBef>
-          <a:spcPts val="500"/>
+          <a:spcPts val="200"/>
         </a:spcBef>
-        <a:buFont typeface="Arial" panose="020B0604020202020204" pitchFamily="34" charset="0"/>
-        <a:buChar char="•"/>
-        <a:defRPr sz="2000" kern="1200">
+        <a:spcAft>
+          <a:spcPts val="400"/>
+        </a:spcAft>
+        <a:buClr>
+          <a:schemeClr val="accent1"/>
+        </a:buClr>
+        <a:buFont typeface="Calibri" pitchFamily="34" charset="0"/>
+        <a:buChar char="◦"/>
+        <a:defRPr sz="1400" kern="1200">
           <a:solidFill>
-            <a:schemeClr val="tx1"/>
+            <a:schemeClr val="tx1">
+              <a:lumMod val="75000"/>
+              <a:lumOff val="25000"/>
+            </a:schemeClr>
           </a:solidFill>
           <a:latin typeface="+mn-lt"/>
           <a:ea typeface="+mn-ea"/>
           <a:cs typeface="+mn-cs"/>
         </a:defRPr>
       </a:lvl3pPr>
-      <a:lvl4pPr marL="1600200" indent="-228600" algn="l" defTabSz="914400" rtl="0" eaLnBrk="1" latinLnBrk="0" hangingPunct="1">
+      <a:lvl4pPr marL="749808" indent="-182880" algn="l" defTabSz="914400" rtl="0" eaLnBrk="1" latinLnBrk="0" hangingPunct="1">
         <a:lnSpc>
           <a:spcPct val="90000"/>
         </a:lnSpc>
         <a:spcBef>
-          <a:spcPts val="500"/>
+          <a:spcPts val="200"/>
         </a:spcBef>
-        <a:buFont typeface="Arial" panose="020B0604020202020204" pitchFamily="34" charset="0"/>
-        <a:buChar char="•"/>
-        <a:defRPr sz="1800" kern="1200">
+        <a:spcAft>
+          <a:spcPts val="400"/>
+        </a:spcAft>
+        <a:buClr>
+          <a:schemeClr val="accent1"/>
+        </a:buClr>
+        <a:buFont typeface="Calibri" pitchFamily="34" charset="0"/>
+        <a:buChar char="◦"/>
+        <a:defRPr sz="1400" kern="1200">
           <a:solidFill>
-            <a:schemeClr val="tx1"/>
+            <a:schemeClr val="tx1">
+              <a:lumMod val="75000"/>
+              <a:lumOff val="25000"/>
+            </a:schemeClr>
           </a:solidFill>
           <a:latin typeface="+mn-lt"/>
           <a:ea typeface="+mn-ea"/>
           <a:cs typeface="+mn-cs"/>
         </a:defRPr>
       </a:lvl4pPr>
-      <a:lvl5pPr marL="2057400" indent="-228600" algn="l" defTabSz="914400" rtl="0" eaLnBrk="1" latinLnBrk="0" hangingPunct="1">
+      <a:lvl5pPr marL="932688" indent="-182880" algn="l" defTabSz="914400" rtl="0" eaLnBrk="1" latinLnBrk="0" hangingPunct="1">
         <a:lnSpc>
           <a:spcPct val="90000"/>
         </a:lnSpc>
         <a:spcBef>
-          <a:spcPts val="500"/>
+          <a:spcPts val="200"/>
         </a:spcBef>
-        <a:buFont typeface="Arial" panose="020B0604020202020204" pitchFamily="34" charset="0"/>
-        <a:buChar char="•"/>
-        <a:defRPr sz="1800" kern="1200">
+        <a:spcAft>
+          <a:spcPts val="400"/>
+        </a:spcAft>
+        <a:buClr>
+          <a:schemeClr val="accent1"/>
+        </a:buClr>
+        <a:buFont typeface="Calibri" pitchFamily="34" charset="0"/>
+        <a:buChar char="◦"/>
+        <a:defRPr sz="1400" kern="1200">
           <a:solidFill>
-            <a:schemeClr val="tx1"/>
+            <a:schemeClr val="tx1">
+              <a:lumMod val="75000"/>
+              <a:lumOff val="25000"/>
+            </a:schemeClr>
           </a:solidFill>
           <a:latin typeface="+mn-lt"/>
           <a:ea typeface="+mn-ea"/>
           <a:cs typeface="+mn-cs"/>
         </a:defRPr>
       </a:lvl5pPr>
-      <a:lvl6pPr marL="2514600" indent="-228600" algn="l" defTabSz="914400" rtl="0" eaLnBrk="1" latinLnBrk="0" hangingPunct="1">
+      <a:lvl6pPr marL="1100000" indent="-228600" algn="l" defTabSz="914400" rtl="0" eaLnBrk="1" latinLnBrk="0" hangingPunct="1">
         <a:lnSpc>
           <a:spcPct val="90000"/>
         </a:lnSpc>
         <a:spcBef>
-          <a:spcPts val="500"/>
+          <a:spcPts val="200"/>
         </a:spcBef>
-        <a:buFont typeface="Arial" panose="020B0604020202020204" pitchFamily="34" charset="0"/>
-        <a:buChar char="•"/>
-        <a:defRPr sz="1800" kern="1200">
+        <a:spcAft>
+          <a:spcPts val="400"/>
+        </a:spcAft>
+        <a:buClr>
+          <a:schemeClr val="accent1"/>
+        </a:buClr>
+        <a:buFont typeface="Calibri" pitchFamily="34" charset="0"/>
+        <a:buChar char="◦"/>
+        <a:defRPr sz="1400" kern="1200">
           <a:solidFill>
-            <a:schemeClr val="tx1"/>
+            <a:schemeClr val="tx1">
+              <a:lumMod val="75000"/>
+              <a:lumOff val="25000"/>
+            </a:schemeClr>
           </a:solidFill>
           <a:latin typeface="+mn-lt"/>
           <a:ea typeface="+mn-ea"/>
           <a:cs typeface="+mn-cs"/>
         </a:defRPr>
       </a:lvl6pPr>
-      <a:lvl7pPr marL="2971800" indent="-228600" algn="l" defTabSz="914400" rtl="0" eaLnBrk="1" latinLnBrk="0" hangingPunct="1">
+      <a:lvl7pPr marL="1300000" indent="-228600" algn="l" defTabSz="914400" rtl="0" eaLnBrk="1" latinLnBrk="0" hangingPunct="1">
         <a:lnSpc>
           <a:spcPct val="90000"/>
         </a:lnSpc>
         <a:spcBef>
-          <a:spcPts val="500"/>
+          <a:spcPts val="200"/>
         </a:spcBef>
-        <a:buFont typeface="Arial" panose="020B0604020202020204" pitchFamily="34" charset="0"/>
-        <a:buChar char="•"/>
-        <a:defRPr sz="1800" kern="1200">
+        <a:spcAft>
+          <a:spcPts val="400"/>
+        </a:spcAft>
+        <a:buClr>
+          <a:schemeClr val="accent1"/>
+        </a:buClr>
+        <a:buFont typeface="Calibri" pitchFamily="34" charset="0"/>
+        <a:buChar char="◦"/>
+        <a:defRPr sz="1400" kern="1200">
           <a:solidFill>
-            <a:schemeClr val="tx1"/>
+            <a:schemeClr val="tx1">
+              <a:lumMod val="75000"/>
+              <a:lumOff val="25000"/>
+            </a:schemeClr>
           </a:solidFill>
           <a:latin typeface="+mn-lt"/>
           <a:ea typeface="+mn-ea"/>
           <a:cs typeface="+mn-cs"/>
         </a:defRPr>
       </a:lvl7pPr>
-      <a:lvl8pPr marL="3429000" indent="-228600" algn="l" defTabSz="914400" rtl="0" eaLnBrk="1" latinLnBrk="0" hangingPunct="1">
+      <a:lvl8pPr marL="1500000" indent="-228600" algn="l" defTabSz="914400" rtl="0" eaLnBrk="1" latinLnBrk="0" hangingPunct="1">
         <a:lnSpc>
           <a:spcPct val="90000"/>
         </a:lnSpc>
         <a:spcBef>
-          <a:spcPts val="500"/>
+          <a:spcPts val="200"/>
         </a:spcBef>
-        <a:buFont typeface="Arial" panose="020B0604020202020204" pitchFamily="34" charset="0"/>
-        <a:buChar char="•"/>
-        <a:defRPr sz="1800" kern="1200">
+        <a:spcAft>
+          <a:spcPts val="400"/>
+        </a:spcAft>
+        <a:buClr>
+          <a:schemeClr val="accent1"/>
+        </a:buClr>
+        <a:buFont typeface="Calibri" pitchFamily="34" charset="0"/>
+        <a:buChar char="◦"/>
+        <a:defRPr sz="1400" kern="1200">
           <a:solidFill>
-            <a:schemeClr val="tx1"/>
+            <a:schemeClr val="tx1">
+              <a:lumMod val="75000"/>
+              <a:lumOff val="25000"/>
+            </a:schemeClr>
           </a:solidFill>
           <a:latin typeface="+mn-lt"/>
           <a:ea typeface="+mn-ea"/>
           <a:cs typeface="+mn-cs"/>
         </a:defRPr>
       </a:lvl8pPr>
-      <a:lvl9pPr marL="3886200" indent="-228600" algn="l" defTabSz="914400" rtl="0" eaLnBrk="1" latinLnBrk="0" hangingPunct="1">
+      <a:lvl9pPr marL="1700000" indent="-228600" algn="l" defTabSz="914400" rtl="0" eaLnBrk="1" latinLnBrk="0" hangingPunct="1">
         <a:lnSpc>
           <a:spcPct val="90000"/>
         </a:lnSpc>
         <a:spcBef>
-          <a:spcPts val="500"/>
+          <a:spcPts val="200"/>
         </a:spcBef>
-        <a:buFont typeface="Arial" panose="020B0604020202020204" pitchFamily="34" charset="0"/>
-        <a:buChar char="•"/>
-        <a:defRPr sz="1800" kern="1200">
+        <a:spcAft>
+          <a:spcPts val="400"/>
+        </a:spcAft>
+        <a:buClr>
+          <a:schemeClr val="accent1"/>
+        </a:buClr>
+        <a:buFont typeface="Calibri" pitchFamily="34" charset="0"/>
+        <a:buChar char="◦"/>
+        <a:defRPr sz="1400" kern="1200">
           <a:solidFill>
-            <a:schemeClr val="tx1"/>
+            <a:schemeClr val="tx1">
+              <a:lumMod val="75000"/>
+              <a:lumOff val="25000"/>
+            </a:schemeClr>
           </a:solidFill>
           <a:latin typeface="+mn-lt"/>
           <a:ea typeface="+mn-ea"/>
@@ -2860,7 +3705,7 @@
     </p:bodyStyle>
     <p:otherStyle>
       <a:defPPr>
-        <a:defRPr lang="de-DE"/>
+        <a:defRPr lang="en-US"/>
       </a:defPPr>
       <a:lvl1pPr marL="0" algn="l" defTabSz="914400" rtl="0" eaLnBrk="1" latinLnBrk="0" hangingPunct="1">
         <a:defRPr sz="1800" kern="1200">
@@ -2989,7 +3834,15 @@
           <a:bodyPr/>
           <a:lstStyle/>
           <a:p>
-            <a:endParaRPr lang="de-DE"/>
+            <a:r>
+              <a:rPr lang="de-DE" dirty="0" smtClean="0"/>
+              <a:t>Car2X </a:t>
+            </a:r>
+            <a:r>
+              <a:rPr lang="en-US" dirty="0" smtClean="0"/>
+              <a:t>communication</a:t>
+            </a:r>
+            <a:endParaRPr lang="en-US" dirty="0"/>
           </a:p>
         </p:txBody>
       </p:sp>
@@ -3008,7 +3861,7 @@
           <a:bodyPr/>
           <a:lstStyle/>
           <a:p>
-            <a:endParaRPr lang="de-DE"/>
+            <a:endParaRPr lang="de-DE" dirty="0"/>
           </a:p>
         </p:txBody>
       </p:sp>
@@ -3058,36 +3911,232 @@
           <a:lstStyle/>
           <a:p>
             <a:r>
-              <a:rPr lang="de-DE" dirty="0" smtClean="0"/>
-              <a:t>Protokoll 2</a:t>
+              <a:rPr lang="en-US" dirty="0" smtClean="0"/>
+              <a:t>Car2x Protocol-Message Types</a:t>
+            </a:r>
+            <a:endParaRPr lang="en-US" dirty="0"/>
+          </a:p>
+        </p:txBody>
+      </p:sp>
+      <p:sp>
+        <p:nvSpPr>
+          <p:cNvPr id="3" name="Inhaltsplatzhalter 2"/>
+          <p:cNvSpPr>
+            <a:spLocks noGrp="1"/>
+          </p:cNvSpPr>
+          <p:nvPr>
+            <p:ph idx="1"/>
+          </p:nvPr>
+        </p:nvSpPr>
+        <p:spPr/>
+        <p:txBody>
+          <a:bodyPr>
+            <a:normAutofit fontScale="77500" lnSpcReduction="20000"/>
+          </a:bodyPr>
+          <a:lstStyle/>
+          <a:p>
+            <a:pPr lvl="0"/>
+            <a:r>
+              <a:rPr lang="en-GB" dirty="0" smtClean="0"/>
+              <a:t>“</a:t>
+            </a:r>
+            <a:r>
+              <a:rPr lang="en-GB" dirty="0"/>
+              <a:t>00” </a:t>
+            </a:r>
+            <a:r>
+              <a:rPr lang="en-GB" dirty="0" err="1"/>
+              <a:t>InfoMessage</a:t>
+            </a:r>
+            <a:r>
+              <a:rPr lang="en-GB" dirty="0"/>
+              <a:t> (from station or other car)</a:t>
             </a:r>
             <a:endParaRPr lang="de-DE" dirty="0"/>
           </a:p>
-        </p:txBody>
-      </p:sp>
-      <p:sp>
-        <p:nvSpPr>
-          <p:cNvPr id="3" name="Inhaltsplatzhalter 2"/>
-          <p:cNvSpPr>
-            <a:spLocks noGrp="1"/>
-          </p:cNvSpPr>
-          <p:nvPr>
-            <p:ph idx="1"/>
-          </p:nvPr>
-        </p:nvSpPr>
-        <p:spPr/>
-        <p:txBody>
-          <a:bodyPr/>
-          <a:lstStyle/>
-          <a:p>
-            <a:endParaRPr lang="de-DE"/>
+          <a:p>
+            <a:pPr lvl="1"/>
+            <a:r>
+              <a:rPr lang="en-GB" dirty="0" smtClean="0"/>
+              <a:t>“00” </a:t>
+            </a:r>
+            <a:r>
+              <a:rPr lang="en-GB" dirty="0" err="1" smtClean="0"/>
+              <a:t>currentSpeed</a:t>
+            </a:r>
+            <a:endParaRPr lang="de-DE" dirty="0"/>
+          </a:p>
+          <a:p>
+            <a:pPr lvl="1"/>
+            <a:r>
+              <a:rPr lang="en-GB" dirty="0" smtClean="0"/>
+              <a:t>“01” </a:t>
+            </a:r>
+            <a:r>
+              <a:rPr lang="en-GB" dirty="0" err="1" smtClean="0"/>
+              <a:t>steeringInformation</a:t>
+            </a:r>
+            <a:endParaRPr lang="de-DE" dirty="0"/>
+          </a:p>
+          <a:p>
+            <a:r>
+              <a:rPr lang="en-GB" dirty="0"/>
+              <a:t> </a:t>
+            </a:r>
+            <a:endParaRPr lang="de-DE" dirty="0"/>
+          </a:p>
+          <a:p>
+            <a:pPr lvl="0"/>
+            <a:r>
+              <a:rPr lang="en-GB" dirty="0"/>
+              <a:t>“01” </a:t>
+            </a:r>
+            <a:r>
+              <a:rPr lang="en-GB" dirty="0" err="1"/>
+              <a:t>EmergencyInfoMessage</a:t>
+            </a:r>
+            <a:endParaRPr lang="de-DE" dirty="0"/>
+          </a:p>
+          <a:p>
+            <a:pPr lvl="1"/>
+            <a:r>
+              <a:rPr lang="en-GB" dirty="0"/>
+              <a:t>“00” </a:t>
+            </a:r>
+            <a:r>
+              <a:rPr lang="en-GB" dirty="0" err="1" smtClean="0"/>
+              <a:t>emerencyBreaking</a:t>
+            </a:r>
+            <a:endParaRPr lang="de-DE" dirty="0"/>
+          </a:p>
+          <a:p>
+            <a:r>
+              <a:rPr lang="en-GB" dirty="0"/>
+              <a:t> </a:t>
+            </a:r>
+            <a:endParaRPr lang="de-DE" dirty="0"/>
+          </a:p>
+          <a:p>
+            <a:pPr lvl="0"/>
+            <a:r>
+              <a:rPr lang="en-GB" dirty="0"/>
+              <a:t>“10” </a:t>
+            </a:r>
+            <a:r>
+              <a:rPr lang="en-GB" dirty="0" err="1"/>
+              <a:t>PollingMessage</a:t>
+            </a:r>
+            <a:r>
+              <a:rPr lang="en-GB" dirty="0"/>
+              <a:t> (from Image Processing Unit)</a:t>
+            </a:r>
+            <a:endParaRPr lang="de-DE" dirty="0"/>
+          </a:p>
+          <a:p>
+            <a:pPr lvl="1"/>
+            <a:r>
+              <a:rPr lang="en-GB" dirty="0"/>
+              <a:t>“00” </a:t>
+            </a:r>
+            <a:r>
+              <a:rPr lang="en-GB" dirty="0" err="1" smtClean="0"/>
+              <a:t>pollInfoMessages</a:t>
+            </a:r>
+            <a:endParaRPr lang="de-DE" dirty="0"/>
+          </a:p>
+          <a:p>
+            <a:pPr lvl="1"/>
+            <a:r>
+              <a:rPr lang="en-GB" dirty="0"/>
+              <a:t>“</a:t>
+            </a:r>
+            <a:r>
+              <a:rPr lang="en-GB" dirty="0" smtClean="0"/>
+              <a:t>01” </a:t>
+            </a:r>
+            <a:r>
+              <a:rPr lang="en-GB" dirty="0" err="1" smtClean="0"/>
+              <a:t>pollOwnSpeedSensorData</a:t>
+            </a:r>
+            <a:endParaRPr lang="de-DE" dirty="0"/>
+          </a:p>
+          <a:p>
+            <a:pPr lvl="1"/>
+            <a:r>
+              <a:rPr lang="en-GB" dirty="0" smtClean="0"/>
+              <a:t>“10” </a:t>
+            </a:r>
+            <a:r>
+              <a:rPr lang="en-GB" dirty="0" err="1" smtClean="0"/>
+              <a:t>pollIRSensorData</a:t>
+            </a:r>
+            <a:endParaRPr lang="de-DE" dirty="0"/>
+          </a:p>
+          <a:p>
+            <a:r>
+              <a:rPr lang="en-GB" dirty="0"/>
+              <a:t> </a:t>
+            </a:r>
+            <a:endParaRPr lang="de-DE" dirty="0"/>
+          </a:p>
+          <a:p>
+            <a:pPr lvl="0"/>
+            <a:r>
+              <a:rPr lang="en-GB" dirty="0"/>
+              <a:t>“11” </a:t>
+            </a:r>
+            <a:r>
+              <a:rPr lang="en-GB" dirty="0" err="1"/>
+              <a:t>ControlMessage</a:t>
+            </a:r>
+            <a:r>
+              <a:rPr lang="en-GB" dirty="0"/>
+              <a:t> (station </a:t>
+            </a:r>
+            <a:r>
+              <a:rPr lang="en-GB" dirty="0" smtClean="0"/>
+              <a:t>or Image Processing Unit to </a:t>
+            </a:r>
+            <a:r>
+              <a:rPr lang="en-GB" dirty="0"/>
+              <a:t>Remote-Control the </a:t>
+            </a:r>
+            <a:r>
+              <a:rPr lang="en-GB" dirty="0" smtClean="0"/>
+              <a:t>Car)</a:t>
+            </a:r>
+          </a:p>
+          <a:p>
+            <a:pPr lvl="1"/>
+            <a:r>
+              <a:rPr lang="en-GB" dirty="0"/>
+              <a:t>“00” </a:t>
+            </a:r>
+            <a:r>
+              <a:rPr lang="en-GB" dirty="0" err="1" smtClean="0"/>
+              <a:t>setMotorControlMessage</a:t>
+            </a:r>
+            <a:r>
+              <a:rPr lang="en-GB" dirty="0" smtClean="0"/>
+              <a:t> </a:t>
+            </a:r>
+          </a:p>
+          <a:p>
+            <a:pPr lvl="1"/>
+            <a:endParaRPr lang="en-GB"/>
+          </a:p>
+          <a:p>
+            <a:pPr marL="201168" lvl="1" indent="0">
+              <a:buNone/>
+            </a:pPr>
+            <a:endParaRPr lang="de-DE" dirty="0"/>
           </a:p>
         </p:txBody>
       </p:sp>
     </p:spTree>
     <p:extLst>
       <p:ext uri="{BB962C8B-B14F-4D97-AF65-F5344CB8AC3E}">
-        <p14:creationId xmlns:p14="http://schemas.microsoft.com/office/powerpoint/2010/main" val="1979948962"/>
+        <p14:creationId xmlns:p14="http://schemas.microsoft.com/office/powerpoint/2010/main" val="3252517158"/>
       </p:ext>
     </p:extLst>
   </p:cSld>
@@ -3274,10 +4323,10 @@
           <a:lstStyle/>
           <a:p>
             <a:r>
-              <a:rPr lang="de-DE" dirty="0" smtClean="0"/>
-              <a:t>Was wurde gemacht</a:t>
-            </a:r>
-            <a:endParaRPr lang="de-DE" dirty="0"/>
+              <a:rPr lang="en-US" dirty="0" smtClean="0"/>
+              <a:t>Main working steps so far</a:t>
+            </a:r>
+            <a:endParaRPr lang="en-US" dirty="0"/>
           </a:p>
         </p:txBody>
       </p:sp>
@@ -3296,7 +4345,103 @@
           <a:bodyPr/>
           <a:lstStyle/>
           <a:p>
-            <a:endParaRPr lang="de-DE"/>
+            <a:pPr marL="457200" indent="-457200">
+              <a:buFont typeface="+mj-lt"/>
+              <a:buAutoNum type="arabicPeriod"/>
+            </a:pPr>
+            <a:r>
+              <a:rPr lang="en-US" dirty="0" smtClean="0"/>
+              <a:t>Reading the documentation and getting into the previous group‘s code</a:t>
+            </a:r>
+          </a:p>
+          <a:p>
+            <a:pPr marL="457200" indent="-457200">
+              <a:buFont typeface="+mj-lt"/>
+              <a:buAutoNum type="arabicPeriod"/>
+            </a:pPr>
+            <a:r>
+              <a:rPr lang="en-US" dirty="0" smtClean="0"/>
+              <a:t>Installation and tutorials for the Altera </a:t>
+            </a:r>
+            <a:r>
+              <a:rPr lang="en-US" dirty="0" err="1" smtClean="0"/>
+              <a:t>Quartus</a:t>
+            </a:r>
+            <a:r>
+              <a:rPr lang="en-US" dirty="0" smtClean="0"/>
+              <a:t> software (FPGA)</a:t>
+            </a:r>
+          </a:p>
+          <a:p>
+            <a:pPr marL="457200" indent="-457200">
+              <a:buFont typeface="+mj-lt"/>
+              <a:buAutoNum type="arabicPeriod"/>
+            </a:pPr>
+            <a:r>
+              <a:rPr lang="en-US" dirty="0" smtClean="0"/>
+              <a:t>Learn about the </a:t>
+            </a:r>
+            <a:r>
+              <a:rPr lang="en-US" dirty="0" err="1" smtClean="0"/>
+              <a:t>Nios</a:t>
+            </a:r>
+            <a:r>
+              <a:rPr lang="en-US" dirty="0" smtClean="0"/>
+              <a:t> II and multicore implementations on FPGA</a:t>
+            </a:r>
+          </a:p>
+          <a:p>
+            <a:pPr marL="457200" indent="-457200">
+              <a:buFont typeface="+mj-lt"/>
+              <a:buAutoNum type="arabicPeriod"/>
+            </a:pPr>
+            <a:r>
+              <a:rPr lang="en-US" dirty="0" smtClean="0"/>
+              <a:t>Planning the Car2X Protocol and the general hardware setup</a:t>
+            </a:r>
+          </a:p>
+          <a:p>
+            <a:pPr marL="457200" indent="-457200">
+              <a:buFont typeface="+mj-lt"/>
+              <a:buAutoNum type="arabicPeriod"/>
+            </a:pPr>
+            <a:endParaRPr lang="en-US" dirty="0"/>
+          </a:p>
+          <a:p>
+            <a:pPr marL="0" indent="0">
+              <a:buNone/>
+            </a:pPr>
+            <a:r>
+              <a:rPr lang="en-US" dirty="0" smtClean="0"/>
+              <a:t>Current WIP:</a:t>
+            </a:r>
+          </a:p>
+          <a:p>
+            <a:r>
+              <a:rPr lang="en-US" dirty="0" smtClean="0"/>
+              <a:t>Basic </a:t>
+            </a:r>
+            <a:r>
+              <a:rPr lang="en-US" dirty="0" err="1" smtClean="0"/>
+              <a:t>Quartus</a:t>
+            </a:r>
+            <a:r>
+              <a:rPr lang="en-US" dirty="0" smtClean="0"/>
+              <a:t> hardware implementation</a:t>
+            </a:r>
+          </a:p>
+          <a:p>
+            <a:r>
+              <a:rPr lang="en-US" dirty="0" smtClean="0"/>
+              <a:t>Experiments with the wireless converter hardware</a:t>
+            </a:r>
+          </a:p>
+          <a:p>
+            <a:r>
+              <a:rPr lang="en-US" dirty="0" smtClean="0"/>
+              <a:t>Setting up PC as car2x station</a:t>
+            </a:r>
+            <a:endParaRPr lang="en-US" dirty="0"/>
           </a:p>
         </p:txBody>
       </p:sp>
@@ -3719,35 +4864,1341 @@
           <a:p>
             <a:r>
               <a:rPr lang="de-DE" dirty="0" smtClean="0"/>
-              <a:t>Protokoll</a:t>
+              <a:t>Car2x Protocol-</a:t>
+            </a:r>
+            <a:r>
+              <a:rPr lang="de-DE" dirty="0" err="1" smtClean="0"/>
+              <a:t>Structure</a:t>
             </a:r>
             <a:endParaRPr lang="de-DE" dirty="0"/>
           </a:p>
         </p:txBody>
       </p:sp>
-      <p:sp>
-        <p:nvSpPr>
-          <p:cNvPr id="3" name="Inhaltsplatzhalter 2"/>
-          <p:cNvSpPr>
-            <a:spLocks noGrp="1"/>
-          </p:cNvSpPr>
+      <p:graphicFrame>
+        <p:nvGraphicFramePr>
+          <p:cNvPr id="4" name="Inhaltsplatzhalter 3"/>
+          <p:cNvGraphicFramePr>
+            <a:graphicFrameLocks noGrp="1"/>
+          </p:cNvGraphicFramePr>
           <p:nvPr>
             <p:ph idx="1"/>
-          </p:nvPr>
-        </p:nvSpPr>
-        <p:spPr/>
-        <p:txBody>
-          <a:bodyPr/>
-          <a:lstStyle/>
-          <a:p>
-            <a:endParaRPr lang="de-DE"/>
-          </a:p>
-        </p:txBody>
-      </p:sp>
+            <p:extLst>
+              <p:ext uri="{D42A27DB-BD31-4B8C-83A1-F6EECF244321}">
+                <p14:modId xmlns:p14="http://schemas.microsoft.com/office/powerpoint/2010/main" val="1807192924"/>
+              </p:ext>
+            </p:extLst>
+          </p:nvPr>
+        </p:nvGraphicFramePr>
+        <p:xfrm>
+          <a:off x="1097280" y="2234452"/>
+          <a:ext cx="10058400" cy="422484"/>
+        </p:xfrm>
+        <a:graphic>
+          <a:graphicData uri="http://schemas.openxmlformats.org/drawingml/2006/table">
+            <a:tbl>
+              <a:tblPr firstRow="1" bandRow="1">
+                <a:tableStyleId>{5C22544A-7EE6-4342-B048-85BDC9FD1C3A}</a:tableStyleId>
+              </a:tblPr>
+              <a:tblGrid>
+                <a:gridCol w="3352800"/>
+                <a:gridCol w="3352800"/>
+                <a:gridCol w="3352800"/>
+              </a:tblGrid>
+              <a:tr h="422484">
+                <a:tc>
+                  <a:txBody>
+                    <a:bodyPr/>
+                    <a:lstStyle/>
+                    <a:p>
+                      <a:pPr lvl="0"/>
+                      <a:r>
+                        <a:rPr lang="en-GB" sz="1800" b="1" kern="1200" dirty="0" smtClean="0">
+                          <a:solidFill>
+                            <a:schemeClr val="lt1"/>
+                          </a:solidFill>
+                          <a:effectLst/>
+                          <a:latin typeface="+mn-lt"/>
+                          <a:ea typeface="+mn-ea"/>
+                          <a:cs typeface="+mn-cs"/>
+                        </a:rPr>
+                        <a:t>Message ID (1</a:t>
+                      </a:r>
+                      <a:r>
+                        <a:rPr lang="de-DE" sz="1800" b="1" kern="1200" dirty="0" smtClean="0">
+                          <a:solidFill>
+                            <a:schemeClr val="lt1"/>
+                          </a:solidFill>
+                          <a:effectLst/>
+                          <a:latin typeface="+mn-lt"/>
+                          <a:ea typeface="+mn-ea"/>
+                          <a:cs typeface="+mn-cs"/>
+                        </a:rPr>
+                        <a:t>-2Bytes)</a:t>
+                      </a:r>
+                      <a:endParaRPr lang="de-DE" dirty="0"/>
+                    </a:p>
+                  </a:txBody>
+                  <a:tcPr/>
+                </a:tc>
+                <a:tc>
+                  <a:txBody>
+                    <a:bodyPr/>
+                    <a:lstStyle/>
+                    <a:p>
+                      <a:r>
+                        <a:rPr lang="en-GB" sz="1800" b="1" kern="1200" dirty="0" smtClean="0">
+                          <a:solidFill>
+                            <a:schemeClr val="lt1"/>
+                          </a:solidFill>
+                          <a:effectLst/>
+                          <a:latin typeface="+mn-lt"/>
+                          <a:ea typeface="+mn-ea"/>
+                          <a:cs typeface="+mn-cs"/>
+                        </a:rPr>
+                        <a:t>Payload length (1Byte)</a:t>
+                      </a:r>
+                      <a:endParaRPr lang="de-DE" dirty="0"/>
+                    </a:p>
+                  </a:txBody>
+                  <a:tcPr>
+                    <a:solidFill>
+                      <a:schemeClr val="tx2">
+                        <a:lumMod val="60000"/>
+                        <a:lumOff val="40000"/>
+                      </a:schemeClr>
+                    </a:solidFill>
+                  </a:tcPr>
+                </a:tc>
+                <a:tc>
+                  <a:txBody>
+                    <a:bodyPr/>
+                    <a:lstStyle/>
+                    <a:p>
+                      <a:pPr marL="0" marR="0" lvl="0" indent="0" algn="l" defTabSz="914400" rtl="0" eaLnBrk="1" fontAlgn="auto" latinLnBrk="0" hangingPunct="1">
+                        <a:lnSpc>
+                          <a:spcPct val="100000"/>
+                        </a:lnSpc>
+                        <a:spcBef>
+                          <a:spcPts val="0"/>
+                        </a:spcBef>
+                        <a:spcAft>
+                          <a:spcPts val="0"/>
+                        </a:spcAft>
+                        <a:buClrTx/>
+                        <a:buSzTx/>
+                        <a:buFontTx/>
+                        <a:buNone/>
+                        <a:tabLst/>
+                        <a:defRPr/>
+                      </a:pPr>
+                      <a:r>
+                        <a:rPr lang="en-GB" sz="1800" b="1" kern="1200" dirty="0" smtClean="0">
+                          <a:solidFill>
+                            <a:schemeClr val="lt1"/>
+                          </a:solidFill>
+                          <a:effectLst/>
+                          <a:latin typeface="+mn-lt"/>
+                          <a:ea typeface="+mn-ea"/>
+                          <a:cs typeface="+mn-cs"/>
+                        </a:rPr>
+                        <a:t>Payload</a:t>
+                      </a:r>
+                      <a:endParaRPr lang="de-DE" sz="1800" b="1" kern="1200" dirty="0" smtClean="0">
+                        <a:solidFill>
+                          <a:schemeClr val="lt1"/>
+                        </a:solidFill>
+                        <a:effectLst/>
+                        <a:latin typeface="+mn-lt"/>
+                        <a:ea typeface="+mn-ea"/>
+                        <a:cs typeface="+mn-cs"/>
+                      </a:endParaRPr>
+                    </a:p>
+                  </a:txBody>
+                  <a:tcPr>
+                    <a:solidFill>
+                      <a:schemeClr val="bg2">
+                        <a:lumMod val="75000"/>
+                      </a:schemeClr>
+                    </a:solidFill>
+                  </a:tcPr>
+                </a:tc>
+              </a:tr>
+            </a:tbl>
+          </a:graphicData>
+        </a:graphic>
+      </p:graphicFrame>
+      <p:graphicFrame>
+        <p:nvGraphicFramePr>
+          <p:cNvPr id="7" name="Tabelle 6"/>
+          <p:cNvGraphicFramePr>
+            <a:graphicFrameLocks noGrp="1"/>
+          </p:cNvGraphicFramePr>
+          <p:nvPr>
+            <p:extLst>
+              <p:ext uri="{D42A27DB-BD31-4B8C-83A1-F6EECF244321}">
+                <p14:modId xmlns:p14="http://schemas.microsoft.com/office/powerpoint/2010/main" val="2038717257"/>
+              </p:ext>
+            </p:extLst>
+          </p:nvPr>
+        </p:nvGraphicFramePr>
+        <p:xfrm>
+          <a:off x="1932315" y="3988788"/>
+          <a:ext cx="8350374" cy="637794"/>
+        </p:xfrm>
+        <a:graphic>
+          <a:graphicData uri="http://schemas.openxmlformats.org/drawingml/2006/table">
+            <a:tbl>
+              <a:tblPr firstRow="1" firstCol="1" bandRow="1"/>
+              <a:tblGrid>
+                <a:gridCol w="1043106"/>
+                <a:gridCol w="1043106"/>
+                <a:gridCol w="1044027"/>
+                <a:gridCol w="1044027"/>
+                <a:gridCol w="1044027"/>
+                <a:gridCol w="1044027"/>
+                <a:gridCol w="1044027"/>
+                <a:gridCol w="1044027"/>
+              </a:tblGrid>
+              <a:tr h="0">
+                <a:tc>
+                  <a:txBody>
+                    <a:bodyPr/>
+                    <a:lstStyle/>
+                    <a:p>
+                      <a:pPr>
+                        <a:lnSpc>
+                          <a:spcPct val="107000"/>
+                        </a:lnSpc>
+                        <a:spcAft>
+                          <a:spcPts val="0"/>
+                        </a:spcAft>
+                      </a:pPr>
+                      <a:r>
+                        <a:rPr lang="en-GB" sz="2000" dirty="0" smtClean="0">
+                          <a:effectLst/>
+                          <a:latin typeface="Calibri" panose="020F0502020204030204" pitchFamily="34" charset="0"/>
+                          <a:ea typeface="Calibri" panose="020F0502020204030204" pitchFamily="34" charset="0"/>
+                          <a:cs typeface="Times New Roman" panose="02020603050405020304" pitchFamily="18" charset="0"/>
+                        </a:rPr>
+                        <a:t>0</a:t>
+                      </a:r>
+                      <a:endParaRPr lang="de-DE" sz="2000" dirty="0">
+                        <a:effectLst/>
+                        <a:latin typeface="Calibri" panose="020F0502020204030204" pitchFamily="34" charset="0"/>
+                        <a:ea typeface="Calibri" panose="020F0502020204030204" pitchFamily="34" charset="0"/>
+                        <a:cs typeface="Times New Roman" panose="02020603050405020304" pitchFamily="18" charset="0"/>
+                      </a:endParaRPr>
+                    </a:p>
+                  </a:txBody>
+                  <a:tcPr marL="68580" marR="68580" marT="0" marB="0">
+                    <a:lnL w="12700" cap="flat" cmpd="sng" algn="ctr">
+                      <a:solidFill>
+                        <a:srgbClr val="000000"/>
+                      </a:solidFill>
+                      <a:prstDash val="solid"/>
+                      <a:round/>
+                      <a:headEnd type="none" w="med" len="med"/>
+                      <a:tailEnd type="none" w="med" len="med"/>
+                    </a:lnL>
+                    <a:lnR w="12700" cap="flat" cmpd="sng" algn="ctr">
+                      <a:solidFill>
+                        <a:srgbClr val="000000"/>
+                      </a:solidFill>
+                      <a:prstDash val="solid"/>
+                      <a:round/>
+                      <a:headEnd type="none" w="med" len="med"/>
+                      <a:tailEnd type="none" w="med" len="med"/>
+                    </a:lnR>
+                    <a:lnT w="12700" cap="flat" cmpd="sng" algn="ctr">
+                      <a:solidFill>
+                        <a:srgbClr val="000000"/>
+                      </a:solidFill>
+                      <a:prstDash val="solid"/>
+                      <a:round/>
+                      <a:headEnd type="none" w="med" len="med"/>
+                      <a:tailEnd type="none" w="med" len="med"/>
+                    </a:lnT>
+                    <a:lnB w="12700" cap="flat" cmpd="sng" algn="ctr">
+                      <a:solidFill>
+                        <a:srgbClr val="000000"/>
+                      </a:solidFill>
+                      <a:prstDash val="solid"/>
+                      <a:round/>
+                      <a:headEnd type="none" w="med" len="med"/>
+                      <a:tailEnd type="none" w="med" len="med"/>
+                    </a:lnB>
+                  </a:tcPr>
+                </a:tc>
+                <a:tc>
+                  <a:txBody>
+                    <a:bodyPr/>
+                    <a:lstStyle/>
+                    <a:p>
+                      <a:pPr>
+                        <a:lnSpc>
+                          <a:spcPct val="107000"/>
+                        </a:lnSpc>
+                        <a:spcAft>
+                          <a:spcPts val="0"/>
+                        </a:spcAft>
+                      </a:pPr>
+                      <a:r>
+                        <a:rPr lang="en-GB" sz="2000" dirty="0" smtClean="0">
+                          <a:effectLst/>
+                          <a:latin typeface="Calibri" panose="020F0502020204030204" pitchFamily="34" charset="0"/>
+                          <a:ea typeface="Calibri" panose="020F0502020204030204" pitchFamily="34" charset="0"/>
+                          <a:cs typeface="Times New Roman" panose="02020603050405020304" pitchFamily="18" charset="0"/>
+                        </a:rPr>
+                        <a:t>1</a:t>
+                      </a:r>
+                      <a:endParaRPr lang="de-DE" sz="2000" dirty="0">
+                        <a:effectLst/>
+                        <a:latin typeface="Calibri" panose="020F0502020204030204" pitchFamily="34" charset="0"/>
+                        <a:ea typeface="Calibri" panose="020F0502020204030204" pitchFamily="34" charset="0"/>
+                        <a:cs typeface="Times New Roman" panose="02020603050405020304" pitchFamily="18" charset="0"/>
+                      </a:endParaRPr>
+                    </a:p>
+                  </a:txBody>
+                  <a:tcPr marL="68580" marR="68580" marT="0" marB="0">
+                    <a:lnL w="12700" cap="flat" cmpd="sng" algn="ctr">
+                      <a:solidFill>
+                        <a:srgbClr val="000000"/>
+                      </a:solidFill>
+                      <a:prstDash val="solid"/>
+                      <a:round/>
+                      <a:headEnd type="none" w="med" len="med"/>
+                      <a:tailEnd type="none" w="med" len="med"/>
+                    </a:lnL>
+                    <a:lnR w="12700" cap="flat" cmpd="sng" algn="ctr">
+                      <a:solidFill>
+                        <a:srgbClr val="000000"/>
+                      </a:solidFill>
+                      <a:prstDash val="solid"/>
+                      <a:round/>
+                      <a:headEnd type="none" w="med" len="med"/>
+                      <a:tailEnd type="none" w="med" len="med"/>
+                    </a:lnR>
+                    <a:lnT w="12700" cap="flat" cmpd="sng" algn="ctr">
+                      <a:solidFill>
+                        <a:srgbClr val="000000"/>
+                      </a:solidFill>
+                      <a:prstDash val="solid"/>
+                      <a:round/>
+                      <a:headEnd type="none" w="med" len="med"/>
+                      <a:tailEnd type="none" w="med" len="med"/>
+                    </a:lnT>
+                    <a:lnB w="12700" cap="flat" cmpd="sng" algn="ctr">
+                      <a:solidFill>
+                        <a:srgbClr val="000000"/>
+                      </a:solidFill>
+                      <a:prstDash val="solid"/>
+                      <a:round/>
+                      <a:headEnd type="none" w="med" len="med"/>
+                      <a:tailEnd type="none" w="med" len="med"/>
+                    </a:lnB>
+                  </a:tcPr>
+                </a:tc>
+                <a:tc>
+                  <a:txBody>
+                    <a:bodyPr/>
+                    <a:lstStyle/>
+                    <a:p>
+                      <a:pPr>
+                        <a:lnSpc>
+                          <a:spcPct val="107000"/>
+                        </a:lnSpc>
+                        <a:spcAft>
+                          <a:spcPts val="0"/>
+                        </a:spcAft>
+                      </a:pPr>
+                      <a:r>
+                        <a:rPr lang="en-GB" sz="2000" dirty="0" smtClean="0">
+                          <a:effectLst/>
+                          <a:latin typeface="Calibri" panose="020F0502020204030204" pitchFamily="34" charset="0"/>
+                          <a:ea typeface="Calibri" panose="020F0502020204030204" pitchFamily="34" charset="0"/>
+                          <a:cs typeface="Times New Roman" panose="02020603050405020304" pitchFamily="18" charset="0"/>
+                        </a:rPr>
+                        <a:t>2</a:t>
+                      </a:r>
+                      <a:endParaRPr lang="de-DE" sz="2000" dirty="0">
+                        <a:effectLst/>
+                        <a:latin typeface="Calibri" panose="020F0502020204030204" pitchFamily="34" charset="0"/>
+                        <a:ea typeface="Calibri" panose="020F0502020204030204" pitchFamily="34" charset="0"/>
+                        <a:cs typeface="Times New Roman" panose="02020603050405020304" pitchFamily="18" charset="0"/>
+                      </a:endParaRPr>
+                    </a:p>
+                  </a:txBody>
+                  <a:tcPr marL="68580" marR="68580" marT="0" marB="0">
+                    <a:lnL w="12700" cap="flat" cmpd="sng" algn="ctr">
+                      <a:solidFill>
+                        <a:srgbClr val="000000"/>
+                      </a:solidFill>
+                      <a:prstDash val="solid"/>
+                      <a:round/>
+                      <a:headEnd type="none" w="med" len="med"/>
+                      <a:tailEnd type="none" w="med" len="med"/>
+                    </a:lnL>
+                    <a:lnR w="12700" cap="flat" cmpd="sng" algn="ctr">
+                      <a:solidFill>
+                        <a:srgbClr val="000000"/>
+                      </a:solidFill>
+                      <a:prstDash val="solid"/>
+                      <a:round/>
+                      <a:headEnd type="none" w="med" len="med"/>
+                      <a:tailEnd type="none" w="med" len="med"/>
+                    </a:lnR>
+                    <a:lnT w="12700" cap="flat" cmpd="sng" algn="ctr">
+                      <a:solidFill>
+                        <a:srgbClr val="000000"/>
+                      </a:solidFill>
+                      <a:prstDash val="solid"/>
+                      <a:round/>
+                      <a:headEnd type="none" w="med" len="med"/>
+                      <a:tailEnd type="none" w="med" len="med"/>
+                    </a:lnT>
+                    <a:lnB w="12700" cap="flat" cmpd="sng" algn="ctr">
+                      <a:solidFill>
+                        <a:srgbClr val="000000"/>
+                      </a:solidFill>
+                      <a:prstDash val="solid"/>
+                      <a:round/>
+                      <a:headEnd type="none" w="med" len="med"/>
+                      <a:tailEnd type="none" w="med" len="med"/>
+                    </a:lnB>
+                  </a:tcPr>
+                </a:tc>
+                <a:tc>
+                  <a:txBody>
+                    <a:bodyPr/>
+                    <a:lstStyle/>
+                    <a:p>
+                      <a:pPr>
+                        <a:lnSpc>
+                          <a:spcPct val="107000"/>
+                        </a:lnSpc>
+                        <a:spcAft>
+                          <a:spcPts val="0"/>
+                        </a:spcAft>
+                      </a:pPr>
+                      <a:r>
+                        <a:rPr lang="en-GB" sz="2000" dirty="0" smtClean="0">
+                          <a:effectLst/>
+                          <a:latin typeface="Calibri" panose="020F0502020204030204" pitchFamily="34" charset="0"/>
+                          <a:ea typeface="Calibri" panose="020F0502020204030204" pitchFamily="34" charset="0"/>
+                          <a:cs typeface="Times New Roman" panose="02020603050405020304" pitchFamily="18" charset="0"/>
+                        </a:rPr>
+                        <a:t>3</a:t>
+                      </a:r>
+                      <a:endParaRPr lang="de-DE" sz="2000" dirty="0">
+                        <a:effectLst/>
+                        <a:latin typeface="Calibri" panose="020F0502020204030204" pitchFamily="34" charset="0"/>
+                        <a:ea typeface="Calibri" panose="020F0502020204030204" pitchFamily="34" charset="0"/>
+                        <a:cs typeface="Times New Roman" panose="02020603050405020304" pitchFamily="18" charset="0"/>
+                      </a:endParaRPr>
+                    </a:p>
+                  </a:txBody>
+                  <a:tcPr marL="68580" marR="68580" marT="0" marB="0">
+                    <a:lnL w="12700" cap="flat" cmpd="sng" algn="ctr">
+                      <a:solidFill>
+                        <a:srgbClr val="000000"/>
+                      </a:solidFill>
+                      <a:prstDash val="solid"/>
+                      <a:round/>
+                      <a:headEnd type="none" w="med" len="med"/>
+                      <a:tailEnd type="none" w="med" len="med"/>
+                    </a:lnL>
+                    <a:lnR w="12700" cap="flat" cmpd="sng" algn="ctr">
+                      <a:solidFill>
+                        <a:srgbClr val="000000"/>
+                      </a:solidFill>
+                      <a:prstDash val="solid"/>
+                      <a:round/>
+                      <a:headEnd type="none" w="med" len="med"/>
+                      <a:tailEnd type="none" w="med" len="med"/>
+                    </a:lnR>
+                    <a:lnT w="12700" cap="flat" cmpd="sng" algn="ctr">
+                      <a:solidFill>
+                        <a:srgbClr val="000000"/>
+                      </a:solidFill>
+                      <a:prstDash val="solid"/>
+                      <a:round/>
+                      <a:headEnd type="none" w="med" len="med"/>
+                      <a:tailEnd type="none" w="med" len="med"/>
+                    </a:lnT>
+                    <a:lnB w="12700" cap="flat" cmpd="sng" algn="ctr">
+                      <a:solidFill>
+                        <a:srgbClr val="000000"/>
+                      </a:solidFill>
+                      <a:prstDash val="solid"/>
+                      <a:round/>
+                      <a:headEnd type="none" w="med" len="med"/>
+                      <a:tailEnd type="none" w="med" len="med"/>
+                    </a:lnB>
+                  </a:tcPr>
+                </a:tc>
+                <a:tc>
+                  <a:txBody>
+                    <a:bodyPr/>
+                    <a:lstStyle/>
+                    <a:p>
+                      <a:pPr>
+                        <a:lnSpc>
+                          <a:spcPct val="107000"/>
+                        </a:lnSpc>
+                        <a:spcAft>
+                          <a:spcPts val="0"/>
+                        </a:spcAft>
+                      </a:pPr>
+                      <a:r>
+                        <a:rPr lang="en-GB" sz="2000" dirty="0" smtClean="0">
+                          <a:effectLst/>
+                          <a:latin typeface="Calibri" panose="020F0502020204030204" pitchFamily="34" charset="0"/>
+                          <a:ea typeface="Calibri" panose="020F0502020204030204" pitchFamily="34" charset="0"/>
+                          <a:cs typeface="Times New Roman" panose="02020603050405020304" pitchFamily="18" charset="0"/>
+                        </a:rPr>
+                        <a:t>4</a:t>
+                      </a:r>
+                      <a:endParaRPr lang="de-DE" sz="2000" dirty="0">
+                        <a:effectLst/>
+                        <a:latin typeface="Calibri" panose="020F0502020204030204" pitchFamily="34" charset="0"/>
+                        <a:ea typeface="Calibri" panose="020F0502020204030204" pitchFamily="34" charset="0"/>
+                        <a:cs typeface="Times New Roman" panose="02020603050405020304" pitchFamily="18" charset="0"/>
+                      </a:endParaRPr>
+                    </a:p>
+                  </a:txBody>
+                  <a:tcPr marL="68580" marR="68580" marT="0" marB="0">
+                    <a:lnL w="12700" cap="flat" cmpd="sng" algn="ctr">
+                      <a:solidFill>
+                        <a:srgbClr val="000000"/>
+                      </a:solidFill>
+                      <a:prstDash val="solid"/>
+                      <a:round/>
+                      <a:headEnd type="none" w="med" len="med"/>
+                      <a:tailEnd type="none" w="med" len="med"/>
+                    </a:lnL>
+                    <a:lnR w="12700" cap="flat" cmpd="sng" algn="ctr">
+                      <a:solidFill>
+                        <a:srgbClr val="000000"/>
+                      </a:solidFill>
+                      <a:prstDash val="solid"/>
+                      <a:round/>
+                      <a:headEnd type="none" w="med" len="med"/>
+                      <a:tailEnd type="none" w="med" len="med"/>
+                    </a:lnR>
+                    <a:lnT w="12700" cap="flat" cmpd="sng" algn="ctr">
+                      <a:solidFill>
+                        <a:srgbClr val="000000"/>
+                      </a:solidFill>
+                      <a:prstDash val="solid"/>
+                      <a:round/>
+                      <a:headEnd type="none" w="med" len="med"/>
+                      <a:tailEnd type="none" w="med" len="med"/>
+                    </a:lnT>
+                    <a:lnB w="12700" cap="flat" cmpd="sng" algn="ctr">
+                      <a:solidFill>
+                        <a:srgbClr val="000000"/>
+                      </a:solidFill>
+                      <a:prstDash val="solid"/>
+                      <a:round/>
+                      <a:headEnd type="none" w="med" len="med"/>
+                      <a:tailEnd type="none" w="med" len="med"/>
+                    </a:lnB>
+                  </a:tcPr>
+                </a:tc>
+                <a:tc>
+                  <a:txBody>
+                    <a:bodyPr/>
+                    <a:lstStyle/>
+                    <a:p>
+                      <a:pPr>
+                        <a:lnSpc>
+                          <a:spcPct val="107000"/>
+                        </a:lnSpc>
+                        <a:spcAft>
+                          <a:spcPts val="0"/>
+                        </a:spcAft>
+                      </a:pPr>
+                      <a:r>
+                        <a:rPr lang="en-GB" sz="2000" dirty="0" smtClean="0">
+                          <a:effectLst/>
+                          <a:latin typeface="Calibri" panose="020F0502020204030204" pitchFamily="34" charset="0"/>
+                          <a:ea typeface="Calibri" panose="020F0502020204030204" pitchFamily="34" charset="0"/>
+                          <a:cs typeface="Times New Roman" panose="02020603050405020304" pitchFamily="18" charset="0"/>
+                        </a:rPr>
+                        <a:t>5</a:t>
+                      </a:r>
+                      <a:endParaRPr lang="de-DE" sz="2000" dirty="0">
+                        <a:effectLst/>
+                        <a:latin typeface="Calibri" panose="020F0502020204030204" pitchFamily="34" charset="0"/>
+                        <a:ea typeface="Calibri" panose="020F0502020204030204" pitchFamily="34" charset="0"/>
+                        <a:cs typeface="Times New Roman" panose="02020603050405020304" pitchFamily="18" charset="0"/>
+                      </a:endParaRPr>
+                    </a:p>
+                  </a:txBody>
+                  <a:tcPr marL="68580" marR="68580" marT="0" marB="0">
+                    <a:lnL w="12700" cap="flat" cmpd="sng" algn="ctr">
+                      <a:solidFill>
+                        <a:srgbClr val="000000"/>
+                      </a:solidFill>
+                      <a:prstDash val="solid"/>
+                      <a:round/>
+                      <a:headEnd type="none" w="med" len="med"/>
+                      <a:tailEnd type="none" w="med" len="med"/>
+                    </a:lnL>
+                    <a:lnR w="12700" cap="flat" cmpd="sng" algn="ctr">
+                      <a:solidFill>
+                        <a:srgbClr val="000000"/>
+                      </a:solidFill>
+                      <a:prstDash val="solid"/>
+                      <a:round/>
+                      <a:headEnd type="none" w="med" len="med"/>
+                      <a:tailEnd type="none" w="med" len="med"/>
+                    </a:lnR>
+                    <a:lnT w="12700" cap="flat" cmpd="sng" algn="ctr">
+                      <a:solidFill>
+                        <a:srgbClr val="000000"/>
+                      </a:solidFill>
+                      <a:prstDash val="solid"/>
+                      <a:round/>
+                      <a:headEnd type="none" w="med" len="med"/>
+                      <a:tailEnd type="none" w="med" len="med"/>
+                    </a:lnT>
+                    <a:lnB w="12700" cap="flat" cmpd="sng" algn="ctr">
+                      <a:solidFill>
+                        <a:srgbClr val="000000"/>
+                      </a:solidFill>
+                      <a:prstDash val="solid"/>
+                      <a:round/>
+                      <a:headEnd type="none" w="med" len="med"/>
+                      <a:tailEnd type="none" w="med" len="med"/>
+                    </a:lnB>
+                  </a:tcPr>
+                </a:tc>
+                <a:tc>
+                  <a:txBody>
+                    <a:bodyPr/>
+                    <a:lstStyle/>
+                    <a:p>
+                      <a:pPr>
+                        <a:lnSpc>
+                          <a:spcPct val="107000"/>
+                        </a:lnSpc>
+                        <a:spcAft>
+                          <a:spcPts val="0"/>
+                        </a:spcAft>
+                      </a:pPr>
+                      <a:r>
+                        <a:rPr lang="en-GB" sz="2000" dirty="0" smtClean="0">
+                          <a:effectLst/>
+                          <a:latin typeface="Calibri" panose="020F0502020204030204" pitchFamily="34" charset="0"/>
+                          <a:ea typeface="Calibri" panose="020F0502020204030204" pitchFamily="34" charset="0"/>
+                          <a:cs typeface="Times New Roman" panose="02020603050405020304" pitchFamily="18" charset="0"/>
+                        </a:rPr>
+                        <a:t>6</a:t>
+                      </a:r>
+                      <a:endParaRPr lang="de-DE" sz="2000" dirty="0">
+                        <a:effectLst/>
+                        <a:latin typeface="Calibri" panose="020F0502020204030204" pitchFamily="34" charset="0"/>
+                        <a:ea typeface="Calibri" panose="020F0502020204030204" pitchFamily="34" charset="0"/>
+                        <a:cs typeface="Times New Roman" panose="02020603050405020304" pitchFamily="18" charset="0"/>
+                      </a:endParaRPr>
+                    </a:p>
+                  </a:txBody>
+                  <a:tcPr marL="68580" marR="68580" marT="0" marB="0">
+                    <a:lnL w="12700" cap="flat" cmpd="sng" algn="ctr">
+                      <a:solidFill>
+                        <a:srgbClr val="000000"/>
+                      </a:solidFill>
+                      <a:prstDash val="solid"/>
+                      <a:round/>
+                      <a:headEnd type="none" w="med" len="med"/>
+                      <a:tailEnd type="none" w="med" len="med"/>
+                    </a:lnL>
+                    <a:lnR w="12700" cap="flat" cmpd="sng" algn="ctr">
+                      <a:solidFill>
+                        <a:srgbClr val="000000"/>
+                      </a:solidFill>
+                      <a:prstDash val="solid"/>
+                      <a:round/>
+                      <a:headEnd type="none" w="med" len="med"/>
+                      <a:tailEnd type="none" w="med" len="med"/>
+                    </a:lnR>
+                    <a:lnT w="12700" cap="flat" cmpd="sng" algn="ctr">
+                      <a:solidFill>
+                        <a:srgbClr val="000000"/>
+                      </a:solidFill>
+                      <a:prstDash val="solid"/>
+                      <a:round/>
+                      <a:headEnd type="none" w="med" len="med"/>
+                      <a:tailEnd type="none" w="med" len="med"/>
+                    </a:lnT>
+                    <a:lnB w="12700" cap="flat" cmpd="sng" algn="ctr">
+                      <a:solidFill>
+                        <a:srgbClr val="000000"/>
+                      </a:solidFill>
+                      <a:prstDash val="solid"/>
+                      <a:round/>
+                      <a:headEnd type="none" w="med" len="med"/>
+                      <a:tailEnd type="none" w="med" len="med"/>
+                    </a:lnB>
+                  </a:tcPr>
+                </a:tc>
+                <a:tc>
+                  <a:txBody>
+                    <a:bodyPr/>
+                    <a:lstStyle/>
+                    <a:p>
+                      <a:pPr>
+                        <a:lnSpc>
+                          <a:spcPct val="107000"/>
+                        </a:lnSpc>
+                        <a:spcAft>
+                          <a:spcPts val="0"/>
+                        </a:spcAft>
+                      </a:pPr>
+                      <a:r>
+                        <a:rPr lang="en-GB" sz="2000" dirty="0" smtClean="0">
+                          <a:effectLst/>
+                          <a:latin typeface="Calibri" panose="020F0502020204030204" pitchFamily="34" charset="0"/>
+                          <a:ea typeface="Calibri" panose="020F0502020204030204" pitchFamily="34" charset="0"/>
+                          <a:cs typeface="Times New Roman" panose="02020603050405020304" pitchFamily="18" charset="0"/>
+                        </a:rPr>
+                        <a:t>7</a:t>
+                      </a:r>
+                      <a:endParaRPr lang="de-DE" sz="2000" dirty="0">
+                        <a:effectLst/>
+                        <a:latin typeface="Calibri" panose="020F0502020204030204" pitchFamily="34" charset="0"/>
+                        <a:ea typeface="Calibri" panose="020F0502020204030204" pitchFamily="34" charset="0"/>
+                        <a:cs typeface="Times New Roman" panose="02020603050405020304" pitchFamily="18" charset="0"/>
+                      </a:endParaRPr>
+                    </a:p>
+                  </a:txBody>
+                  <a:tcPr marL="68580" marR="68580" marT="0" marB="0">
+                    <a:lnL w="12700" cap="flat" cmpd="sng" algn="ctr">
+                      <a:solidFill>
+                        <a:srgbClr val="000000"/>
+                      </a:solidFill>
+                      <a:prstDash val="solid"/>
+                      <a:round/>
+                      <a:headEnd type="none" w="med" len="med"/>
+                      <a:tailEnd type="none" w="med" len="med"/>
+                    </a:lnL>
+                    <a:lnR w="12700" cap="flat" cmpd="sng" algn="ctr">
+                      <a:solidFill>
+                        <a:srgbClr val="000000"/>
+                      </a:solidFill>
+                      <a:prstDash val="solid"/>
+                      <a:round/>
+                      <a:headEnd type="none" w="med" len="med"/>
+                      <a:tailEnd type="none" w="med" len="med"/>
+                    </a:lnR>
+                    <a:lnT w="12700" cap="flat" cmpd="sng" algn="ctr">
+                      <a:solidFill>
+                        <a:srgbClr val="000000"/>
+                      </a:solidFill>
+                      <a:prstDash val="solid"/>
+                      <a:round/>
+                      <a:headEnd type="none" w="med" len="med"/>
+                      <a:tailEnd type="none" w="med" len="med"/>
+                    </a:lnT>
+                    <a:lnB w="12700" cap="flat" cmpd="sng" algn="ctr">
+                      <a:solidFill>
+                        <a:srgbClr val="000000"/>
+                      </a:solidFill>
+                      <a:prstDash val="solid"/>
+                      <a:round/>
+                      <a:headEnd type="none" w="med" len="med"/>
+                      <a:tailEnd type="none" w="med" len="med"/>
+                    </a:lnB>
+                  </a:tcPr>
+                </a:tc>
+              </a:tr>
+              <a:tr h="0">
+                <a:tc>
+                  <a:txBody>
+                    <a:bodyPr/>
+                    <a:lstStyle/>
+                    <a:p>
+                      <a:pPr>
+                        <a:lnSpc>
+                          <a:spcPct val="107000"/>
+                        </a:lnSpc>
+                        <a:spcAft>
+                          <a:spcPts val="0"/>
+                        </a:spcAft>
+                      </a:pPr>
+                      <a:r>
+                        <a:rPr lang="en-GB" sz="2000" dirty="0">
+                          <a:effectLst/>
+                          <a:latin typeface="Calibri" panose="020F0502020204030204" pitchFamily="34" charset="0"/>
+                          <a:ea typeface="Calibri" panose="020F0502020204030204" pitchFamily="34" charset="0"/>
+                          <a:cs typeface="Times New Roman" panose="02020603050405020304" pitchFamily="18" charset="0"/>
+                        </a:rPr>
+                        <a:t>Type</a:t>
+                      </a:r>
+                      <a:endParaRPr lang="de-DE" sz="2000" dirty="0">
+                        <a:effectLst/>
+                        <a:latin typeface="Calibri" panose="020F0502020204030204" pitchFamily="34" charset="0"/>
+                        <a:ea typeface="Calibri" panose="020F0502020204030204" pitchFamily="34" charset="0"/>
+                        <a:cs typeface="Times New Roman" panose="02020603050405020304" pitchFamily="18" charset="0"/>
+                      </a:endParaRPr>
+                    </a:p>
+                  </a:txBody>
+                  <a:tcPr marL="68580" marR="68580" marT="0" marB="0">
+                    <a:lnL w="12700" cap="flat" cmpd="sng" algn="ctr">
+                      <a:solidFill>
+                        <a:srgbClr val="000000"/>
+                      </a:solidFill>
+                      <a:prstDash val="solid"/>
+                      <a:round/>
+                      <a:headEnd type="none" w="med" len="med"/>
+                      <a:tailEnd type="none" w="med" len="med"/>
+                    </a:lnL>
+                    <a:lnR w="12700" cap="flat" cmpd="sng" algn="ctr">
+                      <a:solidFill>
+                        <a:srgbClr val="000000"/>
+                      </a:solidFill>
+                      <a:prstDash val="solid"/>
+                      <a:round/>
+                      <a:headEnd type="none" w="med" len="med"/>
+                      <a:tailEnd type="none" w="med" len="med"/>
+                    </a:lnR>
+                    <a:lnT w="12700" cap="flat" cmpd="sng" algn="ctr">
+                      <a:solidFill>
+                        <a:srgbClr val="000000"/>
+                      </a:solidFill>
+                      <a:prstDash val="solid"/>
+                      <a:round/>
+                      <a:headEnd type="none" w="med" len="med"/>
+                      <a:tailEnd type="none" w="med" len="med"/>
+                    </a:lnT>
+                    <a:lnB w="12700" cap="flat" cmpd="sng" algn="ctr">
+                      <a:solidFill>
+                        <a:srgbClr val="000000"/>
+                      </a:solidFill>
+                      <a:prstDash val="solid"/>
+                      <a:round/>
+                      <a:headEnd type="none" w="med" len="med"/>
+                      <a:tailEnd type="none" w="med" len="med"/>
+                    </a:lnB>
+                    <a:solidFill>
+                      <a:srgbClr val="F7CAAC"/>
+                    </a:solidFill>
+                  </a:tcPr>
+                </a:tc>
+                <a:tc>
+                  <a:txBody>
+                    <a:bodyPr/>
+                    <a:lstStyle/>
+                    <a:p>
+                      <a:pPr>
+                        <a:lnSpc>
+                          <a:spcPct val="107000"/>
+                        </a:lnSpc>
+                        <a:spcAft>
+                          <a:spcPts val="0"/>
+                        </a:spcAft>
+                      </a:pPr>
+                      <a:r>
+                        <a:rPr lang="en-GB" sz="2000">
+                          <a:effectLst/>
+                          <a:latin typeface="Calibri" panose="020F0502020204030204" pitchFamily="34" charset="0"/>
+                          <a:ea typeface="Calibri" panose="020F0502020204030204" pitchFamily="34" charset="0"/>
+                          <a:cs typeface="Times New Roman" panose="02020603050405020304" pitchFamily="18" charset="0"/>
+                        </a:rPr>
+                        <a:t>Type</a:t>
+                      </a:r>
+                      <a:endParaRPr lang="de-DE" sz="2000">
+                        <a:effectLst/>
+                        <a:latin typeface="Calibri" panose="020F0502020204030204" pitchFamily="34" charset="0"/>
+                        <a:ea typeface="Calibri" panose="020F0502020204030204" pitchFamily="34" charset="0"/>
+                        <a:cs typeface="Times New Roman" panose="02020603050405020304" pitchFamily="18" charset="0"/>
+                      </a:endParaRPr>
+                    </a:p>
+                  </a:txBody>
+                  <a:tcPr marL="68580" marR="68580" marT="0" marB="0">
+                    <a:lnL w="12700" cap="flat" cmpd="sng" algn="ctr">
+                      <a:solidFill>
+                        <a:srgbClr val="000000"/>
+                      </a:solidFill>
+                      <a:prstDash val="solid"/>
+                      <a:round/>
+                      <a:headEnd type="none" w="med" len="med"/>
+                      <a:tailEnd type="none" w="med" len="med"/>
+                    </a:lnL>
+                    <a:lnR w="12700" cap="flat" cmpd="sng" algn="ctr">
+                      <a:solidFill>
+                        <a:srgbClr val="000000"/>
+                      </a:solidFill>
+                      <a:prstDash val="solid"/>
+                      <a:round/>
+                      <a:headEnd type="none" w="med" len="med"/>
+                      <a:tailEnd type="none" w="med" len="med"/>
+                    </a:lnR>
+                    <a:lnT w="12700" cap="flat" cmpd="sng" algn="ctr">
+                      <a:solidFill>
+                        <a:srgbClr val="000000"/>
+                      </a:solidFill>
+                      <a:prstDash val="solid"/>
+                      <a:round/>
+                      <a:headEnd type="none" w="med" len="med"/>
+                      <a:tailEnd type="none" w="med" len="med"/>
+                    </a:lnT>
+                    <a:lnB w="12700" cap="flat" cmpd="sng" algn="ctr">
+                      <a:solidFill>
+                        <a:srgbClr val="000000"/>
+                      </a:solidFill>
+                      <a:prstDash val="solid"/>
+                      <a:round/>
+                      <a:headEnd type="none" w="med" len="med"/>
+                      <a:tailEnd type="none" w="med" len="med"/>
+                    </a:lnB>
+                    <a:solidFill>
+                      <a:srgbClr val="F7CAAC"/>
+                    </a:solidFill>
+                  </a:tcPr>
+                </a:tc>
+                <a:tc>
+                  <a:txBody>
+                    <a:bodyPr/>
+                    <a:lstStyle/>
+                    <a:p>
+                      <a:pPr>
+                        <a:lnSpc>
+                          <a:spcPct val="107000"/>
+                        </a:lnSpc>
+                        <a:spcAft>
+                          <a:spcPts val="0"/>
+                        </a:spcAft>
+                      </a:pPr>
+                      <a:r>
+                        <a:rPr lang="en-GB" sz="2000">
+                          <a:effectLst/>
+                          <a:latin typeface="Calibri" panose="020F0502020204030204" pitchFamily="34" charset="0"/>
+                          <a:ea typeface="Calibri" panose="020F0502020204030204" pitchFamily="34" charset="0"/>
+                          <a:cs typeface="Times New Roman" panose="02020603050405020304" pitchFamily="18" charset="0"/>
+                        </a:rPr>
+                        <a:t>Subtype</a:t>
+                      </a:r>
+                      <a:endParaRPr lang="de-DE" sz="2000">
+                        <a:effectLst/>
+                        <a:latin typeface="Calibri" panose="020F0502020204030204" pitchFamily="34" charset="0"/>
+                        <a:ea typeface="Calibri" panose="020F0502020204030204" pitchFamily="34" charset="0"/>
+                        <a:cs typeface="Times New Roman" panose="02020603050405020304" pitchFamily="18" charset="0"/>
+                      </a:endParaRPr>
+                    </a:p>
+                  </a:txBody>
+                  <a:tcPr marL="68580" marR="68580" marT="0" marB="0">
+                    <a:lnL w="12700" cap="flat" cmpd="sng" algn="ctr">
+                      <a:solidFill>
+                        <a:srgbClr val="000000"/>
+                      </a:solidFill>
+                      <a:prstDash val="solid"/>
+                      <a:round/>
+                      <a:headEnd type="none" w="med" len="med"/>
+                      <a:tailEnd type="none" w="med" len="med"/>
+                    </a:lnL>
+                    <a:lnR w="12700" cap="flat" cmpd="sng" algn="ctr">
+                      <a:solidFill>
+                        <a:srgbClr val="000000"/>
+                      </a:solidFill>
+                      <a:prstDash val="solid"/>
+                      <a:round/>
+                      <a:headEnd type="none" w="med" len="med"/>
+                      <a:tailEnd type="none" w="med" len="med"/>
+                    </a:lnR>
+                    <a:lnT w="12700" cap="flat" cmpd="sng" algn="ctr">
+                      <a:solidFill>
+                        <a:srgbClr val="000000"/>
+                      </a:solidFill>
+                      <a:prstDash val="solid"/>
+                      <a:round/>
+                      <a:headEnd type="none" w="med" len="med"/>
+                      <a:tailEnd type="none" w="med" len="med"/>
+                    </a:lnT>
+                    <a:lnB w="12700" cap="flat" cmpd="sng" algn="ctr">
+                      <a:solidFill>
+                        <a:srgbClr val="000000"/>
+                      </a:solidFill>
+                      <a:prstDash val="solid"/>
+                      <a:round/>
+                      <a:headEnd type="none" w="med" len="med"/>
+                      <a:tailEnd type="none" w="med" len="med"/>
+                    </a:lnB>
+                    <a:solidFill>
+                      <a:srgbClr val="BDD6EE"/>
+                    </a:solidFill>
+                  </a:tcPr>
+                </a:tc>
+                <a:tc>
+                  <a:txBody>
+                    <a:bodyPr/>
+                    <a:lstStyle/>
+                    <a:p>
+                      <a:pPr>
+                        <a:lnSpc>
+                          <a:spcPct val="107000"/>
+                        </a:lnSpc>
+                        <a:spcAft>
+                          <a:spcPts val="0"/>
+                        </a:spcAft>
+                      </a:pPr>
+                      <a:r>
+                        <a:rPr lang="en-GB" sz="2000">
+                          <a:effectLst/>
+                          <a:latin typeface="Calibri" panose="020F0502020204030204" pitchFamily="34" charset="0"/>
+                          <a:ea typeface="Calibri" panose="020F0502020204030204" pitchFamily="34" charset="0"/>
+                          <a:cs typeface="Times New Roman" panose="02020603050405020304" pitchFamily="18" charset="0"/>
+                        </a:rPr>
+                        <a:t>Subtype</a:t>
+                      </a:r>
+                      <a:endParaRPr lang="de-DE" sz="2000">
+                        <a:effectLst/>
+                        <a:latin typeface="Calibri" panose="020F0502020204030204" pitchFamily="34" charset="0"/>
+                        <a:ea typeface="Calibri" panose="020F0502020204030204" pitchFamily="34" charset="0"/>
+                        <a:cs typeface="Times New Roman" panose="02020603050405020304" pitchFamily="18" charset="0"/>
+                      </a:endParaRPr>
+                    </a:p>
+                  </a:txBody>
+                  <a:tcPr marL="68580" marR="68580" marT="0" marB="0">
+                    <a:lnL w="12700" cap="flat" cmpd="sng" algn="ctr">
+                      <a:solidFill>
+                        <a:srgbClr val="000000"/>
+                      </a:solidFill>
+                      <a:prstDash val="solid"/>
+                      <a:round/>
+                      <a:headEnd type="none" w="med" len="med"/>
+                      <a:tailEnd type="none" w="med" len="med"/>
+                    </a:lnL>
+                    <a:lnR w="12700" cap="flat" cmpd="sng" algn="ctr">
+                      <a:solidFill>
+                        <a:srgbClr val="000000"/>
+                      </a:solidFill>
+                      <a:prstDash val="solid"/>
+                      <a:round/>
+                      <a:headEnd type="none" w="med" len="med"/>
+                      <a:tailEnd type="none" w="med" len="med"/>
+                    </a:lnR>
+                    <a:lnT w="12700" cap="flat" cmpd="sng" algn="ctr">
+                      <a:solidFill>
+                        <a:srgbClr val="000000"/>
+                      </a:solidFill>
+                      <a:prstDash val="solid"/>
+                      <a:round/>
+                      <a:headEnd type="none" w="med" len="med"/>
+                      <a:tailEnd type="none" w="med" len="med"/>
+                    </a:lnT>
+                    <a:lnB w="12700" cap="flat" cmpd="sng" algn="ctr">
+                      <a:solidFill>
+                        <a:srgbClr val="000000"/>
+                      </a:solidFill>
+                      <a:prstDash val="solid"/>
+                      <a:round/>
+                      <a:headEnd type="none" w="med" len="med"/>
+                      <a:tailEnd type="none" w="med" len="med"/>
+                    </a:lnB>
+                    <a:solidFill>
+                      <a:srgbClr val="BDD6EE"/>
+                    </a:solidFill>
+                  </a:tcPr>
+                </a:tc>
+                <a:tc>
+                  <a:txBody>
+                    <a:bodyPr/>
+                    <a:lstStyle/>
+                    <a:p>
+                      <a:pPr>
+                        <a:lnSpc>
+                          <a:spcPct val="107000"/>
+                        </a:lnSpc>
+                        <a:spcAft>
+                          <a:spcPts val="0"/>
+                        </a:spcAft>
+                      </a:pPr>
+                      <a:r>
+                        <a:rPr lang="en-GB" sz="2000">
+                          <a:effectLst/>
+                          <a:latin typeface="Calibri" panose="020F0502020204030204" pitchFamily="34" charset="0"/>
+                          <a:ea typeface="Calibri" panose="020F0502020204030204" pitchFamily="34" charset="0"/>
+                          <a:cs typeface="Times New Roman" panose="02020603050405020304" pitchFamily="18" charset="0"/>
+                        </a:rPr>
+                        <a:t>Put</a:t>
+                      </a:r>
+                      <a:endParaRPr lang="de-DE" sz="2000">
+                        <a:effectLst/>
+                        <a:latin typeface="Calibri" panose="020F0502020204030204" pitchFamily="34" charset="0"/>
+                        <a:ea typeface="Calibri" panose="020F0502020204030204" pitchFamily="34" charset="0"/>
+                        <a:cs typeface="Times New Roman" panose="02020603050405020304" pitchFamily="18" charset="0"/>
+                      </a:endParaRPr>
+                    </a:p>
+                  </a:txBody>
+                  <a:tcPr marL="68580" marR="68580" marT="0" marB="0">
+                    <a:lnL w="12700" cap="flat" cmpd="sng" algn="ctr">
+                      <a:solidFill>
+                        <a:srgbClr val="000000"/>
+                      </a:solidFill>
+                      <a:prstDash val="solid"/>
+                      <a:round/>
+                      <a:headEnd type="none" w="med" len="med"/>
+                      <a:tailEnd type="none" w="med" len="med"/>
+                    </a:lnL>
+                    <a:lnR w="12700" cap="flat" cmpd="sng" algn="ctr">
+                      <a:solidFill>
+                        <a:srgbClr val="000000"/>
+                      </a:solidFill>
+                      <a:prstDash val="solid"/>
+                      <a:round/>
+                      <a:headEnd type="none" w="med" len="med"/>
+                      <a:tailEnd type="none" w="med" len="med"/>
+                    </a:lnR>
+                    <a:lnT w="12700" cap="flat" cmpd="sng" algn="ctr">
+                      <a:solidFill>
+                        <a:srgbClr val="000000"/>
+                      </a:solidFill>
+                      <a:prstDash val="solid"/>
+                      <a:round/>
+                      <a:headEnd type="none" w="med" len="med"/>
+                      <a:tailEnd type="none" w="med" len="med"/>
+                    </a:lnT>
+                    <a:lnB w="12700" cap="flat" cmpd="sng" algn="ctr">
+                      <a:solidFill>
+                        <a:srgbClr val="000000"/>
+                      </a:solidFill>
+                      <a:prstDash val="solid"/>
+                      <a:round/>
+                      <a:headEnd type="none" w="med" len="med"/>
+                      <a:tailEnd type="none" w="med" len="med"/>
+                    </a:lnB>
+                    <a:solidFill>
+                      <a:srgbClr val="FFE599"/>
+                    </a:solidFill>
+                  </a:tcPr>
+                </a:tc>
+                <a:tc>
+                  <a:txBody>
+                    <a:bodyPr/>
+                    <a:lstStyle/>
+                    <a:p>
+                      <a:pPr>
+                        <a:lnSpc>
+                          <a:spcPct val="107000"/>
+                        </a:lnSpc>
+                        <a:spcAft>
+                          <a:spcPts val="0"/>
+                        </a:spcAft>
+                      </a:pPr>
+                      <a:r>
+                        <a:rPr lang="en-GB" sz="2000">
+                          <a:effectLst/>
+                          <a:latin typeface="Calibri" panose="020F0502020204030204" pitchFamily="34" charset="0"/>
+                          <a:ea typeface="Calibri" panose="020F0502020204030204" pitchFamily="34" charset="0"/>
+                          <a:cs typeface="Times New Roman" panose="02020603050405020304" pitchFamily="18" charset="0"/>
+                        </a:rPr>
+                        <a:t>Your </a:t>
+                      </a:r>
+                      <a:endParaRPr lang="de-DE" sz="2000">
+                        <a:effectLst/>
+                        <a:latin typeface="Calibri" panose="020F0502020204030204" pitchFamily="34" charset="0"/>
+                        <a:ea typeface="Calibri" panose="020F0502020204030204" pitchFamily="34" charset="0"/>
+                        <a:cs typeface="Times New Roman" panose="02020603050405020304" pitchFamily="18" charset="0"/>
+                      </a:endParaRPr>
+                    </a:p>
+                  </a:txBody>
+                  <a:tcPr marL="68580" marR="68580" marT="0" marB="0">
+                    <a:lnL w="12700" cap="flat" cmpd="sng" algn="ctr">
+                      <a:solidFill>
+                        <a:srgbClr val="000000"/>
+                      </a:solidFill>
+                      <a:prstDash val="solid"/>
+                      <a:round/>
+                      <a:headEnd type="none" w="med" len="med"/>
+                      <a:tailEnd type="none" w="med" len="med"/>
+                    </a:lnL>
+                    <a:lnR w="12700" cap="flat" cmpd="sng" algn="ctr">
+                      <a:solidFill>
+                        <a:srgbClr val="000000"/>
+                      </a:solidFill>
+                      <a:prstDash val="solid"/>
+                      <a:round/>
+                      <a:headEnd type="none" w="med" len="med"/>
+                      <a:tailEnd type="none" w="med" len="med"/>
+                    </a:lnR>
+                    <a:lnT w="12700" cap="flat" cmpd="sng" algn="ctr">
+                      <a:solidFill>
+                        <a:srgbClr val="000000"/>
+                      </a:solidFill>
+                      <a:prstDash val="solid"/>
+                      <a:round/>
+                      <a:headEnd type="none" w="med" len="med"/>
+                      <a:tailEnd type="none" w="med" len="med"/>
+                    </a:lnT>
+                    <a:lnB w="12700" cap="flat" cmpd="sng" algn="ctr">
+                      <a:solidFill>
+                        <a:srgbClr val="000000"/>
+                      </a:solidFill>
+                      <a:prstDash val="solid"/>
+                      <a:round/>
+                      <a:headEnd type="none" w="med" len="med"/>
+                      <a:tailEnd type="none" w="med" len="med"/>
+                    </a:lnB>
+                    <a:solidFill>
+                      <a:srgbClr val="FFE599"/>
+                    </a:solidFill>
+                  </a:tcPr>
+                </a:tc>
+                <a:tc>
+                  <a:txBody>
+                    <a:bodyPr/>
+                    <a:lstStyle/>
+                    <a:p>
+                      <a:pPr>
+                        <a:lnSpc>
+                          <a:spcPct val="107000"/>
+                        </a:lnSpc>
+                        <a:spcAft>
+                          <a:spcPts val="0"/>
+                        </a:spcAft>
+                      </a:pPr>
+                      <a:r>
+                        <a:rPr lang="en-GB" sz="2000">
+                          <a:effectLst/>
+                          <a:latin typeface="Calibri" panose="020F0502020204030204" pitchFamily="34" charset="0"/>
+                          <a:ea typeface="Calibri" panose="020F0502020204030204" pitchFamily="34" charset="0"/>
+                          <a:cs typeface="Times New Roman" panose="02020603050405020304" pitchFamily="18" charset="0"/>
+                        </a:rPr>
+                        <a:t>Ad</a:t>
+                      </a:r>
+                      <a:endParaRPr lang="de-DE" sz="2000">
+                        <a:effectLst/>
+                        <a:latin typeface="Calibri" panose="020F0502020204030204" pitchFamily="34" charset="0"/>
+                        <a:ea typeface="Calibri" panose="020F0502020204030204" pitchFamily="34" charset="0"/>
+                        <a:cs typeface="Times New Roman" panose="02020603050405020304" pitchFamily="18" charset="0"/>
+                      </a:endParaRPr>
+                    </a:p>
+                  </a:txBody>
+                  <a:tcPr marL="68580" marR="68580" marT="0" marB="0">
+                    <a:lnL w="12700" cap="flat" cmpd="sng" algn="ctr">
+                      <a:solidFill>
+                        <a:srgbClr val="000000"/>
+                      </a:solidFill>
+                      <a:prstDash val="solid"/>
+                      <a:round/>
+                      <a:headEnd type="none" w="med" len="med"/>
+                      <a:tailEnd type="none" w="med" len="med"/>
+                    </a:lnL>
+                    <a:lnR w="12700" cap="flat" cmpd="sng" algn="ctr">
+                      <a:solidFill>
+                        <a:srgbClr val="000000"/>
+                      </a:solidFill>
+                      <a:prstDash val="solid"/>
+                      <a:round/>
+                      <a:headEnd type="none" w="med" len="med"/>
+                      <a:tailEnd type="none" w="med" len="med"/>
+                    </a:lnR>
+                    <a:lnT w="12700" cap="flat" cmpd="sng" algn="ctr">
+                      <a:solidFill>
+                        <a:srgbClr val="000000"/>
+                      </a:solidFill>
+                      <a:prstDash val="solid"/>
+                      <a:round/>
+                      <a:headEnd type="none" w="med" len="med"/>
+                      <a:tailEnd type="none" w="med" len="med"/>
+                    </a:lnT>
+                    <a:lnB w="12700" cap="flat" cmpd="sng" algn="ctr">
+                      <a:solidFill>
+                        <a:srgbClr val="000000"/>
+                      </a:solidFill>
+                      <a:prstDash val="solid"/>
+                      <a:round/>
+                      <a:headEnd type="none" w="med" len="med"/>
+                      <a:tailEnd type="none" w="med" len="med"/>
+                    </a:lnB>
+                    <a:solidFill>
+                      <a:srgbClr val="FFE599"/>
+                    </a:solidFill>
+                  </a:tcPr>
+                </a:tc>
+                <a:tc>
+                  <a:txBody>
+                    <a:bodyPr/>
+                    <a:lstStyle/>
+                    <a:p>
+                      <a:pPr>
+                        <a:lnSpc>
+                          <a:spcPct val="107000"/>
+                        </a:lnSpc>
+                        <a:spcAft>
+                          <a:spcPts val="0"/>
+                        </a:spcAft>
+                      </a:pPr>
+                      <a:r>
+                        <a:rPr lang="en-GB" sz="2000" dirty="0">
+                          <a:effectLst/>
+                          <a:latin typeface="Calibri" panose="020F0502020204030204" pitchFamily="34" charset="0"/>
+                          <a:ea typeface="Calibri" panose="020F0502020204030204" pitchFamily="34" charset="0"/>
+                          <a:cs typeface="Times New Roman" panose="02020603050405020304" pitchFamily="18" charset="0"/>
+                        </a:rPr>
+                        <a:t>Here!</a:t>
+                      </a:r>
+                      <a:endParaRPr lang="de-DE" sz="2000" dirty="0">
+                        <a:effectLst/>
+                        <a:latin typeface="Calibri" panose="020F0502020204030204" pitchFamily="34" charset="0"/>
+                        <a:ea typeface="Calibri" panose="020F0502020204030204" pitchFamily="34" charset="0"/>
+                        <a:cs typeface="Times New Roman" panose="02020603050405020304" pitchFamily="18" charset="0"/>
+                      </a:endParaRPr>
+                    </a:p>
+                  </a:txBody>
+                  <a:tcPr marL="68580" marR="68580" marT="0" marB="0">
+                    <a:lnL w="12700" cap="flat" cmpd="sng" algn="ctr">
+                      <a:solidFill>
+                        <a:srgbClr val="000000"/>
+                      </a:solidFill>
+                      <a:prstDash val="solid"/>
+                      <a:round/>
+                      <a:headEnd type="none" w="med" len="med"/>
+                      <a:tailEnd type="none" w="med" len="med"/>
+                    </a:lnL>
+                    <a:lnR w="12700" cap="flat" cmpd="sng" algn="ctr">
+                      <a:solidFill>
+                        <a:srgbClr val="000000"/>
+                      </a:solidFill>
+                      <a:prstDash val="solid"/>
+                      <a:round/>
+                      <a:headEnd type="none" w="med" len="med"/>
+                      <a:tailEnd type="none" w="med" len="med"/>
+                    </a:lnR>
+                    <a:lnT w="12700" cap="flat" cmpd="sng" algn="ctr">
+                      <a:solidFill>
+                        <a:srgbClr val="000000"/>
+                      </a:solidFill>
+                      <a:prstDash val="solid"/>
+                      <a:round/>
+                      <a:headEnd type="none" w="med" len="med"/>
+                      <a:tailEnd type="none" w="med" len="med"/>
+                    </a:lnT>
+                    <a:lnB w="12700" cap="flat" cmpd="sng" algn="ctr">
+                      <a:solidFill>
+                        <a:srgbClr val="000000"/>
+                      </a:solidFill>
+                      <a:prstDash val="solid"/>
+                      <a:round/>
+                      <a:headEnd type="none" w="med" len="med"/>
+                      <a:tailEnd type="none" w="med" len="med"/>
+                    </a:lnB>
+                    <a:solidFill>
+                      <a:srgbClr val="FFE599"/>
+                    </a:solidFill>
+                  </a:tcPr>
+                </a:tc>
+              </a:tr>
+            </a:tbl>
+          </a:graphicData>
+        </a:graphic>
+      </p:graphicFrame>
     </p:spTree>
     <p:extLst>
       <p:ext uri="{BB962C8B-B14F-4D97-AF65-F5344CB8AC3E}">
-        <p14:creationId xmlns:p14="http://schemas.microsoft.com/office/powerpoint/2010/main" val="3252517158"/>
+        <p14:creationId xmlns:p14="http://schemas.microsoft.com/office/powerpoint/2010/main" val="1979948962"/>
       </p:ext>
     </p:extLst>
   </p:cSld>
@@ -3758,47 +6209,47 @@
 </file>
 
 <file path=ppt/theme/theme1.xml><?xml version="1.0" encoding="utf-8"?>
-<a:theme xmlns:a="http://schemas.openxmlformats.org/drawingml/2006/main" name="Office Theme">
+<a:theme xmlns:a="http://schemas.openxmlformats.org/drawingml/2006/main" name="Rückblick">
   <a:themeElements>
-    <a:clrScheme name="Office">
+    <a:clrScheme name="Rückblick">
       <a:dk1>
-        <a:sysClr val="windowText" lastClr="000000"/>
+        <a:srgbClr val="000000"/>
       </a:dk1>
       <a:lt1>
         <a:sysClr val="window" lastClr="FFFFFF"/>
       </a:lt1>
       <a:dk2>
-        <a:srgbClr val="44546A"/>
+        <a:srgbClr val="637052"/>
       </a:dk2>
       <a:lt2>
-        <a:srgbClr val="E7E6E6"/>
+        <a:srgbClr val="CCDDEA"/>
       </a:lt2>
       <a:accent1>
-        <a:srgbClr val="5B9BD5"/>
+        <a:srgbClr val="E48312"/>
       </a:accent1>
       <a:accent2>
-        <a:srgbClr val="ED7D31"/>
+        <a:srgbClr val="BD582C"/>
       </a:accent2>
       <a:accent3>
-        <a:srgbClr val="A5A5A5"/>
+        <a:srgbClr val="865640"/>
       </a:accent3>
       <a:accent4>
-        <a:srgbClr val="FFC000"/>
+        <a:srgbClr val="9B8357"/>
       </a:accent4>
       <a:accent5>
-        <a:srgbClr val="4472C4"/>
+        <a:srgbClr val="C2BC80"/>
       </a:accent5>
       <a:accent6>
-        <a:srgbClr val="70AD47"/>
+        <a:srgbClr val="94A088"/>
       </a:accent6>
       <a:hlink>
-        <a:srgbClr val="0563C1"/>
+        <a:srgbClr val="2998E3"/>
       </a:hlink>
       <a:folHlink>
-        <a:srgbClr val="954F72"/>
+        <a:srgbClr val="8C8C8C"/>
       </a:folHlink>
     </a:clrScheme>
-    <a:fontScheme name="Office">
+    <a:fontScheme name="Rückblick">
       <a:majorFont>
         <a:latin typeface="Calibri Light" panose="020F0302020204030204"/>
         <a:ea typeface=""/>
@@ -3870,7 +6321,7 @@
         <a:font script="Geor" typeface="Sylfaen"/>
       </a:minorFont>
     </a:fontScheme>
-    <a:fmtScheme name="Office">
+    <a:fmtScheme name="Rückblick">
       <a:fillStyleLst>
         <a:solidFill>
           <a:schemeClr val="phClr"/>
@@ -3879,76 +6330,81 @@
           <a:gsLst>
             <a:gs pos="0">
               <a:schemeClr val="phClr">
-                <a:lumMod val="110000"/>
-                <a:satMod val="105000"/>
-                <a:tint val="67000"/>
+                <a:tint val="65000"/>
+                <a:shade val="92000"/>
+                <a:satMod val="130000"/>
               </a:schemeClr>
             </a:gs>
-            <a:gs pos="50000">
+            <a:gs pos="45000">
               <a:schemeClr val="phClr">
-                <a:lumMod val="105000"/>
-                <a:satMod val="103000"/>
-                <a:tint val="73000"/>
+                <a:tint val="60000"/>
+                <a:shade val="99000"/>
+                <a:satMod val="120000"/>
               </a:schemeClr>
             </a:gs>
             <a:gs pos="100000">
               <a:schemeClr val="phClr">
-                <a:lumMod val="105000"/>
-                <a:satMod val="109000"/>
-                <a:tint val="81000"/>
+                <a:tint val="55000"/>
+                <a:satMod val="140000"/>
               </a:schemeClr>
             </a:gs>
           </a:gsLst>
-          <a:lin ang="5400000" scaled="0"/>
+          <a:path path="circle">
+            <a:fillToRect l="100000" t="100000" r="100000" b="100000"/>
+          </a:path>
         </a:gradFill>
         <a:gradFill rotWithShape="1">
           <a:gsLst>
             <a:gs pos="0">
               <a:schemeClr val="phClr">
-                <a:satMod val="103000"/>
-                <a:lumMod val="102000"/>
-                <a:tint val="94000"/>
+                <a:shade val="85000"/>
+                <a:satMod val="130000"/>
               </a:schemeClr>
             </a:gs>
-            <a:gs pos="50000">
+            <a:gs pos="34000">
               <a:schemeClr val="phClr">
-                <a:satMod val="110000"/>
-                <a:lumMod val="100000"/>
-                <a:shade val="100000"/>
+                <a:shade val="87000"/>
+                <a:satMod val="125000"/>
+              </a:schemeClr>
+            </a:gs>
+            <a:gs pos="70000">
+              <a:schemeClr val="phClr">
+                <a:tint val="100000"/>
+                <a:shade val="90000"/>
+                <a:satMod val="130000"/>
               </a:schemeClr>
             </a:gs>
             <a:gs pos="100000">
               <a:schemeClr val="phClr">
-                <a:lumMod val="99000"/>
-                <a:satMod val="120000"/>
-                <a:shade val="78000"/>
+                <a:tint val="100000"/>
+                <a:shade val="100000"/>
+                <a:satMod val="110000"/>
               </a:schemeClr>
             </a:gs>
           </a:gsLst>
-          <a:lin ang="5400000" scaled="0"/>
+          <a:path path="circle">
+            <a:fillToRect l="100000" t="100000" r="100000" b="100000"/>
+          </a:path>
         </a:gradFill>
       </a:fillStyleLst>
       <a:lnStyleLst>
-        <a:ln w="6350" cap="flat" cmpd="sng" algn="ctr">
-          <a:solidFill>
-            <a:schemeClr val="phClr"/>
-          </a:solidFill>
-          <a:prstDash val="solid"/>
-          <a:miter lim="800000"/>
-        </a:ln>
         <a:ln w="12700" cap="flat" cmpd="sng" algn="ctr">
           <a:solidFill>
             <a:schemeClr val="phClr"/>
           </a:solidFill>
           <a:prstDash val="solid"/>
-          <a:miter lim="800000"/>
         </a:ln>
-        <a:ln w="19050" cap="flat" cmpd="sng" algn="ctr">
+        <a:ln w="15875" cap="flat" cmpd="sng" algn="ctr">
           <a:solidFill>
             <a:schemeClr val="phClr"/>
           </a:solidFill>
           <a:prstDash val="solid"/>
-          <a:miter lim="800000"/>
+        </a:ln>
+        <a:ln w="25400" cap="flat" cmpd="sng" algn="ctr">
+          <a:solidFill>
+            <a:schemeClr val="phClr"/>
+          </a:solidFill>
+          <a:prstDash val="solid"/>
         </a:ln>
       </a:lnStyleLst>
       <a:effectStyleLst>
@@ -3956,16 +6412,33 @@
           <a:effectLst/>
         </a:effectStyle>
         <a:effectStyle>
-          <a:effectLst/>
+          <a:effectLst>
+            <a:outerShdw blurRad="38100" dist="25400" dir="2700000" algn="br" rotWithShape="0">
+              <a:srgbClr val="000000">
+                <a:alpha val="60000"/>
+              </a:srgbClr>
+            </a:outerShdw>
+          </a:effectLst>
         </a:effectStyle>
         <a:effectStyle>
           <a:effectLst>
-            <a:outerShdw blurRad="57150" dist="19050" dir="5400000" algn="ctr" rotWithShape="0">
+            <a:outerShdw blurRad="44450" dist="25400" dir="2700000" algn="br" rotWithShape="0">
               <a:srgbClr val="000000">
-                <a:alpha val="63000"/>
+                <a:alpha val="60000"/>
               </a:srgbClr>
             </a:outerShdw>
           </a:effectLst>
+          <a:scene3d>
+            <a:camera prst="orthographicFront">
+              <a:rot lat="0" lon="0" rev="0"/>
+            </a:camera>
+            <a:lightRig rig="threePt" dir="t">
+              <a:rot lat="0" lon="0" rev="19800000"/>
+            </a:lightRig>
+          </a:scene3d>
+          <a:sp3d prstMaterial="flat">
+            <a:bevelT w="25400" h="31750"/>
+          </a:sp3d>
         </a:effectStyle>
       </a:effectStyleLst>
       <a:bgFillStyleLst>
@@ -3974,36 +6447,36 @@
         </a:solidFill>
         <a:solidFill>
           <a:schemeClr val="phClr">
-            <a:tint val="95000"/>
-            <a:satMod val="170000"/>
+            <a:tint val="90000"/>
+            <a:shade val="97000"/>
+            <a:satMod val="130000"/>
           </a:schemeClr>
         </a:solidFill>
         <a:gradFill rotWithShape="1">
           <a:gsLst>
             <a:gs pos="0">
               <a:schemeClr val="phClr">
-                <a:tint val="93000"/>
-                <a:satMod val="150000"/>
-                <a:shade val="98000"/>
-                <a:lumMod val="102000"/>
+                <a:tint val="96000"/>
+                <a:shade val="99000"/>
+                <a:satMod val="140000"/>
               </a:schemeClr>
             </a:gs>
-            <a:gs pos="50000">
+            <a:gs pos="65000">
               <a:schemeClr val="phClr">
-                <a:tint val="98000"/>
+                <a:tint val="100000"/>
+                <a:shade val="80000"/>
                 <a:satMod val="130000"/>
-                <a:shade val="90000"/>
-                <a:lumMod val="103000"/>
               </a:schemeClr>
             </a:gs>
             <a:gs pos="100000">
               <a:schemeClr val="phClr">
-                <a:shade val="63000"/>
+                <a:tint val="100000"/>
+                <a:shade val="48000"/>
                 <a:satMod val="120000"/>
               </a:schemeClr>
             </a:gs>
           </a:gsLst>
-          <a:lin ang="5400000" scaled="0"/>
+          <a:lin ang="16200000" scaled="0"/>
         </a:gradFill>
       </a:bgFillStyleLst>
     </a:fmtScheme>
@@ -4012,7 +6485,7 @@
   <a:extraClrSchemeLst/>
   <a:extLst>
     <a:ext uri="{05A4C25C-085E-4340-85A3-A5531E510DB2}">
-      <thm15:themeFamily xmlns:thm15="http://schemas.microsoft.com/office/thememl/2012/main" name="Office Theme" id="{62F939B6-93AF-4DB8-9C6B-D6C7DFDC589F}" vid="{4A3C46E8-61CC-4603-A589-7422A47A8E4A}"/>
+      <thm15:themeFamily xmlns:thm15="http://schemas.microsoft.com/office/thememl/2012/main" name="Retrospect" id="{5F128B03-DCCA-4EEB-AB3B-CF2899314A46}" vid="{3F1AAB62-24C6-49D2-8E01-B56FAC9A3DCD}"/>
     </a:ext>
   </a:extLst>
 </a:theme>

--- a/doc/MidTerm.pptx
+++ b/doc/MidTerm.pptx
@@ -116,7 +116,7 @@
   </p:defaultTextStyle>
   <p:extLst>
     <p:ext uri="{EFAFB233-063F-42B5-8137-9DF3F51BA10A}">
-      <p15:sldGuideLst xmlns:p15="http://schemas.microsoft.com/office/powerpoint/2012/main"/>
+      <p15:sldGuideLst xmlns:p15="http://schemas.microsoft.com/office/powerpoint/2012/main" xmlns=""/>
     </p:ext>
   </p:extLst>
 </p:presentation>
@@ -348,7 +348,7 @@
           <a:p>
             <a:fld id="{7D245CBA-5440-4E3A-93BD-41E2FFACF6C3}" type="datetimeFigureOut">
               <a:rPr lang="de-DE" smtClean="0"/>
-              <a:t>25.05.2014</a:t>
+              <a:t>25.05.14</a:t>
             </a:fld>
             <a:endParaRPr lang="de-DE"/>
           </a:p>
@@ -556,7 +556,7 @@
           <a:p>
             <a:fld id="{7D245CBA-5440-4E3A-93BD-41E2FFACF6C3}" type="datetimeFigureOut">
               <a:rPr lang="de-DE" smtClean="0"/>
-              <a:t>25.05.2014</a:t>
+              <a:t>25.05.14</a:t>
             </a:fld>
             <a:endParaRPr lang="de-DE"/>
           </a:p>
@@ -812,7 +812,7 @@
           <a:p>
             <a:fld id="{7D245CBA-5440-4E3A-93BD-41E2FFACF6C3}" type="datetimeFigureOut">
               <a:rPr lang="de-DE" smtClean="0"/>
-              <a:t>25.05.2014</a:t>
+              <a:t>25.05.14</a:t>
             </a:fld>
             <a:endParaRPr lang="de-DE"/>
           </a:p>
@@ -986,7 +986,7 @@
           <a:p>
             <a:fld id="{7D245CBA-5440-4E3A-93BD-41E2FFACF6C3}" type="datetimeFigureOut">
               <a:rPr lang="de-DE" smtClean="0"/>
-              <a:t>25.05.2014</a:t>
+              <a:t>25.05.14</a:t>
             </a:fld>
             <a:endParaRPr lang="de-DE"/>
           </a:p>
@@ -1329,7 +1329,7 @@
           <a:p>
             <a:fld id="{7D245CBA-5440-4E3A-93BD-41E2FFACF6C3}" type="datetimeFigureOut">
               <a:rPr lang="de-DE" smtClean="0"/>
-              <a:t>25.05.2014</a:t>
+              <a:t>25.05.14</a:t>
             </a:fld>
             <a:endParaRPr lang="de-DE"/>
           </a:p>
@@ -1604,7 +1604,7 @@
           <a:p>
             <a:fld id="{7D245CBA-5440-4E3A-93BD-41E2FFACF6C3}" type="datetimeFigureOut">
               <a:rPr lang="de-DE" smtClean="0"/>
-              <a:t>25.05.2014</a:t>
+              <a:t>25.05.14</a:t>
             </a:fld>
             <a:endParaRPr lang="de-DE"/>
           </a:p>
@@ -1983,7 +1983,7 @@
           <a:p>
             <a:fld id="{7D245CBA-5440-4E3A-93BD-41E2FFACF6C3}" type="datetimeFigureOut">
               <a:rPr lang="de-DE" smtClean="0"/>
-              <a:t>25.05.2014</a:t>
+              <a:t>25.05.14</a:t>
             </a:fld>
             <a:endParaRPr lang="de-DE"/>
           </a:p>
@@ -2101,7 +2101,7 @@
           <a:p>
             <a:fld id="{7D245CBA-5440-4E3A-93BD-41E2FFACF6C3}" type="datetimeFigureOut">
               <a:rPr lang="de-DE" smtClean="0"/>
-              <a:t>25.05.2014</a:t>
+              <a:t>25.05.14</a:t>
             </a:fld>
             <a:endParaRPr lang="de-DE"/>
           </a:p>
@@ -2272,7 +2272,7 @@
           <a:p>
             <a:fld id="{7D245CBA-5440-4E3A-93BD-41E2FFACF6C3}" type="datetimeFigureOut">
               <a:rPr lang="de-DE" smtClean="0"/>
-              <a:t>25.05.2014</a:t>
+              <a:t>25.05.14</a:t>
             </a:fld>
             <a:endParaRPr lang="de-DE"/>
           </a:p>
@@ -2626,7 +2626,7 @@
           <a:p>
             <a:fld id="{7D245CBA-5440-4E3A-93BD-41E2FFACF6C3}" type="datetimeFigureOut">
               <a:rPr lang="de-DE" smtClean="0"/>
-              <a:t>25.05.2014</a:t>
+              <a:t>25.05.14</a:t>
             </a:fld>
             <a:endParaRPr lang="de-DE"/>
           </a:p>
@@ -3008,7 +3008,7 @@
           <a:p>
             <a:fld id="{7D245CBA-5440-4E3A-93BD-41E2FFACF6C3}" type="datetimeFigureOut">
               <a:rPr lang="de-DE" smtClean="0"/>
-              <a:t>25.05.2014</a:t>
+              <a:t>25.05.14</a:t>
             </a:fld>
             <a:endParaRPr lang="de-DE"/>
           </a:p>
@@ -3295,7 +3295,7 @@
           <a:p>
             <a:fld id="{7D245CBA-5440-4E3A-93BD-41E2FFACF6C3}" type="datetimeFigureOut">
               <a:rPr lang="de-DE" smtClean="0"/>
-              <a:t>25.05.2014</a:t>
+              <a:t>25.05.14</a:t>
             </a:fld>
             <a:endParaRPr lang="de-DE"/>
           </a:p>
@@ -3875,6 +3875,13 @@
   <p:clrMapOvr>
     <a:masterClrMapping/>
   </p:clrMapOvr>
+  <p:timing>
+    <p:tnLst>
+      <p:par>
+        <p:cTn xmlns:p14="http://schemas.microsoft.com/office/powerpoint/2010/main" id="1" dur="indefinite" restart="never" nodeType="tmRoot"/>
+      </p:par>
+    </p:tnLst>
+  </p:timing>
 </p:sld>
 </file>
 
@@ -4123,7 +4130,7 @@
           </a:p>
           <a:p>
             <a:pPr lvl="1"/>
-            <a:endParaRPr lang="en-GB"/>
+            <a:endParaRPr lang="en-GB" dirty="0"/>
           </a:p>
           <a:p>
             <a:pPr marL="201168" lvl="1" indent="0">
@@ -4143,6 +4150,13 @@
   <p:clrMapOvr>
     <a:masterClrMapping/>
   </p:clrMapOvr>
+  <p:timing>
+    <p:tnLst>
+      <p:par>
+        <p:cTn xmlns:p14="http://schemas.microsoft.com/office/powerpoint/2010/main" id="1" dur="indefinite" restart="never" nodeType="tmRoot"/>
+      </p:par>
+    </p:tnLst>
+  </p:timing>
 </p:sld>
 </file>
 
@@ -4180,7 +4194,11 @@
           <a:p>
             <a:r>
               <a:rPr lang="de-DE" dirty="0" smtClean="0"/>
-              <a:t>Nächste Schritte</a:t>
+              <a:t>Further </a:t>
+            </a:r>
+            <a:r>
+              <a:rPr lang="de-DE" dirty="0" err="1" smtClean="0"/>
+              <a:t>steps</a:t>
             </a:r>
             <a:endParaRPr lang="de-DE" dirty="0"/>
           </a:p>
@@ -4201,7 +4219,139 @@
           <a:bodyPr/>
           <a:lstStyle/>
           <a:p>
-            <a:endParaRPr lang="de-DE"/>
+            <a:endParaRPr lang="de-DE" dirty="0"/>
+          </a:p>
+          <a:p>
+            <a:pPr>
+              <a:buFont typeface="Arial"/>
+              <a:buChar char="•"/>
+            </a:pPr>
+            <a:r>
+              <a:rPr lang="de-DE" dirty="0"/>
+              <a:t> </a:t>
+            </a:r>
+            <a:r>
+              <a:rPr lang="de-DE" dirty="0" err="1" smtClean="0"/>
+              <a:t>Migrate</a:t>
+            </a:r>
+            <a:r>
+              <a:rPr lang="de-DE" dirty="0" smtClean="0"/>
+              <a:t> last </a:t>
+            </a:r>
+            <a:r>
+              <a:rPr lang="de-DE" dirty="0" err="1" smtClean="0"/>
+              <a:t>years</a:t>
+            </a:r>
+            <a:r>
+              <a:rPr lang="de-DE" dirty="0" smtClean="0"/>
+              <a:t> </a:t>
+            </a:r>
+            <a:r>
+              <a:rPr lang="de-DE" dirty="0" err="1" smtClean="0"/>
+              <a:t>code</a:t>
+            </a:r>
+            <a:r>
+              <a:rPr lang="de-DE" dirty="0" smtClean="0"/>
+              <a:t> </a:t>
+            </a:r>
+            <a:r>
+              <a:rPr lang="de-DE" dirty="0" err="1" smtClean="0"/>
+              <a:t>to</a:t>
+            </a:r>
+            <a:r>
+              <a:rPr lang="de-DE" dirty="0" smtClean="0"/>
+              <a:t> </a:t>
+            </a:r>
+            <a:r>
+              <a:rPr lang="de-DE" dirty="0" err="1" smtClean="0"/>
+              <a:t>the</a:t>
+            </a:r>
+            <a:r>
+              <a:rPr lang="de-DE" dirty="0" smtClean="0"/>
+              <a:t> </a:t>
+            </a:r>
+            <a:r>
+              <a:rPr lang="de-DE" dirty="0" err="1" smtClean="0"/>
+              <a:t>new</a:t>
+            </a:r>
+            <a:r>
+              <a:rPr lang="de-DE" dirty="0" smtClean="0"/>
+              <a:t> FPGA design</a:t>
+            </a:r>
+          </a:p>
+          <a:p>
+            <a:pPr>
+              <a:buFont typeface="Arial"/>
+              <a:buChar char="•"/>
+            </a:pPr>
+            <a:endParaRPr lang="de-DE" dirty="0" smtClean="0"/>
+          </a:p>
+          <a:p>
+            <a:pPr>
+              <a:buFont typeface="Arial"/>
+              <a:buChar char="•"/>
+            </a:pPr>
+            <a:r>
+              <a:rPr lang="de-DE" dirty="0" smtClean="0"/>
+              <a:t> </a:t>
+            </a:r>
+            <a:r>
+              <a:rPr lang="de-DE" dirty="0" err="1" smtClean="0"/>
+              <a:t>Implement</a:t>
+            </a:r>
+            <a:r>
+              <a:rPr lang="de-DE" dirty="0" smtClean="0"/>
+              <a:t> Car2X </a:t>
+            </a:r>
+            <a:r>
+              <a:rPr lang="de-DE" dirty="0" err="1" smtClean="0"/>
+              <a:t>protocol</a:t>
+            </a:r>
+            <a:endParaRPr lang="de-DE" dirty="0" smtClean="0"/>
+          </a:p>
+          <a:p>
+            <a:pPr>
+              <a:buFont typeface="Arial"/>
+              <a:buChar char="•"/>
+            </a:pPr>
+            <a:endParaRPr lang="de-DE" dirty="0"/>
+          </a:p>
+          <a:p>
+            <a:pPr>
+              <a:buFont typeface="Arial"/>
+              <a:buChar char="•"/>
+            </a:pPr>
+            <a:r>
+              <a:rPr lang="de-DE" dirty="0" smtClean="0"/>
+              <a:t> Add </a:t>
+            </a:r>
+            <a:r>
+              <a:rPr lang="de-DE" dirty="0" err="1" smtClean="0"/>
+              <a:t>WiPort</a:t>
+            </a:r>
+            <a:r>
+              <a:rPr lang="de-DE" dirty="0" smtClean="0"/>
+              <a:t> </a:t>
+            </a:r>
+            <a:r>
+              <a:rPr lang="de-DE" dirty="0" err="1" smtClean="0"/>
+              <a:t>communication</a:t>
+            </a:r>
+            <a:r>
+              <a:rPr lang="de-DE" dirty="0" smtClean="0"/>
+              <a:t> </a:t>
+            </a:r>
+            <a:endParaRPr lang="de-DE" dirty="0"/>
+          </a:p>
+          <a:p>
+            <a:pPr marL="0" indent="0">
+              <a:buNone/>
+            </a:pPr>
+            <a:r>
+              <a:rPr lang="de-DE" dirty="0" smtClean="0"/>
+              <a:t>  </a:t>
+            </a:r>
+            <a:endParaRPr lang="de-DE" dirty="0"/>
           </a:p>
         </p:txBody>
       </p:sp>
@@ -4287,6 +4437,13 @@
   <p:clrMapOvr>
     <a:masterClrMapping/>
   </p:clrMapOvr>
+  <p:timing>
+    <p:tnLst>
+      <p:par>
+        <p:cTn xmlns:p14="http://schemas.microsoft.com/office/powerpoint/2010/main" id="1" dur="indefinite" restart="never" nodeType="tmRoot"/>
+      </p:par>
+    </p:tnLst>
+  </p:timing>
 </p:sld>
 </file>
 
@@ -4455,6 +4612,13 @@
   <p:clrMapOvr>
     <a:masterClrMapping/>
   </p:clrMapOvr>
+  <p:timing>
+    <p:tnLst>
+      <p:par>
+        <p:cTn xmlns:p14="http://schemas.microsoft.com/office/powerpoint/2010/main" id="1" dur="indefinite" restart="never" nodeType="tmRoot"/>
+      </p:par>
+    </p:tnLst>
+  </p:timing>
 </p:sld>
 </file>
 
@@ -4527,6 +4691,13 @@
   <p:clrMapOvr>
     <a:masterClrMapping/>
   </p:clrMapOvr>
+  <p:timing>
+    <p:tnLst>
+      <p:par>
+        <p:cTn xmlns:p14="http://schemas.microsoft.com/office/powerpoint/2010/main" id="1" dur="indefinite" restart="never" nodeType="tmRoot"/>
+      </p:par>
+    </p:tnLst>
+  </p:timing>
 </p:sld>
 </file>
 
@@ -4599,6 +4770,13 @@
   <p:clrMapOvr>
     <a:masterClrMapping/>
   </p:clrMapOvr>
+  <p:timing>
+    <p:tnLst>
+      <p:par>
+        <p:cTn xmlns:p14="http://schemas.microsoft.com/office/powerpoint/2010/main" id="1" dur="indefinite" restart="never" nodeType="tmRoot"/>
+      </p:par>
+    </p:tnLst>
+  </p:timing>
 </p:sld>
 </file>
 
@@ -4675,6 +4853,13 @@
   <p:clrMapOvr>
     <a:masterClrMapping/>
   </p:clrMapOvr>
+  <p:timing>
+    <p:tnLst>
+      <p:par>
+        <p:cTn xmlns:p14="http://schemas.microsoft.com/office/powerpoint/2010/main" id="1" dur="indefinite" restart="never" nodeType="tmRoot"/>
+      </p:par>
+    </p:tnLst>
+  </p:timing>
 </p:sld>
 </file>
 
@@ -4714,26 +4899,211 @@
               <a:rPr lang="de-DE" dirty="0" err="1" smtClean="0"/>
               <a:t>WiPort</a:t>
             </a:r>
+            <a:r>
+              <a:rPr lang="de-DE" dirty="0" smtClean="0"/>
+              <a:t> </a:t>
+            </a:r>
             <a:endParaRPr lang="de-DE" dirty="0"/>
           </a:p>
         </p:txBody>
       </p:sp>
-      <p:sp>
-        <p:nvSpPr>
-          <p:cNvPr id="3" name="Inhaltsplatzhalter 2"/>
-          <p:cNvSpPr>
+      <p:pic>
+        <p:nvPicPr>
+          <p:cNvPr id="7" name="Bild 6" descr="wiport2.jpg"/>
+          <p:cNvPicPr>
+            <a:picLocks noChangeAspect="1"/>
+          </p:cNvPicPr>
+          <p:nvPr/>
+        </p:nvPicPr>
+        <p:blipFill>
+          <a:blip r:embed="rId2">
+            <a:extLst>
+              <a:ext uri="{28A0092B-C50C-407E-A947-70E740481C1C}">
+                <a14:useLocalDpi xmlns:a14="http://schemas.microsoft.com/office/drawing/2010/main" val="0"/>
+              </a:ext>
+            </a:extLst>
+          </a:blip>
+          <a:stretch>
+            <a:fillRect/>
+          </a:stretch>
+        </p:blipFill>
+        <p:spPr>
+          <a:xfrm>
+            <a:off x="124232" y="2222724"/>
+            <a:ext cx="6835263" cy="3389667"/>
+          </a:xfrm>
+          <a:prstGeom prst="rect">
+            <a:avLst/>
+          </a:prstGeom>
+        </p:spPr>
+      </p:pic>
+      <p:sp>
+        <p:nvSpPr>
+          <p:cNvPr id="10" name="Inhaltsplatzhalter 9"/>
+          <p:cNvSpPr txBox="1">
             <a:spLocks noGrp="1"/>
           </p:cNvSpPr>
           <p:nvPr>
             <p:ph idx="1"/>
           </p:nvPr>
         </p:nvSpPr>
-        <p:spPr/>
-        <p:txBody>
-          <a:bodyPr/>
+        <p:spPr>
+          <a:xfrm>
+            <a:off x="6777911" y="2835275"/>
+            <a:ext cx="4805363" cy="2477601"/>
+          </a:xfrm>
+          <a:prstGeom prst="rect">
+            <a:avLst/>
+          </a:prstGeom>
+          <a:noFill/>
+        </p:spPr>
+        <p:txBody>
+          <a:bodyPr wrap="square" rtlCol="0">
+            <a:spAutoFit/>
+          </a:bodyPr>
           <a:lstStyle/>
           <a:p>
-            <a:endParaRPr lang="de-DE"/>
+            <a:pPr marL="285750" indent="-285750">
+              <a:buFont typeface="Arial"/>
+              <a:buChar char="•"/>
+            </a:pPr>
+            <a:r>
+              <a:rPr lang="de-DE" dirty="0" smtClean="0"/>
+              <a:t>Wireless </a:t>
+            </a:r>
+            <a:r>
+              <a:rPr lang="de-DE" dirty="0" err="1" smtClean="0"/>
+              <a:t>networking</a:t>
+            </a:r>
+            <a:r>
+              <a:rPr lang="de-DE" dirty="0" smtClean="0"/>
+              <a:t> </a:t>
+            </a:r>
+            <a:r>
+              <a:rPr lang="de-DE" dirty="0" err="1" smtClean="0"/>
+              <a:t>server</a:t>
+            </a:r>
+            <a:endParaRPr lang="de-DE" dirty="0" smtClean="0"/>
+          </a:p>
+          <a:p>
+            <a:pPr marL="285750" indent="-285750">
+              <a:buFont typeface="Arial"/>
+              <a:buChar char="•"/>
+            </a:pPr>
+            <a:endParaRPr lang="de-DE" dirty="0" smtClean="0"/>
+          </a:p>
+          <a:p>
+            <a:pPr marL="285750" indent="-285750">
+              <a:buFont typeface="Arial"/>
+              <a:buChar char="•"/>
+            </a:pPr>
+            <a:r>
+              <a:rPr lang="de-DE" dirty="0" err="1" smtClean="0"/>
+              <a:t>WiFi</a:t>
+            </a:r>
+            <a:r>
+              <a:rPr lang="de-DE" dirty="0" smtClean="0"/>
+              <a:t> </a:t>
+            </a:r>
+            <a:r>
+              <a:rPr lang="de-DE" dirty="0" err="1" smtClean="0"/>
+              <a:t>antenna</a:t>
+            </a:r>
+            <a:r>
+              <a:rPr lang="de-DE" dirty="0" smtClean="0"/>
+              <a:t>, </a:t>
+            </a:r>
+            <a:r>
+              <a:rPr lang="de-DE" dirty="0" err="1" smtClean="0"/>
+              <a:t>serial</a:t>
+            </a:r>
+            <a:r>
+              <a:rPr lang="de-DE" dirty="0" smtClean="0"/>
+              <a:t> </a:t>
+            </a:r>
+            <a:r>
+              <a:rPr lang="de-DE" dirty="0" err="1" smtClean="0"/>
+              <a:t>and</a:t>
+            </a:r>
+            <a:r>
+              <a:rPr lang="de-DE" dirty="0" smtClean="0"/>
+              <a:t> LAN </a:t>
+            </a:r>
+            <a:r>
+              <a:rPr lang="de-DE" dirty="0" err="1" smtClean="0"/>
+              <a:t>port</a:t>
+            </a:r>
+            <a:endParaRPr lang="de-DE" dirty="0" smtClean="0"/>
+          </a:p>
+          <a:p>
+            <a:endParaRPr lang="de-DE" dirty="0" smtClean="0"/>
+          </a:p>
+          <a:p>
+            <a:pPr marL="285750" indent="-285750">
+              <a:buFont typeface="Arial"/>
+              <a:buChar char="•"/>
+            </a:pPr>
+            <a:r>
+              <a:rPr lang="de-DE" dirty="0" smtClean="0"/>
+              <a:t>TCP/IP </a:t>
+            </a:r>
+            <a:r>
+              <a:rPr lang="de-DE" dirty="0" err="1" smtClean="0"/>
+              <a:t>communication</a:t>
+            </a:r>
+            <a:r>
+              <a:rPr lang="de-DE" dirty="0" smtClean="0"/>
+              <a:t> </a:t>
+            </a:r>
+            <a:r>
+              <a:rPr lang="de-DE" dirty="0" err="1" smtClean="0"/>
+              <a:t>with</a:t>
+            </a:r>
+            <a:r>
+              <a:rPr lang="de-DE" dirty="0" smtClean="0"/>
+              <a:t> </a:t>
+            </a:r>
+            <a:r>
+              <a:rPr lang="de-DE" dirty="0" err="1" smtClean="0"/>
+              <a:t>external</a:t>
+            </a:r>
+            <a:r>
+              <a:rPr lang="de-DE" dirty="0"/>
+              <a:t> </a:t>
+            </a:r>
+            <a:r>
+              <a:rPr lang="de-DE" dirty="0" err="1" smtClean="0"/>
+              <a:t>systems</a:t>
+            </a:r>
+            <a:r>
+              <a:rPr lang="de-DE" dirty="0" smtClean="0"/>
+              <a:t> (</a:t>
+            </a:r>
+            <a:r>
+              <a:rPr lang="de-DE" dirty="0" err="1" smtClean="0"/>
+              <a:t>other</a:t>
+            </a:r>
+            <a:r>
+              <a:rPr lang="de-DE" dirty="0" smtClean="0"/>
+              <a:t> </a:t>
+            </a:r>
+            <a:r>
+              <a:rPr lang="de-DE" dirty="0" err="1" smtClean="0"/>
+              <a:t>cars</a:t>
+            </a:r>
+            <a:r>
+              <a:rPr lang="de-DE" dirty="0" smtClean="0"/>
+              <a:t>, </a:t>
+            </a:r>
+            <a:r>
+              <a:rPr lang="de-DE" dirty="0" err="1" smtClean="0"/>
+              <a:t>basestation</a:t>
+            </a:r>
+            <a:r>
+              <a:rPr lang="de-DE" dirty="0" smtClean="0"/>
+              <a:t>, etc.) </a:t>
+            </a:r>
+            <a:endParaRPr lang="de-DE" dirty="0"/>
           </a:p>
         </p:txBody>
       </p:sp>
@@ -4747,6 +5117,13 @@
   <p:clrMapOvr>
     <a:masterClrMapping/>
   </p:clrMapOvr>
+  <p:timing>
+    <p:tnLst>
+      <p:par>
+        <p:cTn xmlns:p14="http://schemas.microsoft.com/office/powerpoint/2010/main" id="1" dur="indefinite" restart="never" nodeType="tmRoot"/>
+      </p:par>
+    </p:tnLst>
+  </p:timing>
 </p:sld>
 </file>
 
@@ -4827,6 +5204,13 @@
   <p:clrMapOvr>
     <a:masterClrMapping/>
   </p:clrMapOvr>
+  <p:timing>
+    <p:tnLst>
+      <p:par>
+        <p:cTn xmlns:p14="http://schemas.microsoft.com/office/powerpoint/2010/main" id="1" dur="indefinite" restart="never" nodeType="tmRoot"/>
+      </p:par>
+    </p:tnLst>
+  </p:timing>
 </p:sld>
 </file>
 
@@ -5043,7 +5427,7 @@
         </p:nvGraphicFramePr>
         <p:xfrm>
           <a:off x="1932315" y="3988788"/>
-          <a:ext cx="8350374" cy="637794"/>
+          <a:ext cx="8350374" cy="652272"/>
         </p:xfrm>
         <a:graphic>
           <a:graphicData uri="http://schemas.openxmlformats.org/drawingml/2006/table">
@@ -6205,6 +6589,13 @@
   <p:clrMapOvr>
     <a:masterClrMapping/>
   </p:clrMapOvr>
+  <p:timing>
+    <p:tnLst>
+      <p:par>
+        <p:cTn xmlns:p14="http://schemas.microsoft.com/office/powerpoint/2010/main" id="1" dur="indefinite" restart="never" nodeType="tmRoot"/>
+      </p:par>
+    </p:tnLst>
+  </p:timing>
 </p:sld>
 </file>
 
@@ -6251,7 +6642,7 @@
     </a:clrScheme>
     <a:fontScheme name="Rückblick">
       <a:majorFont>
-        <a:latin typeface="Calibri Light" panose="020F0302020204030204"/>
+        <a:latin typeface="Calibri Light"/>
         <a:ea typeface=""/>
         <a:cs typeface=""/>
         <a:font script="Jpan" typeface="ＭＳ Ｐゴシック"/>
@@ -6286,7 +6677,7 @@
         <a:font script="Geor" typeface="Sylfaen"/>
       </a:majorFont>
       <a:minorFont>
-        <a:latin typeface="Calibri" panose="020F0502020204030204"/>
+        <a:latin typeface="Calibri"/>
         <a:ea typeface=""/>
         <a:cs typeface=""/>
         <a:font script="Jpan" typeface="ＭＳ Ｐゴシック"/>
@@ -6485,7 +6876,7 @@
   <a:extraClrSchemeLst/>
   <a:extLst>
     <a:ext uri="{05A4C25C-085E-4340-85A3-A5531E510DB2}">
-      <thm15:themeFamily xmlns:thm15="http://schemas.microsoft.com/office/thememl/2012/main" name="Retrospect" id="{5F128B03-DCCA-4EEB-AB3B-CF2899314A46}" vid="{3F1AAB62-24C6-49D2-8E01-B56FAC9A3DCD}"/>
+      <thm15:themeFamily xmlns:thm15="http://schemas.microsoft.com/office/thememl/2012/main" xmlns="" name="Retrospect" id="{5F128B03-DCCA-4EEB-AB3B-CF2899314A46}" vid="{3F1AAB62-24C6-49D2-8E01-B56FAC9A3DCD}"/>
     </a:ext>
   </a:extLst>
 </a:theme>

--- a/doc/MidTerm.pptx
+++ b/doc/MidTerm.pptx
@@ -9,10 +9,10 @@
     <p:sldId id="266" r:id="rId3"/>
     <p:sldId id="260" r:id="rId4"/>
     <p:sldId id="259" r:id="rId5"/>
-    <p:sldId id="261" r:id="rId6"/>
-    <p:sldId id="262" r:id="rId7"/>
+    <p:sldId id="262" r:id="rId6"/>
+    <p:sldId id="265" r:id="rId7"/>
     <p:sldId id="263" r:id="rId8"/>
-    <p:sldId id="265" r:id="rId9"/>
+    <p:sldId id="261" r:id="rId9"/>
     <p:sldId id="264" r:id="rId10"/>
     <p:sldId id="257" r:id="rId11"/>
     <p:sldId id="267" r:id="rId12"/>
@@ -116,7 +116,18 @@
   </p:defaultTextStyle>
   <p:extLst>
     <p:ext uri="{EFAFB233-063F-42B5-8137-9DF3F51BA10A}">
-      <p15:sldGuideLst xmlns:p15="http://schemas.microsoft.com/office/powerpoint/2012/main" xmlns=""/>
+      <p15:sldGuideLst xmlns:p15="http://schemas.microsoft.com/office/powerpoint/2012/main">
+        <p15:guide id="1" orient="horz" pos="2160">
+          <p15:clr>
+            <a:srgbClr val="A4A3A4"/>
+          </p15:clr>
+        </p15:guide>
+        <p15:guide id="2" pos="3840">
+          <p15:clr>
+            <a:srgbClr val="A4A3A4"/>
+          </p15:clr>
+        </p15:guide>
+      </p15:sldGuideLst>
     </p:ext>
   </p:extLst>
 </p:presentation>
@@ -348,7 +359,7 @@
           <a:p>
             <a:fld id="{7D245CBA-5440-4E3A-93BD-41E2FFACF6C3}" type="datetimeFigureOut">
               <a:rPr lang="de-DE" smtClean="0"/>
-              <a:t>25.05.14</a:t>
+              <a:t>26.05.2014</a:t>
             </a:fld>
             <a:endParaRPr lang="de-DE"/>
           </a:p>
@@ -390,7 +401,7 @@
           <a:p>
             <a:fld id="{19A2A861-15C4-4629-B6A2-6C8A398F0482}" type="slidenum">
               <a:rPr lang="de-DE" smtClean="0"/>
-              <a:t>‹Nr.›</a:t>
+              <a:t>‹#›</a:t>
             </a:fld>
             <a:endParaRPr lang="de-DE"/>
           </a:p>
@@ -556,7 +567,7 @@
           <a:p>
             <a:fld id="{7D245CBA-5440-4E3A-93BD-41E2FFACF6C3}" type="datetimeFigureOut">
               <a:rPr lang="de-DE" smtClean="0"/>
-              <a:t>25.05.14</a:t>
+              <a:t>26.05.2014</a:t>
             </a:fld>
             <a:endParaRPr lang="de-DE"/>
           </a:p>
@@ -598,7 +609,7 @@
           <a:p>
             <a:fld id="{19A2A861-15C4-4629-B6A2-6C8A398F0482}" type="slidenum">
               <a:rPr lang="de-DE" smtClean="0"/>
-              <a:t>‹Nr.›</a:t>
+              <a:t>‹#›</a:t>
             </a:fld>
             <a:endParaRPr lang="de-DE"/>
           </a:p>
@@ -812,7 +823,7 @@
           <a:p>
             <a:fld id="{7D245CBA-5440-4E3A-93BD-41E2FFACF6C3}" type="datetimeFigureOut">
               <a:rPr lang="de-DE" smtClean="0"/>
-              <a:t>25.05.14</a:t>
+              <a:t>26.05.2014</a:t>
             </a:fld>
             <a:endParaRPr lang="de-DE"/>
           </a:p>
@@ -854,7 +865,7 @@
           <a:p>
             <a:fld id="{19A2A861-15C4-4629-B6A2-6C8A398F0482}" type="slidenum">
               <a:rPr lang="de-DE" smtClean="0"/>
-              <a:t>‹Nr.›</a:t>
+              <a:t>‹#›</a:t>
             </a:fld>
             <a:endParaRPr lang="de-DE"/>
           </a:p>
@@ -986,7 +997,7 @@
           <a:p>
             <a:fld id="{7D245CBA-5440-4E3A-93BD-41E2FFACF6C3}" type="datetimeFigureOut">
               <a:rPr lang="de-DE" smtClean="0"/>
-              <a:t>25.05.14</a:t>
+              <a:t>26.05.2014</a:t>
             </a:fld>
             <a:endParaRPr lang="de-DE"/>
           </a:p>
@@ -1028,7 +1039,7 @@
           <a:p>
             <a:fld id="{19A2A861-15C4-4629-B6A2-6C8A398F0482}" type="slidenum">
               <a:rPr lang="de-DE" smtClean="0"/>
-              <a:t>‹Nr.›</a:t>
+              <a:t>‹#›</a:t>
             </a:fld>
             <a:endParaRPr lang="de-DE"/>
           </a:p>
@@ -1329,7 +1340,7 @@
           <a:p>
             <a:fld id="{7D245CBA-5440-4E3A-93BD-41E2FFACF6C3}" type="datetimeFigureOut">
               <a:rPr lang="de-DE" smtClean="0"/>
-              <a:t>25.05.14</a:t>
+              <a:t>26.05.2014</a:t>
             </a:fld>
             <a:endParaRPr lang="de-DE"/>
           </a:p>
@@ -1371,7 +1382,7 @@
           <a:p>
             <a:fld id="{19A2A861-15C4-4629-B6A2-6C8A398F0482}" type="slidenum">
               <a:rPr lang="de-DE" smtClean="0"/>
-              <a:t>‹Nr.›</a:t>
+              <a:t>‹#›</a:t>
             </a:fld>
             <a:endParaRPr lang="de-DE"/>
           </a:p>
@@ -1604,7 +1615,7 @@
           <a:p>
             <a:fld id="{7D245CBA-5440-4E3A-93BD-41E2FFACF6C3}" type="datetimeFigureOut">
               <a:rPr lang="de-DE" smtClean="0"/>
-              <a:t>25.05.14</a:t>
+              <a:t>26.05.2014</a:t>
             </a:fld>
             <a:endParaRPr lang="de-DE"/>
           </a:p>
@@ -1646,7 +1657,7 @@
           <a:p>
             <a:fld id="{19A2A861-15C4-4629-B6A2-6C8A398F0482}" type="slidenum">
               <a:rPr lang="de-DE" smtClean="0"/>
-              <a:t>‹Nr.›</a:t>
+              <a:t>‹#›</a:t>
             </a:fld>
             <a:endParaRPr lang="de-DE"/>
           </a:p>
@@ -1983,7 +1994,7 @@
           <a:p>
             <a:fld id="{7D245CBA-5440-4E3A-93BD-41E2FFACF6C3}" type="datetimeFigureOut">
               <a:rPr lang="de-DE" smtClean="0"/>
-              <a:t>25.05.14</a:t>
+              <a:t>26.05.2014</a:t>
             </a:fld>
             <a:endParaRPr lang="de-DE"/>
           </a:p>
@@ -2025,7 +2036,7 @@
           <a:p>
             <a:fld id="{19A2A861-15C4-4629-B6A2-6C8A398F0482}" type="slidenum">
               <a:rPr lang="de-DE" smtClean="0"/>
-              <a:t>‹Nr.›</a:t>
+              <a:t>‹#›</a:t>
             </a:fld>
             <a:endParaRPr lang="de-DE"/>
           </a:p>
@@ -2101,7 +2112,7 @@
           <a:p>
             <a:fld id="{7D245CBA-5440-4E3A-93BD-41E2FFACF6C3}" type="datetimeFigureOut">
               <a:rPr lang="de-DE" smtClean="0"/>
-              <a:t>25.05.14</a:t>
+              <a:t>26.05.2014</a:t>
             </a:fld>
             <a:endParaRPr lang="de-DE"/>
           </a:p>
@@ -2143,7 +2154,7 @@
           <a:p>
             <a:fld id="{19A2A861-15C4-4629-B6A2-6C8A398F0482}" type="slidenum">
               <a:rPr lang="de-DE" smtClean="0"/>
-              <a:t>‹Nr.›</a:t>
+              <a:t>‹#›</a:t>
             </a:fld>
             <a:endParaRPr lang="de-DE"/>
           </a:p>
@@ -2272,7 +2283,7 @@
           <a:p>
             <a:fld id="{7D245CBA-5440-4E3A-93BD-41E2FFACF6C3}" type="datetimeFigureOut">
               <a:rPr lang="de-DE" smtClean="0"/>
-              <a:t>25.05.14</a:t>
+              <a:t>26.05.2014</a:t>
             </a:fld>
             <a:endParaRPr lang="de-DE"/>
           </a:p>
@@ -2322,7 +2333,7 @@
           <a:p>
             <a:fld id="{19A2A861-15C4-4629-B6A2-6C8A398F0482}" type="slidenum">
               <a:rPr lang="de-DE" smtClean="0"/>
-              <a:t>‹Nr.›</a:t>
+              <a:t>‹#›</a:t>
             </a:fld>
             <a:endParaRPr lang="de-DE"/>
           </a:p>
@@ -2626,7 +2637,7 @@
           <a:p>
             <a:fld id="{7D245CBA-5440-4E3A-93BD-41E2FFACF6C3}" type="datetimeFigureOut">
               <a:rPr lang="de-DE" smtClean="0"/>
-              <a:t>25.05.14</a:t>
+              <a:t>26.05.2014</a:t>
             </a:fld>
             <a:endParaRPr lang="de-DE"/>
           </a:p>
@@ -2689,7 +2700,7 @@
           <a:p>
             <a:fld id="{19A2A861-15C4-4629-B6A2-6C8A398F0482}" type="slidenum">
               <a:rPr lang="de-DE" smtClean="0"/>
-              <a:t>‹Nr.›</a:t>
+              <a:t>‹#›</a:t>
             </a:fld>
             <a:endParaRPr lang="de-DE"/>
           </a:p>
@@ -3008,7 +3019,7 @@
           <a:p>
             <a:fld id="{7D245CBA-5440-4E3A-93BD-41E2FFACF6C3}" type="datetimeFigureOut">
               <a:rPr lang="de-DE" smtClean="0"/>
-              <a:t>25.05.14</a:t>
+              <a:t>26.05.2014</a:t>
             </a:fld>
             <a:endParaRPr lang="de-DE"/>
           </a:p>
@@ -3050,7 +3061,7 @@
           <a:p>
             <a:fld id="{19A2A861-15C4-4629-B6A2-6C8A398F0482}" type="slidenum">
               <a:rPr lang="de-DE" smtClean="0"/>
-              <a:t>‹Nr.›</a:t>
+              <a:t>‹#›</a:t>
             </a:fld>
             <a:endParaRPr lang="de-DE"/>
           </a:p>
@@ -3295,7 +3306,7 @@
           <a:p>
             <a:fld id="{7D245CBA-5440-4E3A-93BD-41E2FFACF6C3}" type="datetimeFigureOut">
               <a:rPr lang="de-DE" smtClean="0"/>
-              <a:t>25.05.14</a:t>
+              <a:t>26.05.2014</a:t>
             </a:fld>
             <a:endParaRPr lang="de-DE"/>
           </a:p>
@@ -3369,7 +3380,7 @@
           <a:p>
             <a:fld id="{19A2A861-15C4-4629-B6A2-6C8A398F0482}" type="slidenum">
               <a:rPr lang="de-DE" smtClean="0"/>
-              <a:t>‹Nr.›</a:t>
+              <a:t>‹#›</a:t>
             </a:fld>
             <a:endParaRPr lang="de-DE"/>
           </a:p>
@@ -3878,7 +3889,7 @@
   <p:timing>
     <p:tnLst>
       <p:par>
-        <p:cTn xmlns:p14="http://schemas.microsoft.com/office/powerpoint/2010/main" id="1" dur="indefinite" restart="never" nodeType="tmRoot"/>
+        <p:cTn id="1" dur="indefinite" restart="never" nodeType="tmRoot"/>
       </p:par>
     </p:tnLst>
   </p:timing>
@@ -4153,7 +4164,7 @@
   <p:timing>
     <p:tnLst>
       <p:par>
-        <p:cTn xmlns:p14="http://schemas.microsoft.com/office/powerpoint/2010/main" id="1" dur="indefinite" restart="never" nodeType="tmRoot"/>
+        <p:cTn id="1" dur="indefinite" restart="never" nodeType="tmRoot"/>
       </p:par>
     </p:tnLst>
   </p:timing>
@@ -4402,7 +4413,7 @@
           <a:p>
             <a:r>
               <a:rPr lang="de-DE" dirty="0" smtClean="0"/>
-              <a:t>Zielsetzung/Aufgabenstellung</a:t>
+              <a:t>Project goal</a:t>
             </a:r>
             <a:endParaRPr lang="de-DE" dirty="0"/>
           </a:p>
@@ -4420,10 +4431,53 @@
         </p:nvSpPr>
         <p:spPr/>
         <p:txBody>
-          <a:bodyPr/>
+          <a:bodyPr>
+            <a:normAutofit/>
+          </a:bodyPr>
           <a:lstStyle/>
           <a:p>
-            <a:endParaRPr lang="de-DE"/>
+            <a:pPr>
+              <a:buFont typeface="Wingdings" panose="05000000000000000000" pitchFamily="2" charset="2"/>
+              <a:buChar char="§"/>
+            </a:pPr>
+            <a:r>
+              <a:rPr lang="de-DE" sz="2400" dirty="0" smtClean="0"/>
+              <a:t> allow cars to communicate with each other and with control stations</a:t>
+            </a:r>
+          </a:p>
+          <a:p>
+            <a:pPr>
+              <a:buFont typeface="Wingdings" panose="05000000000000000000" pitchFamily="2" charset="2"/>
+              <a:buChar char="§"/>
+            </a:pPr>
+            <a:r>
+              <a:rPr lang="de-DE" sz="2400" dirty="0" smtClean="0"/>
+              <a:t> exchange diagnostics</a:t>
+            </a:r>
+          </a:p>
+          <a:p>
+            <a:pPr>
+              <a:buFont typeface="Wingdings" panose="05000000000000000000" pitchFamily="2" charset="2"/>
+              <a:buChar char="§"/>
+            </a:pPr>
+            <a:r>
+              <a:rPr lang="de-DE" sz="2400" dirty="0" smtClean="0"/>
+              <a:t> receive situational information and emergency broadcasts</a:t>
+            </a:r>
+          </a:p>
+          <a:p>
+            <a:endParaRPr lang="de-DE" sz="2400" dirty="0"/>
+          </a:p>
+          <a:p>
+            <a:pPr>
+              <a:buFont typeface="Wingdings" panose="05000000000000000000" pitchFamily="2" charset="2"/>
+              <a:buChar char="Ø"/>
+            </a:pPr>
+            <a:r>
+              <a:rPr lang="de-DE" sz="2400" dirty="0" smtClean="0"/>
+              <a:t>information gain leads to improved path planning and car control</a:t>
+            </a:r>
+            <a:endParaRPr lang="de-DE" sz="2400" dirty="0"/>
           </a:p>
         </p:txBody>
       </p:sp>
@@ -4440,7 +4494,7 @@
   <p:timing>
     <p:tnLst>
       <p:par>
-        <p:cTn xmlns:p14="http://schemas.microsoft.com/office/powerpoint/2010/main" id="1" dur="indefinite" restart="never" nodeType="tmRoot"/>
+        <p:cTn id="1" dur="indefinite" restart="never" nodeType="tmRoot"/>
       </p:par>
     </p:tnLst>
   </p:timing>
@@ -4615,7 +4669,7 @@
   <p:timing>
     <p:tnLst>
       <p:par>
-        <p:cTn xmlns:p14="http://schemas.microsoft.com/office/powerpoint/2010/main" id="1" dur="indefinite" restart="never" nodeType="tmRoot"/>
+        <p:cTn id="1" dur="indefinite" restart="never" nodeType="tmRoot"/>
       </p:par>
     </p:tnLst>
   </p:timing>
@@ -4694,7 +4748,7 @@
   <p:timing>
     <p:tnLst>
       <p:par>
-        <p:cTn xmlns:p14="http://schemas.microsoft.com/office/powerpoint/2010/main" id="1" dur="indefinite" restart="never" nodeType="tmRoot"/>
+        <p:cTn id="1" dur="indefinite" restart="never" nodeType="tmRoot"/>
       </p:par>
     </p:tnLst>
   </p:timing>
@@ -4735,7 +4789,7 @@
           <a:p>
             <a:r>
               <a:rPr lang="de-DE" dirty="0" smtClean="0"/>
-              <a:t>Hardware Aufbau</a:t>
+              <a:t>Hardware setup</a:t>
             </a:r>
             <a:endParaRPr lang="de-DE" dirty="0"/>
           </a:p>
@@ -4763,7 +4817,7 @@
     </p:spTree>
     <p:extLst>
       <p:ext uri="{BB962C8B-B14F-4D97-AF65-F5344CB8AC3E}">
-        <p14:creationId xmlns:p14="http://schemas.microsoft.com/office/powerpoint/2010/main" val="1140190393"/>
+        <p14:creationId xmlns:p14="http://schemas.microsoft.com/office/powerpoint/2010/main" val="1412353464"/>
       </p:ext>
     </p:extLst>
   </p:cSld>
@@ -4773,7 +4827,7 @@
   <p:timing>
     <p:tnLst>
       <p:par>
-        <p:cTn xmlns:p14="http://schemas.microsoft.com/office/powerpoint/2010/main" id="1" dur="indefinite" restart="never" nodeType="tmRoot"/>
+        <p:cTn id="1" dur="indefinite" restart="never" nodeType="tmRoot"/>
       </p:par>
     </p:tnLst>
   </p:timing>
@@ -4813,40 +4867,139 @@
           <a:lstStyle/>
           <a:p>
             <a:r>
-              <a:rPr lang="de-DE" dirty="0" err="1" smtClean="0"/>
-              <a:t>Com</a:t>
-            </a:r>
-            <a:r>
               <a:rPr lang="de-DE" dirty="0" smtClean="0"/>
-              <a:t> Fluss</a:t>
+              <a:t>FPGA Configuration</a:t>
             </a:r>
             <a:endParaRPr lang="de-DE" dirty="0"/>
           </a:p>
         </p:txBody>
       </p:sp>
-      <p:sp>
-        <p:nvSpPr>
-          <p:cNvPr id="3" name="Inhaltsplatzhalter 2"/>
+      <p:pic>
+        <p:nvPicPr>
+          <p:cNvPr id="4" name="Content Placeholder 3"/>
+          <p:cNvPicPr>
+            <a:picLocks noGrp="1" noChangeAspect="1"/>
+          </p:cNvPicPr>
+          <p:nvPr>
+            <p:ph sz="half" idx="1"/>
+          </p:nvPr>
+        </p:nvPicPr>
+        <p:blipFill rotWithShape="1">
+          <a:blip r:embed="rId2">
+            <a:extLst>
+              <a:ext uri="{28A0092B-C50C-407E-A947-70E740481C1C}">
+                <a14:useLocalDpi xmlns:a14="http://schemas.microsoft.com/office/drawing/2010/main" val="0"/>
+              </a:ext>
+            </a:extLst>
+          </a:blip>
+          <a:srcRect r="44411"/>
+          <a:stretch/>
+        </p:blipFill>
+        <p:spPr>
+          <a:xfrm>
+            <a:off x="6527945" y="2002629"/>
+            <a:ext cx="4361728" cy="3927926"/>
+          </a:xfrm>
+        </p:spPr>
+      </p:pic>
+      <p:sp>
+        <p:nvSpPr>
+          <p:cNvPr id="5" name="Content Placeholder 4"/>
           <p:cNvSpPr>
             <a:spLocks noGrp="1"/>
           </p:cNvSpPr>
           <p:nvPr>
-            <p:ph idx="1"/>
+            <p:ph sz="half" idx="2"/>
           </p:nvPr>
         </p:nvSpPr>
-        <p:spPr/>
+        <p:spPr>
+          <a:xfrm>
+            <a:off x="1097280" y="2445974"/>
+            <a:ext cx="4937760" cy="2800156"/>
+          </a:xfrm>
+        </p:spPr>
         <p:txBody>
           <a:bodyPr/>
           <a:lstStyle/>
           <a:p>
-            <a:endParaRPr lang="de-DE"/>
+            <a:pPr>
+              <a:buFont typeface="Wingdings" panose="05000000000000000000" pitchFamily="2" charset="2"/>
+              <a:buChar char="§"/>
+            </a:pPr>
+            <a:r>
+              <a:rPr lang="en-US" dirty="0" smtClean="0"/>
+              <a:t> 2x </a:t>
+            </a:r>
+            <a:r>
+              <a:rPr lang="en-US" dirty="0" err="1" smtClean="0"/>
+              <a:t>NiosII</a:t>
+            </a:r>
+            <a:r>
+              <a:rPr lang="en-US" dirty="0" smtClean="0"/>
+              <a:t> CPUs (each with their own JTAG, data/instruction memory)</a:t>
+            </a:r>
+          </a:p>
+          <a:p>
+            <a:pPr>
+              <a:buFont typeface="Wingdings" panose="05000000000000000000" pitchFamily="2" charset="2"/>
+              <a:buChar char="§"/>
+            </a:pPr>
+            <a:r>
+              <a:rPr lang="en-US" dirty="0"/>
+              <a:t> </a:t>
+            </a:r>
+            <a:r>
+              <a:rPr lang="en-US" dirty="0" smtClean="0"/>
+              <a:t>1x shared memory for inter-core communication</a:t>
+            </a:r>
+          </a:p>
+          <a:p>
+            <a:pPr>
+              <a:buFont typeface="Wingdings" panose="05000000000000000000" pitchFamily="2" charset="2"/>
+              <a:buChar char="§"/>
+            </a:pPr>
+            <a:r>
+              <a:rPr lang="en-US" dirty="0"/>
+              <a:t> </a:t>
+            </a:r>
+            <a:r>
+              <a:rPr lang="en-US" dirty="0" smtClean="0"/>
+              <a:t>Hardware </a:t>
+            </a:r>
+            <a:r>
+              <a:rPr lang="en-US" dirty="0" err="1" smtClean="0"/>
+              <a:t>mutexes</a:t>
+            </a:r>
+            <a:r>
+              <a:rPr lang="en-US" dirty="0"/>
+              <a:t> </a:t>
+            </a:r>
+            <a:r>
+              <a:rPr lang="en-US" dirty="0" smtClean="0"/>
+              <a:t>for different shared memory areas</a:t>
+            </a:r>
+          </a:p>
+          <a:p>
+            <a:pPr>
+              <a:buFont typeface="Wingdings" panose="05000000000000000000" pitchFamily="2" charset="2"/>
+              <a:buChar char="§"/>
+            </a:pPr>
+            <a:r>
+              <a:rPr lang="en-US" dirty="0"/>
+              <a:t> </a:t>
+            </a:r>
+            <a:r>
+              <a:rPr lang="en-US" dirty="0" smtClean="0"/>
+              <a:t>Ethernet peripheral</a:t>
+            </a:r>
+            <a:endParaRPr lang="en-US" dirty="0"/>
           </a:p>
         </p:txBody>
       </p:sp>
     </p:spTree>
     <p:extLst>
       <p:ext uri="{BB962C8B-B14F-4D97-AF65-F5344CB8AC3E}">
-        <p14:creationId xmlns:p14="http://schemas.microsoft.com/office/powerpoint/2010/main" val="1412353464"/>
+        <p14:creationId xmlns:p14="http://schemas.microsoft.com/office/powerpoint/2010/main" val="2081165741"/>
       </p:ext>
     </p:extLst>
   </p:cSld>
@@ -4856,7 +5009,7 @@
   <p:timing>
     <p:tnLst>
       <p:par>
-        <p:cTn xmlns:p14="http://schemas.microsoft.com/office/powerpoint/2010/main" id="1" dur="indefinite" restart="never" nodeType="tmRoot"/>
+        <p:cTn id="1" dur="indefinite" restart="never" nodeType="tmRoot"/>
       </p:par>
     </p:tnLst>
   </p:timing>
@@ -5120,7 +5273,7 @@
   <p:timing>
     <p:tnLst>
       <p:par>
-        <p:cTn xmlns:p14="http://schemas.microsoft.com/office/powerpoint/2010/main" id="1" dur="indefinite" restart="never" nodeType="tmRoot"/>
+        <p:cTn id="1" dur="indefinite" restart="never" nodeType="tmRoot"/>
       </p:par>
     </p:tnLst>
   </p:timing>
@@ -5161,15 +5314,7 @@
           <a:p>
             <a:r>
               <a:rPr lang="de-DE" dirty="0" smtClean="0"/>
-              <a:t>Hardware </a:t>
-            </a:r>
-            <a:r>
-              <a:rPr lang="de-DE" dirty="0" err="1" smtClean="0"/>
-              <a:t>Conf</a:t>
-            </a:r>
-            <a:r>
-              <a:rPr lang="de-DE" dirty="0" smtClean="0"/>
-              <a:t> FPGA</a:t>
+              <a:t>Comm flow</a:t>
             </a:r>
             <a:endParaRPr lang="de-DE" dirty="0"/>
           </a:p>
@@ -5177,27 +5322,1782 @@
       </p:sp>
       <p:sp>
         <p:nvSpPr>
-          <p:cNvPr id="3" name="Inhaltsplatzhalter 2"/>
-          <p:cNvSpPr>
-            <a:spLocks noGrp="1"/>
-          </p:cNvSpPr>
-          <p:nvPr>
-            <p:ph idx="1"/>
-          </p:nvPr>
-        </p:nvSpPr>
-        <p:spPr/>
+          <p:cNvPr id="13" name="Freeform 12"/>
+          <p:cNvSpPr/>
+          <p:nvPr/>
+        </p:nvSpPr>
+        <p:spPr>
+          <a:xfrm>
+            <a:off x="8978087" y="4647771"/>
+            <a:ext cx="1817038" cy="961419"/>
+          </a:xfrm>
+          <a:custGeom>
+            <a:avLst/>
+            <a:gdLst>
+              <a:gd name="connsiteX0" fmla="*/ 0 w 3094136"/>
+              <a:gd name="connsiteY0" fmla="*/ 0 h 1856482"/>
+              <a:gd name="connsiteX1" fmla="*/ 3094136 w 3094136"/>
+              <a:gd name="connsiteY1" fmla="*/ 0 h 1856482"/>
+              <a:gd name="connsiteX2" fmla="*/ 3094136 w 3094136"/>
+              <a:gd name="connsiteY2" fmla="*/ 1856482 h 1856482"/>
+              <a:gd name="connsiteX3" fmla="*/ 0 w 3094136"/>
+              <a:gd name="connsiteY3" fmla="*/ 1856482 h 1856482"/>
+              <a:gd name="connsiteX4" fmla="*/ 0 w 3094136"/>
+              <a:gd name="connsiteY4" fmla="*/ 0 h 1856482"/>
+            </a:gdLst>
+            <a:ahLst/>
+            <a:cxnLst>
+              <a:cxn ang="0">
+                <a:pos x="connsiteX0" y="connsiteY0"/>
+              </a:cxn>
+              <a:cxn ang="0">
+                <a:pos x="connsiteX1" y="connsiteY1"/>
+              </a:cxn>
+              <a:cxn ang="0">
+                <a:pos x="connsiteX2" y="connsiteY2"/>
+              </a:cxn>
+              <a:cxn ang="0">
+                <a:pos x="connsiteX3" y="connsiteY3"/>
+              </a:cxn>
+              <a:cxn ang="0">
+                <a:pos x="connsiteX4" y="connsiteY4"/>
+              </a:cxn>
+            </a:cxnLst>
+            <a:rect l="l" t="t" r="r" b="b"/>
+            <a:pathLst>
+              <a:path w="3094136" h="1856482">
+                <a:moveTo>
+                  <a:pt x="0" y="0"/>
+                </a:moveTo>
+                <a:lnTo>
+                  <a:pt x="3094136" y="0"/>
+                </a:lnTo>
+                <a:lnTo>
+                  <a:pt x="3094136" y="1856482"/>
+                </a:lnTo>
+                <a:lnTo>
+                  <a:pt x="0" y="1856482"/>
+                </a:lnTo>
+                <a:lnTo>
+                  <a:pt x="0" y="0"/>
+                </a:lnTo>
+                <a:close/>
+              </a:path>
+            </a:pathLst>
+          </a:custGeom>
+          <a:solidFill>
+            <a:schemeClr val="bg2">
+              <a:lumMod val="50000"/>
+            </a:schemeClr>
+          </a:solidFill>
+        </p:spPr>
+        <p:style>
+          <a:lnRef idx="2">
+            <a:schemeClr val="lt1">
+              <a:hueOff val="0"/>
+              <a:satOff val="0"/>
+              <a:lumOff val="0"/>
+              <a:alphaOff val="0"/>
+            </a:schemeClr>
+          </a:lnRef>
+          <a:fillRef idx="1">
+            <a:schemeClr val="accent1">
+              <a:hueOff val="0"/>
+              <a:satOff val="0"/>
+              <a:lumOff val="0"/>
+              <a:alphaOff val="0"/>
+            </a:schemeClr>
+          </a:fillRef>
+          <a:effectRef idx="0">
+            <a:schemeClr val="accent1">
+              <a:hueOff val="0"/>
+              <a:satOff val="0"/>
+              <a:lumOff val="0"/>
+              <a:alphaOff val="0"/>
+            </a:schemeClr>
+          </a:effectRef>
+          <a:fontRef idx="minor">
+            <a:schemeClr val="lt1"/>
+          </a:fontRef>
+        </p:style>
         <p:txBody>
-          <a:bodyPr/>
+          <a:bodyPr spcFirstLastPara="0" vert="horz" wrap="square" lIns="247650" tIns="247650" rIns="247650" bIns="247650" numCol="1" spcCol="1270" anchor="ctr" anchorCtr="0">
+            <a:noAutofit/>
+          </a:bodyPr>
           <a:lstStyle/>
           <a:p>
-            <a:endParaRPr lang="de-DE"/>
+            <a:pPr lvl="0" algn="ctr" defTabSz="2889250">
+              <a:lnSpc>
+                <a:spcPct val="90000"/>
+              </a:lnSpc>
+              <a:spcBef>
+                <a:spcPct val="0"/>
+              </a:spcBef>
+              <a:spcAft>
+                <a:spcPct val="35000"/>
+              </a:spcAft>
+            </a:pPr>
+            <a:r>
+              <a:rPr lang="en-US" sz="2400" kern="1200" dirty="0" smtClean="0"/>
+              <a:t>Image processing</a:t>
+            </a:r>
+            <a:endParaRPr lang="en-US" sz="2400" kern="1200" dirty="0"/>
           </a:p>
         </p:txBody>
       </p:sp>
+      <p:sp>
+        <p:nvSpPr>
+          <p:cNvPr id="16" name="Freeform 15"/>
+          <p:cNvSpPr/>
+          <p:nvPr/>
+        </p:nvSpPr>
+        <p:spPr>
+          <a:xfrm>
+            <a:off x="8978087" y="2429944"/>
+            <a:ext cx="1817038" cy="961419"/>
+          </a:xfrm>
+          <a:custGeom>
+            <a:avLst/>
+            <a:gdLst>
+              <a:gd name="connsiteX0" fmla="*/ 0 w 3094136"/>
+              <a:gd name="connsiteY0" fmla="*/ 0 h 1856482"/>
+              <a:gd name="connsiteX1" fmla="*/ 3094136 w 3094136"/>
+              <a:gd name="connsiteY1" fmla="*/ 0 h 1856482"/>
+              <a:gd name="connsiteX2" fmla="*/ 3094136 w 3094136"/>
+              <a:gd name="connsiteY2" fmla="*/ 1856482 h 1856482"/>
+              <a:gd name="connsiteX3" fmla="*/ 0 w 3094136"/>
+              <a:gd name="connsiteY3" fmla="*/ 1856482 h 1856482"/>
+              <a:gd name="connsiteX4" fmla="*/ 0 w 3094136"/>
+              <a:gd name="connsiteY4" fmla="*/ 0 h 1856482"/>
+            </a:gdLst>
+            <a:ahLst/>
+            <a:cxnLst>
+              <a:cxn ang="0">
+                <a:pos x="connsiteX0" y="connsiteY0"/>
+              </a:cxn>
+              <a:cxn ang="0">
+                <a:pos x="connsiteX1" y="connsiteY1"/>
+              </a:cxn>
+              <a:cxn ang="0">
+                <a:pos x="connsiteX2" y="connsiteY2"/>
+              </a:cxn>
+              <a:cxn ang="0">
+                <a:pos x="connsiteX3" y="connsiteY3"/>
+              </a:cxn>
+              <a:cxn ang="0">
+                <a:pos x="connsiteX4" y="connsiteY4"/>
+              </a:cxn>
+            </a:cxnLst>
+            <a:rect l="l" t="t" r="r" b="b"/>
+            <a:pathLst>
+              <a:path w="3094136" h="1856482">
+                <a:moveTo>
+                  <a:pt x="0" y="0"/>
+                </a:moveTo>
+                <a:lnTo>
+                  <a:pt x="3094136" y="0"/>
+                </a:lnTo>
+                <a:lnTo>
+                  <a:pt x="3094136" y="1856482"/>
+                </a:lnTo>
+                <a:lnTo>
+                  <a:pt x="0" y="1856482"/>
+                </a:lnTo>
+                <a:lnTo>
+                  <a:pt x="0" y="0"/>
+                </a:lnTo>
+                <a:close/>
+              </a:path>
+            </a:pathLst>
+          </a:custGeom>
+        </p:spPr>
+        <p:style>
+          <a:lnRef idx="2">
+            <a:schemeClr val="lt1">
+              <a:hueOff val="0"/>
+              <a:satOff val="0"/>
+              <a:lumOff val="0"/>
+              <a:alphaOff val="0"/>
+            </a:schemeClr>
+          </a:lnRef>
+          <a:fillRef idx="1">
+            <a:schemeClr val="accent1">
+              <a:hueOff val="0"/>
+              <a:satOff val="0"/>
+              <a:lumOff val="0"/>
+              <a:alphaOff val="0"/>
+            </a:schemeClr>
+          </a:fillRef>
+          <a:effectRef idx="0">
+            <a:schemeClr val="accent1">
+              <a:hueOff val="0"/>
+              <a:satOff val="0"/>
+              <a:lumOff val="0"/>
+              <a:alphaOff val="0"/>
+            </a:schemeClr>
+          </a:effectRef>
+          <a:fontRef idx="minor">
+            <a:schemeClr val="lt1"/>
+          </a:fontRef>
+        </p:style>
+        <p:txBody>
+          <a:bodyPr spcFirstLastPara="0" vert="horz" wrap="square" lIns="247650" tIns="247650" rIns="247650" bIns="247650" numCol="1" spcCol="1270" anchor="ctr" anchorCtr="0">
+            <a:noAutofit/>
+          </a:bodyPr>
+          <a:lstStyle/>
+          <a:p>
+            <a:pPr lvl="0" algn="ctr" defTabSz="2889250">
+              <a:lnSpc>
+                <a:spcPct val="90000"/>
+              </a:lnSpc>
+              <a:spcBef>
+                <a:spcPct val="0"/>
+              </a:spcBef>
+              <a:spcAft>
+                <a:spcPct val="35000"/>
+              </a:spcAft>
+            </a:pPr>
+            <a:r>
+              <a:rPr lang="en-US" sz="2400" kern="1200" dirty="0" smtClean="0"/>
+              <a:t>Motor controllers</a:t>
+            </a:r>
+            <a:endParaRPr lang="en-US" sz="2400" kern="1200" dirty="0"/>
+          </a:p>
+        </p:txBody>
+      </p:sp>
+      <p:sp>
+        <p:nvSpPr>
+          <p:cNvPr id="17" name="Freeform 16"/>
+          <p:cNvSpPr/>
+          <p:nvPr/>
+        </p:nvSpPr>
+        <p:spPr>
+          <a:xfrm>
+            <a:off x="8978087" y="3538857"/>
+            <a:ext cx="1817038" cy="961420"/>
+          </a:xfrm>
+          <a:custGeom>
+            <a:avLst/>
+            <a:gdLst>
+              <a:gd name="connsiteX0" fmla="*/ 0 w 3094136"/>
+              <a:gd name="connsiteY0" fmla="*/ 0 h 1856482"/>
+              <a:gd name="connsiteX1" fmla="*/ 3094136 w 3094136"/>
+              <a:gd name="connsiteY1" fmla="*/ 0 h 1856482"/>
+              <a:gd name="connsiteX2" fmla="*/ 3094136 w 3094136"/>
+              <a:gd name="connsiteY2" fmla="*/ 1856482 h 1856482"/>
+              <a:gd name="connsiteX3" fmla="*/ 0 w 3094136"/>
+              <a:gd name="connsiteY3" fmla="*/ 1856482 h 1856482"/>
+              <a:gd name="connsiteX4" fmla="*/ 0 w 3094136"/>
+              <a:gd name="connsiteY4" fmla="*/ 0 h 1856482"/>
+            </a:gdLst>
+            <a:ahLst/>
+            <a:cxnLst>
+              <a:cxn ang="0">
+                <a:pos x="connsiteX0" y="connsiteY0"/>
+              </a:cxn>
+              <a:cxn ang="0">
+                <a:pos x="connsiteX1" y="connsiteY1"/>
+              </a:cxn>
+              <a:cxn ang="0">
+                <a:pos x="connsiteX2" y="connsiteY2"/>
+              </a:cxn>
+              <a:cxn ang="0">
+                <a:pos x="connsiteX3" y="connsiteY3"/>
+              </a:cxn>
+              <a:cxn ang="0">
+                <a:pos x="connsiteX4" y="connsiteY4"/>
+              </a:cxn>
+            </a:cxnLst>
+            <a:rect l="l" t="t" r="r" b="b"/>
+            <a:pathLst>
+              <a:path w="3094136" h="1856482">
+                <a:moveTo>
+                  <a:pt x="0" y="0"/>
+                </a:moveTo>
+                <a:lnTo>
+                  <a:pt x="3094136" y="0"/>
+                </a:lnTo>
+                <a:lnTo>
+                  <a:pt x="3094136" y="1856482"/>
+                </a:lnTo>
+                <a:lnTo>
+                  <a:pt x="0" y="1856482"/>
+                </a:lnTo>
+                <a:lnTo>
+                  <a:pt x="0" y="0"/>
+                </a:lnTo>
+                <a:close/>
+              </a:path>
+            </a:pathLst>
+          </a:custGeom>
+        </p:spPr>
+        <p:style>
+          <a:lnRef idx="2">
+            <a:schemeClr val="lt1">
+              <a:hueOff val="0"/>
+              <a:satOff val="0"/>
+              <a:lumOff val="0"/>
+              <a:alphaOff val="0"/>
+            </a:schemeClr>
+          </a:lnRef>
+          <a:fillRef idx="1">
+            <a:schemeClr val="accent1">
+              <a:hueOff val="0"/>
+              <a:satOff val="0"/>
+              <a:lumOff val="0"/>
+              <a:alphaOff val="0"/>
+            </a:schemeClr>
+          </a:fillRef>
+          <a:effectRef idx="0">
+            <a:schemeClr val="accent1">
+              <a:hueOff val="0"/>
+              <a:satOff val="0"/>
+              <a:lumOff val="0"/>
+              <a:alphaOff val="0"/>
+            </a:schemeClr>
+          </a:effectRef>
+          <a:fontRef idx="minor">
+            <a:schemeClr val="lt1"/>
+          </a:fontRef>
+        </p:style>
+        <p:txBody>
+          <a:bodyPr spcFirstLastPara="0" vert="horz" wrap="square" lIns="247650" tIns="247650" rIns="247650" bIns="247650" numCol="1" spcCol="1270" anchor="ctr" anchorCtr="0">
+            <a:noAutofit/>
+          </a:bodyPr>
+          <a:lstStyle/>
+          <a:p>
+            <a:pPr lvl="0" algn="ctr" defTabSz="2889250">
+              <a:lnSpc>
+                <a:spcPct val="90000"/>
+              </a:lnSpc>
+              <a:spcBef>
+                <a:spcPct val="0"/>
+              </a:spcBef>
+              <a:spcAft>
+                <a:spcPct val="35000"/>
+              </a:spcAft>
+            </a:pPr>
+            <a:r>
+              <a:rPr lang="en-US" sz="2800" kern="1200" dirty="0" err="1" smtClean="0"/>
+              <a:t>WiPort</a:t>
+            </a:r>
+            <a:endParaRPr lang="en-US" sz="2800" kern="1200" dirty="0"/>
+          </a:p>
+        </p:txBody>
+      </p:sp>
+      <p:sp>
+        <p:nvSpPr>
+          <p:cNvPr id="18" name="Freeform 17"/>
+          <p:cNvSpPr/>
+          <p:nvPr/>
+        </p:nvSpPr>
+        <p:spPr>
+          <a:xfrm>
+            <a:off x="6178884" y="3538857"/>
+            <a:ext cx="1817038" cy="961419"/>
+          </a:xfrm>
+          <a:custGeom>
+            <a:avLst/>
+            <a:gdLst>
+              <a:gd name="connsiteX0" fmla="*/ 0 w 3094136"/>
+              <a:gd name="connsiteY0" fmla="*/ 0 h 1856482"/>
+              <a:gd name="connsiteX1" fmla="*/ 3094136 w 3094136"/>
+              <a:gd name="connsiteY1" fmla="*/ 0 h 1856482"/>
+              <a:gd name="connsiteX2" fmla="*/ 3094136 w 3094136"/>
+              <a:gd name="connsiteY2" fmla="*/ 1856482 h 1856482"/>
+              <a:gd name="connsiteX3" fmla="*/ 0 w 3094136"/>
+              <a:gd name="connsiteY3" fmla="*/ 1856482 h 1856482"/>
+              <a:gd name="connsiteX4" fmla="*/ 0 w 3094136"/>
+              <a:gd name="connsiteY4" fmla="*/ 0 h 1856482"/>
+            </a:gdLst>
+            <a:ahLst/>
+            <a:cxnLst>
+              <a:cxn ang="0">
+                <a:pos x="connsiteX0" y="connsiteY0"/>
+              </a:cxn>
+              <a:cxn ang="0">
+                <a:pos x="connsiteX1" y="connsiteY1"/>
+              </a:cxn>
+              <a:cxn ang="0">
+                <a:pos x="connsiteX2" y="connsiteY2"/>
+              </a:cxn>
+              <a:cxn ang="0">
+                <a:pos x="connsiteX3" y="connsiteY3"/>
+              </a:cxn>
+              <a:cxn ang="0">
+                <a:pos x="connsiteX4" y="connsiteY4"/>
+              </a:cxn>
+            </a:cxnLst>
+            <a:rect l="l" t="t" r="r" b="b"/>
+            <a:pathLst>
+              <a:path w="3094136" h="1856482">
+                <a:moveTo>
+                  <a:pt x="0" y="0"/>
+                </a:moveTo>
+                <a:lnTo>
+                  <a:pt x="3094136" y="0"/>
+                </a:lnTo>
+                <a:lnTo>
+                  <a:pt x="3094136" y="1856482"/>
+                </a:lnTo>
+                <a:lnTo>
+                  <a:pt x="0" y="1856482"/>
+                </a:lnTo>
+                <a:lnTo>
+                  <a:pt x="0" y="0"/>
+                </a:lnTo>
+                <a:close/>
+              </a:path>
+            </a:pathLst>
+          </a:custGeom>
+        </p:spPr>
+        <p:style>
+          <a:lnRef idx="2">
+            <a:schemeClr val="lt1">
+              <a:hueOff val="0"/>
+              <a:satOff val="0"/>
+              <a:lumOff val="0"/>
+              <a:alphaOff val="0"/>
+            </a:schemeClr>
+          </a:lnRef>
+          <a:fillRef idx="1">
+            <a:schemeClr val="accent1">
+              <a:hueOff val="0"/>
+              <a:satOff val="0"/>
+              <a:lumOff val="0"/>
+              <a:alphaOff val="0"/>
+            </a:schemeClr>
+          </a:fillRef>
+          <a:effectRef idx="0">
+            <a:schemeClr val="accent1">
+              <a:hueOff val="0"/>
+              <a:satOff val="0"/>
+              <a:lumOff val="0"/>
+              <a:alphaOff val="0"/>
+            </a:schemeClr>
+          </a:effectRef>
+          <a:fontRef idx="minor">
+            <a:schemeClr val="lt1"/>
+          </a:fontRef>
+        </p:style>
+        <p:txBody>
+          <a:bodyPr spcFirstLastPara="0" vert="horz" wrap="square" lIns="247650" tIns="247650" rIns="247650" bIns="247650" numCol="1" spcCol="1270" anchor="ctr" anchorCtr="0">
+            <a:noAutofit/>
+          </a:bodyPr>
+          <a:lstStyle/>
+          <a:p>
+            <a:pPr lvl="0" algn="ctr" defTabSz="2889250">
+              <a:lnSpc>
+                <a:spcPct val="90000"/>
+              </a:lnSpc>
+              <a:spcBef>
+                <a:spcPct val="0"/>
+              </a:spcBef>
+              <a:spcAft>
+                <a:spcPct val="35000"/>
+              </a:spcAft>
+            </a:pPr>
+            <a:r>
+              <a:rPr lang="en-US" sz="2800" dirty="0" smtClean="0"/>
+              <a:t>Switch</a:t>
+            </a:r>
+            <a:endParaRPr lang="en-US" sz="2800" kern="1200" dirty="0"/>
+          </a:p>
+        </p:txBody>
+      </p:sp>
+      <p:cxnSp>
+        <p:nvCxnSpPr>
+          <p:cNvPr id="23" name="Straight Connector 22"/>
+          <p:cNvCxnSpPr/>
+          <p:nvPr/>
+        </p:nvCxnSpPr>
+        <p:spPr>
+          <a:xfrm>
+            <a:off x="5810546" y="4037893"/>
+            <a:ext cx="368338" cy="0"/>
+          </a:xfrm>
+          <a:prstGeom prst="line">
+            <a:avLst/>
+          </a:prstGeom>
+          <a:ln>
+            <a:headEnd type="none"/>
+            <a:tailEnd type="triangle"/>
+          </a:ln>
+        </p:spPr>
+        <p:style>
+          <a:lnRef idx="2">
+            <a:schemeClr val="dk1"/>
+          </a:lnRef>
+          <a:fillRef idx="0">
+            <a:schemeClr val="dk1"/>
+          </a:fillRef>
+          <a:effectRef idx="1">
+            <a:schemeClr val="dk1"/>
+          </a:effectRef>
+          <a:fontRef idx="minor">
+            <a:schemeClr val="tx1"/>
+          </a:fontRef>
+        </p:style>
+      </p:cxnSp>
+      <p:grpSp>
+        <p:nvGrpSpPr>
+          <p:cNvPr id="53" name="Group 52"/>
+          <p:cNvGrpSpPr/>
+          <p:nvPr/>
+        </p:nvGrpSpPr>
+        <p:grpSpPr>
+          <a:xfrm>
+            <a:off x="7995922" y="2910653"/>
+            <a:ext cx="982165" cy="2217827"/>
+            <a:chOff x="6855134" y="2892035"/>
+            <a:chExt cx="982165" cy="2217827"/>
+          </a:xfrm>
+        </p:grpSpPr>
+        <p:cxnSp>
+          <p:nvCxnSpPr>
+            <p:cNvPr id="36" name="Straight Connector 35"/>
+            <p:cNvCxnSpPr/>
+            <p:nvPr/>
+          </p:nvCxnSpPr>
+          <p:spPr>
+            <a:xfrm>
+              <a:off x="6855134" y="4000948"/>
+              <a:ext cx="982165" cy="0"/>
+            </a:xfrm>
+            <a:prstGeom prst="line">
+              <a:avLst/>
+            </a:prstGeom>
+            <a:ln>
+              <a:headEnd type="triangle"/>
+              <a:tailEnd type="triangle"/>
+            </a:ln>
+          </p:spPr>
+          <p:style>
+            <a:lnRef idx="2">
+              <a:schemeClr val="dk1"/>
+            </a:lnRef>
+            <a:fillRef idx="0">
+              <a:schemeClr val="dk1"/>
+            </a:fillRef>
+            <a:effectRef idx="1">
+              <a:schemeClr val="dk1"/>
+            </a:effectRef>
+            <a:fontRef idx="minor">
+              <a:schemeClr val="tx1"/>
+            </a:fontRef>
+          </p:style>
+        </p:cxnSp>
+        <p:grpSp>
+          <p:nvGrpSpPr>
+            <p:cNvPr id="51" name="Group 50"/>
+            <p:cNvGrpSpPr/>
+            <p:nvPr/>
+          </p:nvGrpSpPr>
+          <p:grpSpPr>
+            <a:xfrm>
+              <a:off x="6855134" y="2892035"/>
+              <a:ext cx="982165" cy="861135"/>
+              <a:chOff x="6855134" y="2892035"/>
+              <a:chExt cx="982165" cy="861135"/>
+            </a:xfrm>
+          </p:grpSpPr>
+          <p:cxnSp>
+            <p:nvCxnSpPr>
+              <p:cNvPr id="41" name="Straight Connector 40"/>
+              <p:cNvCxnSpPr/>
+              <p:nvPr/>
+            </p:nvCxnSpPr>
+            <p:spPr>
+              <a:xfrm>
+                <a:off x="7339945" y="2892035"/>
+                <a:ext cx="497354" cy="0"/>
+              </a:xfrm>
+              <a:prstGeom prst="line">
+                <a:avLst/>
+              </a:prstGeom>
+              <a:ln>
+                <a:tailEnd type="triangle"/>
+              </a:ln>
+            </p:spPr>
+            <p:style>
+              <a:lnRef idx="2">
+                <a:schemeClr val="dk1"/>
+              </a:lnRef>
+              <a:fillRef idx="0">
+                <a:schemeClr val="dk1"/>
+              </a:fillRef>
+              <a:effectRef idx="1">
+                <a:schemeClr val="dk1"/>
+              </a:effectRef>
+              <a:fontRef idx="minor">
+                <a:schemeClr val="tx1"/>
+              </a:fontRef>
+            </p:style>
+          </p:cxnSp>
+          <p:cxnSp>
+            <p:nvCxnSpPr>
+              <p:cNvPr id="45" name="Straight Connector 44"/>
+              <p:cNvCxnSpPr/>
+              <p:nvPr/>
+            </p:nvCxnSpPr>
+            <p:spPr>
+              <a:xfrm flipV="1">
+                <a:off x="7333674" y="2892035"/>
+                <a:ext cx="6271" cy="861135"/>
+              </a:xfrm>
+              <a:prstGeom prst="line">
+                <a:avLst/>
+              </a:prstGeom>
+            </p:spPr>
+            <p:style>
+              <a:lnRef idx="2">
+                <a:schemeClr val="dk1"/>
+              </a:lnRef>
+              <a:fillRef idx="0">
+                <a:schemeClr val="dk1"/>
+              </a:fillRef>
+              <a:effectRef idx="1">
+                <a:schemeClr val="dk1"/>
+              </a:effectRef>
+              <a:fontRef idx="minor">
+                <a:schemeClr val="tx1"/>
+              </a:fontRef>
+            </p:style>
+          </p:cxnSp>
+          <p:cxnSp>
+            <p:nvCxnSpPr>
+              <p:cNvPr id="47" name="Straight Connector 46"/>
+              <p:cNvCxnSpPr/>
+              <p:nvPr/>
+            </p:nvCxnSpPr>
+            <p:spPr>
+              <a:xfrm flipH="1">
+                <a:off x="6855134" y="3753170"/>
+                <a:ext cx="478540" cy="0"/>
+              </a:xfrm>
+              <a:prstGeom prst="line">
+                <a:avLst/>
+              </a:prstGeom>
+              <a:ln>
+                <a:headEnd type="none"/>
+                <a:tailEnd type="triangle"/>
+              </a:ln>
+            </p:spPr>
+            <p:style>
+              <a:lnRef idx="2">
+                <a:schemeClr val="dk1"/>
+              </a:lnRef>
+              <a:fillRef idx="0">
+                <a:schemeClr val="dk1"/>
+              </a:fillRef>
+              <a:effectRef idx="1">
+                <a:schemeClr val="dk1"/>
+              </a:effectRef>
+              <a:fontRef idx="minor">
+                <a:schemeClr val="tx1"/>
+              </a:fontRef>
+            </p:style>
+          </p:cxnSp>
+        </p:grpSp>
+        <p:grpSp>
+          <p:nvGrpSpPr>
+            <p:cNvPr id="52" name="Group 51"/>
+            <p:cNvGrpSpPr/>
+            <p:nvPr/>
+          </p:nvGrpSpPr>
+          <p:grpSpPr>
+            <a:xfrm>
+              <a:off x="6855134" y="4248727"/>
+              <a:ext cx="982165" cy="861135"/>
+              <a:chOff x="6855134" y="4248727"/>
+              <a:chExt cx="982165" cy="861135"/>
+            </a:xfrm>
+          </p:grpSpPr>
+          <p:cxnSp>
+            <p:nvCxnSpPr>
+              <p:cNvPr id="38" name="Straight Connector 37"/>
+              <p:cNvCxnSpPr/>
+              <p:nvPr/>
+            </p:nvCxnSpPr>
+            <p:spPr>
+              <a:xfrm flipV="1">
+                <a:off x="7346217" y="4248727"/>
+                <a:ext cx="6271" cy="861135"/>
+              </a:xfrm>
+              <a:prstGeom prst="line">
+                <a:avLst/>
+              </a:prstGeom>
+            </p:spPr>
+            <p:style>
+              <a:lnRef idx="2">
+                <a:schemeClr val="dk1"/>
+              </a:lnRef>
+              <a:fillRef idx="0">
+                <a:schemeClr val="dk1"/>
+              </a:fillRef>
+              <a:effectRef idx="1">
+                <a:schemeClr val="dk1"/>
+              </a:effectRef>
+              <a:fontRef idx="minor">
+                <a:schemeClr val="tx1"/>
+              </a:fontRef>
+            </p:style>
+          </p:cxnSp>
+          <p:cxnSp>
+            <p:nvCxnSpPr>
+              <p:cNvPr id="43" name="Straight Connector 42"/>
+              <p:cNvCxnSpPr/>
+              <p:nvPr/>
+            </p:nvCxnSpPr>
+            <p:spPr>
+              <a:xfrm>
+                <a:off x="7346216" y="5109862"/>
+                <a:ext cx="491083" cy="0"/>
+              </a:xfrm>
+              <a:prstGeom prst="line">
+                <a:avLst/>
+              </a:prstGeom>
+              <a:ln>
+                <a:tailEnd type="triangle"/>
+              </a:ln>
+            </p:spPr>
+            <p:style>
+              <a:lnRef idx="2">
+                <a:schemeClr val="dk1"/>
+              </a:lnRef>
+              <a:fillRef idx="0">
+                <a:schemeClr val="dk1"/>
+              </a:fillRef>
+              <a:effectRef idx="1">
+                <a:schemeClr val="dk1"/>
+              </a:effectRef>
+              <a:fontRef idx="minor">
+                <a:schemeClr val="tx1"/>
+              </a:fontRef>
+            </p:style>
+          </p:cxnSp>
+          <p:cxnSp>
+            <p:nvCxnSpPr>
+              <p:cNvPr id="49" name="Straight Connector 48"/>
+              <p:cNvCxnSpPr/>
+              <p:nvPr/>
+            </p:nvCxnSpPr>
+            <p:spPr>
+              <a:xfrm flipH="1">
+                <a:off x="6855134" y="4248727"/>
+                <a:ext cx="491082" cy="0"/>
+              </a:xfrm>
+              <a:prstGeom prst="line">
+                <a:avLst/>
+              </a:prstGeom>
+              <a:ln>
+                <a:tailEnd type="triangle"/>
+              </a:ln>
+            </p:spPr>
+            <p:style>
+              <a:lnRef idx="2">
+                <a:schemeClr val="dk1"/>
+              </a:lnRef>
+              <a:fillRef idx="0">
+                <a:schemeClr val="dk1"/>
+              </a:fillRef>
+              <a:effectRef idx="1">
+                <a:schemeClr val="dk1"/>
+              </a:effectRef>
+              <a:fontRef idx="minor">
+                <a:schemeClr val="tx1"/>
+              </a:fontRef>
+            </p:style>
+          </p:cxnSp>
+        </p:grpSp>
+      </p:grpSp>
+      <p:grpSp>
+        <p:nvGrpSpPr>
+          <p:cNvPr id="75" name="Group 74"/>
+          <p:cNvGrpSpPr/>
+          <p:nvPr/>
+        </p:nvGrpSpPr>
+        <p:grpSpPr>
+          <a:xfrm>
+            <a:off x="1896418" y="2494452"/>
+            <a:ext cx="3889677" cy="2518872"/>
+            <a:chOff x="166255" y="2884401"/>
+            <a:chExt cx="3889677" cy="2518872"/>
+          </a:xfrm>
+        </p:grpSpPr>
+        <p:grpSp>
+          <p:nvGrpSpPr>
+            <p:cNvPr id="54" name="Group 53"/>
+            <p:cNvGrpSpPr/>
+            <p:nvPr/>
+          </p:nvGrpSpPr>
+          <p:grpSpPr>
+            <a:xfrm>
+              <a:off x="166255" y="2884401"/>
+              <a:ext cx="3889677" cy="2518872"/>
+              <a:chOff x="1273938" y="2983981"/>
+              <a:chExt cx="2781993" cy="2217827"/>
+            </a:xfrm>
+          </p:grpSpPr>
+          <p:sp>
+            <p:nvSpPr>
+              <p:cNvPr id="15" name="Freeform 14"/>
+              <p:cNvSpPr/>
+              <p:nvPr/>
+            </p:nvSpPr>
+            <p:spPr>
+              <a:xfrm>
+                <a:off x="1273938" y="2983981"/>
+                <a:ext cx="2781993" cy="2217827"/>
+              </a:xfrm>
+              <a:custGeom>
+                <a:avLst/>
+                <a:gdLst>
+                  <a:gd name="connsiteX0" fmla="*/ 0 w 3094136"/>
+                  <a:gd name="connsiteY0" fmla="*/ 0 h 1856482"/>
+                  <a:gd name="connsiteX1" fmla="*/ 3094136 w 3094136"/>
+                  <a:gd name="connsiteY1" fmla="*/ 0 h 1856482"/>
+                  <a:gd name="connsiteX2" fmla="*/ 3094136 w 3094136"/>
+                  <a:gd name="connsiteY2" fmla="*/ 1856482 h 1856482"/>
+                  <a:gd name="connsiteX3" fmla="*/ 0 w 3094136"/>
+                  <a:gd name="connsiteY3" fmla="*/ 1856482 h 1856482"/>
+                  <a:gd name="connsiteX4" fmla="*/ 0 w 3094136"/>
+                  <a:gd name="connsiteY4" fmla="*/ 0 h 1856482"/>
+                </a:gdLst>
+                <a:ahLst/>
+                <a:cxnLst>
+                  <a:cxn ang="0">
+                    <a:pos x="connsiteX0" y="connsiteY0"/>
+                  </a:cxn>
+                  <a:cxn ang="0">
+                    <a:pos x="connsiteX1" y="connsiteY1"/>
+                  </a:cxn>
+                  <a:cxn ang="0">
+                    <a:pos x="connsiteX2" y="connsiteY2"/>
+                  </a:cxn>
+                  <a:cxn ang="0">
+                    <a:pos x="connsiteX3" y="connsiteY3"/>
+                  </a:cxn>
+                  <a:cxn ang="0">
+                    <a:pos x="connsiteX4" y="connsiteY4"/>
+                  </a:cxn>
+                </a:cxnLst>
+                <a:rect l="l" t="t" r="r" b="b"/>
+                <a:pathLst>
+                  <a:path w="3094136" h="1856482">
+                    <a:moveTo>
+                      <a:pt x="0" y="0"/>
+                    </a:moveTo>
+                    <a:lnTo>
+                      <a:pt x="3094136" y="0"/>
+                    </a:lnTo>
+                    <a:lnTo>
+                      <a:pt x="3094136" y="1856482"/>
+                    </a:lnTo>
+                    <a:lnTo>
+                      <a:pt x="0" y="1856482"/>
+                    </a:lnTo>
+                    <a:lnTo>
+                      <a:pt x="0" y="0"/>
+                    </a:lnTo>
+                    <a:close/>
+                  </a:path>
+                </a:pathLst>
+              </a:custGeom>
+              <a:solidFill>
+                <a:schemeClr val="accent1">
+                  <a:lumMod val="40000"/>
+                  <a:lumOff val="60000"/>
+                </a:schemeClr>
+              </a:solidFill>
+              <a:ln w="57150">
+                <a:solidFill>
+                  <a:schemeClr val="accent1"/>
+                </a:solidFill>
+              </a:ln>
+            </p:spPr>
+            <p:style>
+              <a:lnRef idx="2">
+                <a:schemeClr val="lt1">
+                  <a:hueOff val="0"/>
+                  <a:satOff val="0"/>
+                  <a:lumOff val="0"/>
+                  <a:alphaOff val="0"/>
+                </a:schemeClr>
+              </a:lnRef>
+              <a:fillRef idx="1">
+                <a:schemeClr val="accent1">
+                  <a:hueOff val="0"/>
+                  <a:satOff val="0"/>
+                  <a:lumOff val="0"/>
+                  <a:alphaOff val="0"/>
+                </a:schemeClr>
+              </a:fillRef>
+              <a:effectRef idx="0">
+                <a:schemeClr val="accent1">
+                  <a:hueOff val="0"/>
+                  <a:satOff val="0"/>
+                  <a:lumOff val="0"/>
+                  <a:alphaOff val="0"/>
+                </a:schemeClr>
+              </a:effectRef>
+              <a:fontRef idx="minor">
+                <a:schemeClr val="lt1"/>
+              </a:fontRef>
+            </p:style>
+            <p:txBody>
+              <a:bodyPr spcFirstLastPara="0" vert="horz" wrap="square" lIns="247650" tIns="247650" rIns="247650" bIns="247650" numCol="1" spcCol="1270" anchor="t" anchorCtr="0">
+                <a:noAutofit/>
+              </a:bodyPr>
+              <a:lstStyle/>
+              <a:p>
+                <a:pPr lvl="0" algn="ctr" defTabSz="2889250">
+                  <a:lnSpc>
+                    <a:spcPct val="90000"/>
+                  </a:lnSpc>
+                  <a:spcBef>
+                    <a:spcPct val="0"/>
+                  </a:spcBef>
+                  <a:spcAft>
+                    <a:spcPct val="35000"/>
+                  </a:spcAft>
+                </a:pPr>
+                <a:r>
+                  <a:rPr lang="en-US" sz="3200" kern="1200" dirty="0" smtClean="0">
+                    <a:solidFill>
+                      <a:schemeClr val="tx1"/>
+                    </a:solidFill>
+                  </a:rPr>
+                  <a:t>Altera FPGA</a:t>
+                </a:r>
+                <a:endParaRPr lang="en-US" sz="3200" kern="1200" dirty="0">
+                  <a:solidFill>
+                    <a:schemeClr val="tx1"/>
+                  </a:solidFill>
+                </a:endParaRPr>
+              </a:p>
+            </p:txBody>
+          </p:sp>
+          <p:sp>
+            <p:nvSpPr>
+              <p:cNvPr id="19" name="Freeform 18"/>
+              <p:cNvSpPr/>
+              <p:nvPr/>
+            </p:nvSpPr>
+            <p:spPr>
+              <a:xfrm>
+                <a:off x="1939830" y="4140568"/>
+                <a:ext cx="787445" cy="396876"/>
+              </a:xfrm>
+              <a:custGeom>
+                <a:avLst/>
+                <a:gdLst>
+                  <a:gd name="connsiteX0" fmla="*/ 0 w 3094136"/>
+                  <a:gd name="connsiteY0" fmla="*/ 0 h 1856482"/>
+                  <a:gd name="connsiteX1" fmla="*/ 3094136 w 3094136"/>
+                  <a:gd name="connsiteY1" fmla="*/ 0 h 1856482"/>
+                  <a:gd name="connsiteX2" fmla="*/ 3094136 w 3094136"/>
+                  <a:gd name="connsiteY2" fmla="*/ 1856482 h 1856482"/>
+                  <a:gd name="connsiteX3" fmla="*/ 0 w 3094136"/>
+                  <a:gd name="connsiteY3" fmla="*/ 1856482 h 1856482"/>
+                  <a:gd name="connsiteX4" fmla="*/ 0 w 3094136"/>
+                  <a:gd name="connsiteY4" fmla="*/ 0 h 1856482"/>
+                </a:gdLst>
+                <a:ahLst/>
+                <a:cxnLst>
+                  <a:cxn ang="0">
+                    <a:pos x="connsiteX0" y="connsiteY0"/>
+                  </a:cxn>
+                  <a:cxn ang="0">
+                    <a:pos x="connsiteX1" y="connsiteY1"/>
+                  </a:cxn>
+                  <a:cxn ang="0">
+                    <a:pos x="connsiteX2" y="connsiteY2"/>
+                  </a:cxn>
+                  <a:cxn ang="0">
+                    <a:pos x="connsiteX3" y="connsiteY3"/>
+                  </a:cxn>
+                  <a:cxn ang="0">
+                    <a:pos x="connsiteX4" y="connsiteY4"/>
+                  </a:cxn>
+                </a:cxnLst>
+                <a:rect l="l" t="t" r="r" b="b"/>
+                <a:pathLst>
+                  <a:path w="3094136" h="1856482">
+                    <a:moveTo>
+                      <a:pt x="0" y="0"/>
+                    </a:moveTo>
+                    <a:lnTo>
+                      <a:pt x="3094136" y="0"/>
+                    </a:lnTo>
+                    <a:lnTo>
+                      <a:pt x="3094136" y="1856482"/>
+                    </a:lnTo>
+                    <a:lnTo>
+                      <a:pt x="0" y="1856482"/>
+                    </a:lnTo>
+                    <a:lnTo>
+                      <a:pt x="0" y="0"/>
+                    </a:lnTo>
+                    <a:close/>
+                  </a:path>
+                </a:pathLst>
+              </a:custGeom>
+            </p:spPr>
+            <p:style>
+              <a:lnRef idx="2">
+                <a:schemeClr val="lt1">
+                  <a:hueOff val="0"/>
+                  <a:satOff val="0"/>
+                  <a:lumOff val="0"/>
+                  <a:alphaOff val="0"/>
+                </a:schemeClr>
+              </a:lnRef>
+              <a:fillRef idx="1">
+                <a:schemeClr val="accent1">
+                  <a:hueOff val="0"/>
+                  <a:satOff val="0"/>
+                  <a:lumOff val="0"/>
+                  <a:alphaOff val="0"/>
+                </a:schemeClr>
+              </a:fillRef>
+              <a:effectRef idx="0">
+                <a:schemeClr val="accent1">
+                  <a:hueOff val="0"/>
+                  <a:satOff val="0"/>
+                  <a:lumOff val="0"/>
+                  <a:alphaOff val="0"/>
+                </a:schemeClr>
+              </a:effectRef>
+              <a:fontRef idx="minor">
+                <a:schemeClr val="lt1"/>
+              </a:fontRef>
+            </p:style>
+            <p:txBody>
+              <a:bodyPr spcFirstLastPara="0" vert="horz" wrap="square" lIns="247650" tIns="247650" rIns="247650" bIns="247650" numCol="1" spcCol="1270" anchor="ctr" anchorCtr="0">
+                <a:noAutofit/>
+              </a:bodyPr>
+              <a:lstStyle/>
+              <a:p>
+                <a:pPr lvl="0" algn="ctr" defTabSz="2889250">
+                  <a:lnSpc>
+                    <a:spcPct val="90000"/>
+                  </a:lnSpc>
+                  <a:spcBef>
+                    <a:spcPct val="0"/>
+                  </a:spcBef>
+                  <a:spcAft>
+                    <a:spcPct val="35000"/>
+                  </a:spcAft>
+                </a:pPr>
+                <a:r>
+                  <a:rPr lang="en-US" sz="1600" dirty="0" smtClean="0"/>
+                  <a:t>Core 1</a:t>
+                </a:r>
+                <a:endParaRPr lang="en-US" sz="1600" kern="1200" dirty="0"/>
+              </a:p>
+            </p:txBody>
+          </p:sp>
+          <p:sp>
+            <p:nvSpPr>
+              <p:cNvPr id="20" name="Freeform 19"/>
+              <p:cNvSpPr/>
+              <p:nvPr/>
+            </p:nvSpPr>
+            <p:spPr>
+              <a:xfrm>
+                <a:off x="1939830" y="4636663"/>
+                <a:ext cx="787445" cy="396875"/>
+              </a:xfrm>
+              <a:custGeom>
+                <a:avLst/>
+                <a:gdLst>
+                  <a:gd name="connsiteX0" fmla="*/ 0 w 3094136"/>
+                  <a:gd name="connsiteY0" fmla="*/ 0 h 1856482"/>
+                  <a:gd name="connsiteX1" fmla="*/ 3094136 w 3094136"/>
+                  <a:gd name="connsiteY1" fmla="*/ 0 h 1856482"/>
+                  <a:gd name="connsiteX2" fmla="*/ 3094136 w 3094136"/>
+                  <a:gd name="connsiteY2" fmla="*/ 1856482 h 1856482"/>
+                  <a:gd name="connsiteX3" fmla="*/ 0 w 3094136"/>
+                  <a:gd name="connsiteY3" fmla="*/ 1856482 h 1856482"/>
+                  <a:gd name="connsiteX4" fmla="*/ 0 w 3094136"/>
+                  <a:gd name="connsiteY4" fmla="*/ 0 h 1856482"/>
+                </a:gdLst>
+                <a:ahLst/>
+                <a:cxnLst>
+                  <a:cxn ang="0">
+                    <a:pos x="connsiteX0" y="connsiteY0"/>
+                  </a:cxn>
+                  <a:cxn ang="0">
+                    <a:pos x="connsiteX1" y="connsiteY1"/>
+                  </a:cxn>
+                  <a:cxn ang="0">
+                    <a:pos x="connsiteX2" y="connsiteY2"/>
+                  </a:cxn>
+                  <a:cxn ang="0">
+                    <a:pos x="connsiteX3" y="connsiteY3"/>
+                  </a:cxn>
+                  <a:cxn ang="0">
+                    <a:pos x="connsiteX4" y="connsiteY4"/>
+                  </a:cxn>
+                </a:cxnLst>
+                <a:rect l="l" t="t" r="r" b="b"/>
+                <a:pathLst>
+                  <a:path w="3094136" h="1856482">
+                    <a:moveTo>
+                      <a:pt x="0" y="0"/>
+                    </a:moveTo>
+                    <a:lnTo>
+                      <a:pt x="3094136" y="0"/>
+                    </a:lnTo>
+                    <a:lnTo>
+                      <a:pt x="3094136" y="1856482"/>
+                    </a:lnTo>
+                    <a:lnTo>
+                      <a:pt x="0" y="1856482"/>
+                    </a:lnTo>
+                    <a:lnTo>
+                      <a:pt x="0" y="0"/>
+                    </a:lnTo>
+                    <a:close/>
+                  </a:path>
+                </a:pathLst>
+              </a:custGeom>
+            </p:spPr>
+            <p:style>
+              <a:lnRef idx="2">
+                <a:schemeClr val="lt1">
+                  <a:hueOff val="0"/>
+                  <a:satOff val="0"/>
+                  <a:lumOff val="0"/>
+                  <a:alphaOff val="0"/>
+                </a:schemeClr>
+              </a:lnRef>
+              <a:fillRef idx="1">
+                <a:schemeClr val="accent1">
+                  <a:hueOff val="0"/>
+                  <a:satOff val="0"/>
+                  <a:lumOff val="0"/>
+                  <a:alphaOff val="0"/>
+                </a:schemeClr>
+              </a:fillRef>
+              <a:effectRef idx="0">
+                <a:schemeClr val="accent1">
+                  <a:hueOff val="0"/>
+                  <a:satOff val="0"/>
+                  <a:lumOff val="0"/>
+                  <a:alphaOff val="0"/>
+                </a:schemeClr>
+              </a:effectRef>
+              <a:fontRef idx="minor">
+                <a:schemeClr val="lt1"/>
+              </a:fontRef>
+            </p:style>
+            <p:txBody>
+              <a:bodyPr spcFirstLastPara="0" vert="horz" wrap="square" lIns="247650" tIns="247650" rIns="247650" bIns="247650" numCol="1" spcCol="1270" anchor="ctr" anchorCtr="0">
+                <a:noAutofit/>
+              </a:bodyPr>
+              <a:lstStyle/>
+              <a:p>
+                <a:pPr lvl="0" algn="ctr" defTabSz="2889250">
+                  <a:lnSpc>
+                    <a:spcPct val="90000"/>
+                  </a:lnSpc>
+                  <a:spcBef>
+                    <a:spcPct val="0"/>
+                  </a:spcBef>
+                  <a:spcAft>
+                    <a:spcPct val="35000"/>
+                  </a:spcAft>
+                </a:pPr>
+                <a:r>
+                  <a:rPr lang="en-US" sz="1600" dirty="0" smtClean="0"/>
+                  <a:t>Core 0</a:t>
+                </a:r>
+                <a:endParaRPr lang="en-US" sz="1600" kern="1200" dirty="0"/>
+              </a:p>
+            </p:txBody>
+          </p:sp>
+          <p:sp>
+            <p:nvSpPr>
+              <p:cNvPr id="21" name="Freeform 20"/>
+              <p:cNvSpPr/>
+              <p:nvPr/>
+            </p:nvSpPr>
+            <p:spPr>
+              <a:xfrm>
+                <a:off x="3008208" y="4140569"/>
+                <a:ext cx="716097" cy="396875"/>
+              </a:xfrm>
+              <a:custGeom>
+                <a:avLst/>
+                <a:gdLst>
+                  <a:gd name="connsiteX0" fmla="*/ 0 w 3094136"/>
+                  <a:gd name="connsiteY0" fmla="*/ 0 h 1856482"/>
+                  <a:gd name="connsiteX1" fmla="*/ 3094136 w 3094136"/>
+                  <a:gd name="connsiteY1" fmla="*/ 0 h 1856482"/>
+                  <a:gd name="connsiteX2" fmla="*/ 3094136 w 3094136"/>
+                  <a:gd name="connsiteY2" fmla="*/ 1856482 h 1856482"/>
+                  <a:gd name="connsiteX3" fmla="*/ 0 w 3094136"/>
+                  <a:gd name="connsiteY3" fmla="*/ 1856482 h 1856482"/>
+                  <a:gd name="connsiteX4" fmla="*/ 0 w 3094136"/>
+                  <a:gd name="connsiteY4" fmla="*/ 0 h 1856482"/>
+                </a:gdLst>
+                <a:ahLst/>
+                <a:cxnLst>
+                  <a:cxn ang="0">
+                    <a:pos x="connsiteX0" y="connsiteY0"/>
+                  </a:cxn>
+                  <a:cxn ang="0">
+                    <a:pos x="connsiteX1" y="connsiteY1"/>
+                  </a:cxn>
+                  <a:cxn ang="0">
+                    <a:pos x="connsiteX2" y="connsiteY2"/>
+                  </a:cxn>
+                  <a:cxn ang="0">
+                    <a:pos x="connsiteX3" y="connsiteY3"/>
+                  </a:cxn>
+                  <a:cxn ang="0">
+                    <a:pos x="connsiteX4" y="connsiteY4"/>
+                  </a:cxn>
+                </a:cxnLst>
+                <a:rect l="l" t="t" r="r" b="b"/>
+                <a:pathLst>
+                  <a:path w="3094136" h="1856482">
+                    <a:moveTo>
+                      <a:pt x="0" y="0"/>
+                    </a:moveTo>
+                    <a:lnTo>
+                      <a:pt x="3094136" y="0"/>
+                    </a:lnTo>
+                    <a:lnTo>
+                      <a:pt x="3094136" y="1856482"/>
+                    </a:lnTo>
+                    <a:lnTo>
+                      <a:pt x="0" y="1856482"/>
+                    </a:lnTo>
+                    <a:lnTo>
+                      <a:pt x="0" y="0"/>
+                    </a:lnTo>
+                    <a:close/>
+                  </a:path>
+                </a:pathLst>
+              </a:custGeom>
+            </p:spPr>
+            <p:style>
+              <a:lnRef idx="2">
+                <a:schemeClr val="lt1">
+                  <a:hueOff val="0"/>
+                  <a:satOff val="0"/>
+                  <a:lumOff val="0"/>
+                  <a:alphaOff val="0"/>
+                </a:schemeClr>
+              </a:lnRef>
+              <a:fillRef idx="1">
+                <a:schemeClr val="accent1">
+                  <a:hueOff val="0"/>
+                  <a:satOff val="0"/>
+                  <a:lumOff val="0"/>
+                  <a:alphaOff val="0"/>
+                </a:schemeClr>
+              </a:fillRef>
+              <a:effectRef idx="0">
+                <a:schemeClr val="accent1">
+                  <a:hueOff val="0"/>
+                  <a:satOff val="0"/>
+                  <a:lumOff val="0"/>
+                  <a:alphaOff val="0"/>
+                </a:schemeClr>
+              </a:effectRef>
+              <a:fontRef idx="minor">
+                <a:schemeClr val="lt1"/>
+              </a:fontRef>
+            </p:style>
+            <p:txBody>
+              <a:bodyPr spcFirstLastPara="0" vert="horz" wrap="square" lIns="247650" tIns="247650" rIns="247650" bIns="247650" numCol="1" spcCol="1270" anchor="ctr" anchorCtr="0">
+                <a:noAutofit/>
+              </a:bodyPr>
+              <a:lstStyle/>
+              <a:p>
+                <a:pPr lvl="0" algn="ctr" defTabSz="2889250">
+                  <a:lnSpc>
+                    <a:spcPct val="90000"/>
+                  </a:lnSpc>
+                  <a:spcBef>
+                    <a:spcPct val="0"/>
+                  </a:spcBef>
+                  <a:spcAft>
+                    <a:spcPct val="35000"/>
+                  </a:spcAft>
+                </a:pPr>
+                <a:r>
+                  <a:rPr lang="en-US" sz="1600" dirty="0" err="1" smtClean="0"/>
+                  <a:t>ethernet</a:t>
+                </a:r>
+                <a:endParaRPr lang="en-US" sz="1600" kern="1200" dirty="0"/>
+              </a:p>
+            </p:txBody>
+          </p:sp>
+        </p:grpSp>
+        <p:cxnSp>
+          <p:nvCxnSpPr>
+            <p:cNvPr id="61" name="Straight Connector 60"/>
+            <p:cNvCxnSpPr/>
+            <p:nvPr/>
+          </p:nvCxnSpPr>
+          <p:spPr>
+            <a:xfrm flipH="1">
+              <a:off x="3915538" y="4423355"/>
+              <a:ext cx="140393" cy="0"/>
+            </a:xfrm>
+            <a:prstGeom prst="line">
+              <a:avLst/>
+            </a:prstGeom>
+            <a:ln cap="rnd">
+              <a:prstDash val="sysDash"/>
+            </a:ln>
+          </p:spPr>
+          <p:style>
+            <a:lnRef idx="2">
+              <a:schemeClr val="dk1"/>
+            </a:lnRef>
+            <a:fillRef idx="0">
+              <a:schemeClr val="dk1"/>
+            </a:fillRef>
+            <a:effectRef idx="1">
+              <a:schemeClr val="dk1"/>
+            </a:effectRef>
+            <a:fontRef idx="minor">
+              <a:schemeClr val="tx1"/>
+            </a:fontRef>
+          </p:style>
+        </p:cxnSp>
+        <p:cxnSp>
+          <p:nvCxnSpPr>
+            <p:cNvPr id="63" name="Straight Connector 62"/>
+            <p:cNvCxnSpPr/>
+            <p:nvPr/>
+          </p:nvCxnSpPr>
+          <p:spPr>
+            <a:xfrm flipH="1">
+              <a:off x="3592265" y="4423355"/>
+              <a:ext cx="323273" cy="0"/>
+            </a:xfrm>
+            <a:prstGeom prst="line">
+              <a:avLst/>
+            </a:prstGeom>
+            <a:ln cap="rnd">
+              <a:prstDash val="sysDash"/>
+              <a:headEnd type="none"/>
+              <a:tailEnd type="triangle"/>
+            </a:ln>
+          </p:spPr>
+          <p:style>
+            <a:lnRef idx="2">
+              <a:schemeClr val="dk1"/>
+            </a:lnRef>
+            <a:fillRef idx="0">
+              <a:schemeClr val="dk1"/>
+            </a:fillRef>
+            <a:effectRef idx="1">
+              <a:schemeClr val="dk1"/>
+            </a:effectRef>
+            <a:fontRef idx="minor">
+              <a:schemeClr val="tx1"/>
+            </a:fontRef>
+          </p:style>
+        </p:cxnSp>
+        <p:cxnSp>
+          <p:nvCxnSpPr>
+            <p:cNvPr id="66" name="Straight Arrow Connector 65"/>
+            <p:cNvCxnSpPr/>
+            <p:nvPr/>
+          </p:nvCxnSpPr>
+          <p:spPr>
+            <a:xfrm flipH="1">
+              <a:off x="2198256" y="4423355"/>
+              <a:ext cx="393470" cy="0"/>
+            </a:xfrm>
+            <a:prstGeom prst="straightConnector1">
+              <a:avLst/>
+            </a:prstGeom>
+            <a:ln>
+              <a:prstDash val="sysDash"/>
+              <a:headEnd type="triangle"/>
+              <a:tailEnd type="triangle"/>
+            </a:ln>
+          </p:spPr>
+          <p:style>
+            <a:lnRef idx="2">
+              <a:schemeClr val="dk1"/>
+            </a:lnRef>
+            <a:fillRef idx="0">
+              <a:schemeClr val="dk1"/>
+            </a:fillRef>
+            <a:effectRef idx="1">
+              <a:schemeClr val="dk1"/>
+            </a:effectRef>
+            <a:fontRef idx="minor">
+              <a:schemeClr val="tx1"/>
+            </a:fontRef>
+          </p:style>
+        </p:cxnSp>
+        <p:sp>
+          <p:nvSpPr>
+            <p:cNvPr id="67" name="Freeform 66"/>
+            <p:cNvSpPr/>
+            <p:nvPr/>
+          </p:nvSpPr>
+          <p:spPr>
+            <a:xfrm>
+              <a:off x="274564" y="3634548"/>
+              <a:ext cx="499444" cy="1577614"/>
+            </a:xfrm>
+            <a:custGeom>
+              <a:avLst/>
+              <a:gdLst>
+                <a:gd name="connsiteX0" fmla="*/ 0 w 3094136"/>
+                <a:gd name="connsiteY0" fmla="*/ 0 h 1856482"/>
+                <a:gd name="connsiteX1" fmla="*/ 3094136 w 3094136"/>
+                <a:gd name="connsiteY1" fmla="*/ 0 h 1856482"/>
+                <a:gd name="connsiteX2" fmla="*/ 3094136 w 3094136"/>
+                <a:gd name="connsiteY2" fmla="*/ 1856482 h 1856482"/>
+                <a:gd name="connsiteX3" fmla="*/ 0 w 3094136"/>
+                <a:gd name="connsiteY3" fmla="*/ 1856482 h 1856482"/>
+                <a:gd name="connsiteX4" fmla="*/ 0 w 3094136"/>
+                <a:gd name="connsiteY4" fmla="*/ 0 h 1856482"/>
+              </a:gdLst>
+              <a:ahLst/>
+              <a:cxnLst>
+                <a:cxn ang="0">
+                  <a:pos x="connsiteX0" y="connsiteY0"/>
+                </a:cxn>
+                <a:cxn ang="0">
+                  <a:pos x="connsiteX1" y="connsiteY1"/>
+                </a:cxn>
+                <a:cxn ang="0">
+                  <a:pos x="connsiteX2" y="connsiteY2"/>
+                </a:cxn>
+                <a:cxn ang="0">
+                  <a:pos x="connsiteX3" y="connsiteY3"/>
+                </a:cxn>
+                <a:cxn ang="0">
+                  <a:pos x="connsiteX4" y="connsiteY4"/>
+                </a:cxn>
+              </a:cxnLst>
+              <a:rect l="l" t="t" r="r" b="b"/>
+              <a:pathLst>
+                <a:path w="3094136" h="1856482">
+                  <a:moveTo>
+                    <a:pt x="0" y="0"/>
+                  </a:moveTo>
+                  <a:lnTo>
+                    <a:pt x="3094136" y="0"/>
+                  </a:lnTo>
+                  <a:lnTo>
+                    <a:pt x="3094136" y="1856482"/>
+                  </a:lnTo>
+                  <a:lnTo>
+                    <a:pt x="0" y="1856482"/>
+                  </a:lnTo>
+                  <a:lnTo>
+                    <a:pt x="0" y="0"/>
+                  </a:lnTo>
+                  <a:close/>
+                </a:path>
+              </a:pathLst>
+            </a:custGeom>
+          </p:spPr>
+          <p:style>
+            <a:lnRef idx="2">
+              <a:schemeClr val="lt1">
+                <a:hueOff val="0"/>
+                <a:satOff val="0"/>
+                <a:lumOff val="0"/>
+                <a:alphaOff val="0"/>
+              </a:schemeClr>
+            </a:lnRef>
+            <a:fillRef idx="1">
+              <a:schemeClr val="accent1">
+                <a:hueOff val="0"/>
+                <a:satOff val="0"/>
+                <a:lumOff val="0"/>
+                <a:alphaOff val="0"/>
+              </a:schemeClr>
+            </a:fillRef>
+            <a:effectRef idx="0">
+              <a:schemeClr val="accent1">
+                <a:hueOff val="0"/>
+                <a:satOff val="0"/>
+                <a:lumOff val="0"/>
+                <a:alphaOff val="0"/>
+              </a:schemeClr>
+            </a:effectRef>
+            <a:fontRef idx="minor">
+              <a:schemeClr val="lt1"/>
+            </a:fontRef>
+          </p:style>
+          <p:txBody>
+            <a:bodyPr spcFirstLastPara="0" vert="vert270" wrap="square" lIns="247650" tIns="247650" rIns="247650" bIns="247650" numCol="1" spcCol="1270" anchor="ctr" anchorCtr="0">
+              <a:noAutofit/>
+            </a:bodyPr>
+            <a:lstStyle/>
+            <a:p>
+              <a:pPr lvl="0" algn="ctr" defTabSz="2889250">
+                <a:lnSpc>
+                  <a:spcPct val="90000"/>
+                </a:lnSpc>
+                <a:spcBef>
+                  <a:spcPct val="0"/>
+                </a:spcBef>
+                <a:spcAft>
+                  <a:spcPct val="35000"/>
+                </a:spcAft>
+              </a:pPr>
+              <a:r>
+                <a:rPr lang="en-US" sz="1600" dirty="0" smtClean="0"/>
+                <a:t>memory</a:t>
+              </a:r>
+              <a:endParaRPr lang="en-US" sz="1600" kern="1200" dirty="0"/>
+            </a:p>
+          </p:txBody>
+        </p:sp>
+        <p:cxnSp>
+          <p:nvCxnSpPr>
+            <p:cNvPr id="68" name="Straight Arrow Connector 67"/>
+            <p:cNvCxnSpPr/>
+            <p:nvPr/>
+          </p:nvCxnSpPr>
+          <p:spPr>
+            <a:xfrm flipH="1">
+              <a:off x="774008" y="4986789"/>
+              <a:ext cx="323272" cy="0"/>
+            </a:xfrm>
+            <a:prstGeom prst="straightConnector1">
+              <a:avLst/>
+            </a:prstGeom>
+            <a:ln>
+              <a:prstDash val="sysDash"/>
+              <a:headEnd type="triangle"/>
+              <a:tailEnd type="triangle"/>
+            </a:ln>
+          </p:spPr>
+          <p:style>
+            <a:lnRef idx="2">
+              <a:schemeClr val="dk1"/>
+            </a:lnRef>
+            <a:fillRef idx="0">
+              <a:schemeClr val="dk1"/>
+            </a:fillRef>
+            <a:effectRef idx="1">
+              <a:schemeClr val="dk1"/>
+            </a:effectRef>
+            <a:fontRef idx="minor">
+              <a:schemeClr val="tx1"/>
+            </a:fontRef>
+          </p:style>
+        </p:cxnSp>
+        <p:cxnSp>
+          <p:nvCxnSpPr>
+            <p:cNvPr id="70" name="Straight Arrow Connector 69"/>
+            <p:cNvCxnSpPr/>
+            <p:nvPr/>
+          </p:nvCxnSpPr>
+          <p:spPr>
+            <a:xfrm flipH="1">
+              <a:off x="774008" y="4409516"/>
+              <a:ext cx="323272" cy="0"/>
+            </a:xfrm>
+            <a:prstGeom prst="straightConnector1">
+              <a:avLst/>
+            </a:prstGeom>
+            <a:ln>
+              <a:prstDash val="sysDash"/>
+              <a:headEnd type="triangle"/>
+              <a:tailEnd type="triangle"/>
+            </a:ln>
+          </p:spPr>
+          <p:style>
+            <a:lnRef idx="2">
+              <a:schemeClr val="dk1"/>
+            </a:lnRef>
+            <a:fillRef idx="0">
+              <a:schemeClr val="dk1"/>
+            </a:fillRef>
+            <a:effectRef idx="1">
+              <a:schemeClr val="dk1"/>
+            </a:effectRef>
+            <a:fontRef idx="minor">
+              <a:schemeClr val="tx1"/>
+            </a:fontRef>
+          </p:style>
+        </p:cxnSp>
+        <p:sp>
+          <p:nvSpPr>
+            <p:cNvPr id="72" name="Freeform 71"/>
+            <p:cNvSpPr/>
+            <p:nvPr/>
+          </p:nvSpPr>
+          <p:spPr>
+            <a:xfrm>
+              <a:off x="1097280" y="3634548"/>
+              <a:ext cx="1100976" cy="450747"/>
+            </a:xfrm>
+            <a:custGeom>
+              <a:avLst/>
+              <a:gdLst>
+                <a:gd name="connsiteX0" fmla="*/ 0 w 3094136"/>
+                <a:gd name="connsiteY0" fmla="*/ 0 h 1856482"/>
+                <a:gd name="connsiteX1" fmla="*/ 3094136 w 3094136"/>
+                <a:gd name="connsiteY1" fmla="*/ 0 h 1856482"/>
+                <a:gd name="connsiteX2" fmla="*/ 3094136 w 3094136"/>
+                <a:gd name="connsiteY2" fmla="*/ 1856482 h 1856482"/>
+                <a:gd name="connsiteX3" fmla="*/ 0 w 3094136"/>
+                <a:gd name="connsiteY3" fmla="*/ 1856482 h 1856482"/>
+                <a:gd name="connsiteX4" fmla="*/ 0 w 3094136"/>
+                <a:gd name="connsiteY4" fmla="*/ 0 h 1856482"/>
+              </a:gdLst>
+              <a:ahLst/>
+              <a:cxnLst>
+                <a:cxn ang="0">
+                  <a:pos x="connsiteX0" y="connsiteY0"/>
+                </a:cxn>
+                <a:cxn ang="0">
+                  <a:pos x="connsiteX1" y="connsiteY1"/>
+                </a:cxn>
+                <a:cxn ang="0">
+                  <a:pos x="connsiteX2" y="connsiteY2"/>
+                </a:cxn>
+                <a:cxn ang="0">
+                  <a:pos x="connsiteX3" y="connsiteY3"/>
+                </a:cxn>
+                <a:cxn ang="0">
+                  <a:pos x="connsiteX4" y="connsiteY4"/>
+                </a:cxn>
+              </a:cxnLst>
+              <a:rect l="l" t="t" r="r" b="b"/>
+              <a:pathLst>
+                <a:path w="3094136" h="1856482">
+                  <a:moveTo>
+                    <a:pt x="0" y="0"/>
+                  </a:moveTo>
+                  <a:lnTo>
+                    <a:pt x="3094136" y="0"/>
+                  </a:lnTo>
+                  <a:lnTo>
+                    <a:pt x="3094136" y="1856482"/>
+                  </a:lnTo>
+                  <a:lnTo>
+                    <a:pt x="0" y="1856482"/>
+                  </a:lnTo>
+                  <a:lnTo>
+                    <a:pt x="0" y="0"/>
+                  </a:lnTo>
+                  <a:close/>
+                </a:path>
+              </a:pathLst>
+            </a:custGeom>
+            <a:solidFill>
+              <a:schemeClr val="accent1">
+                <a:lumMod val="60000"/>
+                <a:lumOff val="40000"/>
+              </a:schemeClr>
+            </a:solidFill>
+          </p:spPr>
+          <p:style>
+            <a:lnRef idx="2">
+              <a:schemeClr val="lt1">
+                <a:hueOff val="0"/>
+                <a:satOff val="0"/>
+                <a:lumOff val="0"/>
+                <a:alphaOff val="0"/>
+              </a:schemeClr>
+            </a:lnRef>
+            <a:fillRef idx="1">
+              <a:schemeClr val="accent1">
+                <a:hueOff val="0"/>
+                <a:satOff val="0"/>
+                <a:lumOff val="0"/>
+                <a:alphaOff val="0"/>
+              </a:schemeClr>
+            </a:fillRef>
+            <a:effectRef idx="0">
+              <a:schemeClr val="accent1">
+                <a:hueOff val="0"/>
+                <a:satOff val="0"/>
+                <a:lumOff val="0"/>
+                <a:alphaOff val="0"/>
+              </a:schemeClr>
+            </a:effectRef>
+            <a:fontRef idx="minor">
+              <a:schemeClr val="lt1"/>
+            </a:fontRef>
+          </p:style>
+          <p:txBody>
+            <a:bodyPr spcFirstLastPara="0" vert="horz" wrap="square" lIns="247650" tIns="247650" rIns="247650" bIns="247650" numCol="1" spcCol="1270" anchor="ctr" anchorCtr="0">
+              <a:noAutofit/>
+            </a:bodyPr>
+            <a:lstStyle/>
+            <a:p>
+              <a:pPr lvl="0" algn="ctr" defTabSz="2889250">
+                <a:lnSpc>
+                  <a:spcPct val="90000"/>
+                </a:lnSpc>
+                <a:spcBef>
+                  <a:spcPct val="0"/>
+                </a:spcBef>
+                <a:spcAft>
+                  <a:spcPct val="35000"/>
+                </a:spcAft>
+              </a:pPr>
+              <a:r>
+                <a:rPr lang="en-US" sz="1600" dirty="0" smtClean="0"/>
+                <a:t>Core 2</a:t>
+              </a:r>
+              <a:endParaRPr lang="en-US" sz="1600" kern="1200" dirty="0"/>
+            </a:p>
+          </p:txBody>
+        </p:sp>
+        <p:cxnSp>
+          <p:nvCxnSpPr>
+            <p:cNvPr id="73" name="Straight Arrow Connector 72"/>
+            <p:cNvCxnSpPr/>
+            <p:nvPr/>
+          </p:nvCxnSpPr>
+          <p:spPr>
+            <a:xfrm flipH="1">
+              <a:off x="774008" y="3859952"/>
+              <a:ext cx="323272" cy="0"/>
+            </a:xfrm>
+            <a:prstGeom prst="straightConnector1">
+              <a:avLst/>
+            </a:prstGeom>
+            <a:ln>
+              <a:prstDash val="sysDash"/>
+              <a:headEnd type="triangle"/>
+              <a:tailEnd type="triangle"/>
+            </a:ln>
+          </p:spPr>
+          <p:style>
+            <a:lnRef idx="2">
+              <a:schemeClr val="dk1"/>
+            </a:lnRef>
+            <a:fillRef idx="0">
+              <a:schemeClr val="dk1"/>
+            </a:fillRef>
+            <a:effectRef idx="1">
+              <a:schemeClr val="dk1"/>
+            </a:effectRef>
+            <a:fontRef idx="minor">
+              <a:schemeClr val="tx1"/>
+            </a:fontRef>
+          </p:style>
+        </p:cxnSp>
+      </p:grpSp>
     </p:spTree>
     <p:extLst>
       <p:ext uri="{BB962C8B-B14F-4D97-AF65-F5344CB8AC3E}">
-        <p14:creationId xmlns:p14="http://schemas.microsoft.com/office/powerpoint/2010/main" val="2081165741"/>
+        <p14:creationId xmlns:p14="http://schemas.microsoft.com/office/powerpoint/2010/main" val="1140190393"/>
       </p:ext>
     </p:extLst>
   </p:cSld>
@@ -5207,7 +7107,7 @@
   <p:timing>
     <p:tnLst>
       <p:par>
-        <p:cTn xmlns:p14="http://schemas.microsoft.com/office/powerpoint/2010/main" id="1" dur="indefinite" restart="never" nodeType="tmRoot"/>
+        <p:cTn id="1" dur="indefinite" restart="never" nodeType="tmRoot"/>
       </p:par>
     </p:tnLst>
   </p:timing>
@@ -6592,7 +8492,7 @@
   <p:timing>
     <p:tnLst>
       <p:par>
-        <p:cTn xmlns:p14="http://schemas.microsoft.com/office/powerpoint/2010/main" id="1" dur="indefinite" restart="never" nodeType="tmRoot"/>
+        <p:cTn id="1" dur="indefinite" restart="never" nodeType="tmRoot"/>
       </p:par>
     </p:tnLst>
   </p:timing>
@@ -6876,7 +8776,7 @@
   <a:extraClrSchemeLst/>
   <a:extLst>
     <a:ext uri="{05A4C25C-085E-4340-85A3-A5531E510DB2}">
-      <thm15:themeFamily xmlns:thm15="http://schemas.microsoft.com/office/thememl/2012/main" xmlns="" name="Retrospect" id="{5F128B03-DCCA-4EEB-AB3B-CF2899314A46}" vid="{3F1AAB62-24C6-49D2-8E01-B56FAC9A3DCD}"/>
+      <thm15:themeFamily xmlns:thm15="http://schemas.microsoft.com/office/thememl/2012/main" name="Retrospect" id="{5F128B03-DCCA-4EEB-AB3B-CF2899314A46}" vid="{3F1AAB62-24C6-49D2-8E01-B56FAC9A3DCD}"/>
     </a:ext>
   </a:extLst>
 </a:theme>

--- a/doc/MidTerm.pptx
+++ b/doc/MidTerm.pptx
@@ -8,14 +8,13 @@
     <p:sldId id="256" r:id="rId2"/>
     <p:sldId id="266" r:id="rId3"/>
     <p:sldId id="260" r:id="rId4"/>
-    <p:sldId id="259" r:id="rId5"/>
-    <p:sldId id="262" r:id="rId6"/>
+    <p:sldId id="269" r:id="rId5"/>
+    <p:sldId id="263" r:id="rId6"/>
     <p:sldId id="265" r:id="rId7"/>
-    <p:sldId id="263" r:id="rId8"/>
-    <p:sldId id="261" r:id="rId9"/>
-    <p:sldId id="264" r:id="rId10"/>
-    <p:sldId id="257" r:id="rId11"/>
-    <p:sldId id="267" r:id="rId12"/>
+    <p:sldId id="261" r:id="rId8"/>
+    <p:sldId id="264" r:id="rId9"/>
+    <p:sldId id="257" r:id="rId10"/>
+    <p:sldId id="267" r:id="rId11"/>
   </p:sldIdLst>
   <p:sldSz cx="12192000" cy="6858000"/>
   <p:notesSz cx="6858000" cy="9144000"/>
@@ -3929,10 +3928,14 @@
           <a:lstStyle/>
           <a:p>
             <a:r>
-              <a:rPr lang="en-US" dirty="0" smtClean="0"/>
-              <a:t>Car2x Protocol-Message Types</a:t>
-            </a:r>
-            <a:endParaRPr lang="en-US" dirty="0"/>
+              <a:rPr lang="de-DE" dirty="0" smtClean="0"/>
+              <a:t>Further </a:t>
+            </a:r>
+            <a:r>
+              <a:rPr lang="de-DE" dirty="0" err="1" smtClean="0"/>
+              <a:t>steps</a:t>
+            </a:r>
+            <a:endParaRPr lang="de-DE" dirty="0"/>
           </a:p>
         </p:txBody>
       </p:sp>
@@ -3948,205 +3951,141 @@
         </p:nvSpPr>
         <p:spPr/>
         <p:txBody>
-          <a:bodyPr>
-            <a:normAutofit fontScale="77500" lnSpcReduction="20000"/>
-          </a:bodyPr>
+          <a:bodyPr/>
           <a:lstStyle/>
           <a:p>
-            <a:pPr lvl="0"/>
-            <a:r>
-              <a:rPr lang="en-GB" dirty="0" smtClean="0"/>
-              <a:t>“</a:t>
-            </a:r>
-            <a:r>
-              <a:rPr lang="en-GB" dirty="0"/>
-              <a:t>00” </a:t>
-            </a:r>
-            <a:r>
-              <a:rPr lang="en-GB" dirty="0" err="1"/>
-              <a:t>InfoMessage</a:t>
-            </a:r>
-            <a:r>
-              <a:rPr lang="en-GB" dirty="0"/>
-              <a:t> (from station or other car)</a:t>
-            </a:r>
             <a:endParaRPr lang="de-DE" dirty="0"/>
           </a:p>
           <a:p>
-            <a:pPr lvl="1"/>
-            <a:r>
-              <a:rPr lang="en-GB" dirty="0" smtClean="0"/>
-              <a:t>“00” </a:t>
-            </a:r>
-            <a:r>
-              <a:rPr lang="en-GB" dirty="0" err="1" smtClean="0"/>
-              <a:t>currentSpeed</a:t>
-            </a:r>
+            <a:pPr>
+              <a:buFont typeface="Arial"/>
+              <a:buChar char="•"/>
+            </a:pPr>
+            <a:r>
+              <a:rPr lang="de-DE" dirty="0"/>
+              <a:t> </a:t>
+            </a:r>
+            <a:r>
+              <a:rPr lang="de-DE" dirty="0" err="1" smtClean="0"/>
+              <a:t>Migrate</a:t>
+            </a:r>
+            <a:r>
+              <a:rPr lang="de-DE" dirty="0" smtClean="0"/>
+              <a:t> last </a:t>
+            </a:r>
+            <a:r>
+              <a:rPr lang="de-DE" dirty="0" err="1" smtClean="0"/>
+              <a:t>years</a:t>
+            </a:r>
+            <a:r>
+              <a:rPr lang="de-DE" dirty="0" smtClean="0"/>
+              <a:t> </a:t>
+            </a:r>
+            <a:r>
+              <a:rPr lang="de-DE" dirty="0" err="1" smtClean="0"/>
+              <a:t>code</a:t>
+            </a:r>
+            <a:r>
+              <a:rPr lang="de-DE" dirty="0" smtClean="0"/>
+              <a:t> </a:t>
+            </a:r>
+            <a:r>
+              <a:rPr lang="de-DE" dirty="0" err="1" smtClean="0"/>
+              <a:t>to</a:t>
+            </a:r>
+            <a:r>
+              <a:rPr lang="de-DE" dirty="0" smtClean="0"/>
+              <a:t> </a:t>
+            </a:r>
+            <a:r>
+              <a:rPr lang="de-DE" dirty="0" err="1" smtClean="0"/>
+              <a:t>the</a:t>
+            </a:r>
+            <a:r>
+              <a:rPr lang="de-DE" dirty="0" smtClean="0"/>
+              <a:t> </a:t>
+            </a:r>
+            <a:r>
+              <a:rPr lang="de-DE" dirty="0" err="1" smtClean="0"/>
+              <a:t>new</a:t>
+            </a:r>
+            <a:r>
+              <a:rPr lang="de-DE" dirty="0" smtClean="0"/>
+              <a:t> FPGA design</a:t>
+            </a:r>
+          </a:p>
+          <a:p>
+            <a:pPr>
+              <a:buFont typeface="Arial"/>
+              <a:buChar char="•"/>
+            </a:pPr>
+            <a:endParaRPr lang="de-DE" dirty="0" smtClean="0"/>
+          </a:p>
+          <a:p>
+            <a:pPr>
+              <a:buFont typeface="Arial"/>
+              <a:buChar char="•"/>
+            </a:pPr>
+            <a:r>
+              <a:rPr lang="de-DE" dirty="0" smtClean="0"/>
+              <a:t> </a:t>
+            </a:r>
+            <a:r>
+              <a:rPr lang="de-DE" dirty="0" err="1" smtClean="0"/>
+              <a:t>Implement</a:t>
+            </a:r>
+            <a:r>
+              <a:rPr lang="de-DE" dirty="0" smtClean="0"/>
+              <a:t> Car2X </a:t>
+            </a:r>
+            <a:r>
+              <a:rPr lang="de-DE" dirty="0" err="1" smtClean="0"/>
+              <a:t>protocol</a:t>
+            </a:r>
+            <a:endParaRPr lang="de-DE" dirty="0" smtClean="0"/>
+          </a:p>
+          <a:p>
+            <a:pPr>
+              <a:buFont typeface="Arial"/>
+              <a:buChar char="•"/>
+            </a:pPr>
             <a:endParaRPr lang="de-DE" dirty="0"/>
           </a:p>
           <a:p>
-            <a:pPr lvl="1"/>
-            <a:r>
-              <a:rPr lang="en-GB" dirty="0" smtClean="0"/>
-              <a:t>“01” </a:t>
-            </a:r>
-            <a:r>
-              <a:rPr lang="en-GB" dirty="0" err="1" smtClean="0"/>
-              <a:t>steeringInformation</a:t>
+            <a:pPr>
+              <a:buFont typeface="Arial"/>
+              <a:buChar char="•"/>
+            </a:pPr>
+            <a:r>
+              <a:rPr lang="de-DE" dirty="0" smtClean="0"/>
+              <a:t> Add </a:t>
+            </a:r>
+            <a:r>
+              <a:rPr lang="de-DE" dirty="0" err="1" smtClean="0"/>
+              <a:t>WiPort</a:t>
+            </a:r>
+            <a:r>
+              <a:rPr lang="de-DE" dirty="0" smtClean="0"/>
+              <a:t> </a:t>
+            </a:r>
+            <a:r>
+              <a:rPr lang="de-DE" dirty="0" err="1" smtClean="0"/>
+              <a:t>communication</a:t>
+            </a:r>
+            <a:r>
+              <a:rPr lang="de-DE" dirty="0" smtClean="0"/>
+              <a:t> </a:t>
             </a:r>
             <a:endParaRPr lang="de-DE" dirty="0"/>
           </a:p>
           <a:p>
-            <a:r>
-              <a:rPr lang="en-GB" dirty="0"/>
-              <a:t> </a:t>
-            </a:r>
-            <a:endParaRPr lang="de-DE" dirty="0"/>
-          </a:p>
-          <a:p>
-            <a:pPr lvl="0"/>
-            <a:r>
-              <a:rPr lang="en-GB" dirty="0"/>
-              <a:t>“01” </a:t>
-            </a:r>
-            <a:r>
-              <a:rPr lang="en-GB" dirty="0" err="1"/>
-              <a:t>EmergencyInfoMessage</a:t>
-            </a:r>
-            <a:endParaRPr lang="de-DE" dirty="0"/>
-          </a:p>
-          <a:p>
-            <a:pPr lvl="1"/>
-            <a:r>
-              <a:rPr lang="en-GB" dirty="0"/>
-              <a:t>“00” </a:t>
-            </a:r>
-            <a:r>
-              <a:rPr lang="en-GB" dirty="0" err="1" smtClean="0"/>
-              <a:t>emerencyBreaking</a:t>
-            </a:r>
-            <a:endParaRPr lang="de-DE" dirty="0"/>
-          </a:p>
-          <a:p>
-            <a:r>
-              <a:rPr lang="en-GB" dirty="0"/>
-              <a:t> </a:t>
-            </a:r>
-            <a:endParaRPr lang="de-DE" dirty="0"/>
-          </a:p>
-          <a:p>
-            <a:pPr lvl="0"/>
-            <a:r>
-              <a:rPr lang="en-GB" dirty="0"/>
-              <a:t>“10” </a:t>
-            </a:r>
-            <a:r>
-              <a:rPr lang="en-GB" dirty="0" err="1"/>
-              <a:t>PollingMessage</a:t>
-            </a:r>
-            <a:r>
-              <a:rPr lang="en-GB" dirty="0"/>
-              <a:t> (from Image Processing Unit)</a:t>
-            </a:r>
-            <a:endParaRPr lang="de-DE" dirty="0"/>
-          </a:p>
-          <a:p>
-            <a:pPr lvl="1"/>
-            <a:r>
-              <a:rPr lang="en-GB" dirty="0"/>
-              <a:t>“00” </a:t>
-            </a:r>
-            <a:r>
-              <a:rPr lang="en-GB" dirty="0" err="1" smtClean="0"/>
-              <a:t>pollInfoMessages</a:t>
-            </a:r>
-            <a:endParaRPr lang="de-DE" dirty="0"/>
-          </a:p>
-          <a:p>
-            <a:pPr lvl="1"/>
-            <a:r>
-              <a:rPr lang="en-GB" dirty="0"/>
-              <a:t>“</a:t>
-            </a:r>
-            <a:r>
-              <a:rPr lang="en-GB" dirty="0" smtClean="0"/>
-              <a:t>01” </a:t>
-            </a:r>
-            <a:r>
-              <a:rPr lang="en-GB" dirty="0" err="1" smtClean="0"/>
-              <a:t>pollOwnSpeedSensorData</a:t>
-            </a:r>
-            <a:endParaRPr lang="de-DE" dirty="0"/>
-          </a:p>
-          <a:p>
-            <a:pPr lvl="1"/>
-            <a:r>
-              <a:rPr lang="en-GB" dirty="0" smtClean="0"/>
-              <a:t>“10” </a:t>
-            </a:r>
-            <a:r>
-              <a:rPr lang="en-GB" dirty="0" err="1" smtClean="0"/>
-              <a:t>pollIRSensorData</a:t>
-            </a:r>
-            <a:endParaRPr lang="de-DE" dirty="0"/>
-          </a:p>
-          <a:p>
-            <a:r>
-              <a:rPr lang="en-GB" dirty="0"/>
-              <a:t> </a:t>
-            </a:r>
-            <a:endParaRPr lang="de-DE" dirty="0"/>
-          </a:p>
-          <a:p>
-            <a:pPr lvl="0"/>
-            <a:r>
-              <a:rPr lang="en-GB" dirty="0"/>
-              <a:t>“11” </a:t>
-            </a:r>
-            <a:r>
-              <a:rPr lang="en-GB" dirty="0" err="1"/>
-              <a:t>ControlMessage</a:t>
-            </a:r>
-            <a:r>
-              <a:rPr lang="en-GB" dirty="0"/>
-              <a:t> (station </a:t>
-            </a:r>
-            <a:r>
-              <a:rPr lang="en-GB" dirty="0" smtClean="0"/>
-              <a:t>or Image Processing Unit to </a:t>
-            </a:r>
-            <a:r>
-              <a:rPr lang="en-GB" dirty="0"/>
-              <a:t>Remote-Control the </a:t>
-            </a:r>
-            <a:r>
-              <a:rPr lang="en-GB" dirty="0" smtClean="0"/>
-              <a:t>Car)</a:t>
-            </a:r>
-          </a:p>
-          <a:p>
-            <a:pPr lvl="1"/>
-            <a:r>
-              <a:rPr lang="en-GB" dirty="0"/>
-              <a:t>“00” </a:t>
-            </a:r>
-            <a:r>
-              <a:rPr lang="en-GB" dirty="0" err="1" smtClean="0"/>
-              <a:t>setMotorControlMessage</a:t>
-            </a:r>
-            <a:r>
-              <a:rPr lang="en-GB" dirty="0" smtClean="0"/>
-              <a:t> </a:t>
-            </a:r>
-          </a:p>
-          <a:p>
-            <a:pPr lvl="1"/>
-            <a:endParaRPr lang="en-GB" dirty="0"/>
-          </a:p>
-          <a:p>
-            <a:pPr marL="201168" lvl="1" indent="0">
+            <a:pPr marL="0" indent="0">
               <a:buNone/>
             </a:pPr>
+            <a:r>
+              <a:rPr lang="de-DE" dirty="0" smtClean="0"/>
+              <a:t>  </a:t>
+            </a:r>
             <a:endParaRPr lang="de-DE" dirty="0"/>
           </a:p>
         </p:txBody>
@@ -4154,7 +4093,7 @@
     </p:spTree>
     <p:extLst>
       <p:ext uri="{BB962C8B-B14F-4D97-AF65-F5344CB8AC3E}">
-        <p14:creationId xmlns:p14="http://schemas.microsoft.com/office/powerpoint/2010/main" val="3252517158"/>
+        <p14:creationId xmlns:p14="http://schemas.microsoft.com/office/powerpoint/2010/main" val="3236479569"/>
       </p:ext>
     </p:extLst>
   </p:cSld>
@@ -4168,214 +4107,6 @@
       </p:par>
     </p:tnLst>
   </p:timing>
-</p:sld>
-</file>
-
-<file path=ppt/slides/slide11.xml><?xml version="1.0" encoding="utf-8"?>
-<p:sld xmlns:a="http://schemas.openxmlformats.org/drawingml/2006/main" xmlns:r="http://schemas.openxmlformats.org/officeDocument/2006/relationships" xmlns:p="http://schemas.openxmlformats.org/presentationml/2006/main">
-  <p:cSld>
-    <p:spTree>
-      <p:nvGrpSpPr>
-        <p:cNvPr id="1" name=""/>
-        <p:cNvGrpSpPr/>
-        <p:nvPr/>
-      </p:nvGrpSpPr>
-      <p:grpSpPr>
-        <a:xfrm>
-          <a:off x="0" y="0"/>
-          <a:ext cx="0" cy="0"/>
-          <a:chOff x="0" y="0"/>
-          <a:chExt cx="0" cy="0"/>
-        </a:xfrm>
-      </p:grpSpPr>
-      <p:sp>
-        <p:nvSpPr>
-          <p:cNvPr id="2" name="Titel 1"/>
-          <p:cNvSpPr>
-            <a:spLocks noGrp="1"/>
-          </p:cNvSpPr>
-          <p:nvPr>
-            <p:ph type="title"/>
-          </p:nvPr>
-        </p:nvSpPr>
-        <p:spPr/>
-        <p:txBody>
-          <a:bodyPr/>
-          <a:lstStyle/>
-          <a:p>
-            <a:r>
-              <a:rPr lang="de-DE" dirty="0" smtClean="0"/>
-              <a:t>Further </a:t>
-            </a:r>
-            <a:r>
-              <a:rPr lang="de-DE" dirty="0" err="1" smtClean="0"/>
-              <a:t>steps</a:t>
-            </a:r>
-            <a:endParaRPr lang="de-DE" dirty="0"/>
-          </a:p>
-        </p:txBody>
-      </p:sp>
-      <p:sp>
-        <p:nvSpPr>
-          <p:cNvPr id="3" name="Inhaltsplatzhalter 2"/>
-          <p:cNvSpPr>
-            <a:spLocks noGrp="1"/>
-          </p:cNvSpPr>
-          <p:nvPr>
-            <p:ph idx="1"/>
-          </p:nvPr>
-        </p:nvSpPr>
-        <p:spPr/>
-        <p:txBody>
-          <a:bodyPr/>
-          <a:lstStyle/>
-          <a:p>
-            <a:endParaRPr lang="de-DE" dirty="0"/>
-          </a:p>
-          <a:p>
-            <a:pPr>
-              <a:buFont typeface="Arial"/>
-              <a:buChar char="•"/>
-            </a:pPr>
-            <a:r>
-              <a:rPr lang="de-DE" dirty="0"/>
-              <a:t> </a:t>
-            </a:r>
-            <a:r>
-              <a:rPr lang="de-DE" dirty="0" err="1" smtClean="0"/>
-              <a:t>Migrate</a:t>
-            </a:r>
-            <a:r>
-              <a:rPr lang="de-DE" dirty="0" smtClean="0"/>
-              <a:t> last </a:t>
-            </a:r>
-            <a:r>
-              <a:rPr lang="de-DE" dirty="0" err="1" smtClean="0"/>
-              <a:t>years</a:t>
-            </a:r>
-            <a:r>
-              <a:rPr lang="de-DE" dirty="0" smtClean="0"/>
-              <a:t> </a:t>
-            </a:r>
-            <a:r>
-              <a:rPr lang="de-DE" dirty="0" err="1" smtClean="0"/>
-              <a:t>code</a:t>
-            </a:r>
-            <a:r>
-              <a:rPr lang="de-DE" dirty="0" smtClean="0"/>
-              <a:t> </a:t>
-            </a:r>
-            <a:r>
-              <a:rPr lang="de-DE" dirty="0" err="1" smtClean="0"/>
-              <a:t>to</a:t>
-            </a:r>
-            <a:r>
-              <a:rPr lang="de-DE" dirty="0" smtClean="0"/>
-              <a:t> </a:t>
-            </a:r>
-            <a:r>
-              <a:rPr lang="de-DE" dirty="0" err="1" smtClean="0"/>
-              <a:t>the</a:t>
-            </a:r>
-            <a:r>
-              <a:rPr lang="de-DE" dirty="0" smtClean="0"/>
-              <a:t> </a:t>
-            </a:r>
-            <a:r>
-              <a:rPr lang="de-DE" dirty="0" err="1" smtClean="0"/>
-              <a:t>new</a:t>
-            </a:r>
-            <a:r>
-              <a:rPr lang="de-DE" dirty="0" smtClean="0"/>
-              <a:t> FPGA design</a:t>
-            </a:r>
-          </a:p>
-          <a:p>
-            <a:pPr>
-              <a:buFont typeface="Arial"/>
-              <a:buChar char="•"/>
-            </a:pPr>
-            <a:endParaRPr lang="de-DE" dirty="0" smtClean="0"/>
-          </a:p>
-          <a:p>
-            <a:pPr>
-              <a:buFont typeface="Arial"/>
-              <a:buChar char="•"/>
-            </a:pPr>
-            <a:r>
-              <a:rPr lang="de-DE" dirty="0" smtClean="0"/>
-              <a:t> </a:t>
-            </a:r>
-            <a:r>
-              <a:rPr lang="de-DE" dirty="0" err="1" smtClean="0"/>
-              <a:t>Implement</a:t>
-            </a:r>
-            <a:r>
-              <a:rPr lang="de-DE" dirty="0" smtClean="0"/>
-              <a:t> Car2X </a:t>
-            </a:r>
-            <a:r>
-              <a:rPr lang="de-DE" dirty="0" err="1" smtClean="0"/>
-              <a:t>protocol</a:t>
-            </a:r>
-            <a:endParaRPr lang="de-DE" dirty="0" smtClean="0"/>
-          </a:p>
-          <a:p>
-            <a:pPr>
-              <a:buFont typeface="Arial"/>
-              <a:buChar char="•"/>
-            </a:pPr>
-            <a:endParaRPr lang="de-DE" dirty="0"/>
-          </a:p>
-          <a:p>
-            <a:pPr>
-              <a:buFont typeface="Arial"/>
-              <a:buChar char="•"/>
-            </a:pPr>
-            <a:r>
-              <a:rPr lang="de-DE" dirty="0" smtClean="0"/>
-              <a:t> Add </a:t>
-            </a:r>
-            <a:r>
-              <a:rPr lang="de-DE" dirty="0" err="1" smtClean="0"/>
-              <a:t>WiPort</a:t>
-            </a:r>
-            <a:r>
-              <a:rPr lang="de-DE" dirty="0" smtClean="0"/>
-              <a:t> </a:t>
-            </a:r>
-            <a:r>
-              <a:rPr lang="de-DE" dirty="0" err="1" smtClean="0"/>
-              <a:t>communication</a:t>
-            </a:r>
-            <a:r>
-              <a:rPr lang="de-DE" dirty="0" smtClean="0"/>
-              <a:t> </a:t>
-            </a:r>
-            <a:endParaRPr lang="de-DE" dirty="0"/>
-          </a:p>
-          <a:p>
-            <a:pPr marL="0" indent="0">
-              <a:buNone/>
-            </a:pPr>
-            <a:r>
-              <a:rPr lang="de-DE" dirty="0" smtClean="0"/>
-              <a:t>  </a:t>
-            </a:r>
-            <a:endParaRPr lang="de-DE" dirty="0"/>
-          </a:p>
-        </p:txBody>
-      </p:sp>
-    </p:spTree>
-    <p:extLst>
-      <p:ext uri="{BB962C8B-B14F-4D97-AF65-F5344CB8AC3E}">
-        <p14:creationId xmlns:p14="http://schemas.microsoft.com/office/powerpoint/2010/main" val="3236479569"/>
-      </p:ext>
-    </p:extLst>
-  </p:cSld>
-  <p:clrMapOvr>
-    <a:masterClrMapping/>
-  </p:clrMapOvr>
 </p:sld>
 </file>
 
@@ -4553,7 +4284,9 @@
         </p:nvSpPr>
         <p:spPr/>
         <p:txBody>
-          <a:bodyPr/>
+          <a:bodyPr>
+            <a:noAutofit/>
+          </a:bodyPr>
           <a:lstStyle/>
           <a:p>
             <a:pPr marL="457200" indent="-457200">
@@ -4561,7 +4294,7 @@
               <a:buAutoNum type="arabicPeriod"/>
             </a:pPr>
             <a:r>
-              <a:rPr lang="en-US" dirty="0" smtClean="0"/>
+              <a:rPr lang="en-US" sz="2400" dirty="0" smtClean="0"/>
               <a:t>Reading the documentation and getting into the previous group‘s code</a:t>
             </a:r>
           </a:p>
@@ -4571,15 +4304,15 @@
               <a:buAutoNum type="arabicPeriod"/>
             </a:pPr>
             <a:r>
-              <a:rPr lang="en-US" dirty="0" smtClean="0"/>
+              <a:rPr lang="en-US" sz="2400" dirty="0" smtClean="0"/>
               <a:t>Installation and tutorials for the Altera </a:t>
             </a:r>
             <a:r>
-              <a:rPr lang="en-US" dirty="0" err="1" smtClean="0"/>
+              <a:rPr lang="en-US" sz="2400" dirty="0" err="1" smtClean="0"/>
               <a:t>Quartus</a:t>
             </a:r>
             <a:r>
-              <a:rPr lang="en-US" dirty="0" smtClean="0"/>
+              <a:rPr lang="en-US" sz="2400" dirty="0" smtClean="0"/>
               <a:t> software (FPGA)</a:t>
             </a:r>
           </a:p>
@@ -4589,15 +4322,15 @@
               <a:buAutoNum type="arabicPeriod"/>
             </a:pPr>
             <a:r>
-              <a:rPr lang="en-US" dirty="0" smtClean="0"/>
+              <a:rPr lang="en-US" sz="2400" dirty="0" smtClean="0"/>
               <a:t>Learn about the </a:t>
             </a:r>
             <a:r>
-              <a:rPr lang="en-US" dirty="0" err="1" smtClean="0"/>
+              <a:rPr lang="en-US" sz="2400" dirty="0" err="1" smtClean="0"/>
               <a:t>Nios</a:t>
             </a:r>
             <a:r>
-              <a:rPr lang="en-US" dirty="0" smtClean="0"/>
+              <a:rPr lang="en-US" sz="2400" dirty="0" smtClean="0"/>
               <a:t> II and multicore implementations on FPGA</a:t>
             </a:r>
           </a:p>
@@ -4607,52 +4340,55 @@
               <a:buAutoNum type="arabicPeriod"/>
             </a:pPr>
             <a:r>
-              <a:rPr lang="en-US" dirty="0" smtClean="0"/>
-              <a:t>Planning the Car2X Protocol and the general hardware setup</a:t>
-            </a:r>
-          </a:p>
-          <a:p>
-            <a:pPr marL="457200" indent="-457200">
-              <a:buFont typeface="+mj-lt"/>
-              <a:buAutoNum type="arabicPeriod"/>
-            </a:pPr>
-            <a:endParaRPr lang="en-US" dirty="0"/>
+              <a:rPr lang="en-US" sz="2400" dirty="0" smtClean="0"/>
+              <a:t>Planning the Car2X Protocol and the general hardware </a:t>
+            </a:r>
+            <a:r>
+              <a:rPr lang="en-US" sz="2400" dirty="0" smtClean="0"/>
+              <a:t>setup</a:t>
+            </a:r>
           </a:p>
           <a:p>
             <a:pPr marL="0" indent="0">
               <a:buNone/>
             </a:pPr>
-            <a:r>
-              <a:rPr lang="en-US" dirty="0" smtClean="0"/>
+            <a:endParaRPr lang="en-US" sz="1000" dirty="0"/>
+          </a:p>
+          <a:p>
+            <a:pPr marL="0" indent="0">
+              <a:buNone/>
+            </a:pPr>
+            <a:r>
+              <a:rPr lang="en-US" sz="2400" b="1" dirty="0" smtClean="0"/>
               <a:t>Current WIP:</a:t>
             </a:r>
           </a:p>
           <a:p>
             <a:r>
-              <a:rPr lang="en-US" dirty="0" smtClean="0"/>
+              <a:rPr lang="en-US" sz="2400" dirty="0" smtClean="0"/>
               <a:t>Basic </a:t>
             </a:r>
             <a:r>
-              <a:rPr lang="en-US" dirty="0" err="1" smtClean="0"/>
+              <a:rPr lang="en-US" sz="2400" dirty="0" err="1" smtClean="0"/>
               <a:t>Quartus</a:t>
             </a:r>
             <a:r>
-              <a:rPr lang="en-US" dirty="0" smtClean="0"/>
+              <a:rPr lang="en-US" sz="2400" dirty="0" smtClean="0"/>
               <a:t> hardware implementation</a:t>
             </a:r>
           </a:p>
           <a:p>
             <a:r>
-              <a:rPr lang="en-US" dirty="0" smtClean="0"/>
+              <a:rPr lang="en-US" sz="2400" dirty="0" smtClean="0"/>
               <a:t>Experiments with the wireless converter hardware</a:t>
             </a:r>
           </a:p>
           <a:p>
             <a:r>
-              <a:rPr lang="en-US" dirty="0" smtClean="0"/>
+              <a:rPr lang="en-US" sz="2400" dirty="0" smtClean="0"/>
               <a:t>Setting up PC as car2x station</a:t>
             </a:r>
-            <a:endParaRPr lang="en-US" dirty="0"/>
+            <a:endParaRPr lang="en-US" sz="2400" dirty="0"/>
           </a:p>
         </p:txBody>
       </p:sp>
@@ -4695,6 +4431,52 @@
       </p:grpSpPr>
       <p:sp>
         <p:nvSpPr>
+          <p:cNvPr id="10" name="Rechteck 9"/>
+          <p:cNvSpPr/>
+          <p:nvPr/>
+        </p:nvSpPr>
+        <p:spPr>
+          <a:xfrm>
+            <a:off x="7867135" y="2586681"/>
+            <a:ext cx="2949146" cy="2561968"/>
+          </a:xfrm>
+          <a:prstGeom prst="rect">
+            <a:avLst/>
+          </a:prstGeom>
+          <a:ln w="38100">
+            <a:solidFill>
+              <a:schemeClr val="bg1">
+                <a:lumMod val="50000"/>
+              </a:schemeClr>
+            </a:solidFill>
+            <a:prstDash val="dash"/>
+          </a:ln>
+        </p:spPr>
+        <p:style>
+          <a:lnRef idx="2">
+            <a:schemeClr val="dk1"/>
+          </a:lnRef>
+          <a:fillRef idx="1">
+            <a:schemeClr val="lt1"/>
+          </a:fillRef>
+          <a:effectRef idx="0">
+            <a:schemeClr val="dk1"/>
+          </a:effectRef>
+          <a:fontRef idx="minor">
+            <a:schemeClr val="dk1"/>
+          </a:fontRef>
+        </p:style>
+        <p:txBody>
+          <a:bodyPr rtlCol="0" anchor="ctr"/>
+          <a:lstStyle/>
+          <a:p>
+            <a:pPr algn="ctr"/>
+            <a:endParaRPr lang="de-DE"/>
+          </a:p>
+        </p:txBody>
+      </p:sp>
+      <p:sp>
+        <p:nvSpPr>
           <p:cNvPr id="2" name="Titel 1"/>
           <p:cNvSpPr>
             <a:spLocks noGrp="1"/>
@@ -4709,8 +4491,8 @@
           <a:lstStyle/>
           <a:p>
             <a:r>
-              <a:rPr lang="de-DE" dirty="0" err="1" smtClean="0"/>
-              <a:t>Kontzept</a:t>
+              <a:rPr lang="de-DE" dirty="0" smtClean="0"/>
+              <a:t>Hardware Setup</a:t>
             </a:r>
             <a:endParaRPr lang="de-DE" dirty="0"/>
           </a:p>
@@ -4731,14 +4513,461 @@
           <a:bodyPr/>
           <a:lstStyle/>
           <a:p>
-            <a:endParaRPr lang="de-DE"/>
-          </a:p>
-        </p:txBody>
-      </p:sp>
+            <a:endParaRPr lang="de-DE" dirty="0"/>
+          </a:p>
+        </p:txBody>
+      </p:sp>
+      <p:pic>
+        <p:nvPicPr>
+          <p:cNvPr id="4" name="Grafik 3"/>
+          <p:cNvPicPr>
+            <a:picLocks noChangeAspect="1"/>
+          </p:cNvPicPr>
+          <p:nvPr/>
+        </p:nvPicPr>
+        <p:blipFill>
+          <a:blip r:embed="rId2"/>
+          <a:stretch>
+            <a:fillRect/>
+          </a:stretch>
+        </p:blipFill>
+        <p:spPr>
+          <a:xfrm>
+            <a:off x="1301579" y="4598004"/>
+            <a:ext cx="1040902" cy="1280116"/>
+          </a:xfrm>
+          <a:prstGeom prst="rect">
+            <a:avLst/>
+          </a:prstGeom>
+        </p:spPr>
+      </p:pic>
+      <p:pic>
+        <p:nvPicPr>
+          <p:cNvPr id="5" name="Grafik 4"/>
+          <p:cNvPicPr>
+            <a:picLocks noChangeAspect="1"/>
+          </p:cNvPicPr>
+          <p:nvPr/>
+        </p:nvPicPr>
+        <p:blipFill>
+          <a:blip r:embed="rId3"/>
+          <a:stretch>
+            <a:fillRect/>
+          </a:stretch>
+        </p:blipFill>
+        <p:spPr>
+          <a:xfrm>
+            <a:off x="3940453" y="2728225"/>
+            <a:ext cx="3169959" cy="2509837"/>
+          </a:xfrm>
+          <a:prstGeom prst="rect">
+            <a:avLst/>
+          </a:prstGeom>
+        </p:spPr>
+      </p:pic>
+      <p:pic>
+        <p:nvPicPr>
+          <p:cNvPr id="1026" name="Picture 2" descr="http://www.clker.com/cliparts/3/3/6/4/12074316411296807266camera%20white.svg.med.png"/>
+          <p:cNvPicPr>
+            <a:picLocks noChangeAspect="1" noChangeArrowheads="1"/>
+          </p:cNvPicPr>
+          <p:nvPr/>
+        </p:nvPicPr>
+        <p:blipFill>
+          <a:blip r:embed="rId4" cstate="print">
+            <a:extLst>
+              <a:ext uri="{28A0092B-C50C-407E-A947-70E740481C1C}">
+                <a14:useLocalDpi xmlns:a14="http://schemas.microsoft.com/office/drawing/2010/main" val="0"/>
+              </a:ext>
+            </a:extLst>
+          </a:blip>
+          <a:srcRect/>
+          <a:stretch>
+            <a:fillRect/>
+          </a:stretch>
+        </p:blipFill>
+        <p:spPr bwMode="auto">
+          <a:xfrm>
+            <a:off x="1690191" y="2473749"/>
+            <a:ext cx="755650" cy="755650"/>
+          </a:xfrm>
+          <a:prstGeom prst="rect">
+            <a:avLst/>
+          </a:prstGeom>
+          <a:noFill/>
+          <a:extLst>
+            <a:ext uri="{909E8E84-426E-40DD-AFC4-6F175D3DCCD1}">
+              <a14:hiddenFill xmlns:a14="http://schemas.microsoft.com/office/drawing/2010/main">
+                <a:solidFill>
+                  <a:srgbClr val="FFFFFF"/>
+                </a:solidFill>
+              </a14:hiddenFill>
+            </a:ext>
+          </a:extLst>
+        </p:spPr>
+      </p:pic>
+      <p:pic>
+        <p:nvPicPr>
+          <p:cNvPr id="6" name="Grafik 5"/>
+          <p:cNvPicPr>
+            <a:picLocks noChangeAspect="1"/>
+          </p:cNvPicPr>
+          <p:nvPr/>
+        </p:nvPicPr>
+        <p:blipFill>
+          <a:blip r:embed="rId5"/>
+          <a:stretch>
+            <a:fillRect/>
+          </a:stretch>
+        </p:blipFill>
+        <p:spPr>
+          <a:xfrm>
+            <a:off x="1617166" y="3652465"/>
+            <a:ext cx="828675" cy="522472"/>
+          </a:xfrm>
+          <a:prstGeom prst="rect">
+            <a:avLst/>
+          </a:prstGeom>
+        </p:spPr>
+      </p:pic>
+      <p:pic>
+        <p:nvPicPr>
+          <p:cNvPr id="7" name="Grafik 6"/>
+          <p:cNvPicPr>
+            <a:picLocks noChangeAspect="1"/>
+          </p:cNvPicPr>
+          <p:nvPr/>
+        </p:nvPicPr>
+        <p:blipFill>
+          <a:blip r:embed="rId6"/>
+          <a:stretch>
+            <a:fillRect/>
+          </a:stretch>
+        </p:blipFill>
+        <p:spPr>
+          <a:xfrm>
+            <a:off x="8168459" y="2866943"/>
+            <a:ext cx="1407383" cy="1116200"/>
+          </a:xfrm>
+          <a:prstGeom prst="rect">
+            <a:avLst/>
+          </a:prstGeom>
+        </p:spPr>
+      </p:pic>
+      <p:sp>
+        <p:nvSpPr>
+          <p:cNvPr id="8" name="Abgerundetes Rechteck 7"/>
+          <p:cNvSpPr/>
+          <p:nvPr/>
+        </p:nvSpPr>
+        <p:spPr>
+          <a:xfrm>
+            <a:off x="8279027" y="4267200"/>
+            <a:ext cx="1186248" cy="486032"/>
+          </a:xfrm>
+          <a:prstGeom prst="roundRect">
+            <a:avLst/>
+          </a:prstGeom>
+        </p:spPr>
+        <p:style>
+          <a:lnRef idx="2">
+            <a:schemeClr val="accent1">
+              <a:shade val="50000"/>
+            </a:schemeClr>
+          </a:lnRef>
+          <a:fillRef idx="1">
+            <a:schemeClr val="accent1"/>
+          </a:fillRef>
+          <a:effectRef idx="0">
+            <a:schemeClr val="accent1"/>
+          </a:effectRef>
+          <a:fontRef idx="minor">
+            <a:schemeClr val="lt1"/>
+          </a:fontRef>
+        </p:style>
+        <p:txBody>
+          <a:bodyPr rtlCol="0" anchor="ctr"/>
+          <a:lstStyle/>
+          <a:p>
+            <a:pPr algn="ctr"/>
+            <a:r>
+              <a:rPr lang="de-DE" dirty="0" smtClean="0"/>
+              <a:t>H-Bridge</a:t>
+            </a:r>
+            <a:endParaRPr lang="de-DE" dirty="0"/>
+          </a:p>
+        </p:txBody>
+      </p:sp>
+      <p:pic>
+        <p:nvPicPr>
+          <p:cNvPr id="9" name="Grafik 8"/>
+          <p:cNvPicPr>
+            <a:picLocks noChangeAspect="1"/>
+          </p:cNvPicPr>
+          <p:nvPr/>
+        </p:nvPicPr>
+        <p:blipFill>
+          <a:blip r:embed="rId7"/>
+          <a:stretch>
+            <a:fillRect/>
+          </a:stretch>
+        </p:blipFill>
+        <p:spPr>
+          <a:xfrm>
+            <a:off x="9937715" y="4174937"/>
+            <a:ext cx="696175" cy="699727"/>
+          </a:xfrm>
+          <a:prstGeom prst="rect">
+            <a:avLst/>
+          </a:prstGeom>
+        </p:spPr>
+      </p:pic>
+      <p:sp>
+        <p:nvSpPr>
+          <p:cNvPr id="11" name="Textfeld 10"/>
+          <p:cNvSpPr txBox="1"/>
+          <p:nvPr/>
+        </p:nvSpPr>
+        <p:spPr>
+          <a:xfrm>
+            <a:off x="7767387" y="2258758"/>
+            <a:ext cx="401072" cy="369332"/>
+          </a:xfrm>
+          <a:prstGeom prst="rect">
+            <a:avLst/>
+          </a:prstGeom>
+          <a:noFill/>
+        </p:spPr>
+        <p:txBody>
+          <a:bodyPr wrap="none" rtlCol="0">
+            <a:spAutoFit/>
+          </a:bodyPr>
+          <a:lstStyle/>
+          <a:p>
+            <a:r>
+              <a:rPr lang="de-DE" dirty="0" smtClean="0"/>
+              <a:t>4x</a:t>
+            </a:r>
+            <a:endParaRPr lang="de-DE" dirty="0"/>
+          </a:p>
+        </p:txBody>
+      </p:sp>
+      <p:cxnSp>
+        <p:nvCxnSpPr>
+          <p:cNvPr id="13" name="Gerader Verbinder 12"/>
+          <p:cNvCxnSpPr/>
+          <p:nvPr/>
+        </p:nvCxnSpPr>
+        <p:spPr>
+          <a:xfrm>
+            <a:off x="2520778" y="2866943"/>
+            <a:ext cx="1419675" cy="558100"/>
+          </a:xfrm>
+          <a:prstGeom prst="line">
+            <a:avLst/>
+          </a:prstGeom>
+          <a:ln w="28575">
+            <a:solidFill>
+              <a:schemeClr val="tx1"/>
+            </a:solidFill>
+          </a:ln>
+        </p:spPr>
+        <p:style>
+          <a:lnRef idx="1">
+            <a:schemeClr val="accent1"/>
+          </a:lnRef>
+          <a:fillRef idx="0">
+            <a:schemeClr val="accent1"/>
+          </a:fillRef>
+          <a:effectRef idx="0">
+            <a:schemeClr val="accent1"/>
+          </a:effectRef>
+          <a:fontRef idx="minor">
+            <a:schemeClr val="tx1"/>
+          </a:fontRef>
+        </p:style>
+      </p:cxnSp>
+      <p:cxnSp>
+        <p:nvCxnSpPr>
+          <p:cNvPr id="15" name="Gerader Verbinder 14"/>
+          <p:cNvCxnSpPr/>
+          <p:nvPr/>
+        </p:nvCxnSpPr>
+        <p:spPr>
+          <a:xfrm flipV="1">
+            <a:off x="2644346" y="3781168"/>
+            <a:ext cx="1202724" cy="16475"/>
+          </a:xfrm>
+          <a:prstGeom prst="line">
+            <a:avLst/>
+          </a:prstGeom>
+          <a:ln w="28575">
+            <a:solidFill>
+              <a:schemeClr val="tx1"/>
+            </a:solidFill>
+          </a:ln>
+        </p:spPr>
+        <p:style>
+          <a:lnRef idx="1">
+            <a:schemeClr val="accent1"/>
+          </a:lnRef>
+          <a:fillRef idx="0">
+            <a:schemeClr val="accent1"/>
+          </a:fillRef>
+          <a:effectRef idx="0">
+            <a:schemeClr val="accent1"/>
+          </a:effectRef>
+          <a:fontRef idx="minor">
+            <a:schemeClr val="tx1"/>
+          </a:fontRef>
+        </p:style>
+      </p:cxnSp>
+      <p:cxnSp>
+        <p:nvCxnSpPr>
+          <p:cNvPr id="17" name="Gerader Verbinder 16"/>
+          <p:cNvCxnSpPr/>
+          <p:nvPr/>
+        </p:nvCxnSpPr>
+        <p:spPr>
+          <a:xfrm flipV="1">
+            <a:off x="2540105" y="4267200"/>
+            <a:ext cx="1503708" cy="881449"/>
+          </a:xfrm>
+          <a:prstGeom prst="line">
+            <a:avLst/>
+          </a:prstGeom>
+          <a:ln w="28575">
+            <a:solidFill>
+              <a:schemeClr val="tx1"/>
+            </a:solidFill>
+          </a:ln>
+        </p:spPr>
+        <p:style>
+          <a:lnRef idx="1">
+            <a:schemeClr val="accent1"/>
+          </a:lnRef>
+          <a:fillRef idx="0">
+            <a:schemeClr val="accent1"/>
+          </a:fillRef>
+          <a:effectRef idx="0">
+            <a:schemeClr val="accent1"/>
+          </a:effectRef>
+          <a:fontRef idx="minor">
+            <a:schemeClr val="tx1"/>
+          </a:fontRef>
+        </p:style>
+      </p:cxnSp>
+      <p:cxnSp>
+        <p:nvCxnSpPr>
+          <p:cNvPr id="19" name="Gerader Verbinder 18"/>
+          <p:cNvCxnSpPr/>
+          <p:nvPr/>
+        </p:nvCxnSpPr>
+        <p:spPr>
+          <a:xfrm flipH="1">
+            <a:off x="7065407" y="3361432"/>
+            <a:ext cx="1085164" cy="419736"/>
+          </a:xfrm>
+          <a:prstGeom prst="line">
+            <a:avLst/>
+          </a:prstGeom>
+          <a:ln w="28575">
+            <a:solidFill>
+              <a:schemeClr val="tx1"/>
+            </a:solidFill>
+          </a:ln>
+        </p:spPr>
+        <p:style>
+          <a:lnRef idx="1">
+            <a:schemeClr val="accent1"/>
+          </a:lnRef>
+          <a:fillRef idx="0">
+            <a:schemeClr val="accent1"/>
+          </a:fillRef>
+          <a:effectRef idx="0">
+            <a:schemeClr val="accent1"/>
+          </a:effectRef>
+          <a:fontRef idx="minor">
+            <a:schemeClr val="tx1"/>
+          </a:fontRef>
+        </p:style>
+      </p:cxnSp>
+      <p:cxnSp>
+        <p:nvCxnSpPr>
+          <p:cNvPr id="21" name="Gerader Verbinder 20"/>
+          <p:cNvCxnSpPr/>
+          <p:nvPr/>
+        </p:nvCxnSpPr>
+        <p:spPr>
+          <a:xfrm>
+            <a:off x="8806249" y="3867665"/>
+            <a:ext cx="0" cy="399535"/>
+          </a:xfrm>
+          <a:prstGeom prst="line">
+            <a:avLst/>
+          </a:prstGeom>
+          <a:ln w="28575">
+            <a:solidFill>
+              <a:schemeClr val="tx1"/>
+            </a:solidFill>
+          </a:ln>
+        </p:spPr>
+        <p:style>
+          <a:lnRef idx="1">
+            <a:schemeClr val="accent1"/>
+          </a:lnRef>
+          <a:fillRef idx="0">
+            <a:schemeClr val="accent1"/>
+          </a:fillRef>
+          <a:effectRef idx="0">
+            <a:schemeClr val="accent1"/>
+          </a:effectRef>
+          <a:fontRef idx="minor">
+            <a:schemeClr val="tx1"/>
+          </a:fontRef>
+        </p:style>
+      </p:cxnSp>
+      <p:cxnSp>
+        <p:nvCxnSpPr>
+          <p:cNvPr id="23" name="Gerader Verbinder 22"/>
+          <p:cNvCxnSpPr>
+            <a:stCxn id="8" idx="3"/>
+          </p:cNvCxnSpPr>
+          <p:nvPr/>
+        </p:nvCxnSpPr>
+        <p:spPr>
+          <a:xfrm>
+            <a:off x="9465275" y="4510216"/>
+            <a:ext cx="411893" cy="0"/>
+          </a:xfrm>
+          <a:prstGeom prst="line">
+            <a:avLst/>
+          </a:prstGeom>
+          <a:ln w="28575">
+            <a:solidFill>
+              <a:schemeClr val="tx1"/>
+            </a:solidFill>
+          </a:ln>
+        </p:spPr>
+        <p:style>
+          <a:lnRef idx="1">
+            <a:schemeClr val="accent1"/>
+          </a:lnRef>
+          <a:fillRef idx="0">
+            <a:schemeClr val="accent1"/>
+          </a:fillRef>
+          <a:effectRef idx="0">
+            <a:schemeClr val="accent1"/>
+          </a:effectRef>
+          <a:fontRef idx="minor">
+            <a:schemeClr val="tx1"/>
+          </a:fontRef>
+        </p:style>
+      </p:cxnSp>
     </p:spTree>
     <p:extLst>
       <p:ext uri="{BB962C8B-B14F-4D97-AF65-F5344CB8AC3E}">
-        <p14:creationId xmlns:p14="http://schemas.microsoft.com/office/powerpoint/2010/main" val="991975267"/>
+        <p14:creationId xmlns:p14="http://schemas.microsoft.com/office/powerpoint/2010/main" val="2545934219"/>
       </p:ext>
     </p:extLst>
   </p:cSld>
@@ -4788,36 +5017,221 @@
           <a:lstStyle/>
           <a:p>
             <a:r>
+              <a:rPr lang="de-DE" dirty="0" err="1" smtClean="0"/>
+              <a:t>WiPort</a:t>
+            </a:r>
+            <a:r>
               <a:rPr lang="de-DE" dirty="0" smtClean="0"/>
-              <a:t>Hardware setup</a:t>
+              <a:t> </a:t>
             </a:r>
             <a:endParaRPr lang="de-DE" dirty="0"/>
           </a:p>
         </p:txBody>
       </p:sp>
-      <p:sp>
-        <p:nvSpPr>
-          <p:cNvPr id="3" name="Inhaltsplatzhalter 2"/>
-          <p:cNvSpPr>
+      <p:pic>
+        <p:nvPicPr>
+          <p:cNvPr id="7" name="Bild 6" descr="wiport2.jpg"/>
+          <p:cNvPicPr>
+            <a:picLocks noChangeAspect="1"/>
+          </p:cNvPicPr>
+          <p:nvPr/>
+        </p:nvPicPr>
+        <p:blipFill>
+          <a:blip r:embed="rId2">
+            <a:extLst>
+              <a:ext uri="{28A0092B-C50C-407E-A947-70E740481C1C}">
+                <a14:useLocalDpi xmlns:a14="http://schemas.microsoft.com/office/drawing/2010/main" val="0"/>
+              </a:ext>
+            </a:extLst>
+          </a:blip>
+          <a:stretch>
+            <a:fillRect/>
+          </a:stretch>
+        </p:blipFill>
+        <p:spPr>
+          <a:xfrm>
+            <a:off x="124232" y="2222724"/>
+            <a:ext cx="6835263" cy="3389667"/>
+          </a:xfrm>
+          <a:prstGeom prst="rect">
+            <a:avLst/>
+          </a:prstGeom>
+        </p:spPr>
+      </p:pic>
+      <p:sp>
+        <p:nvSpPr>
+          <p:cNvPr id="10" name="Inhaltsplatzhalter 9"/>
+          <p:cNvSpPr txBox="1">
             <a:spLocks noGrp="1"/>
           </p:cNvSpPr>
           <p:nvPr>
             <p:ph idx="1"/>
           </p:nvPr>
         </p:nvSpPr>
-        <p:spPr/>
-        <p:txBody>
-          <a:bodyPr/>
+        <p:spPr>
+          <a:xfrm>
+            <a:off x="6777911" y="2835275"/>
+            <a:ext cx="4805363" cy="2477601"/>
+          </a:xfrm>
+          <a:prstGeom prst="rect">
+            <a:avLst/>
+          </a:prstGeom>
+          <a:noFill/>
+        </p:spPr>
+        <p:txBody>
+          <a:bodyPr wrap="square" rtlCol="0">
+            <a:spAutoFit/>
+          </a:bodyPr>
           <a:lstStyle/>
           <a:p>
-            <a:endParaRPr lang="de-DE"/>
+            <a:pPr marL="285750" indent="-285750">
+              <a:buFont typeface="Arial"/>
+              <a:buChar char="•"/>
+            </a:pPr>
+            <a:r>
+              <a:rPr lang="de-DE" dirty="0" smtClean="0"/>
+              <a:t>Wireless </a:t>
+            </a:r>
+            <a:r>
+              <a:rPr lang="de-DE" dirty="0" err="1" smtClean="0"/>
+              <a:t>networking</a:t>
+            </a:r>
+            <a:r>
+              <a:rPr lang="de-DE" dirty="0" smtClean="0"/>
+              <a:t> </a:t>
+            </a:r>
+            <a:r>
+              <a:rPr lang="de-DE" dirty="0" err="1" smtClean="0"/>
+              <a:t>server</a:t>
+            </a:r>
+            <a:endParaRPr lang="de-DE" dirty="0" smtClean="0"/>
+          </a:p>
+          <a:p>
+            <a:pPr marL="285750" indent="-285750">
+              <a:buFont typeface="Arial"/>
+              <a:buChar char="•"/>
+            </a:pPr>
+            <a:endParaRPr lang="de-DE" dirty="0" smtClean="0"/>
+          </a:p>
+          <a:p>
+            <a:pPr marL="285750" indent="-285750">
+              <a:buFont typeface="Arial"/>
+              <a:buChar char="•"/>
+            </a:pPr>
+            <a:r>
+              <a:rPr lang="de-DE" dirty="0" err="1" smtClean="0"/>
+              <a:t>WiFi</a:t>
+            </a:r>
+            <a:r>
+              <a:rPr lang="de-DE" dirty="0" smtClean="0"/>
+              <a:t> </a:t>
+            </a:r>
+            <a:r>
+              <a:rPr lang="de-DE" dirty="0" err="1" smtClean="0"/>
+              <a:t>antenna</a:t>
+            </a:r>
+            <a:r>
+              <a:rPr lang="de-DE" dirty="0" smtClean="0"/>
+              <a:t>, </a:t>
+            </a:r>
+            <a:r>
+              <a:rPr lang="de-DE" dirty="0" err="1" smtClean="0"/>
+              <a:t>serial</a:t>
+            </a:r>
+            <a:r>
+              <a:rPr lang="de-DE" dirty="0" smtClean="0"/>
+              <a:t> </a:t>
+            </a:r>
+            <a:r>
+              <a:rPr lang="de-DE" dirty="0" err="1" smtClean="0"/>
+              <a:t>and</a:t>
+            </a:r>
+            <a:r>
+              <a:rPr lang="de-DE" dirty="0" smtClean="0"/>
+              <a:t> LAN </a:t>
+            </a:r>
+            <a:r>
+              <a:rPr lang="de-DE" dirty="0" err="1" smtClean="0"/>
+              <a:t>port</a:t>
+            </a:r>
+            <a:endParaRPr lang="de-DE" dirty="0" smtClean="0"/>
+          </a:p>
+          <a:p>
+            <a:endParaRPr lang="de-DE" dirty="0" smtClean="0"/>
+          </a:p>
+          <a:p>
+            <a:pPr marL="285750" indent="-285750">
+              <a:buFont typeface="Arial"/>
+              <a:buChar char="•"/>
+            </a:pPr>
+            <a:r>
+              <a:rPr lang="de-DE" dirty="0" smtClean="0"/>
+              <a:t>TCP/IP </a:t>
+            </a:r>
+            <a:r>
+              <a:rPr lang="de-DE" dirty="0" err="1" smtClean="0"/>
+              <a:t>communication</a:t>
+            </a:r>
+            <a:r>
+              <a:rPr lang="de-DE" dirty="0" smtClean="0"/>
+              <a:t> </a:t>
+            </a:r>
+            <a:r>
+              <a:rPr lang="de-DE" dirty="0" err="1" smtClean="0"/>
+              <a:t>with</a:t>
+            </a:r>
+            <a:r>
+              <a:rPr lang="de-DE" dirty="0" smtClean="0"/>
+              <a:t> </a:t>
+            </a:r>
+            <a:r>
+              <a:rPr lang="de-DE" dirty="0" err="1" smtClean="0"/>
+              <a:t>external</a:t>
+            </a:r>
+            <a:r>
+              <a:rPr lang="de-DE" dirty="0"/>
+              <a:t> </a:t>
+            </a:r>
+            <a:r>
+              <a:rPr lang="de-DE" dirty="0" err="1" smtClean="0"/>
+              <a:t>systems</a:t>
+            </a:r>
+            <a:r>
+              <a:rPr lang="de-DE" dirty="0" smtClean="0"/>
+              <a:t> (</a:t>
+            </a:r>
+            <a:r>
+              <a:rPr lang="de-DE" dirty="0" err="1" smtClean="0"/>
+              <a:t>other</a:t>
+            </a:r>
+            <a:r>
+              <a:rPr lang="de-DE" dirty="0" smtClean="0"/>
+              <a:t> </a:t>
+            </a:r>
+            <a:r>
+              <a:rPr lang="de-DE" dirty="0" err="1" smtClean="0"/>
+              <a:t>cars</a:t>
+            </a:r>
+            <a:r>
+              <a:rPr lang="de-DE" dirty="0" smtClean="0"/>
+              <a:t>, </a:t>
+            </a:r>
+            <a:r>
+              <a:rPr lang="de-DE" dirty="0" err="1" smtClean="0"/>
+              <a:t>basestation</a:t>
+            </a:r>
+            <a:r>
+              <a:rPr lang="de-DE" dirty="0" smtClean="0"/>
+              <a:t>, etc.) </a:t>
+            </a:r>
+            <a:endParaRPr lang="de-DE" dirty="0"/>
           </a:p>
         </p:txBody>
       </p:sp>
     </p:spTree>
     <p:extLst>
       <p:ext uri="{BB962C8B-B14F-4D97-AF65-F5344CB8AC3E}">
-        <p14:creationId xmlns:p14="http://schemas.microsoft.com/office/powerpoint/2010/main" val="1412353464"/>
+        <p14:creationId xmlns:p14="http://schemas.microsoft.com/office/powerpoint/2010/main" val="1424884389"/>
       </p:ext>
     </p:extLst>
   </p:cSld>
@@ -5049,826 +5463,328 @@
           <a:lstStyle/>
           <a:p>
             <a:r>
-              <a:rPr lang="de-DE" dirty="0" err="1" smtClean="0"/>
-              <a:t>WiPort</a:t>
-            </a:r>
-            <a:r>
               <a:rPr lang="de-DE" dirty="0" smtClean="0"/>
-              <a:t> </a:t>
+              <a:t>Communication </a:t>
+            </a:r>
+            <a:r>
+              <a:rPr lang="de-DE" dirty="0" smtClean="0"/>
+              <a:t>flow</a:t>
             </a:r>
             <a:endParaRPr lang="de-DE" dirty="0"/>
           </a:p>
         </p:txBody>
       </p:sp>
-      <p:pic>
-        <p:nvPicPr>
-          <p:cNvPr id="7" name="Bild 6" descr="wiport2.jpg"/>
-          <p:cNvPicPr>
-            <a:picLocks noChangeAspect="1"/>
-          </p:cNvPicPr>
-          <p:nvPr/>
-        </p:nvPicPr>
-        <p:blipFill>
-          <a:blip r:embed="rId2">
-            <a:extLst>
-              <a:ext uri="{28A0092B-C50C-407E-A947-70E740481C1C}">
-                <a14:useLocalDpi xmlns:a14="http://schemas.microsoft.com/office/drawing/2010/main" val="0"/>
-              </a:ext>
-            </a:extLst>
-          </a:blip>
-          <a:stretch>
-            <a:fillRect/>
-          </a:stretch>
-        </p:blipFill>
-        <p:spPr>
-          <a:xfrm>
-            <a:off x="124232" y="2222724"/>
-            <a:ext cx="6835263" cy="3389667"/>
-          </a:xfrm>
-          <a:prstGeom prst="rect">
-            <a:avLst/>
-          </a:prstGeom>
-        </p:spPr>
-      </p:pic>
-      <p:sp>
-        <p:nvSpPr>
-          <p:cNvPr id="10" name="Inhaltsplatzhalter 9"/>
-          <p:cNvSpPr txBox="1">
-            <a:spLocks noGrp="1"/>
-          </p:cNvSpPr>
-          <p:nvPr>
-            <p:ph idx="1"/>
-          </p:nvPr>
-        </p:nvSpPr>
-        <p:spPr>
-          <a:xfrm>
-            <a:off x="6777911" y="2835275"/>
-            <a:ext cx="4805363" cy="2477601"/>
-          </a:xfrm>
-          <a:prstGeom prst="rect">
-            <a:avLst/>
-          </a:prstGeom>
-          <a:noFill/>
-        </p:spPr>
-        <p:txBody>
-          <a:bodyPr wrap="square" rtlCol="0">
-            <a:spAutoFit/>
-          </a:bodyPr>
-          <a:lstStyle/>
-          <a:p>
-            <a:pPr marL="285750" indent="-285750">
-              <a:buFont typeface="Arial"/>
-              <a:buChar char="•"/>
-            </a:pPr>
-            <a:r>
-              <a:rPr lang="de-DE" dirty="0" smtClean="0"/>
-              <a:t>Wireless </a:t>
-            </a:r>
-            <a:r>
-              <a:rPr lang="de-DE" dirty="0" err="1" smtClean="0"/>
-              <a:t>networking</a:t>
-            </a:r>
-            <a:r>
-              <a:rPr lang="de-DE" dirty="0" smtClean="0"/>
-              <a:t> </a:t>
-            </a:r>
-            <a:r>
-              <a:rPr lang="de-DE" dirty="0" err="1" smtClean="0"/>
-              <a:t>server</a:t>
-            </a:r>
-            <a:endParaRPr lang="de-DE" dirty="0" smtClean="0"/>
-          </a:p>
-          <a:p>
-            <a:pPr marL="285750" indent="-285750">
-              <a:buFont typeface="Arial"/>
-              <a:buChar char="•"/>
-            </a:pPr>
-            <a:endParaRPr lang="de-DE" dirty="0" smtClean="0"/>
-          </a:p>
-          <a:p>
-            <a:pPr marL="285750" indent="-285750">
-              <a:buFont typeface="Arial"/>
-              <a:buChar char="•"/>
-            </a:pPr>
-            <a:r>
-              <a:rPr lang="de-DE" dirty="0" err="1" smtClean="0"/>
-              <a:t>WiFi</a:t>
-            </a:r>
-            <a:r>
-              <a:rPr lang="de-DE" dirty="0" smtClean="0"/>
-              <a:t> </a:t>
-            </a:r>
-            <a:r>
-              <a:rPr lang="de-DE" dirty="0" err="1" smtClean="0"/>
-              <a:t>antenna</a:t>
-            </a:r>
-            <a:r>
-              <a:rPr lang="de-DE" dirty="0" smtClean="0"/>
-              <a:t>, </a:t>
-            </a:r>
-            <a:r>
-              <a:rPr lang="de-DE" dirty="0" err="1" smtClean="0"/>
-              <a:t>serial</a:t>
-            </a:r>
-            <a:r>
-              <a:rPr lang="de-DE" dirty="0" smtClean="0"/>
-              <a:t> </a:t>
-            </a:r>
-            <a:r>
-              <a:rPr lang="de-DE" dirty="0" err="1" smtClean="0"/>
-              <a:t>and</a:t>
-            </a:r>
-            <a:r>
-              <a:rPr lang="de-DE" dirty="0" smtClean="0"/>
-              <a:t> LAN </a:t>
-            </a:r>
-            <a:r>
-              <a:rPr lang="de-DE" dirty="0" err="1" smtClean="0"/>
-              <a:t>port</a:t>
-            </a:r>
-            <a:endParaRPr lang="de-DE" dirty="0" smtClean="0"/>
-          </a:p>
-          <a:p>
-            <a:endParaRPr lang="de-DE" dirty="0" smtClean="0"/>
-          </a:p>
-          <a:p>
-            <a:pPr marL="285750" indent="-285750">
-              <a:buFont typeface="Arial"/>
-              <a:buChar char="•"/>
-            </a:pPr>
-            <a:r>
-              <a:rPr lang="de-DE" dirty="0" smtClean="0"/>
-              <a:t>TCP/IP </a:t>
-            </a:r>
-            <a:r>
-              <a:rPr lang="de-DE" dirty="0" err="1" smtClean="0"/>
-              <a:t>communication</a:t>
-            </a:r>
-            <a:r>
-              <a:rPr lang="de-DE" dirty="0" smtClean="0"/>
-              <a:t> </a:t>
-            </a:r>
-            <a:r>
-              <a:rPr lang="de-DE" dirty="0" err="1" smtClean="0"/>
-              <a:t>with</a:t>
-            </a:r>
-            <a:r>
-              <a:rPr lang="de-DE" dirty="0" smtClean="0"/>
-              <a:t> </a:t>
-            </a:r>
-            <a:r>
-              <a:rPr lang="de-DE" dirty="0" err="1" smtClean="0"/>
-              <a:t>external</a:t>
-            </a:r>
-            <a:r>
-              <a:rPr lang="de-DE" dirty="0"/>
-              <a:t> </a:t>
-            </a:r>
-            <a:r>
-              <a:rPr lang="de-DE" dirty="0" err="1" smtClean="0"/>
-              <a:t>systems</a:t>
-            </a:r>
-            <a:r>
-              <a:rPr lang="de-DE" dirty="0" smtClean="0"/>
-              <a:t> (</a:t>
-            </a:r>
-            <a:r>
-              <a:rPr lang="de-DE" dirty="0" err="1" smtClean="0"/>
-              <a:t>other</a:t>
-            </a:r>
-            <a:r>
-              <a:rPr lang="de-DE" dirty="0" smtClean="0"/>
-              <a:t> </a:t>
-            </a:r>
-            <a:r>
-              <a:rPr lang="de-DE" dirty="0" err="1" smtClean="0"/>
-              <a:t>cars</a:t>
-            </a:r>
-            <a:r>
-              <a:rPr lang="de-DE" dirty="0" smtClean="0"/>
-              <a:t>, </a:t>
-            </a:r>
-            <a:r>
-              <a:rPr lang="de-DE" dirty="0" err="1" smtClean="0"/>
-              <a:t>basestation</a:t>
-            </a:r>
-            <a:r>
-              <a:rPr lang="de-DE" dirty="0" smtClean="0"/>
-              <a:t>, etc.) </a:t>
-            </a:r>
-            <a:endParaRPr lang="de-DE" dirty="0"/>
-          </a:p>
-        </p:txBody>
-      </p:sp>
-    </p:spTree>
-    <p:extLst>
-      <p:ext uri="{BB962C8B-B14F-4D97-AF65-F5344CB8AC3E}">
-        <p14:creationId xmlns:p14="http://schemas.microsoft.com/office/powerpoint/2010/main" val="1424884389"/>
-      </p:ext>
-    </p:extLst>
-  </p:cSld>
-  <p:clrMapOvr>
-    <a:masterClrMapping/>
-  </p:clrMapOvr>
-  <p:timing>
-    <p:tnLst>
-      <p:par>
-        <p:cTn id="1" dur="indefinite" restart="never" nodeType="tmRoot"/>
-      </p:par>
-    </p:tnLst>
-  </p:timing>
-</p:sld>
-</file>
-
-<file path=ppt/slides/slide8.xml><?xml version="1.0" encoding="utf-8"?>
-<p:sld xmlns:a="http://schemas.openxmlformats.org/drawingml/2006/main" xmlns:r="http://schemas.openxmlformats.org/officeDocument/2006/relationships" xmlns:p="http://schemas.openxmlformats.org/presentationml/2006/main">
-  <p:cSld>
-    <p:spTree>
-      <p:nvGrpSpPr>
-        <p:cNvPr id="1" name=""/>
-        <p:cNvGrpSpPr/>
-        <p:nvPr/>
-      </p:nvGrpSpPr>
-      <p:grpSpPr>
-        <a:xfrm>
-          <a:off x="0" y="0"/>
-          <a:ext cx="0" cy="0"/>
-          <a:chOff x="0" y="0"/>
-          <a:chExt cx="0" cy="0"/>
-        </a:xfrm>
-      </p:grpSpPr>
-      <p:sp>
-        <p:nvSpPr>
-          <p:cNvPr id="2" name="Titel 1"/>
-          <p:cNvSpPr>
-            <a:spLocks noGrp="1"/>
-          </p:cNvSpPr>
-          <p:nvPr>
-            <p:ph type="title"/>
-          </p:nvPr>
-        </p:nvSpPr>
-        <p:spPr/>
-        <p:txBody>
-          <a:bodyPr/>
-          <a:lstStyle/>
-          <a:p>
-            <a:r>
-              <a:rPr lang="de-DE" dirty="0" smtClean="0"/>
-              <a:t>Comm flow</a:t>
-            </a:r>
-            <a:endParaRPr lang="de-DE" dirty="0"/>
-          </a:p>
-        </p:txBody>
-      </p:sp>
-      <p:sp>
-        <p:nvSpPr>
-          <p:cNvPr id="13" name="Freeform 12"/>
-          <p:cNvSpPr/>
-          <p:nvPr/>
-        </p:nvSpPr>
-        <p:spPr>
-          <a:xfrm>
-            <a:off x="8978087" y="4647771"/>
-            <a:ext cx="1817038" cy="961419"/>
-          </a:xfrm>
-          <a:custGeom>
-            <a:avLst/>
-            <a:gdLst>
-              <a:gd name="connsiteX0" fmla="*/ 0 w 3094136"/>
-              <a:gd name="connsiteY0" fmla="*/ 0 h 1856482"/>
-              <a:gd name="connsiteX1" fmla="*/ 3094136 w 3094136"/>
-              <a:gd name="connsiteY1" fmla="*/ 0 h 1856482"/>
-              <a:gd name="connsiteX2" fmla="*/ 3094136 w 3094136"/>
-              <a:gd name="connsiteY2" fmla="*/ 1856482 h 1856482"/>
-              <a:gd name="connsiteX3" fmla="*/ 0 w 3094136"/>
-              <a:gd name="connsiteY3" fmla="*/ 1856482 h 1856482"/>
-              <a:gd name="connsiteX4" fmla="*/ 0 w 3094136"/>
-              <a:gd name="connsiteY4" fmla="*/ 0 h 1856482"/>
-            </a:gdLst>
-            <a:ahLst/>
-            <a:cxnLst>
-              <a:cxn ang="0">
-                <a:pos x="connsiteX0" y="connsiteY0"/>
-              </a:cxn>
-              <a:cxn ang="0">
-                <a:pos x="connsiteX1" y="connsiteY1"/>
-              </a:cxn>
-              <a:cxn ang="0">
-                <a:pos x="connsiteX2" y="connsiteY2"/>
-              </a:cxn>
-              <a:cxn ang="0">
-                <a:pos x="connsiteX3" y="connsiteY3"/>
-              </a:cxn>
-              <a:cxn ang="0">
-                <a:pos x="connsiteX4" y="connsiteY4"/>
-              </a:cxn>
-            </a:cxnLst>
-            <a:rect l="l" t="t" r="r" b="b"/>
-            <a:pathLst>
-              <a:path w="3094136" h="1856482">
-                <a:moveTo>
-                  <a:pt x="0" y="0"/>
-                </a:moveTo>
-                <a:lnTo>
-                  <a:pt x="3094136" y="0"/>
-                </a:lnTo>
-                <a:lnTo>
-                  <a:pt x="3094136" y="1856482"/>
-                </a:lnTo>
-                <a:lnTo>
-                  <a:pt x="0" y="1856482"/>
-                </a:lnTo>
-                <a:lnTo>
-                  <a:pt x="0" y="0"/>
-                </a:lnTo>
-                <a:close/>
-              </a:path>
-            </a:pathLst>
-          </a:custGeom>
-          <a:solidFill>
-            <a:schemeClr val="bg2">
-              <a:lumMod val="50000"/>
-            </a:schemeClr>
-          </a:solidFill>
-        </p:spPr>
-        <p:style>
-          <a:lnRef idx="2">
-            <a:schemeClr val="lt1">
-              <a:hueOff val="0"/>
-              <a:satOff val="0"/>
-              <a:lumOff val="0"/>
-              <a:alphaOff val="0"/>
-            </a:schemeClr>
-          </a:lnRef>
-          <a:fillRef idx="1">
-            <a:schemeClr val="accent1">
-              <a:hueOff val="0"/>
-              <a:satOff val="0"/>
-              <a:lumOff val="0"/>
-              <a:alphaOff val="0"/>
-            </a:schemeClr>
-          </a:fillRef>
-          <a:effectRef idx="0">
-            <a:schemeClr val="accent1">
-              <a:hueOff val="0"/>
-              <a:satOff val="0"/>
-              <a:lumOff val="0"/>
-              <a:alphaOff val="0"/>
-            </a:schemeClr>
-          </a:effectRef>
-          <a:fontRef idx="minor">
-            <a:schemeClr val="lt1"/>
-          </a:fontRef>
-        </p:style>
-        <p:txBody>
-          <a:bodyPr spcFirstLastPara="0" vert="horz" wrap="square" lIns="247650" tIns="247650" rIns="247650" bIns="247650" numCol="1" spcCol="1270" anchor="ctr" anchorCtr="0">
-            <a:noAutofit/>
-          </a:bodyPr>
-          <a:lstStyle/>
-          <a:p>
-            <a:pPr lvl="0" algn="ctr" defTabSz="2889250">
-              <a:lnSpc>
-                <a:spcPct val="90000"/>
-              </a:lnSpc>
-              <a:spcBef>
-                <a:spcPct val="0"/>
-              </a:spcBef>
-              <a:spcAft>
-                <a:spcPct val="35000"/>
-              </a:spcAft>
-            </a:pPr>
-            <a:r>
-              <a:rPr lang="en-US" sz="2400" kern="1200" dirty="0" smtClean="0"/>
-              <a:t>Image processing</a:t>
-            </a:r>
-            <a:endParaRPr lang="en-US" sz="2400" kern="1200" dirty="0"/>
-          </a:p>
-        </p:txBody>
-      </p:sp>
-      <p:sp>
-        <p:nvSpPr>
-          <p:cNvPr id="16" name="Freeform 15"/>
-          <p:cNvSpPr/>
-          <p:nvPr/>
-        </p:nvSpPr>
-        <p:spPr>
-          <a:xfrm>
-            <a:off x="8978087" y="2429944"/>
-            <a:ext cx="1817038" cy="961419"/>
-          </a:xfrm>
-          <a:custGeom>
-            <a:avLst/>
-            <a:gdLst>
-              <a:gd name="connsiteX0" fmla="*/ 0 w 3094136"/>
-              <a:gd name="connsiteY0" fmla="*/ 0 h 1856482"/>
-              <a:gd name="connsiteX1" fmla="*/ 3094136 w 3094136"/>
-              <a:gd name="connsiteY1" fmla="*/ 0 h 1856482"/>
-              <a:gd name="connsiteX2" fmla="*/ 3094136 w 3094136"/>
-              <a:gd name="connsiteY2" fmla="*/ 1856482 h 1856482"/>
-              <a:gd name="connsiteX3" fmla="*/ 0 w 3094136"/>
-              <a:gd name="connsiteY3" fmla="*/ 1856482 h 1856482"/>
-              <a:gd name="connsiteX4" fmla="*/ 0 w 3094136"/>
-              <a:gd name="connsiteY4" fmla="*/ 0 h 1856482"/>
-            </a:gdLst>
-            <a:ahLst/>
-            <a:cxnLst>
-              <a:cxn ang="0">
-                <a:pos x="connsiteX0" y="connsiteY0"/>
-              </a:cxn>
-              <a:cxn ang="0">
-                <a:pos x="connsiteX1" y="connsiteY1"/>
-              </a:cxn>
-              <a:cxn ang="0">
-                <a:pos x="connsiteX2" y="connsiteY2"/>
-              </a:cxn>
-              <a:cxn ang="0">
-                <a:pos x="connsiteX3" y="connsiteY3"/>
-              </a:cxn>
-              <a:cxn ang="0">
-                <a:pos x="connsiteX4" y="connsiteY4"/>
-              </a:cxn>
-            </a:cxnLst>
-            <a:rect l="l" t="t" r="r" b="b"/>
-            <a:pathLst>
-              <a:path w="3094136" h="1856482">
-                <a:moveTo>
-                  <a:pt x="0" y="0"/>
-                </a:moveTo>
-                <a:lnTo>
-                  <a:pt x="3094136" y="0"/>
-                </a:lnTo>
-                <a:lnTo>
-                  <a:pt x="3094136" y="1856482"/>
-                </a:lnTo>
-                <a:lnTo>
-                  <a:pt x="0" y="1856482"/>
-                </a:lnTo>
-                <a:lnTo>
-                  <a:pt x="0" y="0"/>
-                </a:lnTo>
-                <a:close/>
-              </a:path>
-            </a:pathLst>
-          </a:custGeom>
-        </p:spPr>
-        <p:style>
-          <a:lnRef idx="2">
-            <a:schemeClr val="lt1">
-              <a:hueOff val="0"/>
-              <a:satOff val="0"/>
-              <a:lumOff val="0"/>
-              <a:alphaOff val="0"/>
-            </a:schemeClr>
-          </a:lnRef>
-          <a:fillRef idx="1">
-            <a:schemeClr val="accent1">
-              <a:hueOff val="0"/>
-              <a:satOff val="0"/>
-              <a:lumOff val="0"/>
-              <a:alphaOff val="0"/>
-            </a:schemeClr>
-          </a:fillRef>
-          <a:effectRef idx="0">
-            <a:schemeClr val="accent1">
-              <a:hueOff val="0"/>
-              <a:satOff val="0"/>
-              <a:lumOff val="0"/>
-              <a:alphaOff val="0"/>
-            </a:schemeClr>
-          </a:effectRef>
-          <a:fontRef idx="minor">
-            <a:schemeClr val="lt1"/>
-          </a:fontRef>
-        </p:style>
-        <p:txBody>
-          <a:bodyPr spcFirstLastPara="0" vert="horz" wrap="square" lIns="247650" tIns="247650" rIns="247650" bIns="247650" numCol="1" spcCol="1270" anchor="ctr" anchorCtr="0">
-            <a:noAutofit/>
-          </a:bodyPr>
-          <a:lstStyle/>
-          <a:p>
-            <a:pPr lvl="0" algn="ctr" defTabSz="2889250">
-              <a:lnSpc>
-                <a:spcPct val="90000"/>
-              </a:lnSpc>
-              <a:spcBef>
-                <a:spcPct val="0"/>
-              </a:spcBef>
-              <a:spcAft>
-                <a:spcPct val="35000"/>
-              </a:spcAft>
-            </a:pPr>
-            <a:r>
-              <a:rPr lang="en-US" sz="2400" kern="1200" dirty="0" smtClean="0"/>
-              <a:t>Motor controllers</a:t>
-            </a:r>
-            <a:endParaRPr lang="en-US" sz="2400" kern="1200" dirty="0"/>
-          </a:p>
-        </p:txBody>
-      </p:sp>
-      <p:sp>
-        <p:nvSpPr>
-          <p:cNvPr id="17" name="Freeform 16"/>
-          <p:cNvSpPr/>
-          <p:nvPr/>
-        </p:nvSpPr>
-        <p:spPr>
-          <a:xfrm>
-            <a:off x="8978087" y="3538857"/>
-            <a:ext cx="1817038" cy="961420"/>
-          </a:xfrm>
-          <a:custGeom>
-            <a:avLst/>
-            <a:gdLst>
-              <a:gd name="connsiteX0" fmla="*/ 0 w 3094136"/>
-              <a:gd name="connsiteY0" fmla="*/ 0 h 1856482"/>
-              <a:gd name="connsiteX1" fmla="*/ 3094136 w 3094136"/>
-              <a:gd name="connsiteY1" fmla="*/ 0 h 1856482"/>
-              <a:gd name="connsiteX2" fmla="*/ 3094136 w 3094136"/>
-              <a:gd name="connsiteY2" fmla="*/ 1856482 h 1856482"/>
-              <a:gd name="connsiteX3" fmla="*/ 0 w 3094136"/>
-              <a:gd name="connsiteY3" fmla="*/ 1856482 h 1856482"/>
-              <a:gd name="connsiteX4" fmla="*/ 0 w 3094136"/>
-              <a:gd name="connsiteY4" fmla="*/ 0 h 1856482"/>
-            </a:gdLst>
-            <a:ahLst/>
-            <a:cxnLst>
-              <a:cxn ang="0">
-                <a:pos x="connsiteX0" y="connsiteY0"/>
-              </a:cxn>
-              <a:cxn ang="0">
-                <a:pos x="connsiteX1" y="connsiteY1"/>
-              </a:cxn>
-              <a:cxn ang="0">
-                <a:pos x="connsiteX2" y="connsiteY2"/>
-              </a:cxn>
-              <a:cxn ang="0">
-                <a:pos x="connsiteX3" y="connsiteY3"/>
-              </a:cxn>
-              <a:cxn ang="0">
-                <a:pos x="connsiteX4" y="connsiteY4"/>
-              </a:cxn>
-            </a:cxnLst>
-            <a:rect l="l" t="t" r="r" b="b"/>
-            <a:pathLst>
-              <a:path w="3094136" h="1856482">
-                <a:moveTo>
-                  <a:pt x="0" y="0"/>
-                </a:moveTo>
-                <a:lnTo>
-                  <a:pt x="3094136" y="0"/>
-                </a:lnTo>
-                <a:lnTo>
-                  <a:pt x="3094136" y="1856482"/>
-                </a:lnTo>
-                <a:lnTo>
-                  <a:pt x="0" y="1856482"/>
-                </a:lnTo>
-                <a:lnTo>
-                  <a:pt x="0" y="0"/>
-                </a:lnTo>
-                <a:close/>
-              </a:path>
-            </a:pathLst>
-          </a:custGeom>
-        </p:spPr>
-        <p:style>
-          <a:lnRef idx="2">
-            <a:schemeClr val="lt1">
-              <a:hueOff val="0"/>
-              <a:satOff val="0"/>
-              <a:lumOff val="0"/>
-              <a:alphaOff val="0"/>
-            </a:schemeClr>
-          </a:lnRef>
-          <a:fillRef idx="1">
-            <a:schemeClr val="accent1">
-              <a:hueOff val="0"/>
-              <a:satOff val="0"/>
-              <a:lumOff val="0"/>
-              <a:alphaOff val="0"/>
-            </a:schemeClr>
-          </a:fillRef>
-          <a:effectRef idx="0">
-            <a:schemeClr val="accent1">
-              <a:hueOff val="0"/>
-              <a:satOff val="0"/>
-              <a:lumOff val="0"/>
-              <a:alphaOff val="0"/>
-            </a:schemeClr>
-          </a:effectRef>
-          <a:fontRef idx="minor">
-            <a:schemeClr val="lt1"/>
-          </a:fontRef>
-        </p:style>
-        <p:txBody>
-          <a:bodyPr spcFirstLastPara="0" vert="horz" wrap="square" lIns="247650" tIns="247650" rIns="247650" bIns="247650" numCol="1" spcCol="1270" anchor="ctr" anchorCtr="0">
-            <a:noAutofit/>
-          </a:bodyPr>
-          <a:lstStyle/>
-          <a:p>
-            <a:pPr lvl="0" algn="ctr" defTabSz="2889250">
-              <a:lnSpc>
-                <a:spcPct val="90000"/>
-              </a:lnSpc>
-              <a:spcBef>
-                <a:spcPct val="0"/>
-              </a:spcBef>
-              <a:spcAft>
-                <a:spcPct val="35000"/>
-              </a:spcAft>
-            </a:pPr>
-            <a:r>
-              <a:rPr lang="en-US" sz="2800" kern="1200" dirty="0" err="1" smtClean="0"/>
-              <a:t>WiPort</a:t>
-            </a:r>
-            <a:endParaRPr lang="en-US" sz="2800" kern="1200" dirty="0"/>
-          </a:p>
-        </p:txBody>
-      </p:sp>
-      <p:sp>
-        <p:nvSpPr>
-          <p:cNvPr id="18" name="Freeform 17"/>
-          <p:cNvSpPr/>
-          <p:nvPr/>
-        </p:nvSpPr>
-        <p:spPr>
-          <a:xfrm>
-            <a:off x="6178884" y="3538857"/>
-            <a:ext cx="1817038" cy="961419"/>
-          </a:xfrm>
-          <a:custGeom>
-            <a:avLst/>
-            <a:gdLst>
-              <a:gd name="connsiteX0" fmla="*/ 0 w 3094136"/>
-              <a:gd name="connsiteY0" fmla="*/ 0 h 1856482"/>
-              <a:gd name="connsiteX1" fmla="*/ 3094136 w 3094136"/>
-              <a:gd name="connsiteY1" fmla="*/ 0 h 1856482"/>
-              <a:gd name="connsiteX2" fmla="*/ 3094136 w 3094136"/>
-              <a:gd name="connsiteY2" fmla="*/ 1856482 h 1856482"/>
-              <a:gd name="connsiteX3" fmla="*/ 0 w 3094136"/>
-              <a:gd name="connsiteY3" fmla="*/ 1856482 h 1856482"/>
-              <a:gd name="connsiteX4" fmla="*/ 0 w 3094136"/>
-              <a:gd name="connsiteY4" fmla="*/ 0 h 1856482"/>
-            </a:gdLst>
-            <a:ahLst/>
-            <a:cxnLst>
-              <a:cxn ang="0">
-                <a:pos x="connsiteX0" y="connsiteY0"/>
-              </a:cxn>
-              <a:cxn ang="0">
-                <a:pos x="connsiteX1" y="connsiteY1"/>
-              </a:cxn>
-              <a:cxn ang="0">
-                <a:pos x="connsiteX2" y="connsiteY2"/>
-              </a:cxn>
-              <a:cxn ang="0">
-                <a:pos x="connsiteX3" y="connsiteY3"/>
-              </a:cxn>
-              <a:cxn ang="0">
-                <a:pos x="connsiteX4" y="connsiteY4"/>
-              </a:cxn>
-            </a:cxnLst>
-            <a:rect l="l" t="t" r="r" b="b"/>
-            <a:pathLst>
-              <a:path w="3094136" h="1856482">
-                <a:moveTo>
-                  <a:pt x="0" y="0"/>
-                </a:moveTo>
-                <a:lnTo>
-                  <a:pt x="3094136" y="0"/>
-                </a:lnTo>
-                <a:lnTo>
-                  <a:pt x="3094136" y="1856482"/>
-                </a:lnTo>
-                <a:lnTo>
-                  <a:pt x="0" y="1856482"/>
-                </a:lnTo>
-                <a:lnTo>
-                  <a:pt x="0" y="0"/>
-                </a:lnTo>
-                <a:close/>
-              </a:path>
-            </a:pathLst>
-          </a:custGeom>
-        </p:spPr>
-        <p:style>
-          <a:lnRef idx="2">
-            <a:schemeClr val="lt1">
-              <a:hueOff val="0"/>
-              <a:satOff val="0"/>
-              <a:lumOff val="0"/>
-              <a:alphaOff val="0"/>
-            </a:schemeClr>
-          </a:lnRef>
-          <a:fillRef idx="1">
-            <a:schemeClr val="accent1">
-              <a:hueOff val="0"/>
-              <a:satOff val="0"/>
-              <a:lumOff val="0"/>
-              <a:alphaOff val="0"/>
-            </a:schemeClr>
-          </a:fillRef>
-          <a:effectRef idx="0">
-            <a:schemeClr val="accent1">
-              <a:hueOff val="0"/>
-              <a:satOff val="0"/>
-              <a:lumOff val="0"/>
-              <a:alphaOff val="0"/>
-            </a:schemeClr>
-          </a:effectRef>
-          <a:fontRef idx="minor">
-            <a:schemeClr val="lt1"/>
-          </a:fontRef>
-        </p:style>
-        <p:txBody>
-          <a:bodyPr spcFirstLastPara="0" vert="horz" wrap="square" lIns="247650" tIns="247650" rIns="247650" bIns="247650" numCol="1" spcCol="1270" anchor="ctr" anchorCtr="0">
-            <a:noAutofit/>
-          </a:bodyPr>
-          <a:lstStyle/>
-          <a:p>
-            <a:pPr lvl="0" algn="ctr" defTabSz="2889250">
-              <a:lnSpc>
-                <a:spcPct val="90000"/>
-              </a:lnSpc>
-              <a:spcBef>
-                <a:spcPct val="0"/>
-              </a:spcBef>
-              <a:spcAft>
-                <a:spcPct val="35000"/>
-              </a:spcAft>
-            </a:pPr>
-            <a:r>
-              <a:rPr lang="en-US" sz="2800" dirty="0" smtClean="0"/>
-              <a:t>Switch</a:t>
-            </a:r>
-            <a:endParaRPr lang="en-US" sz="2800" kern="1200" dirty="0"/>
-          </a:p>
-        </p:txBody>
-      </p:sp>
-      <p:cxnSp>
-        <p:nvCxnSpPr>
-          <p:cNvPr id="23" name="Straight Connector 22"/>
-          <p:cNvCxnSpPr/>
-          <p:nvPr/>
-        </p:nvCxnSpPr>
-        <p:spPr>
-          <a:xfrm>
-            <a:off x="5810546" y="4037893"/>
-            <a:ext cx="368338" cy="0"/>
-          </a:xfrm>
-          <a:prstGeom prst="line">
-            <a:avLst/>
-          </a:prstGeom>
-          <a:ln>
-            <a:headEnd type="none"/>
-            <a:tailEnd type="triangle"/>
-          </a:ln>
-        </p:spPr>
-        <p:style>
-          <a:lnRef idx="2">
-            <a:schemeClr val="dk1"/>
-          </a:lnRef>
-          <a:fillRef idx="0">
-            <a:schemeClr val="dk1"/>
-          </a:fillRef>
-          <a:effectRef idx="1">
-            <a:schemeClr val="dk1"/>
-          </a:effectRef>
-          <a:fontRef idx="minor">
-            <a:schemeClr val="tx1"/>
-          </a:fontRef>
-        </p:style>
-      </p:cxnSp>
       <p:grpSp>
         <p:nvGrpSpPr>
-          <p:cNvPr id="53" name="Group 52"/>
+          <p:cNvPr id="28" name="Group 27"/>
           <p:cNvGrpSpPr/>
           <p:nvPr/>
         </p:nvGrpSpPr>
         <p:grpSpPr>
           <a:xfrm>
-            <a:off x="7995922" y="2910653"/>
-            <a:ext cx="982165" cy="2217827"/>
-            <a:chOff x="6855134" y="2892035"/>
-            <a:chExt cx="982165" cy="2217827"/>
+            <a:off x="1896418" y="2179133"/>
+            <a:ext cx="8898707" cy="3400967"/>
+            <a:chOff x="1896418" y="2179133"/>
+            <a:chExt cx="8898707" cy="3400967"/>
           </a:xfrm>
         </p:grpSpPr>
+        <p:sp>
+          <p:nvSpPr>
+            <p:cNvPr id="13" name="Rounded Rectangle 12"/>
+            <p:cNvSpPr/>
+            <p:nvPr/>
+          </p:nvSpPr>
+          <p:spPr>
+            <a:xfrm>
+              <a:off x="8978087" y="4848580"/>
+              <a:ext cx="1817038" cy="731520"/>
+            </a:xfrm>
+            <a:prstGeom prst="roundRect">
+              <a:avLst/>
+            </a:prstGeom>
+            <a:solidFill>
+              <a:schemeClr val="bg2">
+                <a:lumMod val="50000"/>
+              </a:schemeClr>
+            </a:solidFill>
+          </p:spPr>
+          <p:style>
+            <a:lnRef idx="2">
+              <a:schemeClr val="lt1">
+                <a:hueOff val="0"/>
+                <a:satOff val="0"/>
+                <a:lumOff val="0"/>
+                <a:alphaOff val="0"/>
+              </a:schemeClr>
+            </a:lnRef>
+            <a:fillRef idx="1">
+              <a:schemeClr val="accent1">
+                <a:hueOff val="0"/>
+                <a:satOff val="0"/>
+                <a:lumOff val="0"/>
+                <a:alphaOff val="0"/>
+              </a:schemeClr>
+            </a:fillRef>
+            <a:effectRef idx="0">
+              <a:schemeClr val="accent1">
+                <a:hueOff val="0"/>
+                <a:satOff val="0"/>
+                <a:lumOff val="0"/>
+                <a:alphaOff val="0"/>
+              </a:schemeClr>
+            </a:effectRef>
+            <a:fontRef idx="minor">
+              <a:schemeClr val="lt1"/>
+            </a:fontRef>
+          </p:style>
+          <p:txBody>
+            <a:bodyPr spcFirstLastPara="0" vert="horz" wrap="square" lIns="247650" tIns="247650" rIns="247650" bIns="247650" numCol="1" spcCol="1270" anchor="ctr" anchorCtr="0">
+              <a:noAutofit/>
+            </a:bodyPr>
+            <a:lstStyle/>
+            <a:p>
+              <a:pPr lvl="0" algn="ctr" defTabSz="2889250">
+                <a:lnSpc>
+                  <a:spcPct val="90000"/>
+                </a:lnSpc>
+                <a:spcBef>
+                  <a:spcPct val="0"/>
+                </a:spcBef>
+                <a:spcAft>
+                  <a:spcPct val="35000"/>
+                </a:spcAft>
+              </a:pPr>
+              <a:r>
+                <a:rPr lang="en-US" sz="2000" kern="1200" dirty="0" smtClean="0"/>
+                <a:t>Image processing</a:t>
+              </a:r>
+              <a:endParaRPr lang="en-US" sz="2000" kern="1200" dirty="0"/>
+            </a:p>
+          </p:txBody>
+        </p:sp>
+        <p:sp>
+          <p:nvSpPr>
+            <p:cNvPr id="16" name="Rounded Rectangle 15"/>
+            <p:cNvSpPr/>
+            <p:nvPr/>
+          </p:nvSpPr>
+          <p:spPr>
+            <a:xfrm>
+              <a:off x="8978087" y="3068949"/>
+              <a:ext cx="1817038" cy="731520"/>
+            </a:xfrm>
+            <a:prstGeom prst="roundRect">
+              <a:avLst/>
+            </a:prstGeom>
+          </p:spPr>
+          <p:style>
+            <a:lnRef idx="2">
+              <a:schemeClr val="lt1">
+                <a:hueOff val="0"/>
+                <a:satOff val="0"/>
+                <a:lumOff val="0"/>
+                <a:alphaOff val="0"/>
+              </a:schemeClr>
+            </a:lnRef>
+            <a:fillRef idx="1">
+              <a:schemeClr val="accent1">
+                <a:hueOff val="0"/>
+                <a:satOff val="0"/>
+                <a:lumOff val="0"/>
+                <a:alphaOff val="0"/>
+              </a:schemeClr>
+            </a:fillRef>
+            <a:effectRef idx="0">
+              <a:schemeClr val="accent1">
+                <a:hueOff val="0"/>
+                <a:satOff val="0"/>
+                <a:lumOff val="0"/>
+                <a:alphaOff val="0"/>
+              </a:schemeClr>
+            </a:effectRef>
+            <a:fontRef idx="minor">
+              <a:schemeClr val="lt1"/>
+            </a:fontRef>
+          </p:style>
+          <p:txBody>
+            <a:bodyPr spcFirstLastPara="0" vert="horz" wrap="square" lIns="247650" tIns="247650" rIns="247650" bIns="247650" numCol="1" spcCol="1270" anchor="ctr" anchorCtr="0">
+              <a:noAutofit/>
+            </a:bodyPr>
+            <a:lstStyle/>
+            <a:p>
+              <a:pPr lvl="0" algn="ctr" defTabSz="2889250">
+                <a:lnSpc>
+                  <a:spcPct val="90000"/>
+                </a:lnSpc>
+                <a:spcBef>
+                  <a:spcPct val="0"/>
+                </a:spcBef>
+                <a:spcAft>
+                  <a:spcPct val="35000"/>
+                </a:spcAft>
+              </a:pPr>
+              <a:r>
+                <a:rPr lang="en-US" sz="2000" kern="1200" dirty="0" smtClean="0"/>
+                <a:t>Motor controllers</a:t>
+              </a:r>
+              <a:endParaRPr lang="en-US" sz="2000" kern="1200" dirty="0"/>
+            </a:p>
+          </p:txBody>
+        </p:sp>
+        <p:sp>
+          <p:nvSpPr>
+            <p:cNvPr id="17" name="Rounded Rectangle 16"/>
+            <p:cNvSpPr/>
+            <p:nvPr/>
+          </p:nvSpPr>
+          <p:spPr>
+            <a:xfrm>
+              <a:off x="8978087" y="3958765"/>
+              <a:ext cx="1817038" cy="731520"/>
+            </a:xfrm>
+            <a:prstGeom prst="roundRect">
+              <a:avLst/>
+            </a:prstGeom>
+          </p:spPr>
+          <p:style>
+            <a:lnRef idx="2">
+              <a:schemeClr val="lt1">
+                <a:hueOff val="0"/>
+                <a:satOff val="0"/>
+                <a:lumOff val="0"/>
+                <a:alphaOff val="0"/>
+              </a:schemeClr>
+            </a:lnRef>
+            <a:fillRef idx="1">
+              <a:schemeClr val="accent1">
+                <a:hueOff val="0"/>
+                <a:satOff val="0"/>
+                <a:lumOff val="0"/>
+                <a:alphaOff val="0"/>
+              </a:schemeClr>
+            </a:fillRef>
+            <a:effectRef idx="0">
+              <a:schemeClr val="accent1">
+                <a:hueOff val="0"/>
+                <a:satOff val="0"/>
+                <a:lumOff val="0"/>
+                <a:alphaOff val="0"/>
+              </a:schemeClr>
+            </a:effectRef>
+            <a:fontRef idx="minor">
+              <a:schemeClr val="lt1"/>
+            </a:fontRef>
+          </p:style>
+          <p:txBody>
+            <a:bodyPr spcFirstLastPara="0" vert="horz" wrap="square" lIns="247650" tIns="247650" rIns="247650" bIns="247650" numCol="1" spcCol="1270" anchor="ctr" anchorCtr="0">
+              <a:noAutofit/>
+            </a:bodyPr>
+            <a:lstStyle/>
+            <a:p>
+              <a:pPr lvl="0" algn="ctr" defTabSz="2889250">
+                <a:lnSpc>
+                  <a:spcPct val="90000"/>
+                </a:lnSpc>
+                <a:spcBef>
+                  <a:spcPct val="0"/>
+                </a:spcBef>
+                <a:spcAft>
+                  <a:spcPct val="35000"/>
+                </a:spcAft>
+              </a:pPr>
+              <a:r>
+                <a:rPr lang="en-US" sz="2800" kern="1200" dirty="0" err="1" smtClean="0"/>
+                <a:t>WiPort</a:t>
+              </a:r>
+              <a:endParaRPr lang="en-US" sz="2800" kern="1200" dirty="0"/>
+            </a:p>
+          </p:txBody>
+        </p:sp>
+        <p:sp>
+          <p:nvSpPr>
+            <p:cNvPr id="18" name="Rounded Rectangle 17"/>
+            <p:cNvSpPr/>
+            <p:nvPr/>
+          </p:nvSpPr>
+          <p:spPr>
+            <a:xfrm>
+              <a:off x="6178884" y="3538857"/>
+              <a:ext cx="1817038" cy="961419"/>
+            </a:xfrm>
+            <a:prstGeom prst="roundRect">
+              <a:avLst/>
+            </a:prstGeom>
+          </p:spPr>
+          <p:style>
+            <a:lnRef idx="2">
+              <a:schemeClr val="lt1">
+                <a:hueOff val="0"/>
+                <a:satOff val="0"/>
+                <a:lumOff val="0"/>
+                <a:alphaOff val="0"/>
+              </a:schemeClr>
+            </a:lnRef>
+            <a:fillRef idx="1">
+              <a:schemeClr val="accent1">
+                <a:hueOff val="0"/>
+                <a:satOff val="0"/>
+                <a:lumOff val="0"/>
+                <a:alphaOff val="0"/>
+              </a:schemeClr>
+            </a:fillRef>
+            <a:effectRef idx="0">
+              <a:schemeClr val="accent1">
+                <a:hueOff val="0"/>
+                <a:satOff val="0"/>
+                <a:lumOff val="0"/>
+                <a:alphaOff val="0"/>
+              </a:schemeClr>
+            </a:effectRef>
+            <a:fontRef idx="minor">
+              <a:schemeClr val="lt1"/>
+            </a:fontRef>
+          </p:style>
+          <p:txBody>
+            <a:bodyPr spcFirstLastPara="0" vert="horz" wrap="square" lIns="247650" tIns="247650" rIns="247650" bIns="247650" numCol="1" spcCol="1270" anchor="ctr" anchorCtr="0">
+              <a:noAutofit/>
+            </a:bodyPr>
+            <a:lstStyle/>
+            <a:p>
+              <a:pPr lvl="0" algn="ctr" defTabSz="2889250">
+                <a:lnSpc>
+                  <a:spcPct val="90000"/>
+                </a:lnSpc>
+                <a:spcBef>
+                  <a:spcPct val="0"/>
+                </a:spcBef>
+                <a:spcAft>
+                  <a:spcPct val="35000"/>
+                </a:spcAft>
+              </a:pPr>
+              <a:r>
+                <a:rPr lang="en-US" sz="2800" dirty="0" smtClean="0"/>
+                <a:t>Switch</a:t>
+              </a:r>
+              <a:endParaRPr lang="en-US" sz="2800" kern="1200" dirty="0"/>
+            </a:p>
+          </p:txBody>
+        </p:sp>
         <p:cxnSp>
           <p:nvCxnSpPr>
-            <p:cNvPr id="36" name="Straight Connector 35"/>
+            <p:cNvPr id="23" name="Straight Connector 22"/>
             <p:cNvCxnSpPr/>
             <p:nvPr/>
           </p:nvCxnSpPr>
           <p:spPr>
             <a:xfrm>
-              <a:off x="6855134" y="4000948"/>
-              <a:ext cx="982165" cy="0"/>
+              <a:off x="5810546" y="4037893"/>
+              <a:ext cx="368338" cy="0"/>
             </a:xfrm>
             <a:prstGeom prst="line">
               <a:avLst/>
             </a:prstGeom>
             <a:ln>
-              <a:headEnd type="triangle"/>
+              <a:headEnd type="none"/>
               <a:tailEnd type="triangle"/>
             </a:ln>
           </p:spPr>
@@ -5889,33 +5805,582 @@
         </p:cxnSp>
         <p:grpSp>
           <p:nvGrpSpPr>
-            <p:cNvPr id="51" name="Group 50"/>
+            <p:cNvPr id="75" name="Group 74"/>
             <p:cNvGrpSpPr/>
             <p:nvPr/>
           </p:nvGrpSpPr>
           <p:grpSpPr>
             <a:xfrm>
-              <a:off x="6855134" y="2892035"/>
-              <a:ext cx="982165" cy="861135"/>
-              <a:chOff x="6855134" y="2892035"/>
-              <a:chExt cx="982165" cy="861135"/>
+              <a:off x="1896418" y="2494452"/>
+              <a:ext cx="3889677" cy="2518872"/>
+              <a:chOff x="166255" y="2884401"/>
+              <a:chExt cx="3889677" cy="2518872"/>
             </a:xfrm>
           </p:grpSpPr>
+          <p:grpSp>
+            <p:nvGrpSpPr>
+              <p:cNvPr id="54" name="Group 53"/>
+              <p:cNvGrpSpPr/>
+              <p:nvPr/>
+            </p:nvGrpSpPr>
+            <p:grpSpPr>
+              <a:xfrm>
+                <a:off x="166255" y="2884401"/>
+                <a:ext cx="3889677" cy="2518872"/>
+                <a:chOff x="1273938" y="2983981"/>
+                <a:chExt cx="2781993" cy="2217827"/>
+              </a:xfrm>
+            </p:grpSpPr>
+            <p:sp>
+              <p:nvSpPr>
+                <p:cNvPr id="15" name="Freeform 14"/>
+                <p:cNvSpPr/>
+                <p:nvPr/>
+              </p:nvSpPr>
+              <p:spPr>
+                <a:xfrm>
+                  <a:off x="1273938" y="2983981"/>
+                  <a:ext cx="2781993" cy="2217827"/>
+                </a:xfrm>
+                <a:custGeom>
+                  <a:avLst/>
+                  <a:gdLst>
+                    <a:gd name="connsiteX0" fmla="*/ 0 w 3094136"/>
+                    <a:gd name="connsiteY0" fmla="*/ 0 h 1856482"/>
+                    <a:gd name="connsiteX1" fmla="*/ 3094136 w 3094136"/>
+                    <a:gd name="connsiteY1" fmla="*/ 0 h 1856482"/>
+                    <a:gd name="connsiteX2" fmla="*/ 3094136 w 3094136"/>
+                    <a:gd name="connsiteY2" fmla="*/ 1856482 h 1856482"/>
+                    <a:gd name="connsiteX3" fmla="*/ 0 w 3094136"/>
+                    <a:gd name="connsiteY3" fmla="*/ 1856482 h 1856482"/>
+                    <a:gd name="connsiteX4" fmla="*/ 0 w 3094136"/>
+                    <a:gd name="connsiteY4" fmla="*/ 0 h 1856482"/>
+                  </a:gdLst>
+                  <a:ahLst/>
+                  <a:cxnLst>
+                    <a:cxn ang="0">
+                      <a:pos x="connsiteX0" y="connsiteY0"/>
+                    </a:cxn>
+                    <a:cxn ang="0">
+                      <a:pos x="connsiteX1" y="connsiteY1"/>
+                    </a:cxn>
+                    <a:cxn ang="0">
+                      <a:pos x="connsiteX2" y="connsiteY2"/>
+                    </a:cxn>
+                    <a:cxn ang="0">
+                      <a:pos x="connsiteX3" y="connsiteY3"/>
+                    </a:cxn>
+                    <a:cxn ang="0">
+                      <a:pos x="connsiteX4" y="connsiteY4"/>
+                    </a:cxn>
+                  </a:cxnLst>
+                  <a:rect l="l" t="t" r="r" b="b"/>
+                  <a:pathLst>
+                    <a:path w="3094136" h="1856482">
+                      <a:moveTo>
+                        <a:pt x="0" y="0"/>
+                      </a:moveTo>
+                      <a:lnTo>
+                        <a:pt x="3094136" y="0"/>
+                      </a:lnTo>
+                      <a:lnTo>
+                        <a:pt x="3094136" y="1856482"/>
+                      </a:lnTo>
+                      <a:lnTo>
+                        <a:pt x="0" y="1856482"/>
+                      </a:lnTo>
+                      <a:lnTo>
+                        <a:pt x="0" y="0"/>
+                      </a:lnTo>
+                      <a:close/>
+                    </a:path>
+                  </a:pathLst>
+                </a:custGeom>
+                <a:solidFill>
+                  <a:schemeClr val="accent1">
+                    <a:lumMod val="40000"/>
+                    <a:lumOff val="60000"/>
+                  </a:schemeClr>
+                </a:solidFill>
+                <a:ln w="57150">
+                  <a:solidFill>
+                    <a:schemeClr val="accent1"/>
+                  </a:solidFill>
+                </a:ln>
+              </p:spPr>
+              <p:style>
+                <a:lnRef idx="2">
+                  <a:schemeClr val="lt1">
+                    <a:hueOff val="0"/>
+                    <a:satOff val="0"/>
+                    <a:lumOff val="0"/>
+                    <a:alphaOff val="0"/>
+                  </a:schemeClr>
+                </a:lnRef>
+                <a:fillRef idx="1">
+                  <a:schemeClr val="accent1">
+                    <a:hueOff val="0"/>
+                    <a:satOff val="0"/>
+                    <a:lumOff val="0"/>
+                    <a:alphaOff val="0"/>
+                  </a:schemeClr>
+                </a:fillRef>
+                <a:effectRef idx="0">
+                  <a:schemeClr val="accent1">
+                    <a:hueOff val="0"/>
+                    <a:satOff val="0"/>
+                    <a:lumOff val="0"/>
+                    <a:alphaOff val="0"/>
+                  </a:schemeClr>
+                </a:effectRef>
+                <a:fontRef idx="minor">
+                  <a:schemeClr val="lt1"/>
+                </a:fontRef>
+              </p:style>
+              <p:txBody>
+                <a:bodyPr spcFirstLastPara="0" vert="horz" wrap="square" lIns="247650" tIns="247650" rIns="247650" bIns="247650" numCol="1" spcCol="1270" anchor="t" anchorCtr="0">
+                  <a:noAutofit/>
+                </a:bodyPr>
+                <a:lstStyle/>
+                <a:p>
+                  <a:pPr lvl="0" algn="ctr" defTabSz="2889250">
+                    <a:lnSpc>
+                      <a:spcPct val="90000"/>
+                    </a:lnSpc>
+                    <a:spcBef>
+                      <a:spcPct val="0"/>
+                    </a:spcBef>
+                    <a:spcAft>
+                      <a:spcPct val="35000"/>
+                    </a:spcAft>
+                  </a:pPr>
+                  <a:r>
+                    <a:rPr lang="en-US" sz="3200" kern="1200" dirty="0" smtClean="0">
+                      <a:solidFill>
+                        <a:schemeClr val="tx1"/>
+                      </a:solidFill>
+                    </a:rPr>
+                    <a:t>Altera FPGA</a:t>
+                  </a:r>
+                  <a:endParaRPr lang="en-US" sz="3200" kern="1200" dirty="0">
+                    <a:solidFill>
+                      <a:schemeClr val="tx1"/>
+                    </a:solidFill>
+                  </a:endParaRPr>
+                </a:p>
+              </p:txBody>
+            </p:sp>
+            <p:sp>
+              <p:nvSpPr>
+                <p:cNvPr id="19" name="Freeform 18"/>
+                <p:cNvSpPr/>
+                <p:nvPr/>
+              </p:nvSpPr>
+              <p:spPr>
+                <a:xfrm>
+                  <a:off x="1939830" y="4140568"/>
+                  <a:ext cx="787445" cy="396876"/>
+                </a:xfrm>
+                <a:custGeom>
+                  <a:avLst/>
+                  <a:gdLst>
+                    <a:gd name="connsiteX0" fmla="*/ 0 w 3094136"/>
+                    <a:gd name="connsiteY0" fmla="*/ 0 h 1856482"/>
+                    <a:gd name="connsiteX1" fmla="*/ 3094136 w 3094136"/>
+                    <a:gd name="connsiteY1" fmla="*/ 0 h 1856482"/>
+                    <a:gd name="connsiteX2" fmla="*/ 3094136 w 3094136"/>
+                    <a:gd name="connsiteY2" fmla="*/ 1856482 h 1856482"/>
+                    <a:gd name="connsiteX3" fmla="*/ 0 w 3094136"/>
+                    <a:gd name="connsiteY3" fmla="*/ 1856482 h 1856482"/>
+                    <a:gd name="connsiteX4" fmla="*/ 0 w 3094136"/>
+                    <a:gd name="connsiteY4" fmla="*/ 0 h 1856482"/>
+                  </a:gdLst>
+                  <a:ahLst/>
+                  <a:cxnLst>
+                    <a:cxn ang="0">
+                      <a:pos x="connsiteX0" y="connsiteY0"/>
+                    </a:cxn>
+                    <a:cxn ang="0">
+                      <a:pos x="connsiteX1" y="connsiteY1"/>
+                    </a:cxn>
+                    <a:cxn ang="0">
+                      <a:pos x="connsiteX2" y="connsiteY2"/>
+                    </a:cxn>
+                    <a:cxn ang="0">
+                      <a:pos x="connsiteX3" y="connsiteY3"/>
+                    </a:cxn>
+                    <a:cxn ang="0">
+                      <a:pos x="connsiteX4" y="connsiteY4"/>
+                    </a:cxn>
+                  </a:cxnLst>
+                  <a:rect l="l" t="t" r="r" b="b"/>
+                  <a:pathLst>
+                    <a:path w="3094136" h="1856482">
+                      <a:moveTo>
+                        <a:pt x="0" y="0"/>
+                      </a:moveTo>
+                      <a:lnTo>
+                        <a:pt x="3094136" y="0"/>
+                      </a:lnTo>
+                      <a:lnTo>
+                        <a:pt x="3094136" y="1856482"/>
+                      </a:lnTo>
+                      <a:lnTo>
+                        <a:pt x="0" y="1856482"/>
+                      </a:lnTo>
+                      <a:lnTo>
+                        <a:pt x="0" y="0"/>
+                      </a:lnTo>
+                      <a:close/>
+                    </a:path>
+                  </a:pathLst>
+                </a:custGeom>
+              </p:spPr>
+              <p:style>
+                <a:lnRef idx="2">
+                  <a:schemeClr val="lt1">
+                    <a:hueOff val="0"/>
+                    <a:satOff val="0"/>
+                    <a:lumOff val="0"/>
+                    <a:alphaOff val="0"/>
+                  </a:schemeClr>
+                </a:lnRef>
+                <a:fillRef idx="1">
+                  <a:schemeClr val="accent1">
+                    <a:hueOff val="0"/>
+                    <a:satOff val="0"/>
+                    <a:lumOff val="0"/>
+                    <a:alphaOff val="0"/>
+                  </a:schemeClr>
+                </a:fillRef>
+                <a:effectRef idx="0">
+                  <a:schemeClr val="accent1">
+                    <a:hueOff val="0"/>
+                    <a:satOff val="0"/>
+                    <a:lumOff val="0"/>
+                    <a:alphaOff val="0"/>
+                  </a:schemeClr>
+                </a:effectRef>
+                <a:fontRef idx="minor">
+                  <a:schemeClr val="lt1"/>
+                </a:fontRef>
+              </p:style>
+              <p:txBody>
+                <a:bodyPr spcFirstLastPara="0" vert="horz" wrap="square" lIns="247650" tIns="247650" rIns="247650" bIns="247650" numCol="1" spcCol="1270" anchor="ctr" anchorCtr="0">
+                  <a:noAutofit/>
+                </a:bodyPr>
+                <a:lstStyle/>
+                <a:p>
+                  <a:pPr lvl="0" algn="ctr" defTabSz="2889250">
+                    <a:lnSpc>
+                      <a:spcPct val="90000"/>
+                    </a:lnSpc>
+                    <a:spcBef>
+                      <a:spcPct val="0"/>
+                    </a:spcBef>
+                    <a:spcAft>
+                      <a:spcPct val="35000"/>
+                    </a:spcAft>
+                  </a:pPr>
+                  <a:r>
+                    <a:rPr lang="en-US" sz="1600" dirty="0" smtClean="0"/>
+                    <a:t>Core 1</a:t>
+                  </a:r>
+                  <a:endParaRPr lang="en-US" sz="1600" kern="1200" dirty="0"/>
+                </a:p>
+              </p:txBody>
+            </p:sp>
+            <p:sp>
+              <p:nvSpPr>
+                <p:cNvPr id="20" name="Freeform 19"/>
+                <p:cNvSpPr/>
+                <p:nvPr/>
+              </p:nvSpPr>
+              <p:spPr>
+                <a:xfrm>
+                  <a:off x="1939830" y="4636663"/>
+                  <a:ext cx="787445" cy="396875"/>
+                </a:xfrm>
+                <a:custGeom>
+                  <a:avLst/>
+                  <a:gdLst>
+                    <a:gd name="connsiteX0" fmla="*/ 0 w 3094136"/>
+                    <a:gd name="connsiteY0" fmla="*/ 0 h 1856482"/>
+                    <a:gd name="connsiteX1" fmla="*/ 3094136 w 3094136"/>
+                    <a:gd name="connsiteY1" fmla="*/ 0 h 1856482"/>
+                    <a:gd name="connsiteX2" fmla="*/ 3094136 w 3094136"/>
+                    <a:gd name="connsiteY2" fmla="*/ 1856482 h 1856482"/>
+                    <a:gd name="connsiteX3" fmla="*/ 0 w 3094136"/>
+                    <a:gd name="connsiteY3" fmla="*/ 1856482 h 1856482"/>
+                    <a:gd name="connsiteX4" fmla="*/ 0 w 3094136"/>
+                    <a:gd name="connsiteY4" fmla="*/ 0 h 1856482"/>
+                  </a:gdLst>
+                  <a:ahLst/>
+                  <a:cxnLst>
+                    <a:cxn ang="0">
+                      <a:pos x="connsiteX0" y="connsiteY0"/>
+                    </a:cxn>
+                    <a:cxn ang="0">
+                      <a:pos x="connsiteX1" y="connsiteY1"/>
+                    </a:cxn>
+                    <a:cxn ang="0">
+                      <a:pos x="connsiteX2" y="connsiteY2"/>
+                    </a:cxn>
+                    <a:cxn ang="0">
+                      <a:pos x="connsiteX3" y="connsiteY3"/>
+                    </a:cxn>
+                    <a:cxn ang="0">
+                      <a:pos x="connsiteX4" y="connsiteY4"/>
+                    </a:cxn>
+                  </a:cxnLst>
+                  <a:rect l="l" t="t" r="r" b="b"/>
+                  <a:pathLst>
+                    <a:path w="3094136" h="1856482">
+                      <a:moveTo>
+                        <a:pt x="0" y="0"/>
+                      </a:moveTo>
+                      <a:lnTo>
+                        <a:pt x="3094136" y="0"/>
+                      </a:lnTo>
+                      <a:lnTo>
+                        <a:pt x="3094136" y="1856482"/>
+                      </a:lnTo>
+                      <a:lnTo>
+                        <a:pt x="0" y="1856482"/>
+                      </a:lnTo>
+                      <a:lnTo>
+                        <a:pt x="0" y="0"/>
+                      </a:lnTo>
+                      <a:close/>
+                    </a:path>
+                  </a:pathLst>
+                </a:custGeom>
+              </p:spPr>
+              <p:style>
+                <a:lnRef idx="2">
+                  <a:schemeClr val="lt1">
+                    <a:hueOff val="0"/>
+                    <a:satOff val="0"/>
+                    <a:lumOff val="0"/>
+                    <a:alphaOff val="0"/>
+                  </a:schemeClr>
+                </a:lnRef>
+                <a:fillRef idx="1">
+                  <a:schemeClr val="accent1">
+                    <a:hueOff val="0"/>
+                    <a:satOff val="0"/>
+                    <a:lumOff val="0"/>
+                    <a:alphaOff val="0"/>
+                  </a:schemeClr>
+                </a:fillRef>
+                <a:effectRef idx="0">
+                  <a:schemeClr val="accent1">
+                    <a:hueOff val="0"/>
+                    <a:satOff val="0"/>
+                    <a:lumOff val="0"/>
+                    <a:alphaOff val="0"/>
+                  </a:schemeClr>
+                </a:effectRef>
+                <a:fontRef idx="minor">
+                  <a:schemeClr val="lt1"/>
+                </a:fontRef>
+              </p:style>
+              <p:txBody>
+                <a:bodyPr spcFirstLastPara="0" vert="horz" wrap="square" lIns="247650" tIns="247650" rIns="247650" bIns="247650" numCol="1" spcCol="1270" anchor="ctr" anchorCtr="0">
+                  <a:noAutofit/>
+                </a:bodyPr>
+                <a:lstStyle/>
+                <a:p>
+                  <a:pPr lvl="0" algn="ctr" defTabSz="2889250">
+                    <a:lnSpc>
+                      <a:spcPct val="90000"/>
+                    </a:lnSpc>
+                    <a:spcBef>
+                      <a:spcPct val="0"/>
+                    </a:spcBef>
+                    <a:spcAft>
+                      <a:spcPct val="35000"/>
+                    </a:spcAft>
+                  </a:pPr>
+                  <a:r>
+                    <a:rPr lang="en-US" sz="1600" dirty="0" smtClean="0"/>
+                    <a:t>Core 0</a:t>
+                  </a:r>
+                  <a:endParaRPr lang="en-US" sz="1600" kern="1200" dirty="0"/>
+                </a:p>
+              </p:txBody>
+            </p:sp>
+            <p:sp>
+              <p:nvSpPr>
+                <p:cNvPr id="21" name="Freeform 20"/>
+                <p:cNvSpPr/>
+                <p:nvPr/>
+              </p:nvSpPr>
+              <p:spPr>
+                <a:xfrm>
+                  <a:off x="3008208" y="4140569"/>
+                  <a:ext cx="716097" cy="396875"/>
+                </a:xfrm>
+                <a:custGeom>
+                  <a:avLst/>
+                  <a:gdLst>
+                    <a:gd name="connsiteX0" fmla="*/ 0 w 3094136"/>
+                    <a:gd name="connsiteY0" fmla="*/ 0 h 1856482"/>
+                    <a:gd name="connsiteX1" fmla="*/ 3094136 w 3094136"/>
+                    <a:gd name="connsiteY1" fmla="*/ 0 h 1856482"/>
+                    <a:gd name="connsiteX2" fmla="*/ 3094136 w 3094136"/>
+                    <a:gd name="connsiteY2" fmla="*/ 1856482 h 1856482"/>
+                    <a:gd name="connsiteX3" fmla="*/ 0 w 3094136"/>
+                    <a:gd name="connsiteY3" fmla="*/ 1856482 h 1856482"/>
+                    <a:gd name="connsiteX4" fmla="*/ 0 w 3094136"/>
+                    <a:gd name="connsiteY4" fmla="*/ 0 h 1856482"/>
+                  </a:gdLst>
+                  <a:ahLst/>
+                  <a:cxnLst>
+                    <a:cxn ang="0">
+                      <a:pos x="connsiteX0" y="connsiteY0"/>
+                    </a:cxn>
+                    <a:cxn ang="0">
+                      <a:pos x="connsiteX1" y="connsiteY1"/>
+                    </a:cxn>
+                    <a:cxn ang="0">
+                      <a:pos x="connsiteX2" y="connsiteY2"/>
+                    </a:cxn>
+                    <a:cxn ang="0">
+                      <a:pos x="connsiteX3" y="connsiteY3"/>
+                    </a:cxn>
+                    <a:cxn ang="0">
+                      <a:pos x="connsiteX4" y="connsiteY4"/>
+                    </a:cxn>
+                  </a:cxnLst>
+                  <a:rect l="l" t="t" r="r" b="b"/>
+                  <a:pathLst>
+                    <a:path w="3094136" h="1856482">
+                      <a:moveTo>
+                        <a:pt x="0" y="0"/>
+                      </a:moveTo>
+                      <a:lnTo>
+                        <a:pt x="3094136" y="0"/>
+                      </a:lnTo>
+                      <a:lnTo>
+                        <a:pt x="3094136" y="1856482"/>
+                      </a:lnTo>
+                      <a:lnTo>
+                        <a:pt x="0" y="1856482"/>
+                      </a:lnTo>
+                      <a:lnTo>
+                        <a:pt x="0" y="0"/>
+                      </a:lnTo>
+                      <a:close/>
+                    </a:path>
+                  </a:pathLst>
+                </a:custGeom>
+              </p:spPr>
+              <p:style>
+                <a:lnRef idx="2">
+                  <a:schemeClr val="lt1">
+                    <a:hueOff val="0"/>
+                    <a:satOff val="0"/>
+                    <a:lumOff val="0"/>
+                    <a:alphaOff val="0"/>
+                  </a:schemeClr>
+                </a:lnRef>
+                <a:fillRef idx="1">
+                  <a:schemeClr val="accent1">
+                    <a:hueOff val="0"/>
+                    <a:satOff val="0"/>
+                    <a:lumOff val="0"/>
+                    <a:alphaOff val="0"/>
+                  </a:schemeClr>
+                </a:fillRef>
+                <a:effectRef idx="0">
+                  <a:schemeClr val="accent1">
+                    <a:hueOff val="0"/>
+                    <a:satOff val="0"/>
+                    <a:lumOff val="0"/>
+                    <a:alphaOff val="0"/>
+                  </a:schemeClr>
+                </a:effectRef>
+                <a:fontRef idx="minor">
+                  <a:schemeClr val="lt1"/>
+                </a:fontRef>
+              </p:style>
+              <p:txBody>
+                <a:bodyPr spcFirstLastPara="0" vert="horz" wrap="square" lIns="247650" tIns="247650" rIns="247650" bIns="247650" numCol="1" spcCol="1270" anchor="ctr" anchorCtr="0">
+                  <a:noAutofit/>
+                </a:bodyPr>
+                <a:lstStyle/>
+                <a:p>
+                  <a:pPr lvl="0" algn="ctr" defTabSz="2889250">
+                    <a:lnSpc>
+                      <a:spcPct val="90000"/>
+                    </a:lnSpc>
+                    <a:spcBef>
+                      <a:spcPct val="0"/>
+                    </a:spcBef>
+                    <a:spcAft>
+                      <a:spcPct val="35000"/>
+                    </a:spcAft>
+                  </a:pPr>
+                  <a:r>
+                    <a:rPr lang="en-US" sz="1600" dirty="0" err="1" smtClean="0"/>
+                    <a:t>ethernet</a:t>
+                  </a:r>
+                  <a:endParaRPr lang="en-US" sz="1600" kern="1200" dirty="0"/>
+                </a:p>
+              </p:txBody>
+            </p:sp>
+          </p:grpSp>
           <p:cxnSp>
             <p:nvCxnSpPr>
-              <p:cNvPr id="41" name="Straight Connector 40"/>
+              <p:cNvPr id="61" name="Straight Connector 60"/>
               <p:cNvCxnSpPr/>
               <p:nvPr/>
             </p:nvCxnSpPr>
             <p:spPr>
-              <a:xfrm>
-                <a:off x="7339945" y="2892035"/>
-                <a:ext cx="497354" cy="0"/>
+              <a:xfrm flipH="1">
+                <a:off x="3915538" y="4423355"/>
+                <a:ext cx="140393" cy="0"/>
               </a:xfrm>
               <a:prstGeom prst="line">
                 <a:avLst/>
               </a:prstGeom>
-              <a:ln>
+              <a:ln cap="rnd">
+                <a:prstDash val="sysDash"/>
+              </a:ln>
+            </p:spPr>
+            <p:style>
+              <a:lnRef idx="2">
+                <a:schemeClr val="dk1"/>
+              </a:lnRef>
+              <a:fillRef idx="0">
+                <a:schemeClr val="dk1"/>
+              </a:fillRef>
+              <a:effectRef idx="1">
+                <a:schemeClr val="dk1"/>
+              </a:effectRef>
+              <a:fontRef idx="minor">
+                <a:schemeClr val="tx1"/>
+              </a:fontRef>
+            </p:style>
+          </p:cxnSp>
+          <p:cxnSp>
+            <p:nvCxnSpPr>
+              <p:cNvPr id="63" name="Straight Connector 62"/>
+              <p:cNvCxnSpPr/>
+              <p:nvPr/>
+            </p:nvCxnSpPr>
+            <p:spPr>
+              <a:xfrm flipH="1">
+                <a:off x="3592265" y="4423355"/>
+                <a:ext cx="323273" cy="0"/>
+              </a:xfrm>
+              <a:prstGeom prst="line">
+                <a:avLst/>
+              </a:prstGeom>
+              <a:ln cap="rnd">
+                <a:prstDash val="sysDash"/>
+                <a:headEnd type="none"/>
                 <a:tailEnd type="triangle"/>
               </a:ln>
             </p:spPr>
@@ -5936,50 +6401,21 @@
           </p:cxnSp>
           <p:cxnSp>
             <p:nvCxnSpPr>
-              <p:cNvPr id="45" name="Straight Connector 44"/>
-              <p:cNvCxnSpPr/>
-              <p:nvPr/>
-            </p:nvCxnSpPr>
-            <p:spPr>
-              <a:xfrm flipV="1">
-                <a:off x="7333674" y="2892035"/>
-                <a:ext cx="6271" cy="861135"/>
-              </a:xfrm>
-              <a:prstGeom prst="line">
-                <a:avLst/>
-              </a:prstGeom>
-            </p:spPr>
-            <p:style>
-              <a:lnRef idx="2">
-                <a:schemeClr val="dk1"/>
-              </a:lnRef>
-              <a:fillRef idx="0">
-                <a:schemeClr val="dk1"/>
-              </a:fillRef>
-              <a:effectRef idx="1">
-                <a:schemeClr val="dk1"/>
-              </a:effectRef>
-              <a:fontRef idx="minor">
-                <a:schemeClr val="tx1"/>
-              </a:fontRef>
-            </p:style>
-          </p:cxnSp>
-          <p:cxnSp>
-            <p:nvCxnSpPr>
-              <p:cNvPr id="47" name="Straight Connector 46"/>
+              <p:cNvPr id="66" name="Straight Arrow Connector 65"/>
               <p:cNvCxnSpPr/>
               <p:nvPr/>
             </p:nvCxnSpPr>
             <p:spPr>
               <a:xfrm flipH="1">
-                <a:off x="6855134" y="3753170"/>
-                <a:ext cx="478540" cy="0"/>
+                <a:off x="2198256" y="4423355"/>
+                <a:ext cx="393470" cy="0"/>
               </a:xfrm>
-              <a:prstGeom prst="line">
+              <a:prstGeom prst="straightConnector1">
                 <a:avLst/>
               </a:prstGeom>
               <a:ln>
-                <a:headEnd type="none"/>
+                <a:prstDash val="sysDash"/>
+                <a:headEnd type="triangle"/>
                 <a:tailEnd type="triangle"/>
               </a:ln>
             </p:spPr>
@@ -5998,296 +6434,16 @@
               </a:fontRef>
             </p:style>
           </p:cxnSp>
-        </p:grpSp>
-        <p:grpSp>
-          <p:nvGrpSpPr>
-            <p:cNvPr id="52" name="Group 51"/>
-            <p:cNvGrpSpPr/>
-            <p:nvPr/>
-          </p:nvGrpSpPr>
-          <p:grpSpPr>
-            <a:xfrm>
-              <a:off x="6855134" y="4248727"/>
-              <a:ext cx="982165" cy="861135"/>
-              <a:chOff x="6855134" y="4248727"/>
-              <a:chExt cx="982165" cy="861135"/>
-            </a:xfrm>
-          </p:grpSpPr>
-          <p:cxnSp>
-            <p:nvCxnSpPr>
-              <p:cNvPr id="38" name="Straight Connector 37"/>
-              <p:cNvCxnSpPr/>
-              <p:nvPr/>
-            </p:nvCxnSpPr>
-            <p:spPr>
-              <a:xfrm flipV="1">
-                <a:off x="7346217" y="4248727"/>
-                <a:ext cx="6271" cy="861135"/>
-              </a:xfrm>
-              <a:prstGeom prst="line">
-                <a:avLst/>
-              </a:prstGeom>
-            </p:spPr>
-            <p:style>
-              <a:lnRef idx="2">
-                <a:schemeClr val="dk1"/>
-              </a:lnRef>
-              <a:fillRef idx="0">
-                <a:schemeClr val="dk1"/>
-              </a:fillRef>
-              <a:effectRef idx="1">
-                <a:schemeClr val="dk1"/>
-              </a:effectRef>
-              <a:fontRef idx="minor">
-                <a:schemeClr val="tx1"/>
-              </a:fontRef>
-            </p:style>
-          </p:cxnSp>
-          <p:cxnSp>
-            <p:nvCxnSpPr>
-              <p:cNvPr id="43" name="Straight Connector 42"/>
-              <p:cNvCxnSpPr/>
-              <p:nvPr/>
-            </p:nvCxnSpPr>
-            <p:spPr>
-              <a:xfrm>
-                <a:off x="7346216" y="5109862"/>
-                <a:ext cx="491083" cy="0"/>
-              </a:xfrm>
-              <a:prstGeom prst="line">
-                <a:avLst/>
-              </a:prstGeom>
-              <a:ln>
-                <a:tailEnd type="triangle"/>
-              </a:ln>
-            </p:spPr>
-            <p:style>
-              <a:lnRef idx="2">
-                <a:schemeClr val="dk1"/>
-              </a:lnRef>
-              <a:fillRef idx="0">
-                <a:schemeClr val="dk1"/>
-              </a:fillRef>
-              <a:effectRef idx="1">
-                <a:schemeClr val="dk1"/>
-              </a:effectRef>
-              <a:fontRef idx="minor">
-                <a:schemeClr val="tx1"/>
-              </a:fontRef>
-            </p:style>
-          </p:cxnSp>
-          <p:cxnSp>
-            <p:nvCxnSpPr>
-              <p:cNvPr id="49" name="Straight Connector 48"/>
-              <p:cNvCxnSpPr/>
-              <p:nvPr/>
-            </p:nvCxnSpPr>
-            <p:spPr>
-              <a:xfrm flipH="1">
-                <a:off x="6855134" y="4248727"/>
-                <a:ext cx="491082" cy="0"/>
-              </a:xfrm>
-              <a:prstGeom prst="line">
-                <a:avLst/>
-              </a:prstGeom>
-              <a:ln>
-                <a:tailEnd type="triangle"/>
-              </a:ln>
-            </p:spPr>
-            <p:style>
-              <a:lnRef idx="2">
-                <a:schemeClr val="dk1"/>
-              </a:lnRef>
-              <a:fillRef idx="0">
-                <a:schemeClr val="dk1"/>
-              </a:fillRef>
-              <a:effectRef idx="1">
-                <a:schemeClr val="dk1"/>
-              </a:effectRef>
-              <a:fontRef idx="minor">
-                <a:schemeClr val="tx1"/>
-              </a:fontRef>
-            </p:style>
-          </p:cxnSp>
-        </p:grpSp>
-      </p:grpSp>
-      <p:grpSp>
-        <p:nvGrpSpPr>
-          <p:cNvPr id="75" name="Group 74"/>
-          <p:cNvGrpSpPr/>
-          <p:nvPr/>
-        </p:nvGrpSpPr>
-        <p:grpSpPr>
-          <a:xfrm>
-            <a:off x="1896418" y="2494452"/>
-            <a:ext cx="3889677" cy="2518872"/>
-            <a:chOff x="166255" y="2884401"/>
-            <a:chExt cx="3889677" cy="2518872"/>
-          </a:xfrm>
-        </p:grpSpPr>
-        <p:grpSp>
-          <p:nvGrpSpPr>
-            <p:cNvPr id="54" name="Group 53"/>
-            <p:cNvGrpSpPr/>
-            <p:nvPr/>
-          </p:nvGrpSpPr>
-          <p:grpSpPr>
-            <a:xfrm>
-              <a:off x="166255" y="2884401"/>
-              <a:ext cx="3889677" cy="2518872"/>
-              <a:chOff x="1273938" y="2983981"/>
-              <a:chExt cx="2781993" cy="2217827"/>
-            </a:xfrm>
-          </p:grpSpPr>
           <p:sp>
             <p:nvSpPr>
-              <p:cNvPr id="15" name="Freeform 14"/>
+              <p:cNvPr id="67" name="Freeform 66"/>
               <p:cNvSpPr/>
               <p:nvPr/>
             </p:nvSpPr>
             <p:spPr>
               <a:xfrm>
-                <a:off x="1273938" y="2983981"/>
-                <a:ext cx="2781993" cy="2217827"/>
-              </a:xfrm>
-              <a:custGeom>
-                <a:avLst/>
-                <a:gdLst>
-                  <a:gd name="connsiteX0" fmla="*/ 0 w 3094136"/>
-                  <a:gd name="connsiteY0" fmla="*/ 0 h 1856482"/>
-                  <a:gd name="connsiteX1" fmla="*/ 3094136 w 3094136"/>
-                  <a:gd name="connsiteY1" fmla="*/ 0 h 1856482"/>
-                  <a:gd name="connsiteX2" fmla="*/ 3094136 w 3094136"/>
-                  <a:gd name="connsiteY2" fmla="*/ 1856482 h 1856482"/>
-                  <a:gd name="connsiteX3" fmla="*/ 0 w 3094136"/>
-                  <a:gd name="connsiteY3" fmla="*/ 1856482 h 1856482"/>
-                  <a:gd name="connsiteX4" fmla="*/ 0 w 3094136"/>
-                  <a:gd name="connsiteY4" fmla="*/ 0 h 1856482"/>
-                </a:gdLst>
-                <a:ahLst/>
-                <a:cxnLst>
-                  <a:cxn ang="0">
-                    <a:pos x="connsiteX0" y="connsiteY0"/>
-                  </a:cxn>
-                  <a:cxn ang="0">
-                    <a:pos x="connsiteX1" y="connsiteY1"/>
-                  </a:cxn>
-                  <a:cxn ang="0">
-                    <a:pos x="connsiteX2" y="connsiteY2"/>
-                  </a:cxn>
-                  <a:cxn ang="0">
-                    <a:pos x="connsiteX3" y="connsiteY3"/>
-                  </a:cxn>
-                  <a:cxn ang="0">
-                    <a:pos x="connsiteX4" y="connsiteY4"/>
-                  </a:cxn>
-                </a:cxnLst>
-                <a:rect l="l" t="t" r="r" b="b"/>
-                <a:pathLst>
-                  <a:path w="3094136" h="1856482">
-                    <a:moveTo>
-                      <a:pt x="0" y="0"/>
-                    </a:moveTo>
-                    <a:lnTo>
-                      <a:pt x="3094136" y="0"/>
-                    </a:lnTo>
-                    <a:lnTo>
-                      <a:pt x="3094136" y="1856482"/>
-                    </a:lnTo>
-                    <a:lnTo>
-                      <a:pt x="0" y="1856482"/>
-                    </a:lnTo>
-                    <a:lnTo>
-                      <a:pt x="0" y="0"/>
-                    </a:lnTo>
-                    <a:close/>
-                  </a:path>
-                </a:pathLst>
-              </a:custGeom>
-              <a:solidFill>
-                <a:schemeClr val="accent1">
-                  <a:lumMod val="40000"/>
-                  <a:lumOff val="60000"/>
-                </a:schemeClr>
-              </a:solidFill>
-              <a:ln w="57150">
-                <a:solidFill>
-                  <a:schemeClr val="accent1"/>
-                </a:solidFill>
-              </a:ln>
-            </p:spPr>
-            <p:style>
-              <a:lnRef idx="2">
-                <a:schemeClr val="lt1">
-                  <a:hueOff val="0"/>
-                  <a:satOff val="0"/>
-                  <a:lumOff val="0"/>
-                  <a:alphaOff val="0"/>
-                </a:schemeClr>
-              </a:lnRef>
-              <a:fillRef idx="1">
-                <a:schemeClr val="accent1">
-                  <a:hueOff val="0"/>
-                  <a:satOff val="0"/>
-                  <a:lumOff val="0"/>
-                  <a:alphaOff val="0"/>
-                </a:schemeClr>
-              </a:fillRef>
-              <a:effectRef idx="0">
-                <a:schemeClr val="accent1">
-                  <a:hueOff val="0"/>
-                  <a:satOff val="0"/>
-                  <a:lumOff val="0"/>
-                  <a:alphaOff val="0"/>
-                </a:schemeClr>
-              </a:effectRef>
-              <a:fontRef idx="minor">
-                <a:schemeClr val="lt1"/>
-              </a:fontRef>
-            </p:style>
-            <p:txBody>
-              <a:bodyPr spcFirstLastPara="0" vert="horz" wrap="square" lIns="247650" tIns="247650" rIns="247650" bIns="247650" numCol="1" spcCol="1270" anchor="t" anchorCtr="0">
-                <a:noAutofit/>
-              </a:bodyPr>
-              <a:lstStyle/>
-              <a:p>
-                <a:pPr lvl="0" algn="ctr" defTabSz="2889250">
-                  <a:lnSpc>
-                    <a:spcPct val="90000"/>
-                  </a:lnSpc>
-                  <a:spcBef>
-                    <a:spcPct val="0"/>
-                  </a:spcBef>
-                  <a:spcAft>
-                    <a:spcPct val="35000"/>
-                  </a:spcAft>
-                </a:pPr>
-                <a:r>
-                  <a:rPr lang="en-US" sz="3200" kern="1200" dirty="0" smtClean="0">
-                    <a:solidFill>
-                      <a:schemeClr val="tx1"/>
-                    </a:solidFill>
-                  </a:rPr>
-                  <a:t>Altera FPGA</a:t>
-                </a:r>
-                <a:endParaRPr lang="en-US" sz="3200" kern="1200" dirty="0">
-                  <a:solidFill>
-                    <a:schemeClr val="tx1"/>
-                  </a:solidFill>
-                </a:endParaRPr>
-              </a:p>
-            </p:txBody>
-          </p:sp>
-          <p:sp>
-            <p:nvSpPr>
-              <p:cNvPr id="19" name="Freeform 18"/>
-              <p:cNvSpPr/>
-              <p:nvPr/>
-            </p:nvSpPr>
-            <p:spPr>
-              <a:xfrm>
-                <a:off x="1939830" y="4140568"/>
-                <a:ext cx="787445" cy="396876"/>
+                <a:off x="274564" y="3634548"/>
+                <a:ext cx="499444" cy="1577614"/>
               </a:xfrm>
               <a:custGeom>
                 <a:avLst/>
@@ -6374,7 +6530,7 @@
               </a:fontRef>
             </p:style>
             <p:txBody>
-              <a:bodyPr spcFirstLastPara="0" vert="horz" wrap="square" lIns="247650" tIns="247650" rIns="247650" bIns="247650" numCol="1" spcCol="1270" anchor="ctr" anchorCtr="0">
+              <a:bodyPr spcFirstLastPara="0" vert="vert270" wrap="square" lIns="247650" tIns="247650" rIns="247650" bIns="247650" numCol="1" spcCol="1270" anchor="ctr" anchorCtr="0">
                 <a:noAutofit/>
               </a:bodyPr>
               <a:lstStyle/>
@@ -6392,22 +6548,92 @@
                 </a:pPr>
                 <a:r>
                   <a:rPr lang="en-US" sz="1600" dirty="0" smtClean="0"/>
-                  <a:t>Core 1</a:t>
+                  <a:t>memory</a:t>
                 </a:r>
                 <a:endParaRPr lang="en-US" sz="1600" kern="1200" dirty="0"/>
               </a:p>
             </p:txBody>
           </p:sp>
+          <p:cxnSp>
+            <p:nvCxnSpPr>
+              <p:cNvPr id="68" name="Straight Arrow Connector 67"/>
+              <p:cNvCxnSpPr/>
+              <p:nvPr/>
+            </p:nvCxnSpPr>
+            <p:spPr>
+              <a:xfrm flipH="1">
+                <a:off x="774008" y="4986789"/>
+                <a:ext cx="323272" cy="0"/>
+              </a:xfrm>
+              <a:prstGeom prst="straightConnector1">
+                <a:avLst/>
+              </a:prstGeom>
+              <a:ln>
+                <a:prstDash val="sysDash"/>
+                <a:headEnd type="triangle"/>
+                <a:tailEnd type="triangle"/>
+              </a:ln>
+            </p:spPr>
+            <p:style>
+              <a:lnRef idx="2">
+                <a:schemeClr val="dk1"/>
+              </a:lnRef>
+              <a:fillRef idx="0">
+                <a:schemeClr val="dk1"/>
+              </a:fillRef>
+              <a:effectRef idx="1">
+                <a:schemeClr val="dk1"/>
+              </a:effectRef>
+              <a:fontRef idx="minor">
+                <a:schemeClr val="tx1"/>
+              </a:fontRef>
+            </p:style>
+          </p:cxnSp>
+          <p:cxnSp>
+            <p:nvCxnSpPr>
+              <p:cNvPr id="70" name="Straight Arrow Connector 69"/>
+              <p:cNvCxnSpPr/>
+              <p:nvPr/>
+            </p:nvCxnSpPr>
+            <p:spPr>
+              <a:xfrm flipH="1">
+                <a:off x="774008" y="4409516"/>
+                <a:ext cx="323272" cy="0"/>
+              </a:xfrm>
+              <a:prstGeom prst="straightConnector1">
+                <a:avLst/>
+              </a:prstGeom>
+              <a:ln>
+                <a:prstDash val="sysDash"/>
+                <a:headEnd type="triangle"/>
+                <a:tailEnd type="triangle"/>
+              </a:ln>
+            </p:spPr>
+            <p:style>
+              <a:lnRef idx="2">
+                <a:schemeClr val="dk1"/>
+              </a:lnRef>
+              <a:fillRef idx="0">
+                <a:schemeClr val="dk1"/>
+              </a:fillRef>
+              <a:effectRef idx="1">
+                <a:schemeClr val="dk1"/>
+              </a:effectRef>
+              <a:fontRef idx="minor">
+                <a:schemeClr val="tx1"/>
+              </a:fontRef>
+            </p:style>
+          </p:cxnSp>
           <p:sp>
             <p:nvSpPr>
-              <p:cNvPr id="20" name="Freeform 19"/>
+              <p:cNvPr id="72" name="Freeform 71"/>
               <p:cNvSpPr/>
               <p:nvPr/>
             </p:nvSpPr>
             <p:spPr>
               <a:xfrm>
-                <a:off x="1939830" y="4636663"/>
-                <a:ext cx="787445" cy="396875"/>
+                <a:off x="1097280" y="3634548"/>
+                <a:ext cx="1100976" cy="450747"/>
               </a:xfrm>
               <a:custGeom>
                 <a:avLst/>
@@ -6463,6 +6689,12 @@
                   </a:path>
                 </a:pathLst>
               </a:custGeom>
+              <a:solidFill>
+                <a:schemeClr val="accent1">
+                  <a:lumMod val="60000"/>
+                  <a:lumOff val="40000"/>
+                </a:schemeClr>
+              </a:solidFill>
             </p:spPr>
             <p:style>
               <a:lnRef idx="2">
@@ -6512,497 +6744,62 @@
                 </a:pPr>
                 <a:r>
                   <a:rPr lang="en-US" sz="1600" dirty="0" smtClean="0"/>
-                  <a:t>Core 0</a:t>
+                  <a:t>Core 2</a:t>
                 </a:r>
                 <a:endParaRPr lang="en-US" sz="1600" kern="1200" dirty="0"/>
               </a:p>
             </p:txBody>
           </p:sp>
-          <p:sp>
-            <p:nvSpPr>
-              <p:cNvPr id="21" name="Freeform 20"/>
-              <p:cNvSpPr/>
+          <p:cxnSp>
+            <p:nvCxnSpPr>
+              <p:cNvPr id="73" name="Straight Arrow Connector 72"/>
+              <p:cNvCxnSpPr/>
               <p:nvPr/>
-            </p:nvSpPr>
+            </p:nvCxnSpPr>
             <p:spPr>
-              <a:xfrm>
-                <a:off x="3008208" y="4140569"/>
-                <a:ext cx="716097" cy="396875"/>
+              <a:xfrm flipH="1">
+                <a:off x="774008" y="3859952"/>
+                <a:ext cx="323272" cy="0"/>
               </a:xfrm>
-              <a:custGeom>
+              <a:prstGeom prst="straightConnector1">
                 <a:avLst/>
-                <a:gdLst>
-                  <a:gd name="connsiteX0" fmla="*/ 0 w 3094136"/>
-                  <a:gd name="connsiteY0" fmla="*/ 0 h 1856482"/>
-                  <a:gd name="connsiteX1" fmla="*/ 3094136 w 3094136"/>
-                  <a:gd name="connsiteY1" fmla="*/ 0 h 1856482"/>
-                  <a:gd name="connsiteX2" fmla="*/ 3094136 w 3094136"/>
-                  <a:gd name="connsiteY2" fmla="*/ 1856482 h 1856482"/>
-                  <a:gd name="connsiteX3" fmla="*/ 0 w 3094136"/>
-                  <a:gd name="connsiteY3" fmla="*/ 1856482 h 1856482"/>
-                  <a:gd name="connsiteX4" fmla="*/ 0 w 3094136"/>
-                  <a:gd name="connsiteY4" fmla="*/ 0 h 1856482"/>
-                </a:gdLst>
-                <a:ahLst/>
-                <a:cxnLst>
-                  <a:cxn ang="0">
-                    <a:pos x="connsiteX0" y="connsiteY0"/>
-                  </a:cxn>
-                  <a:cxn ang="0">
-                    <a:pos x="connsiteX1" y="connsiteY1"/>
-                  </a:cxn>
-                  <a:cxn ang="0">
-                    <a:pos x="connsiteX2" y="connsiteY2"/>
-                  </a:cxn>
-                  <a:cxn ang="0">
-                    <a:pos x="connsiteX3" y="connsiteY3"/>
-                  </a:cxn>
-                  <a:cxn ang="0">
-                    <a:pos x="connsiteX4" y="connsiteY4"/>
-                  </a:cxn>
-                </a:cxnLst>
-                <a:rect l="l" t="t" r="r" b="b"/>
-                <a:pathLst>
-                  <a:path w="3094136" h="1856482">
-                    <a:moveTo>
-                      <a:pt x="0" y="0"/>
-                    </a:moveTo>
-                    <a:lnTo>
-                      <a:pt x="3094136" y="0"/>
-                    </a:lnTo>
-                    <a:lnTo>
-                      <a:pt x="3094136" y="1856482"/>
-                    </a:lnTo>
-                    <a:lnTo>
-                      <a:pt x="0" y="1856482"/>
-                    </a:lnTo>
-                    <a:lnTo>
-                      <a:pt x="0" y="0"/>
-                    </a:lnTo>
-                    <a:close/>
-                  </a:path>
-                </a:pathLst>
-              </a:custGeom>
+              </a:prstGeom>
+              <a:ln>
+                <a:prstDash val="sysDash"/>
+                <a:headEnd type="triangle"/>
+                <a:tailEnd type="triangle"/>
+              </a:ln>
             </p:spPr>
             <p:style>
               <a:lnRef idx="2">
-                <a:schemeClr val="lt1">
-                  <a:hueOff val="0"/>
-                  <a:satOff val="0"/>
-                  <a:lumOff val="0"/>
-                  <a:alphaOff val="0"/>
-                </a:schemeClr>
+                <a:schemeClr val="dk1"/>
               </a:lnRef>
-              <a:fillRef idx="1">
-                <a:schemeClr val="accent1">
-                  <a:hueOff val="0"/>
-                  <a:satOff val="0"/>
-                  <a:lumOff val="0"/>
-                  <a:alphaOff val="0"/>
-                </a:schemeClr>
+              <a:fillRef idx="0">
+                <a:schemeClr val="dk1"/>
               </a:fillRef>
-              <a:effectRef idx="0">
-                <a:schemeClr val="accent1">
-                  <a:hueOff val="0"/>
-                  <a:satOff val="0"/>
-                  <a:lumOff val="0"/>
-                  <a:alphaOff val="0"/>
-                </a:schemeClr>
+              <a:effectRef idx="1">
+                <a:schemeClr val="dk1"/>
               </a:effectRef>
               <a:fontRef idx="minor">
-                <a:schemeClr val="lt1"/>
+                <a:schemeClr val="tx1"/>
               </a:fontRef>
             </p:style>
-            <p:txBody>
-              <a:bodyPr spcFirstLastPara="0" vert="horz" wrap="square" lIns="247650" tIns="247650" rIns="247650" bIns="247650" numCol="1" spcCol="1270" anchor="ctr" anchorCtr="0">
-                <a:noAutofit/>
-              </a:bodyPr>
-              <a:lstStyle/>
-              <a:p>
-                <a:pPr lvl="0" algn="ctr" defTabSz="2889250">
-                  <a:lnSpc>
-                    <a:spcPct val="90000"/>
-                  </a:lnSpc>
-                  <a:spcBef>
-                    <a:spcPct val="0"/>
-                  </a:spcBef>
-                  <a:spcAft>
-                    <a:spcPct val="35000"/>
-                  </a:spcAft>
-                </a:pPr>
-                <a:r>
-                  <a:rPr lang="en-US" sz="1600" dirty="0" err="1" smtClean="0"/>
-                  <a:t>ethernet</a:t>
-                </a:r>
-                <a:endParaRPr lang="en-US" sz="1600" kern="1200" dirty="0"/>
-              </a:p>
-            </p:txBody>
-          </p:sp>
+          </p:cxnSp>
         </p:grpSp>
-        <p:cxnSp>
-          <p:nvCxnSpPr>
-            <p:cNvPr id="61" name="Straight Connector 60"/>
-            <p:cNvCxnSpPr/>
-            <p:nvPr/>
-          </p:nvCxnSpPr>
-          <p:spPr>
-            <a:xfrm flipH="1">
-              <a:off x="3915538" y="4423355"/>
-              <a:ext cx="140393" cy="0"/>
-            </a:xfrm>
-            <a:prstGeom prst="line">
-              <a:avLst/>
-            </a:prstGeom>
-            <a:ln cap="rnd">
-              <a:prstDash val="sysDash"/>
-            </a:ln>
-          </p:spPr>
-          <p:style>
-            <a:lnRef idx="2">
-              <a:schemeClr val="dk1"/>
-            </a:lnRef>
-            <a:fillRef idx="0">
-              <a:schemeClr val="dk1"/>
-            </a:fillRef>
-            <a:effectRef idx="1">
-              <a:schemeClr val="dk1"/>
-            </a:effectRef>
-            <a:fontRef idx="minor">
-              <a:schemeClr val="tx1"/>
-            </a:fontRef>
-          </p:style>
-        </p:cxnSp>
-        <p:cxnSp>
-          <p:nvCxnSpPr>
-            <p:cNvPr id="63" name="Straight Connector 62"/>
-            <p:cNvCxnSpPr/>
-            <p:nvPr/>
-          </p:nvCxnSpPr>
-          <p:spPr>
-            <a:xfrm flipH="1">
-              <a:off x="3592265" y="4423355"/>
-              <a:ext cx="323273" cy="0"/>
-            </a:xfrm>
-            <a:prstGeom prst="line">
-              <a:avLst/>
-            </a:prstGeom>
-            <a:ln cap="rnd">
-              <a:prstDash val="sysDash"/>
-              <a:headEnd type="none"/>
-              <a:tailEnd type="triangle"/>
-            </a:ln>
-          </p:spPr>
-          <p:style>
-            <a:lnRef idx="2">
-              <a:schemeClr val="dk1"/>
-            </a:lnRef>
-            <a:fillRef idx="0">
-              <a:schemeClr val="dk1"/>
-            </a:fillRef>
-            <a:effectRef idx="1">
-              <a:schemeClr val="dk1"/>
-            </a:effectRef>
-            <a:fontRef idx="minor">
-              <a:schemeClr val="tx1"/>
-            </a:fontRef>
-          </p:style>
-        </p:cxnSp>
-        <p:cxnSp>
-          <p:nvCxnSpPr>
-            <p:cNvPr id="66" name="Straight Arrow Connector 65"/>
-            <p:cNvCxnSpPr/>
-            <p:nvPr/>
-          </p:nvCxnSpPr>
-          <p:spPr>
-            <a:xfrm flipH="1">
-              <a:off x="2198256" y="4423355"/>
-              <a:ext cx="393470" cy="0"/>
-            </a:xfrm>
-            <a:prstGeom prst="straightConnector1">
-              <a:avLst/>
-            </a:prstGeom>
-            <a:ln>
-              <a:prstDash val="sysDash"/>
-              <a:headEnd type="triangle"/>
-              <a:tailEnd type="triangle"/>
-            </a:ln>
-          </p:spPr>
-          <p:style>
-            <a:lnRef idx="2">
-              <a:schemeClr val="dk1"/>
-            </a:lnRef>
-            <a:fillRef idx="0">
-              <a:schemeClr val="dk1"/>
-            </a:fillRef>
-            <a:effectRef idx="1">
-              <a:schemeClr val="dk1"/>
-            </a:effectRef>
-            <a:fontRef idx="minor">
-              <a:schemeClr val="tx1"/>
-            </a:fontRef>
-          </p:style>
-        </p:cxnSp>
         <p:sp>
           <p:nvSpPr>
-            <p:cNvPr id="67" name="Freeform 66"/>
+            <p:cNvPr id="32" name="Rounded Rectangle 31"/>
             <p:cNvSpPr/>
             <p:nvPr/>
           </p:nvSpPr>
           <p:spPr>
             <a:xfrm>
-              <a:off x="274564" y="3634548"/>
-              <a:ext cx="499444" cy="1577614"/>
+              <a:off x="8978087" y="2179133"/>
+              <a:ext cx="1817038" cy="731520"/>
             </a:xfrm>
-            <a:custGeom>
-              <a:avLst/>
-              <a:gdLst>
-                <a:gd name="connsiteX0" fmla="*/ 0 w 3094136"/>
-                <a:gd name="connsiteY0" fmla="*/ 0 h 1856482"/>
-                <a:gd name="connsiteX1" fmla="*/ 3094136 w 3094136"/>
-                <a:gd name="connsiteY1" fmla="*/ 0 h 1856482"/>
-                <a:gd name="connsiteX2" fmla="*/ 3094136 w 3094136"/>
-                <a:gd name="connsiteY2" fmla="*/ 1856482 h 1856482"/>
-                <a:gd name="connsiteX3" fmla="*/ 0 w 3094136"/>
-                <a:gd name="connsiteY3" fmla="*/ 1856482 h 1856482"/>
-                <a:gd name="connsiteX4" fmla="*/ 0 w 3094136"/>
-                <a:gd name="connsiteY4" fmla="*/ 0 h 1856482"/>
-              </a:gdLst>
-              <a:ahLst/>
-              <a:cxnLst>
-                <a:cxn ang="0">
-                  <a:pos x="connsiteX0" y="connsiteY0"/>
-                </a:cxn>
-                <a:cxn ang="0">
-                  <a:pos x="connsiteX1" y="connsiteY1"/>
-                </a:cxn>
-                <a:cxn ang="0">
-                  <a:pos x="connsiteX2" y="connsiteY2"/>
-                </a:cxn>
-                <a:cxn ang="0">
-                  <a:pos x="connsiteX3" y="connsiteY3"/>
-                </a:cxn>
-                <a:cxn ang="0">
-                  <a:pos x="connsiteX4" y="connsiteY4"/>
-                </a:cxn>
-              </a:cxnLst>
-              <a:rect l="l" t="t" r="r" b="b"/>
-              <a:pathLst>
-                <a:path w="3094136" h="1856482">
-                  <a:moveTo>
-                    <a:pt x="0" y="0"/>
-                  </a:moveTo>
-                  <a:lnTo>
-                    <a:pt x="3094136" y="0"/>
-                  </a:lnTo>
-                  <a:lnTo>
-                    <a:pt x="3094136" y="1856482"/>
-                  </a:lnTo>
-                  <a:lnTo>
-                    <a:pt x="0" y="1856482"/>
-                  </a:lnTo>
-                  <a:lnTo>
-                    <a:pt x="0" y="0"/>
-                  </a:lnTo>
-                  <a:close/>
-                </a:path>
-              </a:pathLst>
-            </a:custGeom>
-          </p:spPr>
-          <p:style>
-            <a:lnRef idx="2">
-              <a:schemeClr val="lt1">
-                <a:hueOff val="0"/>
-                <a:satOff val="0"/>
-                <a:lumOff val="0"/>
-                <a:alphaOff val="0"/>
-              </a:schemeClr>
-            </a:lnRef>
-            <a:fillRef idx="1">
-              <a:schemeClr val="accent1">
-                <a:hueOff val="0"/>
-                <a:satOff val="0"/>
-                <a:lumOff val="0"/>
-                <a:alphaOff val="0"/>
-              </a:schemeClr>
-            </a:fillRef>
-            <a:effectRef idx="0">
-              <a:schemeClr val="accent1">
-                <a:hueOff val="0"/>
-                <a:satOff val="0"/>
-                <a:lumOff val="0"/>
-                <a:alphaOff val="0"/>
-              </a:schemeClr>
-            </a:effectRef>
-            <a:fontRef idx="minor">
-              <a:schemeClr val="lt1"/>
-            </a:fontRef>
-          </p:style>
-          <p:txBody>
-            <a:bodyPr spcFirstLastPara="0" vert="vert270" wrap="square" lIns="247650" tIns="247650" rIns="247650" bIns="247650" numCol="1" spcCol="1270" anchor="ctr" anchorCtr="0">
-              <a:noAutofit/>
-            </a:bodyPr>
-            <a:lstStyle/>
-            <a:p>
-              <a:pPr lvl="0" algn="ctr" defTabSz="2889250">
-                <a:lnSpc>
-                  <a:spcPct val="90000"/>
-                </a:lnSpc>
-                <a:spcBef>
-                  <a:spcPct val="0"/>
-                </a:spcBef>
-                <a:spcAft>
-                  <a:spcPct val="35000"/>
-                </a:spcAft>
-              </a:pPr>
-              <a:r>
-                <a:rPr lang="en-US" sz="1600" dirty="0" smtClean="0"/>
-                <a:t>memory</a:t>
-              </a:r>
-              <a:endParaRPr lang="en-US" sz="1600" kern="1200" dirty="0"/>
-            </a:p>
-          </p:txBody>
-        </p:sp>
-        <p:cxnSp>
-          <p:nvCxnSpPr>
-            <p:cNvPr id="68" name="Straight Arrow Connector 67"/>
-            <p:cNvCxnSpPr/>
-            <p:nvPr/>
-          </p:nvCxnSpPr>
-          <p:spPr>
-            <a:xfrm flipH="1">
-              <a:off x="774008" y="4986789"/>
-              <a:ext cx="323272" cy="0"/>
-            </a:xfrm>
-            <a:prstGeom prst="straightConnector1">
+            <a:prstGeom prst="roundRect">
               <a:avLst/>
             </a:prstGeom>
-            <a:ln>
-              <a:prstDash val="sysDash"/>
-              <a:headEnd type="triangle"/>
-              <a:tailEnd type="triangle"/>
-            </a:ln>
-          </p:spPr>
-          <p:style>
-            <a:lnRef idx="2">
-              <a:schemeClr val="dk1"/>
-            </a:lnRef>
-            <a:fillRef idx="0">
-              <a:schemeClr val="dk1"/>
-            </a:fillRef>
-            <a:effectRef idx="1">
-              <a:schemeClr val="dk1"/>
-            </a:effectRef>
-            <a:fontRef idx="minor">
-              <a:schemeClr val="tx1"/>
-            </a:fontRef>
-          </p:style>
-        </p:cxnSp>
-        <p:cxnSp>
-          <p:nvCxnSpPr>
-            <p:cNvPr id="70" name="Straight Arrow Connector 69"/>
-            <p:cNvCxnSpPr/>
-            <p:nvPr/>
-          </p:nvCxnSpPr>
-          <p:spPr>
-            <a:xfrm flipH="1">
-              <a:off x="774008" y="4409516"/>
-              <a:ext cx="323272" cy="0"/>
-            </a:xfrm>
-            <a:prstGeom prst="straightConnector1">
-              <a:avLst/>
-            </a:prstGeom>
-            <a:ln>
-              <a:prstDash val="sysDash"/>
-              <a:headEnd type="triangle"/>
-              <a:tailEnd type="triangle"/>
-            </a:ln>
-          </p:spPr>
-          <p:style>
-            <a:lnRef idx="2">
-              <a:schemeClr val="dk1"/>
-            </a:lnRef>
-            <a:fillRef idx="0">
-              <a:schemeClr val="dk1"/>
-            </a:fillRef>
-            <a:effectRef idx="1">
-              <a:schemeClr val="dk1"/>
-            </a:effectRef>
-            <a:fontRef idx="minor">
-              <a:schemeClr val="tx1"/>
-            </a:fontRef>
-          </p:style>
-        </p:cxnSp>
-        <p:sp>
-          <p:nvSpPr>
-            <p:cNvPr id="72" name="Freeform 71"/>
-            <p:cNvSpPr/>
-            <p:nvPr/>
-          </p:nvSpPr>
-          <p:spPr>
-            <a:xfrm>
-              <a:off x="1097280" y="3634548"/>
-              <a:ext cx="1100976" cy="450747"/>
-            </a:xfrm>
-            <a:custGeom>
-              <a:avLst/>
-              <a:gdLst>
-                <a:gd name="connsiteX0" fmla="*/ 0 w 3094136"/>
-                <a:gd name="connsiteY0" fmla="*/ 0 h 1856482"/>
-                <a:gd name="connsiteX1" fmla="*/ 3094136 w 3094136"/>
-                <a:gd name="connsiteY1" fmla="*/ 0 h 1856482"/>
-                <a:gd name="connsiteX2" fmla="*/ 3094136 w 3094136"/>
-                <a:gd name="connsiteY2" fmla="*/ 1856482 h 1856482"/>
-                <a:gd name="connsiteX3" fmla="*/ 0 w 3094136"/>
-                <a:gd name="connsiteY3" fmla="*/ 1856482 h 1856482"/>
-                <a:gd name="connsiteX4" fmla="*/ 0 w 3094136"/>
-                <a:gd name="connsiteY4" fmla="*/ 0 h 1856482"/>
-              </a:gdLst>
-              <a:ahLst/>
-              <a:cxnLst>
-                <a:cxn ang="0">
-                  <a:pos x="connsiteX0" y="connsiteY0"/>
-                </a:cxn>
-                <a:cxn ang="0">
-                  <a:pos x="connsiteX1" y="connsiteY1"/>
-                </a:cxn>
-                <a:cxn ang="0">
-                  <a:pos x="connsiteX2" y="connsiteY2"/>
-                </a:cxn>
-                <a:cxn ang="0">
-                  <a:pos x="connsiteX3" y="connsiteY3"/>
-                </a:cxn>
-                <a:cxn ang="0">
-                  <a:pos x="connsiteX4" y="connsiteY4"/>
-                </a:cxn>
-              </a:cxnLst>
-              <a:rect l="l" t="t" r="r" b="b"/>
-              <a:pathLst>
-                <a:path w="3094136" h="1856482">
-                  <a:moveTo>
-                    <a:pt x="0" y="0"/>
-                  </a:moveTo>
-                  <a:lnTo>
-                    <a:pt x="3094136" y="0"/>
-                  </a:lnTo>
-                  <a:lnTo>
-                    <a:pt x="3094136" y="1856482"/>
-                  </a:lnTo>
-                  <a:lnTo>
-                    <a:pt x="0" y="1856482"/>
-                  </a:lnTo>
-                  <a:lnTo>
-                    <a:pt x="0" y="0"/>
-                  </a:lnTo>
-                  <a:close/>
-                </a:path>
-              </a:pathLst>
-            </a:custGeom>
-            <a:solidFill>
-              <a:schemeClr val="accent1">
-                <a:lumMod val="60000"/>
-                <a:lumOff val="40000"/>
-              </a:schemeClr>
-            </a:solidFill>
           </p:spPr>
           <p:style>
             <a:lnRef idx="2">
@@ -7051,29 +6848,144 @@
                 </a:spcAft>
               </a:pPr>
               <a:r>
-                <a:rPr lang="en-US" sz="1600" dirty="0" smtClean="0"/>
-                <a:t>Core 2</a:t>
+                <a:rPr lang="en-US" sz="2400" dirty="0"/>
+                <a:t>Other sensing</a:t>
               </a:r>
-              <a:endParaRPr lang="en-US" sz="1600" kern="1200" dirty="0"/>
+              <a:endParaRPr lang="en-US" sz="2400" dirty="0"/>
             </a:p>
           </p:txBody>
         </p:sp>
         <p:cxnSp>
           <p:nvCxnSpPr>
-            <p:cNvPr id="73" name="Straight Arrow Connector 72"/>
-            <p:cNvCxnSpPr/>
+            <p:cNvPr id="7" name="Elbow Connector 6"/>
+            <p:cNvCxnSpPr>
+              <a:stCxn id="18" idx="3"/>
+              <a:endCxn id="13" idx="1"/>
+            </p:cNvCxnSpPr>
             <p:nvPr/>
           </p:nvCxnSpPr>
           <p:spPr>
-            <a:xfrm flipH="1">
-              <a:off x="774008" y="3859952"/>
-              <a:ext cx="323272" cy="0"/>
+            <a:xfrm>
+              <a:off x="7995922" y="4019567"/>
+              <a:ext cx="982165" cy="1194773"/>
             </a:xfrm>
-            <a:prstGeom prst="straightConnector1">
+            <a:prstGeom prst="bentConnector3">
               <a:avLst/>
             </a:prstGeom>
             <a:ln>
-              <a:prstDash val="sysDash"/>
+              <a:headEnd type="triangle"/>
+              <a:tailEnd type="triangle"/>
+            </a:ln>
+          </p:spPr>
+          <p:style>
+            <a:lnRef idx="2">
+              <a:schemeClr val="dk1"/>
+            </a:lnRef>
+            <a:fillRef idx="0">
+              <a:schemeClr val="dk1"/>
+            </a:fillRef>
+            <a:effectRef idx="1">
+              <a:schemeClr val="dk1"/>
+            </a:effectRef>
+            <a:fontRef idx="minor">
+              <a:schemeClr val="tx1"/>
+            </a:fontRef>
+          </p:style>
+        </p:cxnSp>
+        <p:cxnSp>
+          <p:nvCxnSpPr>
+            <p:cNvPr id="10" name="Elbow Connector 9"/>
+            <p:cNvCxnSpPr>
+              <a:stCxn id="18" idx="3"/>
+              <a:endCxn id="17" idx="1"/>
+            </p:cNvCxnSpPr>
+            <p:nvPr/>
+          </p:nvCxnSpPr>
+          <p:spPr>
+            <a:xfrm>
+              <a:off x="7995922" y="4019567"/>
+              <a:ext cx="982165" cy="304958"/>
+            </a:xfrm>
+            <a:prstGeom prst="bentConnector3">
+              <a:avLst>
+                <a:gd name="adj1" fmla="val 50001"/>
+              </a:avLst>
+            </a:prstGeom>
+            <a:ln>
+              <a:headEnd type="triangle"/>
+              <a:tailEnd type="triangle"/>
+            </a:ln>
+          </p:spPr>
+          <p:style>
+            <a:lnRef idx="2">
+              <a:schemeClr val="dk1"/>
+            </a:lnRef>
+            <a:fillRef idx="0">
+              <a:schemeClr val="dk1"/>
+            </a:fillRef>
+            <a:effectRef idx="1">
+              <a:schemeClr val="dk1"/>
+            </a:effectRef>
+            <a:fontRef idx="minor">
+              <a:schemeClr val="tx1"/>
+            </a:fontRef>
+          </p:style>
+        </p:cxnSp>
+        <p:cxnSp>
+          <p:nvCxnSpPr>
+            <p:cNvPr id="14" name="Elbow Connector 13"/>
+            <p:cNvCxnSpPr>
+              <a:stCxn id="18" idx="3"/>
+              <a:endCxn id="16" idx="1"/>
+            </p:cNvCxnSpPr>
+            <p:nvPr/>
+          </p:nvCxnSpPr>
+          <p:spPr>
+            <a:xfrm flipV="1">
+              <a:off x="7995922" y="3434709"/>
+              <a:ext cx="982165" cy="584858"/>
+            </a:xfrm>
+            <a:prstGeom prst="bentConnector3">
+              <a:avLst/>
+            </a:prstGeom>
+            <a:ln>
+              <a:headEnd type="triangle"/>
+              <a:tailEnd type="triangle"/>
+            </a:ln>
+          </p:spPr>
+          <p:style>
+            <a:lnRef idx="2">
+              <a:schemeClr val="dk1"/>
+            </a:lnRef>
+            <a:fillRef idx="0">
+              <a:schemeClr val="dk1"/>
+            </a:fillRef>
+            <a:effectRef idx="1">
+              <a:schemeClr val="dk1"/>
+            </a:effectRef>
+            <a:fontRef idx="minor">
+              <a:schemeClr val="tx1"/>
+            </a:fontRef>
+          </p:style>
+        </p:cxnSp>
+        <p:cxnSp>
+          <p:nvCxnSpPr>
+            <p:cNvPr id="25" name="Elbow Connector 24"/>
+            <p:cNvCxnSpPr>
+              <a:stCxn id="18" idx="3"/>
+              <a:endCxn id="32" idx="1"/>
+            </p:cNvCxnSpPr>
+            <p:nvPr/>
+          </p:nvCxnSpPr>
+          <p:spPr>
+            <a:xfrm flipV="1">
+              <a:off x="7995922" y="2544893"/>
+              <a:ext cx="982165" cy="1474674"/>
+            </a:xfrm>
+            <a:prstGeom prst="bentConnector3">
+              <a:avLst/>
+            </a:prstGeom>
+            <a:ln>
               <a:headEnd type="triangle"/>
               <a:tailEnd type="triangle"/>
             </a:ln>
@@ -7114,7 +7026,7 @@
 </p:sld>
 </file>
 
-<file path=ppt/slides/slide9.xml><?xml version="1.0" encoding="utf-8"?>
+<file path=ppt/slides/slide8.xml><?xml version="1.0" encoding="utf-8"?>
 <p:sld xmlns:a="http://schemas.openxmlformats.org/drawingml/2006/main" xmlns:r="http://schemas.openxmlformats.org/officeDocument/2006/relationships" xmlns:p="http://schemas.openxmlformats.org/presentationml/2006/main">
   <p:cSld>
     <p:spTree>
@@ -7141,7 +7053,12 @@
             <p:ph type="title"/>
           </p:nvPr>
         </p:nvSpPr>
-        <p:spPr/>
+        <p:spPr>
+          <a:xfrm>
+            <a:off x="1193533" y="334729"/>
+            <a:ext cx="10058400" cy="1450757"/>
+          </a:xfrm>
+        </p:spPr>
         <p:txBody>
           <a:bodyPr/>
           <a:lstStyle/>
@@ -7168,14 +7085,14 @@
             <p:ph idx="1"/>
             <p:extLst>
               <p:ext uri="{D42A27DB-BD31-4B8C-83A1-F6EECF244321}">
-                <p14:modId xmlns:p14="http://schemas.microsoft.com/office/powerpoint/2010/main" val="1807192924"/>
+                <p14:modId xmlns:p14="http://schemas.microsoft.com/office/powerpoint/2010/main" val="2748549640"/>
               </p:ext>
             </p:extLst>
           </p:nvPr>
         </p:nvGraphicFramePr>
         <p:xfrm>
-          <a:off x="1097280" y="2234452"/>
-          <a:ext cx="10058400" cy="422484"/>
+          <a:off x="1193533" y="3108078"/>
+          <a:ext cx="10058400" cy="1267452"/>
         </p:xfrm>
         <a:graphic>
           <a:graphicData uri="http://schemas.openxmlformats.org/drawingml/2006/table">
@@ -7184,12 +7101,14 @@
                 <a:tableStyleId>{5C22544A-7EE6-4342-B048-85BDC9FD1C3A}</a:tableStyleId>
               </a:tblPr>
               <a:tblGrid>
-                <a:gridCol w="3352800"/>
+                <a:gridCol w="1117600"/>
+                <a:gridCol w="1117600"/>
+                <a:gridCol w="1117600"/>
                 <a:gridCol w="3352800"/>
                 <a:gridCol w="3352800"/>
               </a:tblGrid>
               <a:tr h="422484">
-                <a:tc>
+                <a:tc gridSpan="3">
                   <a:txBody>
                     <a:bodyPr/>
                     <a:lstStyle/>
@@ -7205,7 +7124,19 @@
                           <a:ea typeface="+mn-ea"/>
                           <a:cs typeface="+mn-cs"/>
                         </a:rPr>
-                        <a:t>Message ID (1</a:t>
+                        <a:t>Message ID </a:t>
+                      </a:r>
+                      <a:r>
+                        <a:rPr lang="en-GB" sz="1800" b="1" kern="1200" dirty="0" smtClean="0">
+                          <a:solidFill>
+                            <a:schemeClr val="lt1"/>
+                          </a:solidFill>
+                          <a:effectLst/>
+                          <a:latin typeface="+mn-lt"/>
+                          <a:ea typeface="+mn-ea"/>
+                          <a:cs typeface="+mn-cs"/>
+                        </a:rPr>
+                        <a:t>(</a:t>
                       </a:r>
                       <a:r>
                         <a:rPr lang="de-DE" sz="1800" b="1" kern="1200" dirty="0" smtClean="0">
@@ -7217,9 +7148,41 @@
                           <a:ea typeface="+mn-ea"/>
                           <a:cs typeface="+mn-cs"/>
                         </a:rPr>
-                        <a:t>-2Bytes)</a:t>
+                        <a:t>2Bytes</a:t>
+                      </a:r>
+                      <a:r>
+                        <a:rPr lang="de-DE" sz="1800" b="1" kern="1200" dirty="0" smtClean="0">
+                          <a:solidFill>
+                            <a:schemeClr val="lt1"/>
+                          </a:solidFill>
+                          <a:effectLst/>
+                          <a:latin typeface="+mn-lt"/>
+                          <a:ea typeface="+mn-ea"/>
+                          <a:cs typeface="+mn-cs"/>
+                        </a:rPr>
+                        <a:t>)</a:t>
                       </a:r>
                       <a:endParaRPr lang="de-DE" dirty="0"/>
+                    </a:p>
+                  </a:txBody>
+                  <a:tcPr/>
+                </a:tc>
+                <a:tc hMerge="1">
+                  <a:txBody>
+                    <a:bodyPr/>
+                    <a:lstStyle/>
+                    <a:p>
+                      <a:endParaRPr lang="en-US"/>
+                    </a:p>
+                  </a:txBody>
+                  <a:tcPr/>
+                </a:tc>
+                <a:tc hMerge="1">
+                  <a:txBody>
+                    <a:bodyPr/>
+                    <a:lstStyle/>
+                    <a:p>
+                      <a:endParaRPr lang="en-US"/>
                     </a:p>
                   </a:txBody>
                   <a:tcPr/>
@@ -7287,15 +7250,350 @@
                         </a:rPr>
                         <a:t>Payload</a:t>
                       </a:r>
-                      <a:endParaRPr lang="de-DE" sz="1800" b="1" kern="1200" dirty="0" smtClean="0">
+                    </a:p>
+                  </a:txBody>
+                  <a:tcPr>
+                    <a:solidFill>
+                      <a:schemeClr val="bg2">
+                        <a:lumMod val="75000"/>
+                      </a:schemeClr>
+                    </a:solidFill>
+                  </a:tcPr>
+                </a:tc>
+              </a:tr>
+              <a:tr h="422484">
+                <a:tc>
+                  <a:txBody>
+                    <a:bodyPr/>
+                    <a:lstStyle/>
+                    <a:p>
+                      <a:pPr lvl="0"/>
+                      <a:r>
+                        <a:rPr lang="de-DE" dirty="0" smtClean="0">
+                          <a:solidFill>
+                            <a:schemeClr val="bg1"/>
+                          </a:solidFill>
+                        </a:rPr>
+                        <a:t>0-2</a:t>
+                      </a:r>
+                      <a:endParaRPr lang="de-DE" dirty="0">
                         <a:solidFill>
-                          <a:schemeClr val="lt1"/>
+                          <a:schemeClr val="bg1"/>
                         </a:solidFill>
-                        <a:effectLst/>
-                        <a:latin typeface="+mn-lt"/>
-                        <a:ea typeface="+mn-ea"/>
-                        <a:cs typeface="+mn-cs"/>
                       </a:endParaRPr>
+                    </a:p>
+                  </a:txBody>
+                  <a:tcPr>
+                    <a:solidFill>
+                      <a:schemeClr val="accent1"/>
+                    </a:solidFill>
+                  </a:tcPr>
+                </a:tc>
+                <a:tc>
+                  <a:txBody>
+                    <a:bodyPr/>
+                    <a:lstStyle/>
+                    <a:p>
+                      <a:pPr marL="0" marR="0" lvl="0" indent="0" algn="l" defTabSz="914400" rtl="0" eaLnBrk="1" fontAlgn="auto" latinLnBrk="0" hangingPunct="1">
+                        <a:lnSpc>
+                          <a:spcPct val="100000"/>
+                        </a:lnSpc>
+                        <a:spcBef>
+                          <a:spcPts val="0"/>
+                        </a:spcBef>
+                        <a:spcAft>
+                          <a:spcPts val="0"/>
+                        </a:spcAft>
+                        <a:buClrTx/>
+                        <a:buSzTx/>
+                        <a:buFontTx/>
+                        <a:buNone/>
+                        <a:tabLst/>
+                        <a:defRPr/>
+                      </a:pPr>
+                      <a:r>
+                        <a:rPr lang="de-DE" dirty="0" smtClean="0">
+                          <a:solidFill>
+                            <a:schemeClr val="bg1"/>
+                          </a:solidFill>
+                        </a:rPr>
+                        <a:t>3-7</a:t>
+                      </a:r>
+                      <a:endParaRPr lang="de-DE" dirty="0">
+                        <a:solidFill>
+                          <a:schemeClr val="bg1"/>
+                        </a:solidFill>
+                      </a:endParaRPr>
+                    </a:p>
+                  </a:txBody>
+                  <a:tcPr>
+                    <a:solidFill>
+                      <a:schemeClr val="accent1"/>
+                    </a:solidFill>
+                  </a:tcPr>
+                </a:tc>
+                <a:tc>
+                  <a:txBody>
+                    <a:bodyPr/>
+                    <a:lstStyle/>
+                    <a:p>
+                      <a:pPr marL="0" marR="0" lvl="0" indent="0" algn="l" defTabSz="914400" rtl="0" eaLnBrk="1" fontAlgn="auto" latinLnBrk="0" hangingPunct="1">
+                        <a:lnSpc>
+                          <a:spcPct val="100000"/>
+                        </a:lnSpc>
+                        <a:spcBef>
+                          <a:spcPts val="0"/>
+                        </a:spcBef>
+                        <a:spcAft>
+                          <a:spcPts val="0"/>
+                        </a:spcAft>
+                        <a:buClrTx/>
+                        <a:buSzTx/>
+                        <a:buFontTx/>
+                        <a:buNone/>
+                        <a:tabLst/>
+                        <a:defRPr/>
+                      </a:pPr>
+                      <a:r>
+                        <a:rPr lang="de-DE" baseline="0" dirty="0" smtClean="0">
+                          <a:solidFill>
+                            <a:schemeClr val="bg1"/>
+                          </a:solidFill>
+                        </a:rPr>
+                        <a:t>8-15</a:t>
+                      </a:r>
+                      <a:endParaRPr lang="de-DE" dirty="0" smtClean="0">
+                        <a:solidFill>
+                          <a:schemeClr val="bg1"/>
+                        </a:solidFill>
+                      </a:endParaRPr>
+                    </a:p>
+                  </a:txBody>
+                  <a:tcPr>
+                    <a:solidFill>
+                      <a:schemeClr val="accent1"/>
+                    </a:solidFill>
+                  </a:tcPr>
+                </a:tc>
+                <a:tc>
+                  <a:txBody>
+                    <a:bodyPr/>
+                    <a:lstStyle/>
+                    <a:p>
+                      <a:r>
+                        <a:rPr lang="de-DE" dirty="0" smtClean="0">
+                          <a:solidFill>
+                            <a:schemeClr val="bg1"/>
+                          </a:solidFill>
+                        </a:rPr>
+                        <a:t>16-23</a:t>
+                      </a:r>
+                      <a:endParaRPr lang="de-DE" dirty="0">
+                        <a:solidFill>
+                          <a:schemeClr val="bg1"/>
+                        </a:solidFill>
+                      </a:endParaRPr>
+                    </a:p>
+                  </a:txBody>
+                  <a:tcPr>
+                    <a:solidFill>
+                      <a:schemeClr val="tx2">
+                        <a:lumMod val="60000"/>
+                        <a:lumOff val="40000"/>
+                      </a:schemeClr>
+                    </a:solidFill>
+                  </a:tcPr>
+                </a:tc>
+                <a:tc>
+                  <a:txBody>
+                    <a:bodyPr/>
+                    <a:lstStyle/>
+                    <a:p>
+                      <a:pPr marL="0" marR="0" lvl="0" indent="0" algn="l" defTabSz="914400" rtl="0" eaLnBrk="1" fontAlgn="auto" latinLnBrk="0" hangingPunct="1">
+                        <a:lnSpc>
+                          <a:spcPct val="100000"/>
+                        </a:lnSpc>
+                        <a:spcBef>
+                          <a:spcPts val="0"/>
+                        </a:spcBef>
+                        <a:spcAft>
+                          <a:spcPts val="0"/>
+                        </a:spcAft>
+                        <a:buClrTx/>
+                        <a:buSzTx/>
+                        <a:buFontTx/>
+                        <a:buNone/>
+                        <a:tabLst/>
+                        <a:defRPr/>
+                      </a:pPr>
+                      <a:r>
+                        <a:rPr lang="en-GB" sz="1800" b="0" kern="1200" dirty="0" smtClean="0">
+                          <a:solidFill>
+                            <a:schemeClr val="lt1"/>
+                          </a:solidFill>
+                          <a:effectLst/>
+                          <a:latin typeface="+mn-lt"/>
+                          <a:ea typeface="+mn-ea"/>
+                          <a:cs typeface="+mn-cs"/>
+                        </a:rPr>
+                        <a:t>24-x</a:t>
+                      </a:r>
+                    </a:p>
+                  </a:txBody>
+                  <a:tcPr>
+                    <a:solidFill>
+                      <a:schemeClr val="bg2">
+                        <a:lumMod val="75000"/>
+                      </a:schemeClr>
+                    </a:solidFill>
+                  </a:tcPr>
+                </a:tc>
+              </a:tr>
+              <a:tr h="422484">
+                <a:tc>
+                  <a:txBody>
+                    <a:bodyPr/>
+                    <a:lstStyle/>
+                    <a:p>
+                      <a:pPr lvl="0"/>
+                      <a:r>
+                        <a:rPr lang="de-DE" dirty="0" smtClean="0">
+                          <a:solidFill>
+                            <a:schemeClr val="bg1"/>
+                          </a:solidFill>
+                        </a:rPr>
+                        <a:t>Type</a:t>
+                      </a:r>
+                      <a:endParaRPr lang="de-DE" dirty="0">
+                        <a:solidFill>
+                          <a:schemeClr val="bg1"/>
+                        </a:solidFill>
+                      </a:endParaRPr>
+                    </a:p>
+                  </a:txBody>
+                  <a:tcPr>
+                    <a:solidFill>
+                      <a:schemeClr val="accent1"/>
+                    </a:solidFill>
+                  </a:tcPr>
+                </a:tc>
+                <a:tc>
+                  <a:txBody>
+                    <a:bodyPr/>
+                    <a:lstStyle/>
+                    <a:p>
+                      <a:pPr lvl="0"/>
+                      <a:r>
+                        <a:rPr lang="de-DE" dirty="0" smtClean="0">
+                          <a:solidFill>
+                            <a:schemeClr val="bg1"/>
+                          </a:solidFill>
+                        </a:rPr>
+                        <a:t>Subtype</a:t>
+                      </a:r>
+                      <a:endParaRPr lang="de-DE" dirty="0">
+                        <a:solidFill>
+                          <a:schemeClr val="bg1"/>
+                        </a:solidFill>
+                      </a:endParaRPr>
+                    </a:p>
+                  </a:txBody>
+                  <a:tcPr>
+                    <a:solidFill>
+                      <a:schemeClr val="accent1"/>
+                    </a:solidFill>
+                  </a:tcPr>
+                </a:tc>
+                <a:tc>
+                  <a:txBody>
+                    <a:bodyPr/>
+                    <a:lstStyle/>
+                    <a:p>
+                      <a:pPr lvl="0"/>
+                      <a:r>
+                        <a:rPr lang="de-DE" dirty="0" smtClean="0">
+                          <a:solidFill>
+                            <a:schemeClr val="bg1"/>
+                          </a:solidFill>
+                        </a:rPr>
+                        <a:t>Reserved</a:t>
+                      </a:r>
+                      <a:endParaRPr lang="de-DE" dirty="0">
+                        <a:solidFill>
+                          <a:schemeClr val="bg1"/>
+                        </a:solidFill>
+                      </a:endParaRPr>
+                    </a:p>
+                  </a:txBody>
+                  <a:tcPr>
+                    <a:solidFill>
+                      <a:schemeClr val="accent1"/>
+                    </a:solidFill>
+                  </a:tcPr>
+                </a:tc>
+                <a:tc>
+                  <a:txBody>
+                    <a:bodyPr/>
+                    <a:lstStyle/>
+                    <a:p>
+                      <a:r>
+                        <a:rPr lang="de-DE" dirty="0" smtClean="0">
+                          <a:solidFill>
+                            <a:schemeClr val="bg1"/>
+                          </a:solidFill>
+                        </a:rPr>
+                        <a:t>Length of payload in Bytes</a:t>
+                      </a:r>
+                      <a:endParaRPr lang="de-DE" dirty="0">
+                        <a:solidFill>
+                          <a:schemeClr val="bg1"/>
+                        </a:solidFill>
+                      </a:endParaRPr>
+                    </a:p>
+                  </a:txBody>
+                  <a:tcPr>
+                    <a:solidFill>
+                      <a:schemeClr val="tx2">
+                        <a:lumMod val="60000"/>
+                        <a:lumOff val="40000"/>
+                      </a:schemeClr>
+                    </a:solidFill>
+                  </a:tcPr>
+                </a:tc>
+                <a:tc>
+                  <a:txBody>
+                    <a:bodyPr/>
+                    <a:lstStyle/>
+                    <a:p>
+                      <a:pPr marL="0" marR="0" lvl="0" indent="0" algn="l" defTabSz="914400" rtl="0" eaLnBrk="1" fontAlgn="auto" latinLnBrk="0" hangingPunct="1">
+                        <a:lnSpc>
+                          <a:spcPct val="100000"/>
+                        </a:lnSpc>
+                        <a:spcBef>
+                          <a:spcPts val="0"/>
+                        </a:spcBef>
+                        <a:spcAft>
+                          <a:spcPts val="0"/>
+                        </a:spcAft>
+                        <a:buClrTx/>
+                        <a:buSzTx/>
+                        <a:buFontTx/>
+                        <a:buNone/>
+                        <a:tabLst/>
+                        <a:defRPr/>
+                      </a:pPr>
+                      <a:r>
+                        <a:rPr lang="en-GB" sz="1800" b="0" kern="1200" dirty="0" smtClean="0">
+                          <a:solidFill>
+                            <a:schemeClr val="lt1"/>
+                          </a:solidFill>
+                          <a:effectLst/>
+                          <a:latin typeface="+mn-lt"/>
+                          <a:ea typeface="+mn-ea"/>
+                          <a:cs typeface="+mn-cs"/>
+                        </a:rPr>
+                        <a:t>Message payload</a:t>
+                      </a:r>
                     </a:p>
                   </a:txBody>
                   <a:tcPr>
@@ -7311,1178 +7609,285 @@
           </a:graphicData>
         </a:graphic>
       </p:graphicFrame>
-      <p:graphicFrame>
-        <p:nvGraphicFramePr>
-          <p:cNvPr id="7" name="Tabelle 6"/>
-          <p:cNvGraphicFramePr>
-            <a:graphicFrameLocks noGrp="1"/>
-          </p:cNvGraphicFramePr>
-          <p:nvPr>
-            <p:extLst>
-              <p:ext uri="{D42A27DB-BD31-4B8C-83A1-F6EECF244321}">
-                <p14:modId xmlns:p14="http://schemas.microsoft.com/office/powerpoint/2010/main" val="2038717257"/>
-              </p:ext>
-            </p:extLst>
-          </p:nvPr>
-        </p:nvGraphicFramePr>
-        <p:xfrm>
-          <a:off x="1932315" y="3988788"/>
-          <a:ext cx="8350374" cy="652272"/>
-        </p:xfrm>
-        <a:graphic>
-          <a:graphicData uri="http://schemas.openxmlformats.org/drawingml/2006/table">
-            <a:tbl>
-              <a:tblPr firstRow="1" firstCol="1" bandRow="1"/>
-              <a:tblGrid>
-                <a:gridCol w="1043106"/>
-                <a:gridCol w="1043106"/>
-                <a:gridCol w="1044027"/>
-                <a:gridCol w="1044027"/>
-                <a:gridCol w="1044027"/>
-                <a:gridCol w="1044027"/>
-                <a:gridCol w="1044027"/>
-                <a:gridCol w="1044027"/>
-              </a:tblGrid>
-              <a:tr h="0">
-                <a:tc>
-                  <a:txBody>
-                    <a:bodyPr/>
-                    <a:lstStyle/>
-                    <a:p>
-                      <a:pPr>
-                        <a:lnSpc>
-                          <a:spcPct val="107000"/>
-                        </a:lnSpc>
-                        <a:spcAft>
-                          <a:spcPts val="0"/>
-                        </a:spcAft>
-                      </a:pPr>
-                      <a:r>
-                        <a:rPr lang="en-GB" sz="2000" dirty="0" smtClean="0">
-                          <a:effectLst/>
-                          <a:latin typeface="Calibri" panose="020F0502020204030204" pitchFamily="34" charset="0"/>
-                          <a:ea typeface="Calibri" panose="020F0502020204030204" pitchFamily="34" charset="0"/>
-                          <a:cs typeface="Times New Roman" panose="02020603050405020304" pitchFamily="18" charset="0"/>
-                        </a:rPr>
-                        <a:t>0</a:t>
-                      </a:r>
-                      <a:endParaRPr lang="de-DE" sz="2000" dirty="0">
-                        <a:effectLst/>
-                        <a:latin typeface="Calibri" panose="020F0502020204030204" pitchFamily="34" charset="0"/>
-                        <a:ea typeface="Calibri" panose="020F0502020204030204" pitchFamily="34" charset="0"/>
-                        <a:cs typeface="Times New Roman" panose="02020603050405020304" pitchFamily="18" charset="0"/>
-                      </a:endParaRPr>
-                    </a:p>
-                  </a:txBody>
-                  <a:tcPr marL="68580" marR="68580" marT="0" marB="0">
-                    <a:lnL w="12700" cap="flat" cmpd="sng" algn="ctr">
-                      <a:solidFill>
-                        <a:srgbClr val="000000"/>
-                      </a:solidFill>
-                      <a:prstDash val="solid"/>
-                      <a:round/>
-                      <a:headEnd type="none" w="med" len="med"/>
-                      <a:tailEnd type="none" w="med" len="med"/>
-                    </a:lnL>
-                    <a:lnR w="12700" cap="flat" cmpd="sng" algn="ctr">
-                      <a:solidFill>
-                        <a:srgbClr val="000000"/>
-                      </a:solidFill>
-                      <a:prstDash val="solid"/>
-                      <a:round/>
-                      <a:headEnd type="none" w="med" len="med"/>
-                      <a:tailEnd type="none" w="med" len="med"/>
-                    </a:lnR>
-                    <a:lnT w="12700" cap="flat" cmpd="sng" algn="ctr">
-                      <a:solidFill>
-                        <a:srgbClr val="000000"/>
-                      </a:solidFill>
-                      <a:prstDash val="solid"/>
-                      <a:round/>
-                      <a:headEnd type="none" w="med" len="med"/>
-                      <a:tailEnd type="none" w="med" len="med"/>
-                    </a:lnT>
-                    <a:lnB w="12700" cap="flat" cmpd="sng" algn="ctr">
-                      <a:solidFill>
-                        <a:srgbClr val="000000"/>
-                      </a:solidFill>
-                      <a:prstDash val="solid"/>
-                      <a:round/>
-                      <a:headEnd type="none" w="med" len="med"/>
-                      <a:tailEnd type="none" w="med" len="med"/>
-                    </a:lnB>
-                  </a:tcPr>
-                </a:tc>
-                <a:tc>
-                  <a:txBody>
-                    <a:bodyPr/>
-                    <a:lstStyle/>
-                    <a:p>
-                      <a:pPr>
-                        <a:lnSpc>
-                          <a:spcPct val="107000"/>
-                        </a:lnSpc>
-                        <a:spcAft>
-                          <a:spcPts val="0"/>
-                        </a:spcAft>
-                      </a:pPr>
-                      <a:r>
-                        <a:rPr lang="en-GB" sz="2000" dirty="0" smtClean="0">
-                          <a:effectLst/>
-                          <a:latin typeface="Calibri" panose="020F0502020204030204" pitchFamily="34" charset="0"/>
-                          <a:ea typeface="Calibri" panose="020F0502020204030204" pitchFamily="34" charset="0"/>
-                          <a:cs typeface="Times New Roman" panose="02020603050405020304" pitchFamily="18" charset="0"/>
-                        </a:rPr>
-                        <a:t>1</a:t>
-                      </a:r>
-                      <a:endParaRPr lang="de-DE" sz="2000" dirty="0">
-                        <a:effectLst/>
-                        <a:latin typeface="Calibri" panose="020F0502020204030204" pitchFamily="34" charset="0"/>
-                        <a:ea typeface="Calibri" panose="020F0502020204030204" pitchFamily="34" charset="0"/>
-                        <a:cs typeface="Times New Roman" panose="02020603050405020304" pitchFamily="18" charset="0"/>
-                      </a:endParaRPr>
-                    </a:p>
-                  </a:txBody>
-                  <a:tcPr marL="68580" marR="68580" marT="0" marB="0">
-                    <a:lnL w="12700" cap="flat" cmpd="sng" algn="ctr">
-                      <a:solidFill>
-                        <a:srgbClr val="000000"/>
-                      </a:solidFill>
-                      <a:prstDash val="solid"/>
-                      <a:round/>
-                      <a:headEnd type="none" w="med" len="med"/>
-                      <a:tailEnd type="none" w="med" len="med"/>
-                    </a:lnL>
-                    <a:lnR w="12700" cap="flat" cmpd="sng" algn="ctr">
-                      <a:solidFill>
-                        <a:srgbClr val="000000"/>
-                      </a:solidFill>
-                      <a:prstDash val="solid"/>
-                      <a:round/>
-                      <a:headEnd type="none" w="med" len="med"/>
-                      <a:tailEnd type="none" w="med" len="med"/>
-                    </a:lnR>
-                    <a:lnT w="12700" cap="flat" cmpd="sng" algn="ctr">
-                      <a:solidFill>
-                        <a:srgbClr val="000000"/>
-                      </a:solidFill>
-                      <a:prstDash val="solid"/>
-                      <a:round/>
-                      <a:headEnd type="none" w="med" len="med"/>
-                      <a:tailEnd type="none" w="med" len="med"/>
-                    </a:lnT>
-                    <a:lnB w="12700" cap="flat" cmpd="sng" algn="ctr">
-                      <a:solidFill>
-                        <a:srgbClr val="000000"/>
-                      </a:solidFill>
-                      <a:prstDash val="solid"/>
-                      <a:round/>
-                      <a:headEnd type="none" w="med" len="med"/>
-                      <a:tailEnd type="none" w="med" len="med"/>
-                    </a:lnB>
-                  </a:tcPr>
-                </a:tc>
-                <a:tc>
-                  <a:txBody>
-                    <a:bodyPr/>
-                    <a:lstStyle/>
-                    <a:p>
-                      <a:pPr>
-                        <a:lnSpc>
-                          <a:spcPct val="107000"/>
-                        </a:lnSpc>
-                        <a:spcAft>
-                          <a:spcPts val="0"/>
-                        </a:spcAft>
-                      </a:pPr>
-                      <a:r>
-                        <a:rPr lang="en-GB" sz="2000" dirty="0" smtClean="0">
-                          <a:effectLst/>
-                          <a:latin typeface="Calibri" panose="020F0502020204030204" pitchFamily="34" charset="0"/>
-                          <a:ea typeface="Calibri" panose="020F0502020204030204" pitchFamily="34" charset="0"/>
-                          <a:cs typeface="Times New Roman" panose="02020603050405020304" pitchFamily="18" charset="0"/>
-                        </a:rPr>
-                        <a:t>2</a:t>
-                      </a:r>
-                      <a:endParaRPr lang="de-DE" sz="2000" dirty="0">
-                        <a:effectLst/>
-                        <a:latin typeface="Calibri" panose="020F0502020204030204" pitchFamily="34" charset="0"/>
-                        <a:ea typeface="Calibri" panose="020F0502020204030204" pitchFamily="34" charset="0"/>
-                        <a:cs typeface="Times New Roman" panose="02020603050405020304" pitchFamily="18" charset="0"/>
-                      </a:endParaRPr>
-                    </a:p>
-                  </a:txBody>
-                  <a:tcPr marL="68580" marR="68580" marT="0" marB="0">
-                    <a:lnL w="12700" cap="flat" cmpd="sng" algn="ctr">
-                      <a:solidFill>
-                        <a:srgbClr val="000000"/>
-                      </a:solidFill>
-                      <a:prstDash val="solid"/>
-                      <a:round/>
-                      <a:headEnd type="none" w="med" len="med"/>
-                      <a:tailEnd type="none" w="med" len="med"/>
-                    </a:lnL>
-                    <a:lnR w="12700" cap="flat" cmpd="sng" algn="ctr">
-                      <a:solidFill>
-                        <a:srgbClr val="000000"/>
-                      </a:solidFill>
-                      <a:prstDash val="solid"/>
-                      <a:round/>
-                      <a:headEnd type="none" w="med" len="med"/>
-                      <a:tailEnd type="none" w="med" len="med"/>
-                    </a:lnR>
-                    <a:lnT w="12700" cap="flat" cmpd="sng" algn="ctr">
-                      <a:solidFill>
-                        <a:srgbClr val="000000"/>
-                      </a:solidFill>
-                      <a:prstDash val="solid"/>
-                      <a:round/>
-                      <a:headEnd type="none" w="med" len="med"/>
-                      <a:tailEnd type="none" w="med" len="med"/>
-                    </a:lnT>
-                    <a:lnB w="12700" cap="flat" cmpd="sng" algn="ctr">
-                      <a:solidFill>
-                        <a:srgbClr val="000000"/>
-                      </a:solidFill>
-                      <a:prstDash val="solid"/>
-                      <a:round/>
-                      <a:headEnd type="none" w="med" len="med"/>
-                      <a:tailEnd type="none" w="med" len="med"/>
-                    </a:lnB>
-                  </a:tcPr>
-                </a:tc>
-                <a:tc>
-                  <a:txBody>
-                    <a:bodyPr/>
-                    <a:lstStyle/>
-                    <a:p>
-                      <a:pPr>
-                        <a:lnSpc>
-                          <a:spcPct val="107000"/>
-                        </a:lnSpc>
-                        <a:spcAft>
-                          <a:spcPts val="0"/>
-                        </a:spcAft>
-                      </a:pPr>
-                      <a:r>
-                        <a:rPr lang="en-GB" sz="2000" dirty="0" smtClean="0">
-                          <a:effectLst/>
-                          <a:latin typeface="Calibri" panose="020F0502020204030204" pitchFamily="34" charset="0"/>
-                          <a:ea typeface="Calibri" panose="020F0502020204030204" pitchFamily="34" charset="0"/>
-                          <a:cs typeface="Times New Roman" panose="02020603050405020304" pitchFamily="18" charset="0"/>
-                        </a:rPr>
-                        <a:t>3</a:t>
-                      </a:r>
-                      <a:endParaRPr lang="de-DE" sz="2000" dirty="0">
-                        <a:effectLst/>
-                        <a:latin typeface="Calibri" panose="020F0502020204030204" pitchFamily="34" charset="0"/>
-                        <a:ea typeface="Calibri" panose="020F0502020204030204" pitchFamily="34" charset="0"/>
-                        <a:cs typeface="Times New Roman" panose="02020603050405020304" pitchFamily="18" charset="0"/>
-                      </a:endParaRPr>
-                    </a:p>
-                  </a:txBody>
-                  <a:tcPr marL="68580" marR="68580" marT="0" marB="0">
-                    <a:lnL w="12700" cap="flat" cmpd="sng" algn="ctr">
-                      <a:solidFill>
-                        <a:srgbClr val="000000"/>
-                      </a:solidFill>
-                      <a:prstDash val="solid"/>
-                      <a:round/>
-                      <a:headEnd type="none" w="med" len="med"/>
-                      <a:tailEnd type="none" w="med" len="med"/>
-                    </a:lnL>
-                    <a:lnR w="12700" cap="flat" cmpd="sng" algn="ctr">
-                      <a:solidFill>
-                        <a:srgbClr val="000000"/>
-                      </a:solidFill>
-                      <a:prstDash val="solid"/>
-                      <a:round/>
-                      <a:headEnd type="none" w="med" len="med"/>
-                      <a:tailEnd type="none" w="med" len="med"/>
-                    </a:lnR>
-                    <a:lnT w="12700" cap="flat" cmpd="sng" algn="ctr">
-                      <a:solidFill>
-                        <a:srgbClr val="000000"/>
-                      </a:solidFill>
-                      <a:prstDash val="solid"/>
-                      <a:round/>
-                      <a:headEnd type="none" w="med" len="med"/>
-                      <a:tailEnd type="none" w="med" len="med"/>
-                    </a:lnT>
-                    <a:lnB w="12700" cap="flat" cmpd="sng" algn="ctr">
-                      <a:solidFill>
-                        <a:srgbClr val="000000"/>
-                      </a:solidFill>
-                      <a:prstDash val="solid"/>
-                      <a:round/>
-                      <a:headEnd type="none" w="med" len="med"/>
-                      <a:tailEnd type="none" w="med" len="med"/>
-                    </a:lnB>
-                  </a:tcPr>
-                </a:tc>
-                <a:tc>
-                  <a:txBody>
-                    <a:bodyPr/>
-                    <a:lstStyle/>
-                    <a:p>
-                      <a:pPr>
-                        <a:lnSpc>
-                          <a:spcPct val="107000"/>
-                        </a:lnSpc>
-                        <a:spcAft>
-                          <a:spcPts val="0"/>
-                        </a:spcAft>
-                      </a:pPr>
-                      <a:r>
-                        <a:rPr lang="en-GB" sz="2000" dirty="0" smtClean="0">
-                          <a:effectLst/>
-                          <a:latin typeface="Calibri" panose="020F0502020204030204" pitchFamily="34" charset="0"/>
-                          <a:ea typeface="Calibri" panose="020F0502020204030204" pitchFamily="34" charset="0"/>
-                          <a:cs typeface="Times New Roman" panose="02020603050405020304" pitchFamily="18" charset="0"/>
-                        </a:rPr>
-                        <a:t>4</a:t>
-                      </a:r>
-                      <a:endParaRPr lang="de-DE" sz="2000" dirty="0">
-                        <a:effectLst/>
-                        <a:latin typeface="Calibri" panose="020F0502020204030204" pitchFamily="34" charset="0"/>
-                        <a:ea typeface="Calibri" panose="020F0502020204030204" pitchFamily="34" charset="0"/>
-                        <a:cs typeface="Times New Roman" panose="02020603050405020304" pitchFamily="18" charset="0"/>
-                      </a:endParaRPr>
-                    </a:p>
-                  </a:txBody>
-                  <a:tcPr marL="68580" marR="68580" marT="0" marB="0">
-                    <a:lnL w="12700" cap="flat" cmpd="sng" algn="ctr">
-                      <a:solidFill>
-                        <a:srgbClr val="000000"/>
-                      </a:solidFill>
-                      <a:prstDash val="solid"/>
-                      <a:round/>
-                      <a:headEnd type="none" w="med" len="med"/>
-                      <a:tailEnd type="none" w="med" len="med"/>
-                    </a:lnL>
-                    <a:lnR w="12700" cap="flat" cmpd="sng" algn="ctr">
-                      <a:solidFill>
-                        <a:srgbClr val="000000"/>
-                      </a:solidFill>
-                      <a:prstDash val="solid"/>
-                      <a:round/>
-                      <a:headEnd type="none" w="med" len="med"/>
-                      <a:tailEnd type="none" w="med" len="med"/>
-                    </a:lnR>
-                    <a:lnT w="12700" cap="flat" cmpd="sng" algn="ctr">
-                      <a:solidFill>
-                        <a:srgbClr val="000000"/>
-                      </a:solidFill>
-                      <a:prstDash val="solid"/>
-                      <a:round/>
-                      <a:headEnd type="none" w="med" len="med"/>
-                      <a:tailEnd type="none" w="med" len="med"/>
-                    </a:lnT>
-                    <a:lnB w="12700" cap="flat" cmpd="sng" algn="ctr">
-                      <a:solidFill>
-                        <a:srgbClr val="000000"/>
-                      </a:solidFill>
-                      <a:prstDash val="solid"/>
-                      <a:round/>
-                      <a:headEnd type="none" w="med" len="med"/>
-                      <a:tailEnd type="none" w="med" len="med"/>
-                    </a:lnB>
-                  </a:tcPr>
-                </a:tc>
-                <a:tc>
-                  <a:txBody>
-                    <a:bodyPr/>
-                    <a:lstStyle/>
-                    <a:p>
-                      <a:pPr>
-                        <a:lnSpc>
-                          <a:spcPct val="107000"/>
-                        </a:lnSpc>
-                        <a:spcAft>
-                          <a:spcPts val="0"/>
-                        </a:spcAft>
-                      </a:pPr>
-                      <a:r>
-                        <a:rPr lang="en-GB" sz="2000" dirty="0" smtClean="0">
-                          <a:effectLst/>
-                          <a:latin typeface="Calibri" panose="020F0502020204030204" pitchFamily="34" charset="0"/>
-                          <a:ea typeface="Calibri" panose="020F0502020204030204" pitchFamily="34" charset="0"/>
-                          <a:cs typeface="Times New Roman" panose="02020603050405020304" pitchFamily="18" charset="0"/>
-                        </a:rPr>
-                        <a:t>5</a:t>
-                      </a:r>
-                      <a:endParaRPr lang="de-DE" sz="2000" dirty="0">
-                        <a:effectLst/>
-                        <a:latin typeface="Calibri" panose="020F0502020204030204" pitchFamily="34" charset="0"/>
-                        <a:ea typeface="Calibri" panose="020F0502020204030204" pitchFamily="34" charset="0"/>
-                        <a:cs typeface="Times New Roman" panose="02020603050405020304" pitchFamily="18" charset="0"/>
-                      </a:endParaRPr>
-                    </a:p>
-                  </a:txBody>
-                  <a:tcPr marL="68580" marR="68580" marT="0" marB="0">
-                    <a:lnL w="12700" cap="flat" cmpd="sng" algn="ctr">
-                      <a:solidFill>
-                        <a:srgbClr val="000000"/>
-                      </a:solidFill>
-                      <a:prstDash val="solid"/>
-                      <a:round/>
-                      <a:headEnd type="none" w="med" len="med"/>
-                      <a:tailEnd type="none" w="med" len="med"/>
-                    </a:lnL>
-                    <a:lnR w="12700" cap="flat" cmpd="sng" algn="ctr">
-                      <a:solidFill>
-                        <a:srgbClr val="000000"/>
-                      </a:solidFill>
-                      <a:prstDash val="solid"/>
-                      <a:round/>
-                      <a:headEnd type="none" w="med" len="med"/>
-                      <a:tailEnd type="none" w="med" len="med"/>
-                    </a:lnR>
-                    <a:lnT w="12700" cap="flat" cmpd="sng" algn="ctr">
-                      <a:solidFill>
-                        <a:srgbClr val="000000"/>
-                      </a:solidFill>
-                      <a:prstDash val="solid"/>
-                      <a:round/>
-                      <a:headEnd type="none" w="med" len="med"/>
-                      <a:tailEnd type="none" w="med" len="med"/>
-                    </a:lnT>
-                    <a:lnB w="12700" cap="flat" cmpd="sng" algn="ctr">
-                      <a:solidFill>
-                        <a:srgbClr val="000000"/>
-                      </a:solidFill>
-                      <a:prstDash val="solid"/>
-                      <a:round/>
-                      <a:headEnd type="none" w="med" len="med"/>
-                      <a:tailEnd type="none" w="med" len="med"/>
-                    </a:lnB>
-                  </a:tcPr>
-                </a:tc>
-                <a:tc>
-                  <a:txBody>
-                    <a:bodyPr/>
-                    <a:lstStyle/>
-                    <a:p>
-                      <a:pPr>
-                        <a:lnSpc>
-                          <a:spcPct val="107000"/>
-                        </a:lnSpc>
-                        <a:spcAft>
-                          <a:spcPts val="0"/>
-                        </a:spcAft>
-                      </a:pPr>
-                      <a:r>
-                        <a:rPr lang="en-GB" sz="2000" dirty="0" smtClean="0">
-                          <a:effectLst/>
-                          <a:latin typeface="Calibri" panose="020F0502020204030204" pitchFamily="34" charset="0"/>
-                          <a:ea typeface="Calibri" panose="020F0502020204030204" pitchFamily="34" charset="0"/>
-                          <a:cs typeface="Times New Roman" panose="02020603050405020304" pitchFamily="18" charset="0"/>
-                        </a:rPr>
-                        <a:t>6</a:t>
-                      </a:r>
-                      <a:endParaRPr lang="de-DE" sz="2000" dirty="0">
-                        <a:effectLst/>
-                        <a:latin typeface="Calibri" panose="020F0502020204030204" pitchFamily="34" charset="0"/>
-                        <a:ea typeface="Calibri" panose="020F0502020204030204" pitchFamily="34" charset="0"/>
-                        <a:cs typeface="Times New Roman" panose="02020603050405020304" pitchFamily="18" charset="0"/>
-                      </a:endParaRPr>
-                    </a:p>
-                  </a:txBody>
-                  <a:tcPr marL="68580" marR="68580" marT="0" marB="0">
-                    <a:lnL w="12700" cap="flat" cmpd="sng" algn="ctr">
-                      <a:solidFill>
-                        <a:srgbClr val="000000"/>
-                      </a:solidFill>
-                      <a:prstDash val="solid"/>
-                      <a:round/>
-                      <a:headEnd type="none" w="med" len="med"/>
-                      <a:tailEnd type="none" w="med" len="med"/>
-                    </a:lnL>
-                    <a:lnR w="12700" cap="flat" cmpd="sng" algn="ctr">
-                      <a:solidFill>
-                        <a:srgbClr val="000000"/>
-                      </a:solidFill>
-                      <a:prstDash val="solid"/>
-                      <a:round/>
-                      <a:headEnd type="none" w="med" len="med"/>
-                      <a:tailEnd type="none" w="med" len="med"/>
-                    </a:lnR>
-                    <a:lnT w="12700" cap="flat" cmpd="sng" algn="ctr">
-                      <a:solidFill>
-                        <a:srgbClr val="000000"/>
-                      </a:solidFill>
-                      <a:prstDash val="solid"/>
-                      <a:round/>
-                      <a:headEnd type="none" w="med" len="med"/>
-                      <a:tailEnd type="none" w="med" len="med"/>
-                    </a:lnT>
-                    <a:lnB w="12700" cap="flat" cmpd="sng" algn="ctr">
-                      <a:solidFill>
-                        <a:srgbClr val="000000"/>
-                      </a:solidFill>
-                      <a:prstDash val="solid"/>
-                      <a:round/>
-                      <a:headEnd type="none" w="med" len="med"/>
-                      <a:tailEnd type="none" w="med" len="med"/>
-                    </a:lnB>
-                  </a:tcPr>
-                </a:tc>
-                <a:tc>
-                  <a:txBody>
-                    <a:bodyPr/>
-                    <a:lstStyle/>
-                    <a:p>
-                      <a:pPr>
-                        <a:lnSpc>
-                          <a:spcPct val="107000"/>
-                        </a:lnSpc>
-                        <a:spcAft>
-                          <a:spcPts val="0"/>
-                        </a:spcAft>
-                      </a:pPr>
-                      <a:r>
-                        <a:rPr lang="en-GB" sz="2000" dirty="0" smtClean="0">
-                          <a:effectLst/>
-                          <a:latin typeface="Calibri" panose="020F0502020204030204" pitchFamily="34" charset="0"/>
-                          <a:ea typeface="Calibri" panose="020F0502020204030204" pitchFamily="34" charset="0"/>
-                          <a:cs typeface="Times New Roman" panose="02020603050405020304" pitchFamily="18" charset="0"/>
-                        </a:rPr>
-                        <a:t>7</a:t>
-                      </a:r>
-                      <a:endParaRPr lang="de-DE" sz="2000" dirty="0">
-                        <a:effectLst/>
-                        <a:latin typeface="Calibri" panose="020F0502020204030204" pitchFamily="34" charset="0"/>
-                        <a:ea typeface="Calibri" panose="020F0502020204030204" pitchFamily="34" charset="0"/>
-                        <a:cs typeface="Times New Roman" panose="02020603050405020304" pitchFamily="18" charset="0"/>
-                      </a:endParaRPr>
-                    </a:p>
-                  </a:txBody>
-                  <a:tcPr marL="68580" marR="68580" marT="0" marB="0">
-                    <a:lnL w="12700" cap="flat" cmpd="sng" algn="ctr">
-                      <a:solidFill>
-                        <a:srgbClr val="000000"/>
-                      </a:solidFill>
-                      <a:prstDash val="solid"/>
-                      <a:round/>
-                      <a:headEnd type="none" w="med" len="med"/>
-                      <a:tailEnd type="none" w="med" len="med"/>
-                    </a:lnL>
-                    <a:lnR w="12700" cap="flat" cmpd="sng" algn="ctr">
-                      <a:solidFill>
-                        <a:srgbClr val="000000"/>
-                      </a:solidFill>
-                      <a:prstDash val="solid"/>
-                      <a:round/>
-                      <a:headEnd type="none" w="med" len="med"/>
-                      <a:tailEnd type="none" w="med" len="med"/>
-                    </a:lnR>
-                    <a:lnT w="12700" cap="flat" cmpd="sng" algn="ctr">
-                      <a:solidFill>
-                        <a:srgbClr val="000000"/>
-                      </a:solidFill>
-                      <a:prstDash val="solid"/>
-                      <a:round/>
-                      <a:headEnd type="none" w="med" len="med"/>
-                      <a:tailEnd type="none" w="med" len="med"/>
-                    </a:lnT>
-                    <a:lnB w="12700" cap="flat" cmpd="sng" algn="ctr">
-                      <a:solidFill>
-                        <a:srgbClr val="000000"/>
-                      </a:solidFill>
-                      <a:prstDash val="solid"/>
-                      <a:round/>
-                      <a:headEnd type="none" w="med" len="med"/>
-                      <a:tailEnd type="none" w="med" len="med"/>
-                    </a:lnB>
-                  </a:tcPr>
-                </a:tc>
-              </a:tr>
-              <a:tr h="0">
-                <a:tc>
-                  <a:txBody>
-                    <a:bodyPr/>
-                    <a:lstStyle/>
-                    <a:p>
-                      <a:pPr>
-                        <a:lnSpc>
-                          <a:spcPct val="107000"/>
-                        </a:lnSpc>
-                        <a:spcAft>
-                          <a:spcPts val="0"/>
-                        </a:spcAft>
-                      </a:pPr>
-                      <a:r>
-                        <a:rPr lang="en-GB" sz="2000" dirty="0">
-                          <a:effectLst/>
-                          <a:latin typeface="Calibri" panose="020F0502020204030204" pitchFamily="34" charset="0"/>
-                          <a:ea typeface="Calibri" panose="020F0502020204030204" pitchFamily="34" charset="0"/>
-                          <a:cs typeface="Times New Roman" panose="02020603050405020304" pitchFamily="18" charset="0"/>
-                        </a:rPr>
-                        <a:t>Type</a:t>
-                      </a:r>
-                      <a:endParaRPr lang="de-DE" sz="2000" dirty="0">
-                        <a:effectLst/>
-                        <a:latin typeface="Calibri" panose="020F0502020204030204" pitchFamily="34" charset="0"/>
-                        <a:ea typeface="Calibri" panose="020F0502020204030204" pitchFamily="34" charset="0"/>
-                        <a:cs typeface="Times New Roman" panose="02020603050405020304" pitchFamily="18" charset="0"/>
-                      </a:endParaRPr>
-                    </a:p>
-                  </a:txBody>
-                  <a:tcPr marL="68580" marR="68580" marT="0" marB="0">
-                    <a:lnL w="12700" cap="flat" cmpd="sng" algn="ctr">
-                      <a:solidFill>
-                        <a:srgbClr val="000000"/>
-                      </a:solidFill>
-                      <a:prstDash val="solid"/>
-                      <a:round/>
-                      <a:headEnd type="none" w="med" len="med"/>
-                      <a:tailEnd type="none" w="med" len="med"/>
-                    </a:lnL>
-                    <a:lnR w="12700" cap="flat" cmpd="sng" algn="ctr">
-                      <a:solidFill>
-                        <a:srgbClr val="000000"/>
-                      </a:solidFill>
-                      <a:prstDash val="solid"/>
-                      <a:round/>
-                      <a:headEnd type="none" w="med" len="med"/>
-                      <a:tailEnd type="none" w="med" len="med"/>
-                    </a:lnR>
-                    <a:lnT w="12700" cap="flat" cmpd="sng" algn="ctr">
-                      <a:solidFill>
-                        <a:srgbClr val="000000"/>
-                      </a:solidFill>
-                      <a:prstDash val="solid"/>
-                      <a:round/>
-                      <a:headEnd type="none" w="med" len="med"/>
-                      <a:tailEnd type="none" w="med" len="med"/>
-                    </a:lnT>
-                    <a:lnB w="12700" cap="flat" cmpd="sng" algn="ctr">
-                      <a:solidFill>
-                        <a:srgbClr val="000000"/>
-                      </a:solidFill>
-                      <a:prstDash val="solid"/>
-                      <a:round/>
-                      <a:headEnd type="none" w="med" len="med"/>
-                      <a:tailEnd type="none" w="med" len="med"/>
-                    </a:lnB>
-                    <a:solidFill>
-                      <a:srgbClr val="F7CAAC"/>
-                    </a:solidFill>
-                  </a:tcPr>
-                </a:tc>
-                <a:tc>
-                  <a:txBody>
-                    <a:bodyPr/>
-                    <a:lstStyle/>
-                    <a:p>
-                      <a:pPr>
-                        <a:lnSpc>
-                          <a:spcPct val="107000"/>
-                        </a:lnSpc>
-                        <a:spcAft>
-                          <a:spcPts val="0"/>
-                        </a:spcAft>
-                      </a:pPr>
-                      <a:r>
-                        <a:rPr lang="en-GB" sz="2000">
-                          <a:effectLst/>
-                          <a:latin typeface="Calibri" panose="020F0502020204030204" pitchFamily="34" charset="0"/>
-                          <a:ea typeface="Calibri" panose="020F0502020204030204" pitchFamily="34" charset="0"/>
-                          <a:cs typeface="Times New Roman" panose="02020603050405020304" pitchFamily="18" charset="0"/>
-                        </a:rPr>
-                        <a:t>Type</a:t>
-                      </a:r>
-                      <a:endParaRPr lang="de-DE" sz="2000">
-                        <a:effectLst/>
-                        <a:latin typeface="Calibri" panose="020F0502020204030204" pitchFamily="34" charset="0"/>
-                        <a:ea typeface="Calibri" panose="020F0502020204030204" pitchFamily="34" charset="0"/>
-                        <a:cs typeface="Times New Roman" panose="02020603050405020304" pitchFamily="18" charset="0"/>
-                      </a:endParaRPr>
-                    </a:p>
-                  </a:txBody>
-                  <a:tcPr marL="68580" marR="68580" marT="0" marB="0">
-                    <a:lnL w="12700" cap="flat" cmpd="sng" algn="ctr">
-                      <a:solidFill>
-                        <a:srgbClr val="000000"/>
-                      </a:solidFill>
-                      <a:prstDash val="solid"/>
-                      <a:round/>
-                      <a:headEnd type="none" w="med" len="med"/>
-                      <a:tailEnd type="none" w="med" len="med"/>
-                    </a:lnL>
-                    <a:lnR w="12700" cap="flat" cmpd="sng" algn="ctr">
-                      <a:solidFill>
-                        <a:srgbClr val="000000"/>
-                      </a:solidFill>
-                      <a:prstDash val="solid"/>
-                      <a:round/>
-                      <a:headEnd type="none" w="med" len="med"/>
-                      <a:tailEnd type="none" w="med" len="med"/>
-                    </a:lnR>
-                    <a:lnT w="12700" cap="flat" cmpd="sng" algn="ctr">
-                      <a:solidFill>
-                        <a:srgbClr val="000000"/>
-                      </a:solidFill>
-                      <a:prstDash val="solid"/>
-                      <a:round/>
-                      <a:headEnd type="none" w="med" len="med"/>
-                      <a:tailEnd type="none" w="med" len="med"/>
-                    </a:lnT>
-                    <a:lnB w="12700" cap="flat" cmpd="sng" algn="ctr">
-                      <a:solidFill>
-                        <a:srgbClr val="000000"/>
-                      </a:solidFill>
-                      <a:prstDash val="solid"/>
-                      <a:round/>
-                      <a:headEnd type="none" w="med" len="med"/>
-                      <a:tailEnd type="none" w="med" len="med"/>
-                    </a:lnB>
-                    <a:solidFill>
-                      <a:srgbClr val="F7CAAC"/>
-                    </a:solidFill>
-                  </a:tcPr>
-                </a:tc>
-                <a:tc>
-                  <a:txBody>
-                    <a:bodyPr/>
-                    <a:lstStyle/>
-                    <a:p>
-                      <a:pPr>
-                        <a:lnSpc>
-                          <a:spcPct val="107000"/>
-                        </a:lnSpc>
-                        <a:spcAft>
-                          <a:spcPts val="0"/>
-                        </a:spcAft>
-                      </a:pPr>
-                      <a:r>
-                        <a:rPr lang="en-GB" sz="2000">
-                          <a:effectLst/>
-                          <a:latin typeface="Calibri" panose="020F0502020204030204" pitchFamily="34" charset="0"/>
-                          <a:ea typeface="Calibri" panose="020F0502020204030204" pitchFamily="34" charset="0"/>
-                          <a:cs typeface="Times New Roman" panose="02020603050405020304" pitchFamily="18" charset="0"/>
-                        </a:rPr>
-                        <a:t>Subtype</a:t>
-                      </a:r>
-                      <a:endParaRPr lang="de-DE" sz="2000">
-                        <a:effectLst/>
-                        <a:latin typeface="Calibri" panose="020F0502020204030204" pitchFamily="34" charset="0"/>
-                        <a:ea typeface="Calibri" panose="020F0502020204030204" pitchFamily="34" charset="0"/>
-                        <a:cs typeface="Times New Roman" panose="02020603050405020304" pitchFamily="18" charset="0"/>
-                      </a:endParaRPr>
-                    </a:p>
-                  </a:txBody>
-                  <a:tcPr marL="68580" marR="68580" marT="0" marB="0">
-                    <a:lnL w="12700" cap="flat" cmpd="sng" algn="ctr">
-                      <a:solidFill>
-                        <a:srgbClr val="000000"/>
-                      </a:solidFill>
-                      <a:prstDash val="solid"/>
-                      <a:round/>
-                      <a:headEnd type="none" w="med" len="med"/>
-                      <a:tailEnd type="none" w="med" len="med"/>
-                    </a:lnL>
-                    <a:lnR w="12700" cap="flat" cmpd="sng" algn="ctr">
-                      <a:solidFill>
-                        <a:srgbClr val="000000"/>
-                      </a:solidFill>
-                      <a:prstDash val="solid"/>
-                      <a:round/>
-                      <a:headEnd type="none" w="med" len="med"/>
-                      <a:tailEnd type="none" w="med" len="med"/>
-                    </a:lnR>
-                    <a:lnT w="12700" cap="flat" cmpd="sng" algn="ctr">
-                      <a:solidFill>
-                        <a:srgbClr val="000000"/>
-                      </a:solidFill>
-                      <a:prstDash val="solid"/>
-                      <a:round/>
-                      <a:headEnd type="none" w="med" len="med"/>
-                      <a:tailEnd type="none" w="med" len="med"/>
-                    </a:lnT>
-                    <a:lnB w="12700" cap="flat" cmpd="sng" algn="ctr">
-                      <a:solidFill>
-                        <a:srgbClr val="000000"/>
-                      </a:solidFill>
-                      <a:prstDash val="solid"/>
-                      <a:round/>
-                      <a:headEnd type="none" w="med" len="med"/>
-                      <a:tailEnd type="none" w="med" len="med"/>
-                    </a:lnB>
-                    <a:solidFill>
-                      <a:srgbClr val="BDD6EE"/>
-                    </a:solidFill>
-                  </a:tcPr>
-                </a:tc>
-                <a:tc>
-                  <a:txBody>
-                    <a:bodyPr/>
-                    <a:lstStyle/>
-                    <a:p>
-                      <a:pPr>
-                        <a:lnSpc>
-                          <a:spcPct val="107000"/>
-                        </a:lnSpc>
-                        <a:spcAft>
-                          <a:spcPts val="0"/>
-                        </a:spcAft>
-                      </a:pPr>
-                      <a:r>
-                        <a:rPr lang="en-GB" sz="2000">
-                          <a:effectLst/>
-                          <a:latin typeface="Calibri" panose="020F0502020204030204" pitchFamily="34" charset="0"/>
-                          <a:ea typeface="Calibri" panose="020F0502020204030204" pitchFamily="34" charset="0"/>
-                          <a:cs typeface="Times New Roman" panose="02020603050405020304" pitchFamily="18" charset="0"/>
-                        </a:rPr>
-                        <a:t>Subtype</a:t>
-                      </a:r>
-                      <a:endParaRPr lang="de-DE" sz="2000">
-                        <a:effectLst/>
-                        <a:latin typeface="Calibri" panose="020F0502020204030204" pitchFamily="34" charset="0"/>
-                        <a:ea typeface="Calibri" panose="020F0502020204030204" pitchFamily="34" charset="0"/>
-                        <a:cs typeface="Times New Roman" panose="02020603050405020304" pitchFamily="18" charset="0"/>
-                      </a:endParaRPr>
-                    </a:p>
-                  </a:txBody>
-                  <a:tcPr marL="68580" marR="68580" marT="0" marB="0">
-                    <a:lnL w="12700" cap="flat" cmpd="sng" algn="ctr">
-                      <a:solidFill>
-                        <a:srgbClr val="000000"/>
-                      </a:solidFill>
-                      <a:prstDash val="solid"/>
-                      <a:round/>
-                      <a:headEnd type="none" w="med" len="med"/>
-                      <a:tailEnd type="none" w="med" len="med"/>
-                    </a:lnL>
-                    <a:lnR w="12700" cap="flat" cmpd="sng" algn="ctr">
-                      <a:solidFill>
-                        <a:srgbClr val="000000"/>
-                      </a:solidFill>
-                      <a:prstDash val="solid"/>
-                      <a:round/>
-                      <a:headEnd type="none" w="med" len="med"/>
-                      <a:tailEnd type="none" w="med" len="med"/>
-                    </a:lnR>
-                    <a:lnT w="12700" cap="flat" cmpd="sng" algn="ctr">
-                      <a:solidFill>
-                        <a:srgbClr val="000000"/>
-                      </a:solidFill>
-                      <a:prstDash val="solid"/>
-                      <a:round/>
-                      <a:headEnd type="none" w="med" len="med"/>
-                      <a:tailEnd type="none" w="med" len="med"/>
-                    </a:lnT>
-                    <a:lnB w="12700" cap="flat" cmpd="sng" algn="ctr">
-                      <a:solidFill>
-                        <a:srgbClr val="000000"/>
-                      </a:solidFill>
-                      <a:prstDash val="solid"/>
-                      <a:round/>
-                      <a:headEnd type="none" w="med" len="med"/>
-                      <a:tailEnd type="none" w="med" len="med"/>
-                    </a:lnB>
-                    <a:solidFill>
-                      <a:srgbClr val="BDD6EE"/>
-                    </a:solidFill>
-                  </a:tcPr>
-                </a:tc>
-                <a:tc>
-                  <a:txBody>
-                    <a:bodyPr/>
-                    <a:lstStyle/>
-                    <a:p>
-                      <a:pPr>
-                        <a:lnSpc>
-                          <a:spcPct val="107000"/>
-                        </a:lnSpc>
-                        <a:spcAft>
-                          <a:spcPts val="0"/>
-                        </a:spcAft>
-                      </a:pPr>
-                      <a:r>
-                        <a:rPr lang="en-GB" sz="2000">
-                          <a:effectLst/>
-                          <a:latin typeface="Calibri" panose="020F0502020204030204" pitchFamily="34" charset="0"/>
-                          <a:ea typeface="Calibri" panose="020F0502020204030204" pitchFamily="34" charset="0"/>
-                          <a:cs typeface="Times New Roman" panose="02020603050405020304" pitchFamily="18" charset="0"/>
-                        </a:rPr>
-                        <a:t>Put</a:t>
-                      </a:r>
-                      <a:endParaRPr lang="de-DE" sz="2000">
-                        <a:effectLst/>
-                        <a:latin typeface="Calibri" panose="020F0502020204030204" pitchFamily="34" charset="0"/>
-                        <a:ea typeface="Calibri" panose="020F0502020204030204" pitchFamily="34" charset="0"/>
-                        <a:cs typeface="Times New Roman" panose="02020603050405020304" pitchFamily="18" charset="0"/>
-                      </a:endParaRPr>
-                    </a:p>
-                  </a:txBody>
-                  <a:tcPr marL="68580" marR="68580" marT="0" marB="0">
-                    <a:lnL w="12700" cap="flat" cmpd="sng" algn="ctr">
-                      <a:solidFill>
-                        <a:srgbClr val="000000"/>
-                      </a:solidFill>
-                      <a:prstDash val="solid"/>
-                      <a:round/>
-                      <a:headEnd type="none" w="med" len="med"/>
-                      <a:tailEnd type="none" w="med" len="med"/>
-                    </a:lnL>
-                    <a:lnR w="12700" cap="flat" cmpd="sng" algn="ctr">
-                      <a:solidFill>
-                        <a:srgbClr val="000000"/>
-                      </a:solidFill>
-                      <a:prstDash val="solid"/>
-                      <a:round/>
-                      <a:headEnd type="none" w="med" len="med"/>
-                      <a:tailEnd type="none" w="med" len="med"/>
-                    </a:lnR>
-                    <a:lnT w="12700" cap="flat" cmpd="sng" algn="ctr">
-                      <a:solidFill>
-                        <a:srgbClr val="000000"/>
-                      </a:solidFill>
-                      <a:prstDash val="solid"/>
-                      <a:round/>
-                      <a:headEnd type="none" w="med" len="med"/>
-                      <a:tailEnd type="none" w="med" len="med"/>
-                    </a:lnT>
-                    <a:lnB w="12700" cap="flat" cmpd="sng" algn="ctr">
-                      <a:solidFill>
-                        <a:srgbClr val="000000"/>
-                      </a:solidFill>
-                      <a:prstDash val="solid"/>
-                      <a:round/>
-                      <a:headEnd type="none" w="med" len="med"/>
-                      <a:tailEnd type="none" w="med" len="med"/>
-                    </a:lnB>
-                    <a:solidFill>
-                      <a:srgbClr val="FFE599"/>
-                    </a:solidFill>
-                  </a:tcPr>
-                </a:tc>
-                <a:tc>
-                  <a:txBody>
-                    <a:bodyPr/>
-                    <a:lstStyle/>
-                    <a:p>
-                      <a:pPr>
-                        <a:lnSpc>
-                          <a:spcPct val="107000"/>
-                        </a:lnSpc>
-                        <a:spcAft>
-                          <a:spcPts val="0"/>
-                        </a:spcAft>
-                      </a:pPr>
-                      <a:r>
-                        <a:rPr lang="en-GB" sz="2000">
-                          <a:effectLst/>
-                          <a:latin typeface="Calibri" panose="020F0502020204030204" pitchFamily="34" charset="0"/>
-                          <a:ea typeface="Calibri" panose="020F0502020204030204" pitchFamily="34" charset="0"/>
-                          <a:cs typeface="Times New Roman" panose="02020603050405020304" pitchFamily="18" charset="0"/>
-                        </a:rPr>
-                        <a:t>Your </a:t>
-                      </a:r>
-                      <a:endParaRPr lang="de-DE" sz="2000">
-                        <a:effectLst/>
-                        <a:latin typeface="Calibri" panose="020F0502020204030204" pitchFamily="34" charset="0"/>
-                        <a:ea typeface="Calibri" panose="020F0502020204030204" pitchFamily="34" charset="0"/>
-                        <a:cs typeface="Times New Roman" panose="02020603050405020304" pitchFamily="18" charset="0"/>
-                      </a:endParaRPr>
-                    </a:p>
-                  </a:txBody>
-                  <a:tcPr marL="68580" marR="68580" marT="0" marB="0">
-                    <a:lnL w="12700" cap="flat" cmpd="sng" algn="ctr">
-                      <a:solidFill>
-                        <a:srgbClr val="000000"/>
-                      </a:solidFill>
-                      <a:prstDash val="solid"/>
-                      <a:round/>
-                      <a:headEnd type="none" w="med" len="med"/>
-                      <a:tailEnd type="none" w="med" len="med"/>
-                    </a:lnL>
-                    <a:lnR w="12700" cap="flat" cmpd="sng" algn="ctr">
-                      <a:solidFill>
-                        <a:srgbClr val="000000"/>
-                      </a:solidFill>
-                      <a:prstDash val="solid"/>
-                      <a:round/>
-                      <a:headEnd type="none" w="med" len="med"/>
-                      <a:tailEnd type="none" w="med" len="med"/>
-                    </a:lnR>
-                    <a:lnT w="12700" cap="flat" cmpd="sng" algn="ctr">
-                      <a:solidFill>
-                        <a:srgbClr val="000000"/>
-                      </a:solidFill>
-                      <a:prstDash val="solid"/>
-                      <a:round/>
-                      <a:headEnd type="none" w="med" len="med"/>
-                      <a:tailEnd type="none" w="med" len="med"/>
-                    </a:lnT>
-                    <a:lnB w="12700" cap="flat" cmpd="sng" algn="ctr">
-                      <a:solidFill>
-                        <a:srgbClr val="000000"/>
-                      </a:solidFill>
-                      <a:prstDash val="solid"/>
-                      <a:round/>
-                      <a:headEnd type="none" w="med" len="med"/>
-                      <a:tailEnd type="none" w="med" len="med"/>
-                    </a:lnB>
-                    <a:solidFill>
-                      <a:srgbClr val="FFE599"/>
-                    </a:solidFill>
-                  </a:tcPr>
-                </a:tc>
-                <a:tc>
-                  <a:txBody>
-                    <a:bodyPr/>
-                    <a:lstStyle/>
-                    <a:p>
-                      <a:pPr>
-                        <a:lnSpc>
-                          <a:spcPct val="107000"/>
-                        </a:lnSpc>
-                        <a:spcAft>
-                          <a:spcPts val="0"/>
-                        </a:spcAft>
-                      </a:pPr>
-                      <a:r>
-                        <a:rPr lang="en-GB" sz="2000">
-                          <a:effectLst/>
-                          <a:latin typeface="Calibri" panose="020F0502020204030204" pitchFamily="34" charset="0"/>
-                          <a:ea typeface="Calibri" panose="020F0502020204030204" pitchFamily="34" charset="0"/>
-                          <a:cs typeface="Times New Roman" panose="02020603050405020304" pitchFamily="18" charset="0"/>
-                        </a:rPr>
-                        <a:t>Ad</a:t>
-                      </a:r>
-                      <a:endParaRPr lang="de-DE" sz="2000">
-                        <a:effectLst/>
-                        <a:latin typeface="Calibri" panose="020F0502020204030204" pitchFamily="34" charset="0"/>
-                        <a:ea typeface="Calibri" panose="020F0502020204030204" pitchFamily="34" charset="0"/>
-                        <a:cs typeface="Times New Roman" panose="02020603050405020304" pitchFamily="18" charset="0"/>
-                      </a:endParaRPr>
-                    </a:p>
-                  </a:txBody>
-                  <a:tcPr marL="68580" marR="68580" marT="0" marB="0">
-                    <a:lnL w="12700" cap="flat" cmpd="sng" algn="ctr">
-                      <a:solidFill>
-                        <a:srgbClr val="000000"/>
-                      </a:solidFill>
-                      <a:prstDash val="solid"/>
-                      <a:round/>
-                      <a:headEnd type="none" w="med" len="med"/>
-                      <a:tailEnd type="none" w="med" len="med"/>
-                    </a:lnL>
-                    <a:lnR w="12700" cap="flat" cmpd="sng" algn="ctr">
-                      <a:solidFill>
-                        <a:srgbClr val="000000"/>
-                      </a:solidFill>
-                      <a:prstDash val="solid"/>
-                      <a:round/>
-                      <a:headEnd type="none" w="med" len="med"/>
-                      <a:tailEnd type="none" w="med" len="med"/>
-                    </a:lnR>
-                    <a:lnT w="12700" cap="flat" cmpd="sng" algn="ctr">
-                      <a:solidFill>
-                        <a:srgbClr val="000000"/>
-                      </a:solidFill>
-                      <a:prstDash val="solid"/>
-                      <a:round/>
-                      <a:headEnd type="none" w="med" len="med"/>
-                      <a:tailEnd type="none" w="med" len="med"/>
-                    </a:lnT>
-                    <a:lnB w="12700" cap="flat" cmpd="sng" algn="ctr">
-                      <a:solidFill>
-                        <a:srgbClr val="000000"/>
-                      </a:solidFill>
-                      <a:prstDash val="solid"/>
-                      <a:round/>
-                      <a:headEnd type="none" w="med" len="med"/>
-                      <a:tailEnd type="none" w="med" len="med"/>
-                    </a:lnB>
-                    <a:solidFill>
-                      <a:srgbClr val="FFE599"/>
-                    </a:solidFill>
-                  </a:tcPr>
-                </a:tc>
-                <a:tc>
-                  <a:txBody>
-                    <a:bodyPr/>
-                    <a:lstStyle/>
-                    <a:p>
-                      <a:pPr>
-                        <a:lnSpc>
-                          <a:spcPct val="107000"/>
-                        </a:lnSpc>
-                        <a:spcAft>
-                          <a:spcPts val="0"/>
-                        </a:spcAft>
-                      </a:pPr>
-                      <a:r>
-                        <a:rPr lang="en-GB" sz="2000" dirty="0">
-                          <a:effectLst/>
-                          <a:latin typeface="Calibri" panose="020F0502020204030204" pitchFamily="34" charset="0"/>
-                          <a:ea typeface="Calibri" panose="020F0502020204030204" pitchFamily="34" charset="0"/>
-                          <a:cs typeface="Times New Roman" panose="02020603050405020304" pitchFamily="18" charset="0"/>
-                        </a:rPr>
-                        <a:t>Here!</a:t>
-                      </a:r>
-                      <a:endParaRPr lang="de-DE" sz="2000" dirty="0">
-                        <a:effectLst/>
-                        <a:latin typeface="Calibri" panose="020F0502020204030204" pitchFamily="34" charset="0"/>
-                        <a:ea typeface="Calibri" panose="020F0502020204030204" pitchFamily="34" charset="0"/>
-                        <a:cs typeface="Times New Roman" panose="02020603050405020304" pitchFamily="18" charset="0"/>
-                      </a:endParaRPr>
-                    </a:p>
-                  </a:txBody>
-                  <a:tcPr marL="68580" marR="68580" marT="0" marB="0">
-                    <a:lnL w="12700" cap="flat" cmpd="sng" algn="ctr">
-                      <a:solidFill>
-                        <a:srgbClr val="000000"/>
-                      </a:solidFill>
-                      <a:prstDash val="solid"/>
-                      <a:round/>
-                      <a:headEnd type="none" w="med" len="med"/>
-                      <a:tailEnd type="none" w="med" len="med"/>
-                    </a:lnL>
-                    <a:lnR w="12700" cap="flat" cmpd="sng" algn="ctr">
-                      <a:solidFill>
-                        <a:srgbClr val="000000"/>
-                      </a:solidFill>
-                      <a:prstDash val="solid"/>
-                      <a:round/>
-                      <a:headEnd type="none" w="med" len="med"/>
-                      <a:tailEnd type="none" w="med" len="med"/>
-                    </a:lnR>
-                    <a:lnT w="12700" cap="flat" cmpd="sng" algn="ctr">
-                      <a:solidFill>
-                        <a:srgbClr val="000000"/>
-                      </a:solidFill>
-                      <a:prstDash val="solid"/>
-                      <a:round/>
-                      <a:headEnd type="none" w="med" len="med"/>
-                      <a:tailEnd type="none" w="med" len="med"/>
-                    </a:lnT>
-                    <a:lnB w="12700" cap="flat" cmpd="sng" algn="ctr">
-                      <a:solidFill>
-                        <a:srgbClr val="000000"/>
-                      </a:solidFill>
-                      <a:prstDash val="solid"/>
-                      <a:round/>
-                      <a:headEnd type="none" w="med" len="med"/>
-                      <a:tailEnd type="none" w="med" len="med"/>
-                    </a:lnB>
-                    <a:solidFill>
-                      <a:srgbClr val="FFE599"/>
-                    </a:solidFill>
-                  </a:tcPr>
-                </a:tc>
-              </a:tr>
-            </a:tbl>
-          </a:graphicData>
-        </a:graphic>
-      </p:graphicFrame>
     </p:spTree>
     <p:extLst>
       <p:ext uri="{BB962C8B-B14F-4D97-AF65-F5344CB8AC3E}">
         <p14:creationId xmlns:p14="http://schemas.microsoft.com/office/powerpoint/2010/main" val="1979948962"/>
+      </p:ext>
+    </p:extLst>
+  </p:cSld>
+  <p:clrMapOvr>
+    <a:masterClrMapping/>
+  </p:clrMapOvr>
+  <p:timing>
+    <p:tnLst>
+      <p:par>
+        <p:cTn id="1" dur="indefinite" restart="never" nodeType="tmRoot"/>
+      </p:par>
+    </p:tnLst>
+  </p:timing>
+</p:sld>
+</file>
+
+<file path=ppt/slides/slide9.xml><?xml version="1.0" encoding="utf-8"?>
+<p:sld xmlns:a="http://schemas.openxmlformats.org/drawingml/2006/main" xmlns:r="http://schemas.openxmlformats.org/officeDocument/2006/relationships" xmlns:p="http://schemas.openxmlformats.org/presentationml/2006/main">
+  <p:cSld>
+    <p:spTree>
+      <p:nvGrpSpPr>
+        <p:cNvPr id="1" name=""/>
+        <p:cNvGrpSpPr/>
+        <p:nvPr/>
+      </p:nvGrpSpPr>
+      <p:grpSpPr>
+        <a:xfrm>
+          <a:off x="0" y="0"/>
+          <a:ext cx="0" cy="0"/>
+          <a:chOff x="0" y="0"/>
+          <a:chExt cx="0" cy="0"/>
+        </a:xfrm>
+      </p:grpSpPr>
+      <p:sp>
+        <p:nvSpPr>
+          <p:cNvPr id="2" name="Titel 1"/>
+          <p:cNvSpPr>
+            <a:spLocks noGrp="1"/>
+          </p:cNvSpPr>
+          <p:nvPr>
+            <p:ph type="title"/>
+          </p:nvPr>
+        </p:nvSpPr>
+        <p:spPr/>
+        <p:txBody>
+          <a:bodyPr/>
+          <a:lstStyle/>
+          <a:p>
+            <a:r>
+              <a:rPr lang="en-US" dirty="0" smtClean="0"/>
+              <a:t>Car2x Protocol-Message Types</a:t>
+            </a:r>
+            <a:endParaRPr lang="en-US" dirty="0"/>
+          </a:p>
+        </p:txBody>
+      </p:sp>
+      <p:sp>
+        <p:nvSpPr>
+          <p:cNvPr id="3" name="Inhaltsplatzhalter 2"/>
+          <p:cNvSpPr>
+            <a:spLocks noGrp="1"/>
+          </p:cNvSpPr>
+          <p:nvPr>
+            <p:ph idx="1"/>
+          </p:nvPr>
+        </p:nvSpPr>
+        <p:spPr/>
+        <p:txBody>
+          <a:bodyPr>
+            <a:normAutofit fontScale="77500" lnSpcReduction="20000"/>
+          </a:bodyPr>
+          <a:lstStyle/>
+          <a:p>
+            <a:pPr lvl="0"/>
+            <a:r>
+              <a:rPr lang="en-GB" dirty="0" smtClean="0"/>
+              <a:t>“</a:t>
+            </a:r>
+            <a:r>
+              <a:rPr lang="en-GB" dirty="0"/>
+              <a:t>00” </a:t>
+            </a:r>
+            <a:r>
+              <a:rPr lang="en-GB" dirty="0" err="1"/>
+              <a:t>InfoMessage</a:t>
+            </a:r>
+            <a:r>
+              <a:rPr lang="en-GB" dirty="0"/>
+              <a:t> (from station or other car)</a:t>
+            </a:r>
+            <a:endParaRPr lang="de-DE" dirty="0"/>
+          </a:p>
+          <a:p>
+            <a:pPr lvl="1"/>
+            <a:r>
+              <a:rPr lang="en-GB" dirty="0" smtClean="0"/>
+              <a:t>“00” </a:t>
+            </a:r>
+            <a:r>
+              <a:rPr lang="en-GB" dirty="0" err="1" smtClean="0"/>
+              <a:t>currentSpeed</a:t>
+            </a:r>
+            <a:endParaRPr lang="de-DE" dirty="0"/>
+          </a:p>
+          <a:p>
+            <a:pPr lvl="1"/>
+            <a:r>
+              <a:rPr lang="en-GB" dirty="0" smtClean="0"/>
+              <a:t>“01” </a:t>
+            </a:r>
+            <a:r>
+              <a:rPr lang="en-GB" dirty="0" err="1" smtClean="0"/>
+              <a:t>steeringInformation</a:t>
+            </a:r>
+            <a:endParaRPr lang="de-DE" dirty="0"/>
+          </a:p>
+          <a:p>
+            <a:r>
+              <a:rPr lang="en-GB" dirty="0"/>
+              <a:t> </a:t>
+            </a:r>
+            <a:endParaRPr lang="de-DE" dirty="0"/>
+          </a:p>
+          <a:p>
+            <a:pPr lvl="0"/>
+            <a:r>
+              <a:rPr lang="en-GB" dirty="0"/>
+              <a:t>“01” </a:t>
+            </a:r>
+            <a:r>
+              <a:rPr lang="en-GB" dirty="0" err="1"/>
+              <a:t>EmergencyInfoMessage</a:t>
+            </a:r>
+            <a:endParaRPr lang="de-DE" dirty="0"/>
+          </a:p>
+          <a:p>
+            <a:pPr lvl="1"/>
+            <a:r>
+              <a:rPr lang="en-GB" dirty="0"/>
+              <a:t>“00” </a:t>
+            </a:r>
+            <a:r>
+              <a:rPr lang="en-GB" dirty="0" err="1" smtClean="0"/>
+              <a:t>emerencyBreaking</a:t>
+            </a:r>
+            <a:endParaRPr lang="de-DE" dirty="0"/>
+          </a:p>
+          <a:p>
+            <a:r>
+              <a:rPr lang="en-GB" dirty="0"/>
+              <a:t> </a:t>
+            </a:r>
+            <a:endParaRPr lang="de-DE" dirty="0"/>
+          </a:p>
+          <a:p>
+            <a:pPr lvl="0"/>
+            <a:r>
+              <a:rPr lang="en-GB" dirty="0"/>
+              <a:t>“10” </a:t>
+            </a:r>
+            <a:r>
+              <a:rPr lang="en-GB" dirty="0" err="1"/>
+              <a:t>PollingMessage</a:t>
+            </a:r>
+            <a:r>
+              <a:rPr lang="en-GB" dirty="0"/>
+              <a:t> (from Image Processing Unit)</a:t>
+            </a:r>
+            <a:endParaRPr lang="de-DE" dirty="0"/>
+          </a:p>
+          <a:p>
+            <a:pPr lvl="1"/>
+            <a:r>
+              <a:rPr lang="en-GB" dirty="0"/>
+              <a:t>“00” </a:t>
+            </a:r>
+            <a:r>
+              <a:rPr lang="en-GB" dirty="0" err="1" smtClean="0"/>
+              <a:t>pollInfoMessages</a:t>
+            </a:r>
+            <a:endParaRPr lang="de-DE" dirty="0"/>
+          </a:p>
+          <a:p>
+            <a:pPr lvl="1"/>
+            <a:r>
+              <a:rPr lang="en-GB" dirty="0"/>
+              <a:t>“</a:t>
+            </a:r>
+            <a:r>
+              <a:rPr lang="en-GB" dirty="0" smtClean="0"/>
+              <a:t>01” </a:t>
+            </a:r>
+            <a:r>
+              <a:rPr lang="en-GB" dirty="0" err="1" smtClean="0"/>
+              <a:t>pollOwnSpeedSensorData</a:t>
+            </a:r>
+            <a:endParaRPr lang="de-DE" dirty="0"/>
+          </a:p>
+          <a:p>
+            <a:pPr lvl="1"/>
+            <a:r>
+              <a:rPr lang="en-GB" dirty="0" smtClean="0"/>
+              <a:t>“10” </a:t>
+            </a:r>
+            <a:r>
+              <a:rPr lang="en-GB" dirty="0" err="1" smtClean="0"/>
+              <a:t>pollIRSensorData</a:t>
+            </a:r>
+            <a:endParaRPr lang="de-DE" dirty="0"/>
+          </a:p>
+          <a:p>
+            <a:r>
+              <a:rPr lang="en-GB" dirty="0"/>
+              <a:t> </a:t>
+            </a:r>
+            <a:endParaRPr lang="de-DE" dirty="0"/>
+          </a:p>
+          <a:p>
+            <a:pPr lvl="0"/>
+            <a:r>
+              <a:rPr lang="en-GB" dirty="0"/>
+              <a:t>“11” </a:t>
+            </a:r>
+            <a:r>
+              <a:rPr lang="en-GB" dirty="0" err="1"/>
+              <a:t>ControlMessage</a:t>
+            </a:r>
+            <a:r>
+              <a:rPr lang="en-GB" dirty="0"/>
+              <a:t> (station </a:t>
+            </a:r>
+            <a:r>
+              <a:rPr lang="en-GB" dirty="0" smtClean="0"/>
+              <a:t>or Image Processing Unit to </a:t>
+            </a:r>
+            <a:r>
+              <a:rPr lang="en-GB" dirty="0"/>
+              <a:t>Remote-Control the </a:t>
+            </a:r>
+            <a:r>
+              <a:rPr lang="en-GB" dirty="0" smtClean="0"/>
+              <a:t>Car)</a:t>
+            </a:r>
+          </a:p>
+          <a:p>
+            <a:pPr lvl="1"/>
+            <a:r>
+              <a:rPr lang="en-GB" dirty="0"/>
+              <a:t>“00” </a:t>
+            </a:r>
+            <a:r>
+              <a:rPr lang="en-GB" dirty="0" err="1" smtClean="0"/>
+              <a:t>setMotorControlMessage</a:t>
+            </a:r>
+            <a:r>
+              <a:rPr lang="en-GB" dirty="0" smtClean="0"/>
+              <a:t> </a:t>
+            </a:r>
+          </a:p>
+          <a:p>
+            <a:pPr lvl="1"/>
+            <a:endParaRPr lang="en-GB" dirty="0"/>
+          </a:p>
+          <a:p>
+            <a:pPr marL="201168" lvl="1" indent="0">
+              <a:buNone/>
+            </a:pPr>
+            <a:endParaRPr lang="de-DE" dirty="0"/>
+          </a:p>
+        </p:txBody>
+      </p:sp>
+    </p:spTree>
+    <p:extLst>
+      <p:ext uri="{BB962C8B-B14F-4D97-AF65-F5344CB8AC3E}">
+        <p14:creationId xmlns:p14="http://schemas.microsoft.com/office/powerpoint/2010/main" val="3252517158"/>
       </p:ext>
     </p:extLst>
   </p:cSld>

--- a/doc/MidTerm.pptx
+++ b/doc/MidTerm.pptx
@@ -400,7 +400,7 @@
           <a:p>
             <a:fld id="{19A2A861-15C4-4629-B6A2-6C8A398F0482}" type="slidenum">
               <a:rPr lang="de-DE" smtClean="0"/>
-              <a:t>‹#›</a:t>
+              <a:t>‹Nr.›</a:t>
             </a:fld>
             <a:endParaRPr lang="de-DE"/>
           </a:p>
@@ -608,7 +608,7 @@
           <a:p>
             <a:fld id="{19A2A861-15C4-4629-B6A2-6C8A398F0482}" type="slidenum">
               <a:rPr lang="de-DE" smtClean="0"/>
-              <a:t>‹#›</a:t>
+              <a:t>‹Nr.›</a:t>
             </a:fld>
             <a:endParaRPr lang="de-DE"/>
           </a:p>
@@ -864,7 +864,7 @@
           <a:p>
             <a:fld id="{19A2A861-15C4-4629-B6A2-6C8A398F0482}" type="slidenum">
               <a:rPr lang="de-DE" smtClean="0"/>
-              <a:t>‹#›</a:t>
+              <a:t>‹Nr.›</a:t>
             </a:fld>
             <a:endParaRPr lang="de-DE"/>
           </a:p>
@@ -1038,7 +1038,7 @@
           <a:p>
             <a:fld id="{19A2A861-15C4-4629-B6A2-6C8A398F0482}" type="slidenum">
               <a:rPr lang="de-DE" smtClean="0"/>
-              <a:t>‹#›</a:t>
+              <a:t>‹Nr.›</a:t>
             </a:fld>
             <a:endParaRPr lang="de-DE"/>
           </a:p>
@@ -1381,7 +1381,7 @@
           <a:p>
             <a:fld id="{19A2A861-15C4-4629-B6A2-6C8A398F0482}" type="slidenum">
               <a:rPr lang="de-DE" smtClean="0"/>
-              <a:t>‹#›</a:t>
+              <a:t>‹Nr.›</a:t>
             </a:fld>
             <a:endParaRPr lang="de-DE"/>
           </a:p>
@@ -1656,7 +1656,7 @@
           <a:p>
             <a:fld id="{19A2A861-15C4-4629-B6A2-6C8A398F0482}" type="slidenum">
               <a:rPr lang="de-DE" smtClean="0"/>
-              <a:t>‹#›</a:t>
+              <a:t>‹Nr.›</a:t>
             </a:fld>
             <a:endParaRPr lang="de-DE"/>
           </a:p>
@@ -2035,7 +2035,7 @@
           <a:p>
             <a:fld id="{19A2A861-15C4-4629-B6A2-6C8A398F0482}" type="slidenum">
               <a:rPr lang="de-DE" smtClean="0"/>
-              <a:t>‹#›</a:t>
+              <a:t>‹Nr.›</a:t>
             </a:fld>
             <a:endParaRPr lang="de-DE"/>
           </a:p>
@@ -2153,7 +2153,7 @@
           <a:p>
             <a:fld id="{19A2A861-15C4-4629-B6A2-6C8A398F0482}" type="slidenum">
               <a:rPr lang="de-DE" smtClean="0"/>
-              <a:t>‹#›</a:t>
+              <a:t>‹Nr.›</a:t>
             </a:fld>
             <a:endParaRPr lang="de-DE"/>
           </a:p>
@@ -2332,7 +2332,7 @@
           <a:p>
             <a:fld id="{19A2A861-15C4-4629-B6A2-6C8A398F0482}" type="slidenum">
               <a:rPr lang="de-DE" smtClean="0"/>
-              <a:t>‹#›</a:t>
+              <a:t>‹Nr.›</a:t>
             </a:fld>
             <a:endParaRPr lang="de-DE"/>
           </a:p>
@@ -2699,7 +2699,7 @@
           <a:p>
             <a:fld id="{19A2A861-15C4-4629-B6A2-6C8A398F0482}" type="slidenum">
               <a:rPr lang="de-DE" smtClean="0"/>
-              <a:t>‹#›</a:t>
+              <a:t>‹Nr.›</a:t>
             </a:fld>
             <a:endParaRPr lang="de-DE"/>
           </a:p>
@@ -3060,7 +3060,7 @@
           <a:p>
             <a:fld id="{19A2A861-15C4-4629-B6A2-6C8A398F0482}" type="slidenum">
               <a:rPr lang="de-DE" smtClean="0"/>
-              <a:t>‹#›</a:t>
+              <a:t>‹Nr.›</a:t>
             </a:fld>
             <a:endParaRPr lang="de-DE"/>
           </a:p>
@@ -3379,7 +3379,7 @@
           <a:p>
             <a:fld id="{19A2A861-15C4-4629-B6A2-6C8A398F0482}" type="slidenum">
               <a:rPr lang="de-DE" smtClean="0"/>
-              <a:t>‹#›</a:t>
+              <a:t>‹Nr.›</a:t>
             </a:fld>
             <a:endParaRPr lang="de-DE"/>
           </a:p>
@@ -3844,6 +3844,7 @@
           <a:bodyPr/>
           <a:lstStyle/>
           <a:p>
+            <a:pPr algn="ctr"/>
             <a:r>
               <a:rPr lang="de-DE" dirty="0" smtClean="0"/>
               <a:t>Car2X </a:t>
@@ -3871,6 +3872,50 @@
           <a:bodyPr/>
           <a:lstStyle/>
           <a:p>
+            <a:pPr algn="ctr"/>
+            <a:r>
+              <a:rPr lang="de-DE" dirty="0" smtClean="0"/>
+              <a:t>Florian Janßen, Hagen </a:t>
+            </a:r>
+            <a:r>
+              <a:rPr lang="de-DE" dirty="0" err="1" smtClean="0"/>
+              <a:t>schmidtchen</a:t>
+            </a:r>
+            <a:r>
+              <a:rPr lang="de-DE" dirty="0" smtClean="0"/>
+              <a:t>,</a:t>
+            </a:r>
+          </a:p>
+          <a:p>
+            <a:pPr algn="ctr"/>
+            <a:r>
+              <a:rPr lang="de-DE" dirty="0" err="1" smtClean="0"/>
+              <a:t>paul</a:t>
+            </a:r>
+            <a:r>
+              <a:rPr lang="de-DE" dirty="0" smtClean="0"/>
+              <a:t> </a:t>
+            </a:r>
+            <a:r>
+              <a:rPr lang="de-DE" dirty="0" err="1" smtClean="0"/>
+              <a:t>bergmann</a:t>
+            </a:r>
+            <a:r>
+              <a:rPr lang="de-DE" dirty="0" smtClean="0"/>
+              <a:t>, </a:t>
+            </a:r>
+            <a:r>
+              <a:rPr lang="de-DE" dirty="0" err="1" smtClean="0"/>
+              <a:t>johannes</a:t>
+            </a:r>
+            <a:r>
+              <a:rPr lang="de-DE" dirty="0" smtClean="0"/>
+              <a:t> </a:t>
+            </a:r>
+            <a:r>
+              <a:rPr lang="de-DE" dirty="0" err="1" smtClean="0"/>
+              <a:t>Windelen</a:t>
+            </a:r>
             <a:endParaRPr lang="de-DE" dirty="0"/>
           </a:p>
         </p:txBody>
@@ -4341,11 +4386,7 @@
             </a:pPr>
             <a:r>
               <a:rPr lang="en-US" sz="2400" dirty="0" smtClean="0"/>
-              <a:t>Planning the Car2X Protocol and the general hardware </a:t>
-            </a:r>
-            <a:r>
-              <a:rPr lang="en-US" sz="2400" dirty="0" smtClean="0"/>
-              <a:t>setup</a:t>
+              <a:t>Planning the Car2X Protocol and the general hardware setup</a:t>
             </a:r>
           </a:p>
           <a:p>
@@ -5464,11 +5505,7 @@
           <a:p>
             <a:r>
               <a:rPr lang="de-DE" dirty="0" smtClean="0"/>
-              <a:t>Communication </a:t>
-            </a:r>
-            <a:r>
-              <a:rPr lang="de-DE" dirty="0" smtClean="0"/>
-              <a:t>flow</a:t>
+              <a:t>Communication flow</a:t>
             </a:r>
             <a:endParaRPr lang="de-DE" dirty="0"/>
           </a:p>
@@ -6851,7 +6888,6 @@
                 <a:rPr lang="en-US" sz="2400" dirty="0"/>
                 <a:t>Other sensing</a:t>
               </a:r>
-              <a:endParaRPr lang="en-US" sz="2400" dirty="0"/>
             </a:p>
           </p:txBody>
         </p:sp>
@@ -7124,19 +7160,7 @@
                           <a:ea typeface="+mn-ea"/>
                           <a:cs typeface="+mn-cs"/>
                         </a:rPr>
-                        <a:t>Message ID </a:t>
-                      </a:r>
-                      <a:r>
-                        <a:rPr lang="en-GB" sz="1800" b="1" kern="1200" dirty="0" smtClean="0">
-                          <a:solidFill>
-                            <a:schemeClr val="lt1"/>
-                          </a:solidFill>
-                          <a:effectLst/>
-                          <a:latin typeface="+mn-lt"/>
-                          <a:ea typeface="+mn-ea"/>
-                          <a:cs typeface="+mn-cs"/>
-                        </a:rPr>
-                        <a:t>(</a:t>
+                        <a:t>Message ID (</a:t>
                       </a:r>
                       <a:r>
                         <a:rPr lang="de-DE" sz="1800" b="1" kern="1200" dirty="0" smtClean="0">
@@ -7148,19 +7172,7 @@
                           <a:ea typeface="+mn-ea"/>
                           <a:cs typeface="+mn-cs"/>
                         </a:rPr>
-                        <a:t>2Bytes</a:t>
-                      </a:r>
-                      <a:r>
-                        <a:rPr lang="de-DE" sz="1800" b="1" kern="1200" dirty="0" smtClean="0">
-                          <a:solidFill>
-                            <a:schemeClr val="lt1"/>
-                          </a:solidFill>
-                          <a:effectLst/>
-                          <a:latin typeface="+mn-lt"/>
-                          <a:ea typeface="+mn-ea"/>
-                          <a:cs typeface="+mn-cs"/>
-                        </a:rPr>
-                        <a:t>)</a:t>
+                        <a:t>2Bytes)</a:t>
                       </a:r>
                       <a:endParaRPr lang="de-DE" dirty="0"/>
                     </a:p>

--- a/doc/MidTerm.pptx
+++ b/doc/MidTerm.pptx
@@ -4011,51 +4011,51 @@
               <a:t> </a:t>
             </a:r>
             <a:r>
-              <a:rPr lang="de-DE" dirty="0" err="1" smtClean="0"/>
+              <a:rPr lang="de-DE" sz="2400" dirty="0" err="1" smtClean="0"/>
               <a:t>Migrate</a:t>
             </a:r>
             <a:r>
-              <a:rPr lang="de-DE" dirty="0" smtClean="0"/>
+              <a:rPr lang="de-DE" sz="2400" dirty="0" smtClean="0"/>
               <a:t> last </a:t>
             </a:r>
             <a:r>
-              <a:rPr lang="de-DE" dirty="0" err="1" smtClean="0"/>
+              <a:rPr lang="de-DE" sz="2400" dirty="0" err="1" smtClean="0"/>
               <a:t>years</a:t>
             </a:r>
             <a:r>
-              <a:rPr lang="de-DE" dirty="0" smtClean="0"/>
+              <a:rPr lang="de-DE" sz="2400" dirty="0" smtClean="0"/>
               <a:t> </a:t>
             </a:r>
             <a:r>
-              <a:rPr lang="de-DE" dirty="0" err="1" smtClean="0"/>
+              <a:rPr lang="de-DE" sz="2400" dirty="0" err="1" smtClean="0"/>
               <a:t>code</a:t>
             </a:r>
             <a:r>
-              <a:rPr lang="de-DE" dirty="0" smtClean="0"/>
+              <a:rPr lang="de-DE" sz="2400" dirty="0" smtClean="0"/>
               <a:t> </a:t>
             </a:r>
             <a:r>
-              <a:rPr lang="de-DE" dirty="0" err="1" smtClean="0"/>
+              <a:rPr lang="de-DE" sz="2400" dirty="0" err="1" smtClean="0"/>
               <a:t>to</a:t>
             </a:r>
             <a:r>
-              <a:rPr lang="de-DE" dirty="0" smtClean="0"/>
+              <a:rPr lang="de-DE" sz="2400" dirty="0" smtClean="0"/>
               <a:t> </a:t>
             </a:r>
             <a:r>
-              <a:rPr lang="de-DE" dirty="0" err="1" smtClean="0"/>
+              <a:rPr lang="de-DE" sz="2400" dirty="0" err="1" smtClean="0"/>
               <a:t>the</a:t>
             </a:r>
             <a:r>
-              <a:rPr lang="de-DE" dirty="0" smtClean="0"/>
+              <a:rPr lang="de-DE" sz="2400" dirty="0" smtClean="0"/>
               <a:t> </a:t>
             </a:r>
             <a:r>
-              <a:rPr lang="de-DE" dirty="0" err="1" smtClean="0"/>
+              <a:rPr lang="de-DE" sz="2400" dirty="0" err="1" smtClean="0"/>
               <a:t>new</a:t>
             </a:r>
             <a:r>
-              <a:rPr lang="de-DE" dirty="0" smtClean="0"/>
+              <a:rPr lang="de-DE" sz="2400" dirty="0" smtClean="0"/>
               <a:t> FPGA design</a:t>
             </a:r>
           </a:p>
@@ -4064,7 +4064,7 @@
               <a:buFont typeface="Arial"/>
               <a:buChar char="•"/>
             </a:pPr>
-            <a:endParaRPr lang="de-DE" dirty="0" smtClean="0"/>
+            <a:endParaRPr lang="de-DE" sz="2400" dirty="0" smtClean="0"/>
           </a:p>
           <a:p>
             <a:pPr>
@@ -4072,29 +4072,29 @@
               <a:buChar char="•"/>
             </a:pPr>
             <a:r>
-              <a:rPr lang="de-DE" dirty="0" smtClean="0"/>
+              <a:rPr lang="de-DE" sz="2400" dirty="0" smtClean="0"/>
               <a:t> </a:t>
             </a:r>
             <a:r>
-              <a:rPr lang="de-DE" dirty="0" err="1" smtClean="0"/>
+              <a:rPr lang="de-DE" sz="2400" dirty="0" err="1" smtClean="0"/>
               <a:t>Implement</a:t>
             </a:r>
             <a:r>
-              <a:rPr lang="de-DE" dirty="0" smtClean="0"/>
+              <a:rPr lang="de-DE" sz="2400" dirty="0" smtClean="0"/>
               <a:t> Car2X </a:t>
             </a:r>
             <a:r>
-              <a:rPr lang="de-DE" dirty="0" err="1" smtClean="0"/>
+              <a:rPr lang="de-DE" sz="2400" dirty="0" err="1" smtClean="0"/>
               <a:t>protocol</a:t>
             </a:r>
-            <a:endParaRPr lang="de-DE" dirty="0" smtClean="0"/>
+            <a:endParaRPr lang="de-DE" sz="2400" dirty="0" smtClean="0"/>
           </a:p>
           <a:p>
             <a:pPr>
               <a:buFont typeface="Arial"/>
               <a:buChar char="•"/>
             </a:pPr>
-            <a:endParaRPr lang="de-DE" dirty="0"/>
+            <a:endParaRPr lang="de-DE" sz="2400" dirty="0"/>
           </a:p>
           <a:p>
             <a:pPr>
@@ -4102,26 +4102,26 @@
               <a:buChar char="•"/>
             </a:pPr>
             <a:r>
-              <a:rPr lang="de-DE" dirty="0" smtClean="0"/>
+              <a:rPr lang="de-DE" sz="2400" dirty="0" smtClean="0"/>
               <a:t> Add </a:t>
             </a:r>
             <a:r>
-              <a:rPr lang="de-DE" dirty="0" err="1" smtClean="0"/>
+              <a:rPr lang="de-DE" sz="2400" dirty="0" err="1" smtClean="0"/>
               <a:t>WiPort</a:t>
             </a:r>
             <a:r>
-              <a:rPr lang="de-DE" dirty="0" smtClean="0"/>
+              <a:rPr lang="de-DE" sz="2400" dirty="0" smtClean="0"/>
               <a:t> </a:t>
             </a:r>
             <a:r>
-              <a:rPr lang="de-DE" dirty="0" err="1" smtClean="0"/>
+              <a:rPr lang="de-DE" sz="2400" dirty="0" err="1" smtClean="0"/>
               <a:t>communication</a:t>
             </a:r>
             <a:r>
-              <a:rPr lang="de-DE" dirty="0" smtClean="0"/>
+              <a:rPr lang="de-DE" sz="2400" dirty="0" smtClean="0"/>
               <a:t> </a:t>
             </a:r>
-            <a:endParaRPr lang="de-DE" dirty="0"/>
+            <a:endParaRPr lang="de-DE" sz="2400" dirty="0"/>
           </a:p>
           <a:p>
             <a:pPr marL="0" indent="0">
@@ -5112,7 +5112,7 @@
         <p:spPr>
           <a:xfrm>
             <a:off x="6777911" y="2835275"/>
-            <a:ext cx="4805363" cy="2477601"/>
+            <a:ext cx="4805363" cy="3137269"/>
           </a:xfrm>
           <a:prstGeom prst="rect">
             <a:avLst/>
@@ -5130,29 +5130,29 @@
               <a:buChar char="•"/>
             </a:pPr>
             <a:r>
-              <a:rPr lang="de-DE" dirty="0" smtClean="0"/>
+              <a:rPr lang="de-DE" sz="2400" dirty="0" smtClean="0"/>
               <a:t>Wireless </a:t>
             </a:r>
             <a:r>
-              <a:rPr lang="de-DE" dirty="0" err="1" smtClean="0"/>
+              <a:rPr lang="de-DE" sz="2400" dirty="0" err="1" smtClean="0"/>
               <a:t>networking</a:t>
             </a:r>
             <a:r>
-              <a:rPr lang="de-DE" dirty="0" smtClean="0"/>
+              <a:rPr lang="de-DE" sz="2400" dirty="0" smtClean="0"/>
               <a:t> </a:t>
             </a:r>
             <a:r>
-              <a:rPr lang="de-DE" dirty="0" err="1" smtClean="0"/>
+              <a:rPr lang="de-DE" sz="2400" dirty="0" err="1" smtClean="0"/>
               <a:t>server</a:t>
             </a:r>
-            <a:endParaRPr lang="de-DE" dirty="0" smtClean="0"/>
+            <a:endParaRPr lang="de-DE" sz="2400" dirty="0" smtClean="0"/>
           </a:p>
           <a:p>
             <a:pPr marL="285750" indent="-285750">
               <a:buFont typeface="Arial"/>
               <a:buChar char="•"/>
             </a:pPr>
-            <a:endParaRPr lang="de-DE" dirty="0" smtClean="0"/>
+            <a:endParaRPr lang="de-DE" sz="2400" dirty="0" smtClean="0"/>
           </a:p>
           <a:p>
             <a:pPr marL="285750" indent="-285750">
@@ -5160,45 +5160,45 @@
               <a:buChar char="•"/>
             </a:pPr>
             <a:r>
-              <a:rPr lang="de-DE" dirty="0" err="1" smtClean="0"/>
+              <a:rPr lang="de-DE" sz="2400" dirty="0" err="1" smtClean="0"/>
               <a:t>WiFi</a:t>
             </a:r>
             <a:r>
-              <a:rPr lang="de-DE" dirty="0" smtClean="0"/>
+              <a:rPr lang="de-DE" sz="2400" dirty="0" smtClean="0"/>
               <a:t> </a:t>
             </a:r>
             <a:r>
-              <a:rPr lang="de-DE" dirty="0" err="1" smtClean="0"/>
+              <a:rPr lang="de-DE" sz="2400" dirty="0" err="1" smtClean="0"/>
               <a:t>antenna</a:t>
             </a:r>
             <a:r>
-              <a:rPr lang="de-DE" dirty="0" smtClean="0"/>
+              <a:rPr lang="de-DE" sz="2400" dirty="0" smtClean="0"/>
               <a:t>, </a:t>
             </a:r>
             <a:r>
-              <a:rPr lang="de-DE" dirty="0" err="1" smtClean="0"/>
+              <a:rPr lang="de-DE" sz="2400" dirty="0" err="1" smtClean="0"/>
               <a:t>serial</a:t>
             </a:r>
             <a:r>
-              <a:rPr lang="de-DE" dirty="0" smtClean="0"/>
+              <a:rPr lang="de-DE" sz="2400" dirty="0" smtClean="0"/>
               <a:t> </a:t>
             </a:r>
             <a:r>
-              <a:rPr lang="de-DE" dirty="0" err="1" smtClean="0"/>
+              <a:rPr lang="de-DE" sz="2400" dirty="0" err="1" smtClean="0"/>
               <a:t>and</a:t>
             </a:r>
             <a:r>
-              <a:rPr lang="de-DE" dirty="0" smtClean="0"/>
+              <a:rPr lang="de-DE" sz="2400" dirty="0" smtClean="0"/>
               <a:t> LAN </a:t>
             </a:r>
             <a:r>
-              <a:rPr lang="de-DE" dirty="0" err="1" smtClean="0"/>
+              <a:rPr lang="de-DE" sz="2400" dirty="0" err="1" smtClean="0"/>
               <a:t>port</a:t>
             </a:r>
-            <a:endParaRPr lang="de-DE" dirty="0" smtClean="0"/>
-          </a:p>
-          <a:p>
-            <a:endParaRPr lang="de-DE" dirty="0" smtClean="0"/>
+            <a:endParaRPr lang="de-DE" sz="2400" dirty="0" smtClean="0"/>
+          </a:p>
+          <a:p>
+            <a:endParaRPr lang="de-DE" sz="2400" dirty="0" smtClean="0"/>
           </a:p>
           <a:p>
             <a:pPr marL="285750" indent="-285750">
@@ -5206,66 +5206,66 @@
               <a:buChar char="•"/>
             </a:pPr>
             <a:r>
-              <a:rPr lang="de-DE" dirty="0" smtClean="0"/>
+              <a:rPr lang="de-DE" sz="2400" dirty="0" smtClean="0"/>
               <a:t>TCP/IP </a:t>
             </a:r>
             <a:r>
-              <a:rPr lang="de-DE" dirty="0" err="1" smtClean="0"/>
+              <a:rPr lang="de-DE" sz="2400" dirty="0" err="1" smtClean="0"/>
               <a:t>communication</a:t>
             </a:r>
             <a:r>
-              <a:rPr lang="de-DE" dirty="0" smtClean="0"/>
+              <a:rPr lang="de-DE" sz="2400" dirty="0" smtClean="0"/>
               <a:t> </a:t>
             </a:r>
             <a:r>
-              <a:rPr lang="de-DE" dirty="0" err="1" smtClean="0"/>
+              <a:rPr lang="de-DE" sz="2400" dirty="0" err="1" smtClean="0"/>
               <a:t>with</a:t>
             </a:r>
             <a:r>
-              <a:rPr lang="de-DE" dirty="0" smtClean="0"/>
+              <a:rPr lang="de-DE" sz="2400" dirty="0" smtClean="0"/>
               <a:t> </a:t>
             </a:r>
             <a:r>
-              <a:rPr lang="de-DE" dirty="0" err="1" smtClean="0"/>
+              <a:rPr lang="de-DE" sz="2400" dirty="0" err="1" smtClean="0"/>
               <a:t>external</a:t>
             </a:r>
             <a:r>
-              <a:rPr lang="de-DE" dirty="0"/>
+              <a:rPr lang="de-DE" sz="2400" dirty="0"/>
               <a:t> </a:t>
             </a:r>
             <a:r>
-              <a:rPr lang="de-DE" dirty="0" err="1" smtClean="0"/>
+              <a:rPr lang="de-DE" sz="2400" dirty="0" err="1" smtClean="0"/>
               <a:t>systems</a:t>
             </a:r>
             <a:r>
-              <a:rPr lang="de-DE" dirty="0" smtClean="0"/>
+              <a:rPr lang="de-DE" sz="2400" dirty="0" smtClean="0"/>
               <a:t> (</a:t>
             </a:r>
             <a:r>
-              <a:rPr lang="de-DE" dirty="0" err="1" smtClean="0"/>
+              <a:rPr lang="de-DE" sz="2400" dirty="0" err="1" smtClean="0"/>
               <a:t>other</a:t>
             </a:r>
             <a:r>
-              <a:rPr lang="de-DE" dirty="0" smtClean="0"/>
+              <a:rPr lang="de-DE" sz="2400" dirty="0" smtClean="0"/>
               <a:t> </a:t>
             </a:r>
             <a:r>
-              <a:rPr lang="de-DE" dirty="0" err="1" smtClean="0"/>
+              <a:rPr lang="de-DE" sz="2400" dirty="0" err="1" smtClean="0"/>
               <a:t>cars</a:t>
             </a:r>
             <a:r>
-              <a:rPr lang="de-DE" dirty="0" smtClean="0"/>
+              <a:rPr lang="de-DE" sz="2400" dirty="0" smtClean="0"/>
               <a:t>, </a:t>
             </a:r>
             <a:r>
-              <a:rPr lang="de-DE" dirty="0" err="1" smtClean="0"/>
+              <a:rPr lang="de-DE" sz="2400" dirty="0" err="1" smtClean="0"/>
               <a:t>basestation</a:t>
             </a:r>
             <a:r>
-              <a:rPr lang="de-DE" dirty="0" smtClean="0"/>
+              <a:rPr lang="de-DE" sz="2400" dirty="0" smtClean="0"/>
               <a:t>, etc.) </a:t>
             </a:r>
-            <a:endParaRPr lang="de-DE" dirty="0"/>
+            <a:endParaRPr lang="de-DE" sz="2400" dirty="0"/>
           </a:p>
         </p:txBody>
       </p:sp>
@@ -5374,7 +5374,9 @@
           </a:xfrm>
         </p:spPr>
         <p:txBody>
-          <a:bodyPr/>
+          <a:bodyPr>
+            <a:noAutofit/>
+          </a:bodyPr>
           <a:lstStyle/>
           <a:p>
             <a:pPr>
@@ -5382,15 +5384,15 @@
               <a:buChar char="§"/>
             </a:pPr>
             <a:r>
-              <a:rPr lang="en-US" dirty="0" smtClean="0"/>
+              <a:rPr lang="en-US" sz="2400" dirty="0" smtClean="0"/>
               <a:t> 2x </a:t>
             </a:r>
             <a:r>
-              <a:rPr lang="en-US" dirty="0" err="1" smtClean="0"/>
+              <a:rPr lang="en-US" sz="2400" dirty="0" err="1" smtClean="0"/>
               <a:t>NiosII</a:t>
             </a:r>
             <a:r>
-              <a:rPr lang="en-US" dirty="0" smtClean="0"/>
+              <a:rPr lang="en-US" sz="2400" dirty="0" smtClean="0"/>
               <a:t> CPUs (each with their own JTAG, data/instruction memory)</a:t>
             </a:r>
           </a:p>
@@ -5400,11 +5402,11 @@
               <a:buChar char="§"/>
             </a:pPr>
             <a:r>
-              <a:rPr lang="en-US" dirty="0"/>
+              <a:rPr lang="en-US" sz="2400" dirty="0"/>
               <a:t> </a:t>
             </a:r>
             <a:r>
-              <a:rPr lang="en-US" dirty="0" smtClean="0"/>
+              <a:rPr lang="en-US" sz="2400" dirty="0" smtClean="0"/>
               <a:t>1x shared memory for inter-core communication</a:t>
             </a:r>
           </a:p>
@@ -5414,23 +5416,23 @@
               <a:buChar char="§"/>
             </a:pPr>
             <a:r>
-              <a:rPr lang="en-US" dirty="0"/>
+              <a:rPr lang="en-US" sz="2400" dirty="0"/>
               <a:t> </a:t>
             </a:r>
             <a:r>
-              <a:rPr lang="en-US" dirty="0" smtClean="0"/>
+              <a:rPr lang="en-US" sz="2400" dirty="0" smtClean="0"/>
               <a:t>Hardware </a:t>
             </a:r>
             <a:r>
-              <a:rPr lang="en-US" dirty="0" err="1" smtClean="0"/>
+              <a:rPr lang="en-US" sz="2400" dirty="0" err="1" smtClean="0"/>
               <a:t>mutexes</a:t>
             </a:r>
             <a:r>
-              <a:rPr lang="en-US" dirty="0"/>
+              <a:rPr lang="en-US" sz="2400" dirty="0"/>
               <a:t> </a:t>
             </a:r>
             <a:r>
-              <a:rPr lang="en-US" dirty="0" smtClean="0"/>
+              <a:rPr lang="en-US" sz="2400" dirty="0" smtClean="0"/>
               <a:t>for different shared memory areas</a:t>
             </a:r>
           </a:p>
@@ -5440,14 +5442,14 @@
               <a:buChar char="§"/>
             </a:pPr>
             <a:r>
-              <a:rPr lang="en-US" dirty="0"/>
+              <a:rPr lang="en-US" sz="2400" dirty="0"/>
               <a:t> </a:t>
             </a:r>
             <a:r>
-              <a:rPr lang="en-US" dirty="0" smtClean="0"/>
+              <a:rPr lang="en-US" sz="2400" dirty="0" smtClean="0"/>
               <a:t>Ethernet peripheral</a:t>
             </a:r>
-            <a:endParaRPr lang="en-US" dirty="0"/>
+            <a:endParaRPr lang="en-US" sz="2400" dirty="0"/>
           </a:p>
         </p:txBody>
       </p:sp>
@@ -7691,208 +7693,242 @@
             <p:ph idx="1"/>
           </p:nvPr>
         </p:nvSpPr>
-        <p:spPr/>
+        <p:spPr>
+          <a:xfrm>
+            <a:off x="1211136" y="1845734"/>
+            <a:ext cx="4364779" cy="4023360"/>
+          </a:xfrm>
+        </p:spPr>
         <p:txBody>
           <a:bodyPr>
-            <a:normAutofit fontScale="77500" lnSpcReduction="20000"/>
+            <a:normAutofit/>
           </a:bodyPr>
           <a:lstStyle/>
           <a:p>
             <a:pPr lvl="0"/>
             <a:r>
-              <a:rPr lang="en-GB" dirty="0" smtClean="0"/>
+              <a:rPr lang="en-GB" sz="2400" dirty="0" smtClean="0"/>
               <a:t>“</a:t>
             </a:r>
             <a:r>
-              <a:rPr lang="en-GB" dirty="0"/>
+              <a:rPr lang="en-GB" sz="2400" dirty="0"/>
               <a:t>00” </a:t>
             </a:r>
             <a:r>
-              <a:rPr lang="en-GB" dirty="0" err="1"/>
+              <a:rPr lang="en-GB" sz="2400" dirty="0" err="1"/>
               <a:t>InfoMessage</a:t>
             </a:r>
             <a:r>
-              <a:rPr lang="en-GB" dirty="0"/>
+              <a:rPr lang="en-GB" sz="2400" dirty="0"/>
               <a:t> (from station or other car)</a:t>
             </a:r>
-            <a:endParaRPr lang="de-DE" dirty="0"/>
+            <a:endParaRPr lang="de-DE" sz="2400" dirty="0"/>
           </a:p>
           <a:p>
             <a:pPr lvl="1"/>
             <a:r>
-              <a:rPr lang="en-GB" dirty="0" smtClean="0"/>
+              <a:rPr lang="en-GB" sz="2000" dirty="0" smtClean="0"/>
               <a:t>“00” </a:t>
             </a:r>
             <a:r>
-              <a:rPr lang="en-GB" dirty="0" err="1" smtClean="0"/>
+              <a:rPr lang="en-GB" sz="2000" dirty="0" err="1" smtClean="0"/>
               <a:t>currentSpeed</a:t>
             </a:r>
-            <a:endParaRPr lang="de-DE" dirty="0"/>
+            <a:endParaRPr lang="de-DE" sz="2000" dirty="0"/>
           </a:p>
           <a:p>
             <a:pPr lvl="1"/>
             <a:r>
-              <a:rPr lang="en-GB" dirty="0" smtClean="0"/>
+              <a:rPr lang="en-GB" sz="2000" dirty="0" smtClean="0"/>
               <a:t>“01” </a:t>
             </a:r>
             <a:r>
-              <a:rPr lang="en-GB" dirty="0" err="1" smtClean="0"/>
+              <a:rPr lang="en-GB" sz="2000" dirty="0" err="1" smtClean="0"/>
               <a:t>steeringInformation</a:t>
             </a:r>
-            <a:endParaRPr lang="de-DE" dirty="0"/>
-          </a:p>
-          <a:p>
-            <a:r>
-              <a:rPr lang="en-GB" dirty="0"/>
+            <a:endParaRPr lang="de-DE" sz="2000" dirty="0"/>
+          </a:p>
+          <a:p>
+            <a:r>
+              <a:rPr lang="en-GB" sz="2400" dirty="0"/>
               <a:t> </a:t>
             </a:r>
-            <a:endParaRPr lang="de-DE" dirty="0"/>
+            <a:endParaRPr lang="de-DE" sz="2400" dirty="0"/>
           </a:p>
           <a:p>
             <a:pPr lvl="0"/>
             <a:r>
-              <a:rPr lang="en-GB" dirty="0"/>
+              <a:rPr lang="en-GB" sz="2400" dirty="0"/>
               <a:t>“01” </a:t>
             </a:r>
             <a:r>
-              <a:rPr lang="en-GB" dirty="0" err="1"/>
+              <a:rPr lang="en-GB" sz="2400" dirty="0" err="1"/>
               <a:t>EmergencyInfoMessage</a:t>
             </a:r>
-            <a:endParaRPr lang="de-DE" dirty="0"/>
+            <a:endParaRPr lang="de-DE" sz="2400" dirty="0"/>
           </a:p>
           <a:p>
             <a:pPr lvl="1"/>
             <a:r>
-              <a:rPr lang="en-GB" dirty="0"/>
+              <a:rPr lang="en-GB" sz="2000" dirty="0"/>
               <a:t>“00” </a:t>
             </a:r>
             <a:r>
-              <a:rPr lang="en-GB" dirty="0" err="1" smtClean="0"/>
+              <a:rPr lang="en-GB" sz="2000" dirty="0" err="1" smtClean="0"/>
               <a:t>emerencyBreaking</a:t>
             </a:r>
-            <a:endParaRPr lang="de-DE" dirty="0"/>
-          </a:p>
-          <a:p>
-            <a:r>
-              <a:rPr lang="en-GB" dirty="0"/>
+            <a:endParaRPr lang="de-DE" sz="2000" dirty="0"/>
+          </a:p>
+          <a:p>
+            <a:r>
+              <a:rPr lang="en-GB" sz="2400" dirty="0"/>
               <a:t> </a:t>
             </a:r>
-            <a:endParaRPr lang="de-DE" dirty="0"/>
-          </a:p>
-          <a:p>
-            <a:pPr lvl="0"/>
-            <a:r>
-              <a:rPr lang="en-GB" dirty="0"/>
-              <a:t>“10” </a:t>
-            </a:r>
-            <a:r>
-              <a:rPr lang="en-GB" dirty="0" err="1"/>
-              <a:t>PollingMessage</a:t>
-            </a:r>
-            <a:r>
-              <a:rPr lang="en-GB" dirty="0"/>
-              <a:t> (from Image Processing Unit)</a:t>
-            </a:r>
-            <a:endParaRPr lang="de-DE" dirty="0"/>
+            <a:endParaRPr lang="de-DE" sz="2400" dirty="0"/>
           </a:p>
           <a:p>
             <a:pPr lvl="1"/>
-            <a:r>
-              <a:rPr lang="en-GB" dirty="0"/>
-              <a:t>“00” </a:t>
-            </a:r>
-            <a:r>
-              <a:rPr lang="en-GB" dirty="0" err="1" smtClean="0"/>
-              <a:t>pollInfoMessages</a:t>
-            </a:r>
-            <a:endParaRPr lang="de-DE" dirty="0"/>
-          </a:p>
-          <a:p>
-            <a:pPr lvl="1"/>
-            <a:r>
-              <a:rPr lang="en-GB" dirty="0"/>
-              <a:t>“</a:t>
-            </a:r>
-            <a:r>
-              <a:rPr lang="en-GB" dirty="0" smtClean="0"/>
-              <a:t>01” </a:t>
-            </a:r>
-            <a:r>
-              <a:rPr lang="en-GB" dirty="0" err="1" smtClean="0"/>
-              <a:t>pollOwnSpeedSensorData</a:t>
-            </a:r>
-            <a:endParaRPr lang="de-DE" dirty="0"/>
-          </a:p>
-          <a:p>
-            <a:pPr lvl="1"/>
-            <a:r>
-              <a:rPr lang="en-GB" dirty="0" smtClean="0"/>
-              <a:t>“10” </a:t>
-            </a:r>
-            <a:r>
-              <a:rPr lang="en-GB" dirty="0" err="1" smtClean="0"/>
-              <a:t>pollIRSensorData</a:t>
-            </a:r>
-            <a:endParaRPr lang="de-DE" dirty="0"/>
-          </a:p>
-          <a:p>
-            <a:r>
-              <a:rPr lang="en-GB" dirty="0"/>
-              <a:t> </a:t>
-            </a:r>
-            <a:endParaRPr lang="de-DE" dirty="0"/>
-          </a:p>
-          <a:p>
-            <a:pPr lvl="0"/>
-            <a:r>
-              <a:rPr lang="en-GB" dirty="0"/>
-              <a:t>“11” </a:t>
-            </a:r>
-            <a:r>
-              <a:rPr lang="en-GB" dirty="0" err="1"/>
-              <a:t>ControlMessage</a:t>
-            </a:r>
-            <a:r>
-              <a:rPr lang="en-GB" dirty="0"/>
-              <a:t> (station </a:t>
-            </a:r>
-            <a:r>
-              <a:rPr lang="en-GB" dirty="0" smtClean="0"/>
-              <a:t>or Image Processing Unit to </a:t>
-            </a:r>
-            <a:r>
-              <a:rPr lang="en-GB" dirty="0"/>
-              <a:t>Remote-Control the </a:t>
-            </a:r>
-            <a:r>
-              <a:rPr lang="en-GB" dirty="0" smtClean="0"/>
-              <a:t>Car)</a:t>
-            </a:r>
-          </a:p>
-          <a:p>
-            <a:pPr lvl="1"/>
-            <a:r>
-              <a:rPr lang="en-GB" dirty="0"/>
-              <a:t>“00” </a:t>
-            </a:r>
-            <a:r>
-              <a:rPr lang="en-GB" dirty="0" err="1" smtClean="0"/>
-              <a:t>setMotorControlMessage</a:t>
-            </a:r>
-            <a:r>
-              <a:rPr lang="en-GB" dirty="0" smtClean="0"/>
-              <a:t> </a:t>
-            </a:r>
-          </a:p>
-          <a:p>
-            <a:pPr lvl="1"/>
-            <a:endParaRPr lang="en-GB" dirty="0"/>
+            <a:endParaRPr lang="en-GB" sz="2000" dirty="0"/>
           </a:p>
           <a:p>
             <a:pPr marL="201168" lvl="1" indent="0">
               <a:buNone/>
             </a:pPr>
-            <a:endParaRPr lang="de-DE" dirty="0"/>
+            <a:endParaRPr lang="de-DE" sz="2000" dirty="0"/>
+          </a:p>
+        </p:txBody>
+      </p:sp>
+      <p:sp>
+        <p:nvSpPr>
+          <p:cNvPr id="4" name="Textfeld 3"/>
+          <p:cNvSpPr txBox="1"/>
+          <p:nvPr/>
+        </p:nvSpPr>
+        <p:spPr>
+          <a:xfrm>
+            <a:off x="5575915" y="1845734"/>
+            <a:ext cx="6427195" cy="4093428"/>
+          </a:xfrm>
+          <a:prstGeom prst="rect">
+            <a:avLst/>
+          </a:prstGeom>
+          <a:noFill/>
+        </p:spPr>
+        <p:txBody>
+          <a:bodyPr wrap="square" rtlCol="0">
+            <a:spAutoFit/>
+          </a:bodyPr>
+          <a:lstStyle/>
+          <a:p>
+            <a:pPr lvl="0"/>
+            <a:endParaRPr lang="en-GB" sz="1400" dirty="0" smtClean="0"/>
+          </a:p>
+          <a:p>
+            <a:pPr lvl="0"/>
+            <a:endParaRPr lang="en-GB" sz="1400" dirty="0"/>
+          </a:p>
+          <a:p>
+            <a:pPr lvl="0"/>
+            <a:endParaRPr lang="en-GB" sz="2000" dirty="0" smtClean="0"/>
+          </a:p>
+          <a:p>
+            <a:pPr lvl="0"/>
+            <a:r>
+              <a:rPr lang="en-GB" sz="2400" dirty="0" smtClean="0"/>
+              <a:t>“</a:t>
+            </a:r>
+            <a:r>
+              <a:rPr lang="en-GB" sz="2400" dirty="0"/>
+              <a:t>10” </a:t>
+            </a:r>
+            <a:r>
+              <a:rPr lang="en-GB" sz="2400" dirty="0" err="1"/>
+              <a:t>PollingMessage</a:t>
+            </a:r>
+            <a:r>
+              <a:rPr lang="en-GB" sz="2400" dirty="0"/>
+              <a:t> (from Image Processing Unit)</a:t>
+            </a:r>
+            <a:endParaRPr lang="de-DE" sz="2400" dirty="0"/>
+          </a:p>
+          <a:p>
+            <a:pPr lvl="1"/>
+            <a:r>
+              <a:rPr lang="en-GB" sz="2000" dirty="0"/>
+              <a:t>“00” </a:t>
+            </a:r>
+            <a:r>
+              <a:rPr lang="en-GB" sz="2000" dirty="0" err="1"/>
+              <a:t>pollInfoMessages</a:t>
+            </a:r>
+            <a:endParaRPr lang="de-DE" sz="2000" dirty="0"/>
+          </a:p>
+          <a:p>
+            <a:pPr lvl="1"/>
+            <a:r>
+              <a:rPr lang="en-GB" sz="2000" dirty="0"/>
+              <a:t>“01” </a:t>
+            </a:r>
+            <a:r>
+              <a:rPr lang="en-GB" sz="2000" dirty="0" err="1"/>
+              <a:t>pollOwnSpeedSensorData</a:t>
+            </a:r>
+            <a:endParaRPr lang="de-DE" sz="2000" dirty="0"/>
+          </a:p>
+          <a:p>
+            <a:pPr lvl="1"/>
+            <a:r>
+              <a:rPr lang="en-GB" sz="2000" dirty="0"/>
+              <a:t>“10” </a:t>
+            </a:r>
+            <a:r>
+              <a:rPr lang="en-GB" sz="2000" dirty="0" err="1"/>
+              <a:t>pollIRSensorData</a:t>
+            </a:r>
+            <a:endParaRPr lang="de-DE" sz="2000" dirty="0"/>
+          </a:p>
+          <a:p>
+            <a:r>
+              <a:rPr lang="en-GB" sz="2000" dirty="0"/>
+              <a:t> </a:t>
+            </a:r>
+            <a:endParaRPr lang="en-GB" sz="2000" dirty="0" smtClean="0"/>
+          </a:p>
+          <a:p>
+            <a:endParaRPr lang="de-DE" sz="2000" dirty="0"/>
+          </a:p>
+          <a:p>
+            <a:pPr lvl="0"/>
+            <a:r>
+              <a:rPr lang="en-GB" sz="2400" dirty="0"/>
+              <a:t>“11” </a:t>
+            </a:r>
+            <a:r>
+              <a:rPr lang="en-GB" sz="2400" dirty="0" err="1"/>
+              <a:t>ControlMessage</a:t>
+            </a:r>
+            <a:r>
+              <a:rPr lang="en-GB" sz="2400" dirty="0"/>
+              <a:t> (station or Image Processing Unit to Remote-Control the Car)</a:t>
+            </a:r>
+          </a:p>
+          <a:p>
+            <a:pPr lvl="1"/>
+            <a:r>
+              <a:rPr lang="en-GB" sz="2000" dirty="0"/>
+              <a:t>“00” </a:t>
+            </a:r>
+            <a:r>
+              <a:rPr lang="en-GB" sz="2000" dirty="0" err="1"/>
+              <a:t>setMotorControlMessage</a:t>
+            </a:r>
+            <a:r>
+              <a:rPr lang="en-GB" sz="2000" dirty="0"/>
+              <a:t> </a:t>
+            </a:r>
+          </a:p>
+          <a:p>
+            <a:endParaRPr lang="de-DE" sz="2000" dirty="0"/>
           </a:p>
         </p:txBody>
       </p:sp>

--- a/doc/MidTerm.pptx
+++ b/doc/MidTerm.pptx
@@ -400,7 +400,7 @@
           <a:p>
             <a:fld id="{19A2A861-15C4-4629-B6A2-6C8A398F0482}" type="slidenum">
               <a:rPr lang="de-DE" smtClean="0"/>
-              <a:t>‹Nr.›</a:t>
+              <a:t>‹#›</a:t>
             </a:fld>
             <a:endParaRPr lang="de-DE"/>
           </a:p>
@@ -608,7 +608,7 @@
           <a:p>
             <a:fld id="{19A2A861-15C4-4629-B6A2-6C8A398F0482}" type="slidenum">
               <a:rPr lang="de-DE" smtClean="0"/>
-              <a:t>‹Nr.›</a:t>
+              <a:t>‹#›</a:t>
             </a:fld>
             <a:endParaRPr lang="de-DE"/>
           </a:p>
@@ -864,7 +864,7 @@
           <a:p>
             <a:fld id="{19A2A861-15C4-4629-B6A2-6C8A398F0482}" type="slidenum">
               <a:rPr lang="de-DE" smtClean="0"/>
-              <a:t>‹Nr.›</a:t>
+              <a:t>‹#›</a:t>
             </a:fld>
             <a:endParaRPr lang="de-DE"/>
           </a:p>
@@ -1038,7 +1038,7 @@
           <a:p>
             <a:fld id="{19A2A861-15C4-4629-B6A2-6C8A398F0482}" type="slidenum">
               <a:rPr lang="de-DE" smtClean="0"/>
-              <a:t>‹Nr.›</a:t>
+              <a:t>‹#›</a:t>
             </a:fld>
             <a:endParaRPr lang="de-DE"/>
           </a:p>
@@ -1381,7 +1381,7 @@
           <a:p>
             <a:fld id="{19A2A861-15C4-4629-B6A2-6C8A398F0482}" type="slidenum">
               <a:rPr lang="de-DE" smtClean="0"/>
-              <a:t>‹Nr.›</a:t>
+              <a:t>‹#›</a:t>
             </a:fld>
             <a:endParaRPr lang="de-DE"/>
           </a:p>
@@ -1656,7 +1656,7 @@
           <a:p>
             <a:fld id="{19A2A861-15C4-4629-B6A2-6C8A398F0482}" type="slidenum">
               <a:rPr lang="de-DE" smtClean="0"/>
-              <a:t>‹Nr.›</a:t>
+              <a:t>‹#›</a:t>
             </a:fld>
             <a:endParaRPr lang="de-DE"/>
           </a:p>
@@ -2035,7 +2035,7 @@
           <a:p>
             <a:fld id="{19A2A861-15C4-4629-B6A2-6C8A398F0482}" type="slidenum">
               <a:rPr lang="de-DE" smtClean="0"/>
-              <a:t>‹Nr.›</a:t>
+              <a:t>‹#›</a:t>
             </a:fld>
             <a:endParaRPr lang="de-DE"/>
           </a:p>
@@ -2153,7 +2153,7 @@
           <a:p>
             <a:fld id="{19A2A861-15C4-4629-B6A2-6C8A398F0482}" type="slidenum">
               <a:rPr lang="de-DE" smtClean="0"/>
-              <a:t>‹Nr.›</a:t>
+              <a:t>‹#›</a:t>
             </a:fld>
             <a:endParaRPr lang="de-DE"/>
           </a:p>
@@ -2332,7 +2332,7 @@
           <a:p>
             <a:fld id="{19A2A861-15C4-4629-B6A2-6C8A398F0482}" type="slidenum">
               <a:rPr lang="de-DE" smtClean="0"/>
-              <a:t>‹Nr.›</a:t>
+              <a:t>‹#›</a:t>
             </a:fld>
             <a:endParaRPr lang="de-DE"/>
           </a:p>
@@ -2699,7 +2699,7 @@
           <a:p>
             <a:fld id="{19A2A861-15C4-4629-B6A2-6C8A398F0482}" type="slidenum">
               <a:rPr lang="de-DE" smtClean="0"/>
-              <a:t>‹Nr.›</a:t>
+              <a:t>‹#›</a:t>
             </a:fld>
             <a:endParaRPr lang="de-DE"/>
           </a:p>
@@ -3060,7 +3060,7 @@
           <a:p>
             <a:fld id="{19A2A861-15C4-4629-B6A2-6C8A398F0482}" type="slidenum">
               <a:rPr lang="de-DE" smtClean="0"/>
-              <a:t>‹Nr.›</a:t>
+              <a:t>‹#›</a:t>
             </a:fld>
             <a:endParaRPr lang="de-DE"/>
           </a:p>
@@ -3379,7 +3379,7 @@
           <a:p>
             <a:fld id="{19A2A861-15C4-4629-B6A2-6C8A398F0482}" type="slidenum">
               <a:rPr lang="de-DE" smtClean="0"/>
-              <a:t>‹Nr.›</a:t>
+              <a:t>‹#›</a:t>
             </a:fld>
             <a:endParaRPr lang="de-DE"/>
           </a:p>
@@ -5369,8 +5369,8 @@
         </p:nvSpPr>
         <p:spPr>
           <a:xfrm>
-            <a:off x="1097280" y="2445974"/>
-            <a:ext cx="4937760" cy="2800156"/>
+            <a:off x="1097280" y="2445973"/>
+            <a:ext cx="4937760" cy="3016363"/>
           </a:xfrm>
         </p:spPr>
         <p:txBody>
@@ -5447,7 +5447,11 @@
             </a:r>
             <a:r>
               <a:rPr lang="en-US" sz="2400" dirty="0" smtClean="0"/>
-              <a:t>Ethernet peripheral</a:t>
+              <a:t>Ethernet </a:t>
+            </a:r>
+            <a:r>
+              <a:rPr lang="en-US" sz="2400" dirty="0" smtClean="0"/>
+              <a:t>controller</a:t>
             </a:r>
             <a:endParaRPr lang="en-US" sz="2400" dirty="0"/>
           </a:p>
@@ -5615,6 +5619,11 @@
             <a:prstGeom prst="roundRect">
               <a:avLst/>
             </a:prstGeom>
+            <a:solidFill>
+              <a:schemeClr val="bg2">
+                <a:lumMod val="50000"/>
+              </a:schemeClr>
+            </a:solidFill>
           </p:spPr>
           <p:style>
             <a:lnRef idx="2">
@@ -5684,6 +5693,9 @@
             <a:prstGeom prst="roundRect">
               <a:avLst/>
             </a:prstGeom>
+            <a:solidFill>
+              <a:schemeClr val="accent4"/>
+            </a:solidFill>
           </p:spPr>
           <p:style>
             <a:lnRef idx="2">
@@ -5732,10 +5744,10 @@
                 </a:spcAft>
               </a:pPr>
               <a:r>
-                <a:rPr lang="en-US" sz="2800" kern="1200" dirty="0" err="1" smtClean="0"/>
+                <a:rPr lang="en-US" sz="2000" kern="1200" dirty="0" err="1" smtClean="0"/>
                 <a:t>WiPort</a:t>
               </a:r>
-              <a:endParaRPr lang="en-US" sz="2800" kern="1200" dirty="0"/>
+              <a:endParaRPr lang="en-US" sz="2000" kern="1200" dirty="0"/>
             </a:p>
           </p:txBody>
         </p:sp>
@@ -5753,6 +5765,12 @@
             <a:prstGeom prst="roundRect">
               <a:avLst/>
             </a:prstGeom>
+            <a:solidFill>
+              <a:schemeClr val="tx1">
+                <a:lumMod val="65000"/>
+                <a:lumOff val="35000"/>
+              </a:schemeClr>
+            </a:solidFill>
           </p:spPr>
           <p:style>
             <a:lnRef idx="2">
@@ -5816,7 +5834,7 @@
           </p:nvCxnSpPr>
           <p:spPr>
             <a:xfrm>
-              <a:off x="5810546" y="4037893"/>
+              <a:off x="5810546" y="4025861"/>
               <a:ext cx="368338" cy="0"/>
             </a:xfrm>
             <a:prstGeom prst="line">
@@ -5851,9 +5869,9 @@
           <p:grpSpPr>
             <a:xfrm>
               <a:off x="1896418" y="2494452"/>
-              <a:ext cx="3889677" cy="2518872"/>
+              <a:ext cx="3914128" cy="2518872"/>
               <a:chOff x="166255" y="2884401"/>
-              <a:chExt cx="3889677" cy="2518872"/>
+              <a:chExt cx="3914128" cy="2518872"/>
             </a:xfrm>
           </p:grpSpPr>
           <p:grpSp>
@@ -6372,47 +6390,14 @@
           </p:grpSp>
           <p:cxnSp>
             <p:nvCxnSpPr>
-              <p:cNvPr id="61" name="Straight Connector 60"/>
-              <p:cNvCxnSpPr/>
-              <p:nvPr/>
-            </p:nvCxnSpPr>
-            <p:spPr>
-              <a:xfrm flipH="1">
-                <a:off x="3915538" y="4423355"/>
-                <a:ext cx="140393" cy="0"/>
-              </a:xfrm>
-              <a:prstGeom prst="line">
-                <a:avLst/>
-              </a:prstGeom>
-              <a:ln cap="rnd">
-                <a:prstDash val="sysDash"/>
-              </a:ln>
-            </p:spPr>
-            <p:style>
-              <a:lnRef idx="2">
-                <a:schemeClr val="dk1"/>
-              </a:lnRef>
-              <a:fillRef idx="0">
-                <a:schemeClr val="dk1"/>
-              </a:fillRef>
-              <a:effectRef idx="1">
-                <a:schemeClr val="dk1"/>
-              </a:effectRef>
-              <a:fontRef idx="minor">
-                <a:schemeClr val="tx1"/>
-              </a:fontRef>
-            </p:style>
-          </p:cxnSp>
-          <p:cxnSp>
-            <p:nvCxnSpPr>
               <p:cNvPr id="63" name="Straight Connector 62"/>
               <p:cNvCxnSpPr/>
               <p:nvPr/>
             </p:nvCxnSpPr>
             <p:spPr>
               <a:xfrm flipH="1">
-                <a:off x="3592265" y="4423355"/>
-                <a:ext cx="323273" cy="0"/>
+                <a:off x="3592266" y="4420147"/>
+                <a:ext cx="488117" cy="0"/>
               </a:xfrm>
               <a:prstGeom prst="line">
                 <a:avLst/>
@@ -6839,6 +6824,11 @@
             <a:prstGeom prst="roundRect">
               <a:avLst/>
             </a:prstGeom>
+            <a:solidFill>
+              <a:schemeClr val="bg2">
+                <a:lumMod val="50000"/>
+              </a:schemeClr>
+            </a:solidFill>
           </p:spPr>
           <p:style>
             <a:lnRef idx="2">
@@ -6887,7 +6877,7 @@
                 </a:spcAft>
               </a:pPr>
               <a:r>
-                <a:rPr lang="en-US" sz="2400" dirty="0"/>
+                <a:rPr lang="en-US" sz="2000" dirty="0"/>
                 <a:t>Other sensing</a:t>
               </a:r>
             </a:p>
@@ -6909,45 +6899,6 @@
             </a:xfrm>
             <a:prstGeom prst="bentConnector3">
               <a:avLst/>
-            </a:prstGeom>
-            <a:ln>
-              <a:headEnd type="triangle"/>
-              <a:tailEnd type="triangle"/>
-            </a:ln>
-          </p:spPr>
-          <p:style>
-            <a:lnRef idx="2">
-              <a:schemeClr val="dk1"/>
-            </a:lnRef>
-            <a:fillRef idx="0">
-              <a:schemeClr val="dk1"/>
-            </a:fillRef>
-            <a:effectRef idx="1">
-              <a:schemeClr val="dk1"/>
-            </a:effectRef>
-            <a:fontRef idx="minor">
-              <a:schemeClr val="tx1"/>
-            </a:fontRef>
-          </p:style>
-        </p:cxnSp>
-        <p:cxnSp>
-          <p:nvCxnSpPr>
-            <p:cNvPr id="10" name="Elbow Connector 9"/>
-            <p:cNvCxnSpPr>
-              <a:stCxn id="18" idx="3"/>
-              <a:endCxn id="17" idx="1"/>
-            </p:cNvCxnSpPr>
-            <p:nvPr/>
-          </p:nvCxnSpPr>
-          <p:spPr>
-            <a:xfrm>
-              <a:off x="7995922" y="4019567"/>
-              <a:ext cx="982165" cy="304958"/>
-            </a:xfrm>
-            <a:prstGeom prst="bentConnector3">
-              <a:avLst>
-                <a:gd name="adj1" fmla="val 50001"/>
-              </a:avLst>
             </a:prstGeom>
             <a:ln>
               <a:headEnd type="triangle"/>
@@ -7044,6 +6995,131 @@
           </p:style>
         </p:cxnSp>
       </p:grpSp>
+      <p:sp>
+        <p:nvSpPr>
+          <p:cNvPr id="3" name="Folded Corner 2"/>
+          <p:cNvSpPr/>
+          <p:nvPr/>
+        </p:nvSpPr>
+        <p:spPr>
+          <a:xfrm>
+            <a:off x="6323398" y="2424410"/>
+            <a:ext cx="1528010" cy="914400"/>
+          </a:xfrm>
+          <a:prstGeom prst="foldedCorner">
+            <a:avLst/>
+          </a:prstGeom>
+          <a:solidFill>
+            <a:schemeClr val="accent4">
+              <a:lumMod val="20000"/>
+              <a:lumOff val="80000"/>
+            </a:schemeClr>
+          </a:solidFill>
+        </p:spPr>
+        <p:style>
+          <a:lnRef idx="2">
+            <a:schemeClr val="accent1">
+              <a:shade val="50000"/>
+            </a:schemeClr>
+          </a:lnRef>
+          <a:fillRef idx="1">
+            <a:schemeClr val="accent1"/>
+          </a:fillRef>
+          <a:effectRef idx="0">
+            <a:schemeClr val="accent1"/>
+          </a:effectRef>
+          <a:fontRef idx="minor">
+            <a:schemeClr val="lt1"/>
+          </a:fontRef>
+        </p:style>
+        <p:txBody>
+          <a:bodyPr rtlCol="0" anchor="ctr"/>
+          <a:lstStyle/>
+          <a:p>
+            <a:r>
+              <a:rPr lang="en-US" b="1" dirty="0" smtClean="0">
+                <a:solidFill>
+                  <a:schemeClr val="tx1"/>
+                </a:solidFill>
+              </a:rPr>
+              <a:t>Telnet</a:t>
+            </a:r>
+            <a:r>
+              <a:rPr lang="en-US" dirty="0" smtClean="0">
+                <a:solidFill>
+                  <a:schemeClr val="tx1"/>
+                </a:solidFill>
+              </a:rPr>
+              <a:t> </a:t>
+            </a:r>
+            <a:r>
+              <a:rPr lang="en-US" dirty="0" err="1" smtClean="0">
+                <a:solidFill>
+                  <a:schemeClr val="tx1"/>
+                </a:solidFill>
+              </a:rPr>
+              <a:t>CarProtocol</a:t>
+            </a:r>
+            <a:endParaRPr lang="en-US" dirty="0">
+              <a:solidFill>
+                <a:schemeClr val="tx1"/>
+              </a:solidFill>
+            </a:endParaRPr>
+          </a:p>
+          <a:p>
+            <a:r>
+              <a:rPr lang="en-US" dirty="0" smtClean="0">
+                <a:solidFill>
+                  <a:schemeClr val="tx1"/>
+                </a:solidFill>
+              </a:rPr>
+              <a:t>C2xProtocol</a:t>
+            </a:r>
+            <a:endParaRPr lang="en-US" dirty="0">
+              <a:solidFill>
+                <a:schemeClr val="tx1"/>
+              </a:solidFill>
+            </a:endParaRPr>
+          </a:p>
+        </p:txBody>
+      </p:sp>
+      <p:cxnSp>
+        <p:nvCxnSpPr>
+          <p:cNvPr id="8" name="Elbow Connector 7"/>
+          <p:cNvCxnSpPr>
+            <a:stCxn id="18" idx="3"/>
+            <a:endCxn id="17" idx="1"/>
+          </p:cNvCxnSpPr>
+          <p:nvPr/>
+        </p:nvCxnSpPr>
+        <p:spPr>
+          <a:xfrm>
+            <a:off x="7995922" y="4019567"/>
+            <a:ext cx="982165" cy="304958"/>
+          </a:xfrm>
+          <a:prstGeom prst="bentConnector3">
+            <a:avLst/>
+          </a:prstGeom>
+          <a:ln>
+            <a:headEnd type="triangle"/>
+            <a:tailEnd type="triangle"/>
+          </a:ln>
+        </p:spPr>
+        <p:style>
+          <a:lnRef idx="1">
+            <a:schemeClr val="dk1"/>
+          </a:lnRef>
+          <a:fillRef idx="0">
+            <a:schemeClr val="dk1"/>
+          </a:fillRef>
+          <a:effectRef idx="0">
+            <a:schemeClr val="dk1"/>
+          </a:effectRef>
+          <a:fontRef idx="minor">
+            <a:schemeClr val="tx1"/>
+          </a:fontRef>
+        </p:style>
+      </p:cxnSp>
     </p:spTree>
     <p:extLst>
       <p:ext uri="{BB962C8B-B14F-4D97-AF65-F5344CB8AC3E}">

--- a/doc/MidTerm.pptx
+++ b/doc/MidTerm.pptx
@@ -400,7 +400,7 @@
           <a:p>
             <a:fld id="{19A2A861-15C4-4629-B6A2-6C8A398F0482}" type="slidenum">
               <a:rPr lang="de-DE" smtClean="0"/>
-              <a:t>‹#›</a:t>
+              <a:t>‹Nr.›</a:t>
             </a:fld>
             <a:endParaRPr lang="de-DE"/>
           </a:p>
@@ -608,7 +608,7 @@
           <a:p>
             <a:fld id="{19A2A861-15C4-4629-B6A2-6C8A398F0482}" type="slidenum">
               <a:rPr lang="de-DE" smtClean="0"/>
-              <a:t>‹#›</a:t>
+              <a:t>‹Nr.›</a:t>
             </a:fld>
             <a:endParaRPr lang="de-DE"/>
           </a:p>
@@ -864,7 +864,7 @@
           <a:p>
             <a:fld id="{19A2A861-15C4-4629-B6A2-6C8A398F0482}" type="slidenum">
               <a:rPr lang="de-DE" smtClean="0"/>
-              <a:t>‹#›</a:t>
+              <a:t>‹Nr.›</a:t>
             </a:fld>
             <a:endParaRPr lang="de-DE"/>
           </a:p>
@@ -1038,7 +1038,7 @@
           <a:p>
             <a:fld id="{19A2A861-15C4-4629-B6A2-6C8A398F0482}" type="slidenum">
               <a:rPr lang="de-DE" smtClean="0"/>
-              <a:t>‹#›</a:t>
+              <a:t>‹Nr.›</a:t>
             </a:fld>
             <a:endParaRPr lang="de-DE"/>
           </a:p>
@@ -1381,7 +1381,7 @@
           <a:p>
             <a:fld id="{19A2A861-15C4-4629-B6A2-6C8A398F0482}" type="slidenum">
               <a:rPr lang="de-DE" smtClean="0"/>
-              <a:t>‹#›</a:t>
+              <a:t>‹Nr.›</a:t>
             </a:fld>
             <a:endParaRPr lang="de-DE"/>
           </a:p>
@@ -1656,7 +1656,7 @@
           <a:p>
             <a:fld id="{19A2A861-15C4-4629-B6A2-6C8A398F0482}" type="slidenum">
               <a:rPr lang="de-DE" smtClean="0"/>
-              <a:t>‹#›</a:t>
+              <a:t>‹Nr.›</a:t>
             </a:fld>
             <a:endParaRPr lang="de-DE"/>
           </a:p>
@@ -2035,7 +2035,7 @@
           <a:p>
             <a:fld id="{19A2A861-15C4-4629-B6A2-6C8A398F0482}" type="slidenum">
               <a:rPr lang="de-DE" smtClean="0"/>
-              <a:t>‹#›</a:t>
+              <a:t>‹Nr.›</a:t>
             </a:fld>
             <a:endParaRPr lang="de-DE"/>
           </a:p>
@@ -2153,7 +2153,7 @@
           <a:p>
             <a:fld id="{19A2A861-15C4-4629-B6A2-6C8A398F0482}" type="slidenum">
               <a:rPr lang="de-DE" smtClean="0"/>
-              <a:t>‹#›</a:t>
+              <a:t>‹Nr.›</a:t>
             </a:fld>
             <a:endParaRPr lang="de-DE"/>
           </a:p>
@@ -2332,7 +2332,7 @@
           <a:p>
             <a:fld id="{19A2A861-15C4-4629-B6A2-6C8A398F0482}" type="slidenum">
               <a:rPr lang="de-DE" smtClean="0"/>
-              <a:t>‹#›</a:t>
+              <a:t>‹Nr.›</a:t>
             </a:fld>
             <a:endParaRPr lang="de-DE"/>
           </a:p>
@@ -2699,7 +2699,7 @@
           <a:p>
             <a:fld id="{19A2A861-15C4-4629-B6A2-6C8A398F0482}" type="slidenum">
               <a:rPr lang="de-DE" smtClean="0"/>
-              <a:t>‹#›</a:t>
+              <a:t>‹Nr.›</a:t>
             </a:fld>
             <a:endParaRPr lang="de-DE"/>
           </a:p>
@@ -3060,7 +3060,7 @@
           <a:p>
             <a:fld id="{19A2A861-15C4-4629-B6A2-6C8A398F0482}" type="slidenum">
               <a:rPr lang="de-DE" smtClean="0"/>
-              <a:t>‹#›</a:t>
+              <a:t>‹Nr.›</a:t>
             </a:fld>
             <a:endParaRPr lang="de-DE"/>
           </a:p>
@@ -3379,7 +3379,7 @@
           <a:p>
             <a:fld id="{19A2A861-15C4-4629-B6A2-6C8A398F0482}" type="slidenum">
               <a:rPr lang="de-DE" smtClean="0"/>
-              <a:t>‹#›</a:t>
+              <a:t>‹Nr.›</a:t>
             </a:fld>
             <a:endParaRPr lang="de-DE"/>
           </a:p>
@@ -3850,8 +3850,12 @@
               <a:t>Car2X </a:t>
             </a:r>
             <a:r>
-              <a:rPr lang="en-US" dirty="0" smtClean="0"/>
-              <a:t>communication</a:t>
+              <a:rPr lang="de-DE" dirty="0" smtClean="0"/>
+              <a:t>C</a:t>
+            </a:r>
+            <a:r>
+              <a:rPr lang="en-US" dirty="0" err="1" smtClean="0"/>
+              <a:t>ommunication</a:t>
             </a:r>
             <a:endParaRPr lang="en-US" dirty="0"/>
           </a:p>
@@ -3978,7 +3982,7 @@
             </a:r>
             <a:r>
               <a:rPr lang="de-DE" dirty="0" err="1" smtClean="0"/>
-              <a:t>steps</a:t>
+              <a:t>Steps</a:t>
             </a:r>
             <a:endParaRPr lang="de-DE" dirty="0"/>
           </a:p>
@@ -4189,7 +4193,11 @@
           <a:p>
             <a:r>
               <a:rPr lang="de-DE" dirty="0" smtClean="0"/>
-              <a:t>Project goal</a:t>
+              <a:t>Project </a:t>
+            </a:r>
+            <a:r>
+              <a:rPr lang="de-DE" dirty="0" smtClean="0"/>
+              <a:t>Goal</a:t>
             </a:r>
             <a:endParaRPr lang="de-DE" dirty="0"/>
           </a:p>
@@ -4311,7 +4319,15 @@
           <a:p>
             <a:r>
               <a:rPr lang="en-US" dirty="0" smtClean="0"/>
-              <a:t>Main working steps so far</a:t>
+              <a:t>Main </a:t>
+            </a:r>
+            <a:r>
+              <a:rPr lang="en-US" dirty="0" smtClean="0"/>
+              <a:t>Working Steps </a:t>
+            </a:r>
+            <a:r>
+              <a:rPr lang="en-US" dirty="0" smtClean="0"/>
+              <a:t>so far</a:t>
             </a:r>
             <a:endParaRPr lang="en-US" dirty="0"/>
           </a:p>
@@ -5447,11 +5463,7 @@
             </a:r>
             <a:r>
               <a:rPr lang="en-US" sz="2400" dirty="0" smtClean="0"/>
-              <a:t>Ethernet </a:t>
-            </a:r>
-            <a:r>
-              <a:rPr lang="en-US" sz="2400" dirty="0" smtClean="0"/>
-              <a:t>controller</a:t>
+              <a:t>Ethernet controller</a:t>
             </a:r>
             <a:endParaRPr lang="en-US" sz="2400" dirty="0"/>
           </a:p>
@@ -5511,7 +5523,11 @@
           <a:p>
             <a:r>
               <a:rPr lang="de-DE" dirty="0" smtClean="0"/>
-              <a:t>Communication flow</a:t>
+              <a:t>Communication </a:t>
+            </a:r>
+            <a:r>
+              <a:rPr lang="de-DE" dirty="0" smtClean="0"/>
+              <a:t>Flow</a:t>
             </a:r>
             <a:endParaRPr lang="de-DE" dirty="0"/>
           </a:p>
